--- a/Group Twitter Stream - Project1.pptx
+++ b/Group Twitter Stream - Project1.pptx
@@ -6,7 +6,7 @@
     <p:sldMasterId id="2147483667" r:id="rId2"/>
   </p:sldMasterIdLst>
   <p:notesMasterIdLst>
-    <p:notesMasterId r:id="rId21"/>
+    <p:notesMasterId r:id="rId24"/>
   </p:notesMasterIdLst>
   <p:sldIdLst>
     <p:sldId id="256" r:id="rId3"/>
@@ -15,28 +15,31 @@
     <p:sldId id="259" r:id="rId6"/>
     <p:sldId id="260" r:id="rId7"/>
     <p:sldId id="263" r:id="rId8"/>
-    <p:sldId id="264" r:id="rId9"/>
-    <p:sldId id="265" r:id="rId10"/>
-    <p:sldId id="266" r:id="rId11"/>
-    <p:sldId id="267" r:id="rId12"/>
-    <p:sldId id="268" r:id="rId13"/>
-    <p:sldId id="269" r:id="rId14"/>
-    <p:sldId id="270" r:id="rId15"/>
-    <p:sldId id="271" r:id="rId16"/>
-    <p:sldId id="272" r:id="rId17"/>
-    <p:sldId id="273" r:id="rId18"/>
-    <p:sldId id="276" r:id="rId19"/>
-    <p:sldId id="277" r:id="rId20"/>
+    <p:sldId id="278" r:id="rId9"/>
+    <p:sldId id="279" r:id="rId10"/>
+    <p:sldId id="264" r:id="rId11"/>
+    <p:sldId id="280" r:id="rId12"/>
+    <p:sldId id="265" r:id="rId13"/>
+    <p:sldId id="266" r:id="rId14"/>
+    <p:sldId id="267" r:id="rId15"/>
+    <p:sldId id="268" r:id="rId16"/>
+    <p:sldId id="269" r:id="rId17"/>
+    <p:sldId id="270" r:id="rId18"/>
+    <p:sldId id="271" r:id="rId19"/>
+    <p:sldId id="272" r:id="rId20"/>
+    <p:sldId id="273" r:id="rId21"/>
+    <p:sldId id="276" r:id="rId22"/>
+    <p:sldId id="277" r:id="rId23"/>
   </p:sldIdLst>
   <p:sldSz cx="12192000" cy="6858000"/>
   <p:notesSz cx="6858000" cy="9144000"/>
   <p:embeddedFontLst>
     <p:embeddedFont>
       <p:font typeface="Century Gothic" panose="020B0502020202020204" pitchFamily="34" charset="0"/>
-      <p:regular r:id="rId22"/>
-      <p:bold r:id="rId23"/>
-      <p:italic r:id="rId24"/>
-      <p:boldItalic r:id="rId25"/>
+      <p:regular r:id="rId25"/>
+      <p:bold r:id="rId26"/>
+      <p:italic r:id="rId27"/>
+      <p:boldItalic r:id="rId28"/>
     </p:embeddedFont>
   </p:embeddedFontLst>
   <p:defaultTextStyle>
@@ -826,6 +829,214 @@
   <p:cSld>
     <p:spTree>
       <p:nvGrpSpPr>
+        <p:cNvPr id="1" name="Shape 265"/>
+        <p:cNvGrpSpPr/>
+        <p:nvPr/>
+      </p:nvGrpSpPr>
+      <p:grpSpPr>
+        <a:xfrm>
+          <a:off x="0" y="0"/>
+          <a:ext cx="0" cy="0"/>
+          <a:chOff x="0" y="0"/>
+          <a:chExt cx="0" cy="0"/>
+        </a:xfrm>
+      </p:grpSpPr>
+      <p:sp>
+        <p:nvSpPr>
+          <p:cNvPr id="266" name="Google Shape;266;p10:notes"/>
+          <p:cNvSpPr txBox="1">
+            <a:spLocks noGrp="1"/>
+          </p:cNvSpPr>
+          <p:nvPr>
+            <p:ph type="body" idx="1"/>
+          </p:nvPr>
+        </p:nvSpPr>
+        <p:spPr>
+          <a:xfrm>
+            <a:off x="685800" y="4343400"/>
+            <a:ext cx="5486400" cy="4114800"/>
+          </a:xfrm>
+          <a:prstGeom prst="rect">
+            <a:avLst/>
+          </a:prstGeom>
+        </p:spPr>
+        <p:txBody>
+          <a:bodyPr spcFirstLastPara="1" wrap="square" lIns="91425" tIns="91425" rIns="91425" bIns="91425" anchor="t" anchorCtr="0">
+            <a:noAutofit/>
+          </a:bodyPr>
+          <a:lstStyle/>
+          <a:p>
+            <a:pPr marL="0" lvl="0" indent="0" algn="l" rtl="0">
+              <a:spcBef>
+                <a:spcPts val="0"/>
+              </a:spcBef>
+              <a:spcAft>
+                <a:spcPts val="0"/>
+              </a:spcAft>
+              <a:buNone/>
+            </a:pPr>
+            <a:endParaRPr/>
+          </a:p>
+        </p:txBody>
+      </p:sp>
+      <p:sp>
+        <p:nvSpPr>
+          <p:cNvPr id="267" name="Google Shape;267;p10:notes"/>
+          <p:cNvSpPr>
+            <a:spLocks noGrp="1" noRot="1" noChangeAspect="1"/>
+          </p:cNvSpPr>
+          <p:nvPr>
+            <p:ph type="sldImg" idx="2"/>
+          </p:nvPr>
+        </p:nvSpPr>
+        <p:spPr>
+          <a:xfrm>
+            <a:off x="381000" y="685800"/>
+            <a:ext cx="6096000" cy="3429000"/>
+          </a:xfrm>
+          <a:custGeom>
+            <a:avLst/>
+            <a:gdLst/>
+            <a:ahLst/>
+            <a:cxnLst/>
+            <a:rect l="l" t="t" r="r" b="b"/>
+            <a:pathLst>
+              <a:path w="120000" h="120000" extrusionOk="0">
+                <a:moveTo>
+                  <a:pt x="0" y="0"/>
+                </a:moveTo>
+                <a:lnTo>
+                  <a:pt x="120000" y="0"/>
+                </a:lnTo>
+                <a:lnTo>
+                  <a:pt x="120000" y="120000"/>
+                </a:lnTo>
+                <a:lnTo>
+                  <a:pt x="0" y="120000"/>
+                </a:lnTo>
+                <a:close/>
+              </a:path>
+            </a:pathLst>
+          </a:custGeom>
+        </p:spPr>
+      </p:sp>
+    </p:spTree>
+  </p:cSld>
+  <p:clrMapOvr>
+    <a:masterClrMapping/>
+  </p:clrMapOvr>
+</p:notes>
+</file>
+
+<file path=ppt/notesSlides/notesSlide11.xml><?xml version="1.0" encoding="utf-8"?>
+<p:notes xmlns:a="http://schemas.openxmlformats.org/drawingml/2006/main" xmlns:r="http://schemas.openxmlformats.org/officeDocument/2006/relationships" xmlns:p="http://schemas.openxmlformats.org/presentationml/2006/main" showMasterSp="0" showMasterPhAnim="0">
+  <p:cSld>
+    <p:spTree>
+      <p:nvGrpSpPr>
+        <p:cNvPr id="1" name="Shape 272"/>
+        <p:cNvGrpSpPr/>
+        <p:nvPr/>
+      </p:nvGrpSpPr>
+      <p:grpSpPr>
+        <a:xfrm>
+          <a:off x="0" y="0"/>
+          <a:ext cx="0" cy="0"/>
+          <a:chOff x="0" y="0"/>
+          <a:chExt cx="0" cy="0"/>
+        </a:xfrm>
+      </p:grpSpPr>
+      <p:sp>
+        <p:nvSpPr>
+          <p:cNvPr id="273" name="Google Shape;273;gb7979aca4d_0_0:notes"/>
+          <p:cNvSpPr>
+            <a:spLocks noGrp="1" noRot="1" noChangeAspect="1"/>
+          </p:cNvSpPr>
+          <p:nvPr>
+            <p:ph type="sldImg" idx="2"/>
+          </p:nvPr>
+        </p:nvSpPr>
+        <p:spPr>
+          <a:xfrm>
+            <a:off x="1143225" y="685800"/>
+            <a:ext cx="4572300" cy="3429000"/>
+          </a:xfrm>
+          <a:custGeom>
+            <a:avLst/>
+            <a:gdLst/>
+            <a:ahLst/>
+            <a:cxnLst/>
+            <a:rect l="l" t="t" r="r" b="b"/>
+            <a:pathLst>
+              <a:path w="120000" h="120000" extrusionOk="0">
+                <a:moveTo>
+                  <a:pt x="0" y="0"/>
+                </a:moveTo>
+                <a:lnTo>
+                  <a:pt x="120000" y="0"/>
+                </a:lnTo>
+                <a:lnTo>
+                  <a:pt x="120000" y="120000"/>
+                </a:lnTo>
+                <a:lnTo>
+                  <a:pt x="0" y="120000"/>
+                </a:lnTo>
+                <a:close/>
+              </a:path>
+            </a:pathLst>
+          </a:custGeom>
+        </p:spPr>
+      </p:sp>
+      <p:sp>
+        <p:nvSpPr>
+          <p:cNvPr id="274" name="Google Shape;274;gb7979aca4d_0_0:notes"/>
+          <p:cNvSpPr txBox="1">
+            <a:spLocks noGrp="1"/>
+          </p:cNvSpPr>
+          <p:nvPr>
+            <p:ph type="body" idx="1"/>
+          </p:nvPr>
+        </p:nvSpPr>
+        <p:spPr>
+          <a:xfrm>
+            <a:off x="685800" y="4343400"/>
+            <a:ext cx="5486400" cy="4114800"/>
+          </a:xfrm>
+          <a:prstGeom prst="rect">
+            <a:avLst/>
+          </a:prstGeom>
+        </p:spPr>
+        <p:txBody>
+          <a:bodyPr spcFirstLastPara="1" wrap="square" lIns="91425" tIns="91425" rIns="91425" bIns="91425" anchor="t" anchorCtr="0">
+            <a:noAutofit/>
+          </a:bodyPr>
+          <a:lstStyle/>
+          <a:p>
+            <a:pPr marL="0" lvl="0" indent="0" algn="l" rtl="0">
+              <a:spcBef>
+                <a:spcPts val="0"/>
+              </a:spcBef>
+              <a:spcAft>
+                <a:spcPts val="0"/>
+              </a:spcAft>
+              <a:buNone/>
+            </a:pPr>
+            <a:endParaRPr/>
+          </a:p>
+        </p:txBody>
+      </p:sp>
+    </p:spTree>
+  </p:cSld>
+  <p:clrMapOvr>
+    <a:masterClrMapping/>
+  </p:clrMapOvr>
+</p:notes>
+</file>
+
+<file path=ppt/notesSlides/notesSlide12.xml><?xml version="1.0" encoding="utf-8"?>
+<p:notes xmlns:a="http://schemas.openxmlformats.org/drawingml/2006/main" xmlns:r="http://schemas.openxmlformats.org/officeDocument/2006/relationships" xmlns:p="http://schemas.openxmlformats.org/presentationml/2006/main" showMasterSp="0" showMasterPhAnim="0">
+  <p:cSld>
+    <p:spTree>
+      <p:nvGrpSpPr>
         <p:cNvPr id="1" name="Shape 281"/>
         <p:cNvGrpSpPr/>
         <p:nvPr/>
@@ -925,7 +1136,7 @@
 </p:notes>
 </file>
 
-<file path=ppt/notesSlides/notesSlide11.xml><?xml version="1.0" encoding="utf-8"?>
+<file path=ppt/notesSlides/notesSlide13.xml><?xml version="1.0" encoding="utf-8"?>
 <p:notes xmlns:a="http://schemas.openxmlformats.org/drawingml/2006/main" xmlns:r="http://schemas.openxmlformats.org/officeDocument/2006/relationships" xmlns:p="http://schemas.openxmlformats.org/presentationml/2006/main" showMasterSp="0" showMasterPhAnim="0">
   <p:cSld>
     <p:spTree>
@@ -1029,7 +1240,7 @@
 </p:notes>
 </file>
 
-<file path=ppt/notesSlides/notesSlide12.xml><?xml version="1.0" encoding="utf-8"?>
+<file path=ppt/notesSlides/notesSlide14.xml><?xml version="1.0" encoding="utf-8"?>
 <p:notes xmlns:a="http://schemas.openxmlformats.org/drawingml/2006/main" xmlns:r="http://schemas.openxmlformats.org/officeDocument/2006/relationships" xmlns:p="http://schemas.openxmlformats.org/presentationml/2006/main" showMasterSp="0" showMasterPhAnim="0">
   <p:cSld>
     <p:spTree>
@@ -1137,7 +1348,7 @@
 </p:notes>
 </file>
 
-<file path=ppt/notesSlides/notesSlide13.xml><?xml version="1.0" encoding="utf-8"?>
+<file path=ppt/notesSlides/notesSlide15.xml><?xml version="1.0" encoding="utf-8"?>
 <p:notes xmlns:a="http://schemas.openxmlformats.org/drawingml/2006/main" xmlns:r="http://schemas.openxmlformats.org/officeDocument/2006/relationships" xmlns:p="http://schemas.openxmlformats.org/presentationml/2006/main" showMasterSp="0" showMasterPhAnim="0">
   <p:cSld>
     <p:spTree>
@@ -1261,7 +1472,7 @@
 </p:notes>
 </file>
 
-<file path=ppt/notesSlides/notesSlide14.xml><?xml version="1.0" encoding="utf-8"?>
+<file path=ppt/notesSlides/notesSlide16.xml><?xml version="1.0" encoding="utf-8"?>
 <p:notes xmlns:a="http://schemas.openxmlformats.org/drawingml/2006/main" xmlns:r="http://schemas.openxmlformats.org/officeDocument/2006/relationships" xmlns:p="http://schemas.openxmlformats.org/presentationml/2006/main" showMasterSp="0" showMasterPhAnim="0">
   <p:cSld>
     <p:spTree>
@@ -1369,7 +1580,7 @@
 </p:notes>
 </file>
 
-<file path=ppt/notesSlides/notesSlide15.xml><?xml version="1.0" encoding="utf-8"?>
+<file path=ppt/notesSlides/notesSlide17.xml><?xml version="1.0" encoding="utf-8"?>
 <p:notes xmlns:a="http://schemas.openxmlformats.org/drawingml/2006/main" xmlns:r="http://schemas.openxmlformats.org/officeDocument/2006/relationships" xmlns:p="http://schemas.openxmlformats.org/presentationml/2006/main" showMasterSp="0" showMasterPhAnim="0">
   <p:cSld>
     <p:spTree>
@@ -1473,7 +1684,7 @@
 </p:notes>
 </file>
 
-<file path=ppt/notesSlides/notesSlide16.xml><?xml version="1.0" encoding="utf-8"?>
+<file path=ppt/notesSlides/notesSlide18.xml><?xml version="1.0" encoding="utf-8"?>
 <p:notes xmlns:a="http://schemas.openxmlformats.org/drawingml/2006/main" xmlns:r="http://schemas.openxmlformats.org/officeDocument/2006/relationships" xmlns:p="http://schemas.openxmlformats.org/presentationml/2006/main" showMasterSp="0" showMasterPhAnim="0">
   <p:cSld>
     <p:spTree>
@@ -2102,6 +2313,115 @@
   <p:cSld>
     <p:spTree>
       <p:nvGrpSpPr>
+        <p:cNvPr id="1" name="Shape 239"/>
+        <p:cNvGrpSpPr/>
+        <p:nvPr/>
+      </p:nvGrpSpPr>
+      <p:grpSpPr>
+        <a:xfrm>
+          <a:off x="0" y="0"/>
+          <a:ext cx="0" cy="0"/>
+          <a:chOff x="0" y="0"/>
+          <a:chExt cx="0" cy="0"/>
+        </a:xfrm>
+      </p:grpSpPr>
+      <p:sp>
+        <p:nvSpPr>
+          <p:cNvPr id="240" name="Google Shape;240;p8:notes"/>
+          <p:cNvSpPr txBox="1">
+            <a:spLocks noGrp="1"/>
+          </p:cNvSpPr>
+          <p:nvPr>
+            <p:ph type="body" idx="1"/>
+          </p:nvPr>
+        </p:nvSpPr>
+        <p:spPr>
+          <a:xfrm>
+            <a:off x="685800" y="4343400"/>
+            <a:ext cx="5486400" cy="4114800"/>
+          </a:xfrm>
+          <a:prstGeom prst="rect">
+            <a:avLst/>
+          </a:prstGeom>
+        </p:spPr>
+        <p:txBody>
+          <a:bodyPr spcFirstLastPara="1" wrap="square" lIns="91425" tIns="91425" rIns="91425" bIns="91425" anchor="t" anchorCtr="0">
+            <a:noAutofit/>
+          </a:bodyPr>
+          <a:lstStyle/>
+          <a:p>
+            <a:pPr marL="0" lvl="0" indent="0" algn="l" rtl="0">
+              <a:spcBef>
+                <a:spcPts val="0"/>
+              </a:spcBef>
+              <a:spcAft>
+                <a:spcPts val="0"/>
+              </a:spcAft>
+              <a:buNone/>
+            </a:pPr>
+            <a:endParaRPr/>
+          </a:p>
+        </p:txBody>
+      </p:sp>
+      <p:sp>
+        <p:nvSpPr>
+          <p:cNvPr id="241" name="Google Shape;241;p8:notes"/>
+          <p:cNvSpPr>
+            <a:spLocks noGrp="1" noRot="1" noChangeAspect="1"/>
+          </p:cNvSpPr>
+          <p:nvPr>
+            <p:ph type="sldImg" idx="2"/>
+          </p:nvPr>
+        </p:nvSpPr>
+        <p:spPr>
+          <a:xfrm>
+            <a:off x="381000" y="685800"/>
+            <a:ext cx="6096000" cy="3429000"/>
+          </a:xfrm>
+          <a:custGeom>
+            <a:avLst/>
+            <a:gdLst/>
+            <a:ahLst/>
+            <a:cxnLst/>
+            <a:rect l="l" t="t" r="r" b="b"/>
+            <a:pathLst>
+              <a:path w="120000" h="120000" extrusionOk="0">
+                <a:moveTo>
+                  <a:pt x="0" y="0"/>
+                </a:moveTo>
+                <a:lnTo>
+                  <a:pt x="120000" y="0"/>
+                </a:lnTo>
+                <a:lnTo>
+                  <a:pt x="120000" y="120000"/>
+                </a:lnTo>
+                <a:lnTo>
+                  <a:pt x="0" y="120000"/>
+                </a:lnTo>
+                <a:close/>
+              </a:path>
+            </a:pathLst>
+          </a:custGeom>
+        </p:spPr>
+      </p:sp>
+    </p:spTree>
+    <p:extLst>
+      <p:ext uri="{BB962C8B-B14F-4D97-AF65-F5344CB8AC3E}">
+        <p14:creationId xmlns:p14="http://schemas.microsoft.com/office/powerpoint/2010/main" val="667404355"/>
+      </p:ext>
+    </p:extLst>
+  </p:cSld>
+  <p:clrMapOvr>
+    <a:masterClrMapping/>
+  </p:clrMapOvr>
+</p:notes>
+</file>
+
+<file path=ppt/notesSlides/notesSlide8.xml><?xml version="1.0" encoding="utf-8"?>
+<p:notes xmlns:a="http://schemas.openxmlformats.org/drawingml/2006/main" xmlns:r="http://schemas.openxmlformats.org/officeDocument/2006/relationships" xmlns:p="http://schemas.openxmlformats.org/presentationml/2006/main" showMasterSp="0" showMasterPhAnim="0">
+  <p:cSld>
+    <p:spTree>
+      <p:nvGrpSpPr>
         <p:cNvPr id="1" name="Shape 245"/>
         <p:cNvGrpSpPr/>
         <p:nvPr/>
@@ -2155,110 +2475,6 @@
       <p:sp>
         <p:nvSpPr>
           <p:cNvPr id="247" name="Google Shape;247;p9:notes"/>
-          <p:cNvSpPr>
-            <a:spLocks noGrp="1" noRot="1" noChangeAspect="1"/>
-          </p:cNvSpPr>
-          <p:nvPr>
-            <p:ph type="sldImg" idx="2"/>
-          </p:nvPr>
-        </p:nvSpPr>
-        <p:spPr>
-          <a:xfrm>
-            <a:off x="1143225" y="685800"/>
-            <a:ext cx="4572225" cy="3429000"/>
-          </a:xfrm>
-          <a:custGeom>
-            <a:avLst/>
-            <a:gdLst/>
-            <a:ahLst/>
-            <a:cxnLst/>
-            <a:rect l="l" t="t" r="r" b="b"/>
-            <a:pathLst>
-              <a:path w="120000" h="120000" extrusionOk="0">
-                <a:moveTo>
-                  <a:pt x="0" y="0"/>
-                </a:moveTo>
-                <a:lnTo>
-                  <a:pt x="120000" y="0"/>
-                </a:lnTo>
-                <a:lnTo>
-                  <a:pt x="120000" y="120000"/>
-                </a:lnTo>
-                <a:lnTo>
-                  <a:pt x="0" y="120000"/>
-                </a:lnTo>
-                <a:close/>
-              </a:path>
-            </a:pathLst>
-          </a:custGeom>
-        </p:spPr>
-      </p:sp>
-    </p:spTree>
-  </p:cSld>
-  <p:clrMapOvr>
-    <a:masterClrMapping/>
-  </p:clrMapOvr>
-</p:notes>
-</file>
-
-<file path=ppt/notesSlides/notesSlide8.xml><?xml version="1.0" encoding="utf-8"?>
-<p:notes xmlns:a="http://schemas.openxmlformats.org/drawingml/2006/main" xmlns:r="http://schemas.openxmlformats.org/officeDocument/2006/relationships" xmlns:p="http://schemas.openxmlformats.org/presentationml/2006/main" showMasterSp="0" showMasterPhAnim="0">
-  <p:cSld>
-    <p:spTree>
-      <p:nvGrpSpPr>
-        <p:cNvPr id="1" name="Shape 265"/>
-        <p:cNvGrpSpPr/>
-        <p:nvPr/>
-      </p:nvGrpSpPr>
-      <p:grpSpPr>
-        <a:xfrm>
-          <a:off x="0" y="0"/>
-          <a:ext cx="0" cy="0"/>
-          <a:chOff x="0" y="0"/>
-          <a:chExt cx="0" cy="0"/>
-        </a:xfrm>
-      </p:grpSpPr>
-      <p:sp>
-        <p:nvSpPr>
-          <p:cNvPr id="266" name="Google Shape;266;p10:notes"/>
-          <p:cNvSpPr txBox="1">
-            <a:spLocks noGrp="1"/>
-          </p:cNvSpPr>
-          <p:nvPr>
-            <p:ph type="body" idx="1"/>
-          </p:nvPr>
-        </p:nvSpPr>
-        <p:spPr>
-          <a:xfrm>
-            <a:off x="685800" y="4343400"/>
-            <a:ext cx="5486400" cy="4114800"/>
-          </a:xfrm>
-          <a:prstGeom prst="rect">
-            <a:avLst/>
-          </a:prstGeom>
-        </p:spPr>
-        <p:txBody>
-          <a:bodyPr spcFirstLastPara="1" wrap="square" lIns="91425" tIns="91425" rIns="91425" bIns="91425" anchor="t" anchorCtr="0">
-            <a:noAutofit/>
-          </a:bodyPr>
-          <a:lstStyle/>
-          <a:p>
-            <a:pPr marL="0" lvl="0" indent="0" algn="l" rtl="0">
-              <a:spcBef>
-                <a:spcPts val="0"/>
-              </a:spcBef>
-              <a:spcAft>
-                <a:spcPts val="0"/>
-              </a:spcAft>
-              <a:buNone/>
-            </a:pPr>
-            <a:endParaRPr/>
-          </a:p>
-        </p:txBody>
-      </p:sp>
-      <p:sp>
-        <p:nvSpPr>
-          <p:cNvPr id="267" name="Google Shape;267;p10:notes"/>
           <p:cNvSpPr>
             <a:spLocks noGrp="1" noRot="1" noChangeAspect="1"/>
           </p:cNvSpPr>
@@ -2310,7 +2526,7 @@
   <p:cSld>
     <p:spTree>
       <p:nvGrpSpPr>
-        <p:cNvPr id="1" name="Shape 272"/>
+        <p:cNvPr id="1" name="Shape 239"/>
         <p:cNvGrpSpPr/>
         <p:nvPr/>
       </p:nvGrpSpPr>
@@ -2324,7 +2540,45 @@
       </p:grpSpPr>
       <p:sp>
         <p:nvSpPr>
-          <p:cNvPr id="273" name="Google Shape;273;gb7979aca4d_0_0:notes"/>
+          <p:cNvPr id="240" name="Google Shape;240;p8:notes"/>
+          <p:cNvSpPr txBox="1">
+            <a:spLocks noGrp="1"/>
+          </p:cNvSpPr>
+          <p:nvPr>
+            <p:ph type="body" idx="1"/>
+          </p:nvPr>
+        </p:nvSpPr>
+        <p:spPr>
+          <a:xfrm>
+            <a:off x="685800" y="4343400"/>
+            <a:ext cx="5486400" cy="4114800"/>
+          </a:xfrm>
+          <a:prstGeom prst="rect">
+            <a:avLst/>
+          </a:prstGeom>
+        </p:spPr>
+        <p:txBody>
+          <a:bodyPr spcFirstLastPara="1" wrap="square" lIns="91425" tIns="91425" rIns="91425" bIns="91425" anchor="t" anchorCtr="0">
+            <a:noAutofit/>
+          </a:bodyPr>
+          <a:lstStyle/>
+          <a:p>
+            <a:pPr marL="0" lvl="0" indent="0" algn="l" rtl="0">
+              <a:spcBef>
+                <a:spcPts val="0"/>
+              </a:spcBef>
+              <a:spcAft>
+                <a:spcPts val="0"/>
+              </a:spcAft>
+              <a:buNone/>
+            </a:pPr>
+            <a:endParaRPr/>
+          </a:p>
+        </p:txBody>
+      </p:sp>
+      <p:sp>
+        <p:nvSpPr>
+          <p:cNvPr id="241" name="Google Shape;241;p8:notes"/>
           <p:cNvSpPr>
             <a:spLocks noGrp="1" noRot="1" noChangeAspect="1"/>
           </p:cNvSpPr>
@@ -2334,8 +2588,8 @@
         </p:nvSpPr>
         <p:spPr>
           <a:xfrm>
-            <a:off x="1143225" y="685800"/>
-            <a:ext cx="4572300" cy="3429000"/>
+            <a:off x="381000" y="685800"/>
+            <a:ext cx="6096000" cy="3429000"/>
           </a:xfrm>
           <a:custGeom>
             <a:avLst/>
@@ -2363,45 +2617,12 @@
           </a:custGeom>
         </p:spPr>
       </p:sp>
-      <p:sp>
-        <p:nvSpPr>
-          <p:cNvPr id="274" name="Google Shape;274;gb7979aca4d_0_0:notes"/>
-          <p:cNvSpPr txBox="1">
-            <a:spLocks noGrp="1"/>
-          </p:cNvSpPr>
-          <p:nvPr>
-            <p:ph type="body" idx="1"/>
-          </p:nvPr>
-        </p:nvSpPr>
-        <p:spPr>
-          <a:xfrm>
-            <a:off x="685800" y="4343400"/>
-            <a:ext cx="5486400" cy="4114800"/>
-          </a:xfrm>
-          <a:prstGeom prst="rect">
-            <a:avLst/>
-          </a:prstGeom>
-        </p:spPr>
-        <p:txBody>
-          <a:bodyPr spcFirstLastPara="1" wrap="square" lIns="91425" tIns="91425" rIns="91425" bIns="91425" anchor="t" anchorCtr="0">
-            <a:noAutofit/>
-          </a:bodyPr>
-          <a:lstStyle/>
-          <a:p>
-            <a:pPr marL="0" lvl="0" indent="0" algn="l" rtl="0">
-              <a:spcBef>
-                <a:spcPts val="0"/>
-              </a:spcBef>
-              <a:spcAft>
-                <a:spcPts val="0"/>
-              </a:spcAft>
-              <a:buNone/>
-            </a:pPr>
-            <a:endParaRPr/>
-          </a:p>
-        </p:txBody>
-      </p:sp>
     </p:spTree>
+    <p:extLst>
+      <p:ext uri="{BB962C8B-B14F-4D97-AF65-F5344CB8AC3E}">
+        <p14:creationId xmlns:p14="http://schemas.microsoft.com/office/powerpoint/2010/main" val="2357259294"/>
+      </p:ext>
+    </p:extLst>
   </p:cSld>
   <p:clrMapOvr>
     <a:masterClrMapping/>
@@ -20213,6 +20434,578 @@
   <p:cSld>
     <p:spTree>
       <p:nvGrpSpPr>
+        <p:cNvPr id="1" name="Shape 242"/>
+        <p:cNvGrpSpPr/>
+        <p:nvPr/>
+      </p:nvGrpSpPr>
+      <p:grpSpPr>
+        <a:xfrm>
+          <a:off x="0" y="0"/>
+          <a:ext cx="0" cy="0"/>
+          <a:chOff x="0" y="0"/>
+          <a:chExt cx="0" cy="0"/>
+        </a:xfrm>
+      </p:grpSpPr>
+      <p:sp>
+        <p:nvSpPr>
+          <p:cNvPr id="244" name="Google Shape;244;p28"/>
+          <p:cNvSpPr txBox="1">
+            <a:spLocks noGrp="1"/>
+          </p:cNvSpPr>
+          <p:nvPr>
+            <p:ph type="body" idx="1"/>
+          </p:nvPr>
+        </p:nvSpPr>
+        <p:spPr>
+          <a:xfrm>
+            <a:off x="684212" y="685800"/>
+            <a:ext cx="8534400" cy="3615267"/>
+          </a:xfrm>
+          <a:prstGeom prst="rect">
+            <a:avLst/>
+          </a:prstGeom>
+          <a:noFill/>
+          <a:ln>
+            <a:noFill/>
+          </a:ln>
+        </p:spPr>
+        <p:txBody>
+          <a:bodyPr spcFirstLastPara="1" wrap="square" lIns="91425" tIns="45700" rIns="91425" bIns="45700" anchor="ctr" anchorCtr="0">
+            <a:noAutofit/>
+          </a:bodyPr>
+          <a:lstStyle/>
+          <a:p>
+            <a:pPr marL="342900" lvl="0" indent="-342900" algn="l" rtl="0">
+              <a:spcBef>
+                <a:spcPts val="0"/>
+              </a:spcBef>
+              <a:spcAft>
+                <a:spcPts val="0"/>
+              </a:spcAft>
+              <a:buSzPts val="1600"/>
+              <a:buFont typeface="Wingdings" panose="05000000000000000000" pitchFamily="2" charset="2"/>
+              <a:buChar char="Ø"/>
+            </a:pPr>
+            <a:r>
+              <a:rPr lang="en-US" sz="4000" dirty="0"/>
+              <a:t>AWS: S3 &amp; EMR</a:t>
+            </a:r>
+            <a:endParaRPr sz="4000" dirty="0"/>
+          </a:p>
+        </p:txBody>
+      </p:sp>
+      <p:sp>
+        <p:nvSpPr>
+          <p:cNvPr id="2" name="TextBox 1">
+            <a:extLst>
+              <a:ext uri="{FF2B5EF4-FFF2-40B4-BE49-F238E27FC236}">
+                <a16:creationId xmlns:a16="http://schemas.microsoft.com/office/drawing/2014/main" id="{29A66756-160A-654D-B943-BC04236ECBC5}"/>
+              </a:ext>
+            </a:extLst>
+          </p:cNvPr>
+          <p:cNvSpPr txBox="1"/>
+          <p:nvPr/>
+        </p:nvSpPr>
+        <p:spPr>
+          <a:xfrm>
+            <a:off x="684212" y="4853354"/>
+            <a:ext cx="3669032" cy="615553"/>
+          </a:xfrm>
+          <a:prstGeom prst="rect">
+            <a:avLst/>
+          </a:prstGeom>
+          <a:noFill/>
+        </p:spPr>
+        <p:txBody>
+          <a:bodyPr wrap="square" rtlCol="0">
+            <a:spAutoFit/>
+          </a:bodyPr>
+          <a:lstStyle/>
+          <a:p>
+            <a:r>
+              <a:rPr lang="en-US" sz="2000" dirty="0"/>
+              <a:t>David Masterson</a:t>
+            </a:r>
+            <a:endParaRPr lang="en-US" sz="2000" b="1" dirty="0"/>
+          </a:p>
+          <a:p>
+            <a:endParaRPr lang="en-US" dirty="0"/>
+          </a:p>
+        </p:txBody>
+      </p:sp>
+    </p:spTree>
+    <p:extLst>
+      <p:ext uri="{BB962C8B-B14F-4D97-AF65-F5344CB8AC3E}">
+        <p14:creationId xmlns:p14="http://schemas.microsoft.com/office/powerpoint/2010/main" val="1650255541"/>
+      </p:ext>
+    </p:extLst>
+  </p:cSld>
+  <p:clrMapOvr>
+    <a:masterClrMapping/>
+  </p:clrMapOvr>
+</p:sld>
+</file>
+
+<file path=ppt/slides/slide11.xml><?xml version="1.0" encoding="utf-8"?>
+<p:sld xmlns:a="http://schemas.openxmlformats.org/drawingml/2006/main" xmlns:r="http://schemas.openxmlformats.org/officeDocument/2006/relationships" xmlns:p="http://schemas.openxmlformats.org/presentationml/2006/main">
+  <p:cSld>
+    <p:spTree>
+      <p:nvGrpSpPr>
+        <p:cNvPr id="1" name="Shape 268"/>
+        <p:cNvGrpSpPr/>
+        <p:nvPr/>
+      </p:nvGrpSpPr>
+      <p:grpSpPr>
+        <a:xfrm>
+          <a:off x="0" y="0"/>
+          <a:ext cx="0" cy="0"/>
+          <a:chOff x="0" y="0"/>
+          <a:chExt cx="0" cy="0"/>
+        </a:xfrm>
+      </p:grpSpPr>
+      <p:sp>
+        <p:nvSpPr>
+          <p:cNvPr id="269" name="Google Shape;269;p30"/>
+          <p:cNvSpPr txBox="1">
+            <a:spLocks noGrp="1"/>
+          </p:cNvSpPr>
+          <p:nvPr>
+            <p:ph type="title"/>
+          </p:nvPr>
+        </p:nvSpPr>
+        <p:spPr>
+          <a:xfrm>
+            <a:off x="684212" y="5025495"/>
+            <a:ext cx="8534400" cy="1507067"/>
+          </a:xfrm>
+          <a:prstGeom prst="rect">
+            <a:avLst/>
+          </a:prstGeom>
+          <a:noFill/>
+          <a:ln>
+            <a:noFill/>
+          </a:ln>
+        </p:spPr>
+        <p:txBody>
+          <a:bodyPr spcFirstLastPara="1" wrap="square" lIns="91425" tIns="45700" rIns="91425" bIns="45700" anchor="ctr" anchorCtr="0">
+            <a:noAutofit/>
+          </a:bodyPr>
+          <a:lstStyle/>
+          <a:p>
+            <a:pPr marL="0" lvl="0" indent="0" algn="l" rtl="0">
+              <a:spcBef>
+                <a:spcPts val="0"/>
+              </a:spcBef>
+              <a:spcAft>
+                <a:spcPts val="0"/>
+              </a:spcAft>
+              <a:buClr>
+                <a:schemeClr val="lt1"/>
+              </a:buClr>
+              <a:buSzPts val="3600"/>
+              <a:buFont typeface="Century Gothic"/>
+              <a:buNone/>
+            </a:pPr>
+            <a:r>
+              <a:rPr lang="en-US"/>
+              <a:t>PROCESS</a:t>
+            </a:r>
+            <a:endParaRPr/>
+          </a:p>
+        </p:txBody>
+      </p:sp>
+      <p:sp>
+        <p:nvSpPr>
+          <p:cNvPr id="270" name="Google Shape;270;p30"/>
+          <p:cNvSpPr txBox="1">
+            <a:spLocks noGrp="1"/>
+          </p:cNvSpPr>
+          <p:nvPr>
+            <p:ph type="body" idx="1"/>
+          </p:nvPr>
+        </p:nvSpPr>
+        <p:spPr>
+          <a:xfrm>
+            <a:off x="684212" y="723901"/>
+            <a:ext cx="8534400" cy="5308599"/>
+          </a:xfrm>
+          <a:prstGeom prst="rect">
+            <a:avLst/>
+          </a:prstGeom>
+          <a:noFill/>
+          <a:ln>
+            <a:noFill/>
+          </a:ln>
+        </p:spPr>
+        <p:txBody>
+          <a:bodyPr spcFirstLastPara="1" wrap="square" lIns="91425" tIns="45700" rIns="91425" bIns="45700" anchor="ctr" anchorCtr="0">
+            <a:noAutofit/>
+          </a:bodyPr>
+          <a:lstStyle/>
+          <a:p>
+            <a:pPr marL="342900" lvl="0" indent="-342900" algn="l" rtl="0">
+              <a:spcBef>
+                <a:spcPts val="0"/>
+              </a:spcBef>
+              <a:spcAft>
+                <a:spcPts val="0"/>
+              </a:spcAft>
+              <a:buSzPts val="1600"/>
+              <a:buFont typeface="Wingdings" panose="05000000000000000000" pitchFamily="2" charset="2"/>
+              <a:buChar char="Ø"/>
+            </a:pPr>
+            <a:r>
+              <a:rPr lang="en-US" dirty="0"/>
+              <a:t>Amazon EMR uses an Amazon Elastic Compute Cloud (Amazon EC2) key pair to ensure that you alone have access to the instances that you launch. The PEM file associated with this key pair is required to ssh directly to the master node of the cluster.</a:t>
+            </a:r>
+            <a:endParaRPr dirty="0"/>
+          </a:p>
+          <a:p>
+            <a:pPr marL="342900" lvl="0" indent="-342900" algn="l" rtl="0">
+              <a:spcBef>
+                <a:spcPts val="1000"/>
+              </a:spcBef>
+              <a:spcAft>
+                <a:spcPts val="0"/>
+              </a:spcAft>
+              <a:buSzPts val="1600"/>
+              <a:buFont typeface="Wingdings" panose="05000000000000000000" pitchFamily="2" charset="2"/>
+              <a:buChar char="Ø"/>
+            </a:pPr>
+            <a:r>
+              <a:rPr lang="en-US" dirty="0"/>
+              <a:t>We would utilize ssh in order to access the master node of the cluster</a:t>
+            </a:r>
+            <a:endParaRPr dirty="0"/>
+          </a:p>
+          <a:p>
+            <a:pPr marL="444500" lvl="0" indent="-342900" algn="l" rtl="0">
+              <a:spcBef>
+                <a:spcPts val="1000"/>
+              </a:spcBef>
+              <a:spcAft>
+                <a:spcPts val="0"/>
+              </a:spcAft>
+              <a:buSzPts val="1600"/>
+              <a:buFont typeface="Wingdings" panose="05000000000000000000" pitchFamily="2" charset="2"/>
+              <a:buChar char="Ø"/>
+            </a:pPr>
+            <a:endParaRPr dirty="0"/>
+          </a:p>
+          <a:p>
+            <a:pPr marL="342900" lvl="0" indent="-342900" algn="l" rtl="0">
+              <a:spcBef>
+                <a:spcPts val="1000"/>
+              </a:spcBef>
+              <a:spcAft>
+                <a:spcPts val="0"/>
+              </a:spcAft>
+              <a:buSzPts val="1600"/>
+              <a:buFont typeface="Wingdings" panose="05000000000000000000" pitchFamily="2" charset="2"/>
+              <a:buChar char="Ø"/>
+            </a:pPr>
+            <a:r>
+              <a:rPr lang="en-US" dirty="0"/>
+              <a:t>We copy the jar from s3 into the EMR local system and run spark on the dataset</a:t>
+            </a:r>
+            <a:endParaRPr dirty="0"/>
+          </a:p>
+          <a:p>
+            <a:pPr marL="285750" lvl="0" indent="-184150" algn="l" rtl="0">
+              <a:spcBef>
+                <a:spcPts val="1000"/>
+              </a:spcBef>
+              <a:spcAft>
+                <a:spcPts val="0"/>
+              </a:spcAft>
+              <a:buSzPts val="1600"/>
+              <a:buNone/>
+            </a:pPr>
+            <a:endParaRPr dirty="0"/>
+          </a:p>
+        </p:txBody>
+      </p:sp>
+      <p:pic>
+        <p:nvPicPr>
+          <p:cNvPr id="271" name="Google Shape;271;p30"/>
+          <p:cNvPicPr preferRelativeResize="0"/>
+          <p:nvPr/>
+        </p:nvPicPr>
+        <p:blipFill rotWithShape="1">
+          <a:blip r:embed="rId3">
+            <a:alphaModFix/>
+          </a:blip>
+          <a:srcRect l="29218" t="58055" r="27772" b="33923"/>
+          <a:stretch/>
+        </p:blipFill>
+        <p:spPr>
+          <a:xfrm>
+            <a:off x="2157412" y="3319992"/>
+            <a:ext cx="7127533" cy="747712"/>
+          </a:xfrm>
+          <a:prstGeom prst="rect">
+            <a:avLst/>
+          </a:prstGeom>
+          <a:noFill/>
+          <a:ln>
+            <a:noFill/>
+          </a:ln>
+        </p:spPr>
+      </p:pic>
+    </p:spTree>
+  </p:cSld>
+  <p:clrMapOvr>
+    <a:masterClrMapping/>
+  </p:clrMapOvr>
+</p:sld>
+</file>
+
+<file path=ppt/slides/slide12.xml><?xml version="1.0" encoding="utf-8"?>
+<p:sld xmlns:a="http://schemas.openxmlformats.org/drawingml/2006/main" xmlns:r="http://schemas.openxmlformats.org/officeDocument/2006/relationships" xmlns:p="http://schemas.openxmlformats.org/presentationml/2006/main">
+  <p:cSld>
+    <p:spTree>
+      <p:nvGrpSpPr>
+        <p:cNvPr id="1" name="Shape 275"/>
+        <p:cNvGrpSpPr/>
+        <p:nvPr/>
+      </p:nvGrpSpPr>
+      <p:grpSpPr>
+        <a:xfrm>
+          <a:off x="0" y="0"/>
+          <a:ext cx="0" cy="0"/>
+          <a:chOff x="0" y="0"/>
+          <a:chExt cx="0" cy="0"/>
+        </a:xfrm>
+      </p:grpSpPr>
+      <p:sp>
+        <p:nvSpPr>
+          <p:cNvPr id="276" name="Google Shape;276;p31"/>
+          <p:cNvSpPr txBox="1">
+            <a:spLocks noGrp="1"/>
+          </p:cNvSpPr>
+          <p:nvPr>
+            <p:ph type="title"/>
+          </p:nvPr>
+        </p:nvSpPr>
+        <p:spPr>
+          <a:xfrm>
+            <a:off x="684212" y="4487332"/>
+            <a:ext cx="8534400" cy="1507200"/>
+          </a:xfrm>
+          <a:prstGeom prst="rect">
+            <a:avLst/>
+          </a:prstGeom>
+        </p:spPr>
+        <p:txBody>
+          <a:bodyPr spcFirstLastPara="1" wrap="square" lIns="91425" tIns="45700" rIns="91425" bIns="45700" anchor="ctr" anchorCtr="0">
+            <a:noAutofit/>
+          </a:bodyPr>
+          <a:lstStyle/>
+          <a:p>
+            <a:pPr marL="457200" lvl="0" indent="-330200" algn="l" rtl="0">
+              <a:spcBef>
+                <a:spcPts val="0"/>
+              </a:spcBef>
+              <a:spcAft>
+                <a:spcPts val="0"/>
+              </a:spcAft>
+              <a:buSzPts val="1600"/>
+              <a:buAutoNum type="arabicPeriod"/>
+            </a:pPr>
+            <a:r>
+              <a:rPr lang="en-US" sz="1600" dirty="0"/>
+              <a:t>Create your EMR and select the software that you would like pre-installed.</a:t>
+            </a:r>
+            <a:endParaRPr sz="1600" dirty="0"/>
+          </a:p>
+          <a:p>
+            <a:pPr marL="457200" lvl="0" indent="-330200" algn="l" rtl="0">
+              <a:spcBef>
+                <a:spcPts val="0"/>
+              </a:spcBef>
+              <a:spcAft>
+                <a:spcPts val="0"/>
+              </a:spcAft>
+              <a:buSzPts val="1600"/>
+              <a:buAutoNum type="arabicPeriod"/>
+            </a:pPr>
+            <a:r>
+              <a:rPr lang="en-US" sz="1600" dirty="0"/>
+              <a:t>Once it is ready it goes to a waiting state.</a:t>
+            </a:r>
+            <a:endParaRPr sz="1600" dirty="0"/>
+          </a:p>
+          <a:p>
+            <a:pPr marL="457200" lvl="0" indent="-330200" algn="l" rtl="0">
+              <a:spcBef>
+                <a:spcPts val="0"/>
+              </a:spcBef>
+              <a:spcAft>
+                <a:spcPts val="0"/>
+              </a:spcAft>
+              <a:buSzPts val="1600"/>
+              <a:buAutoNum type="arabicPeriod"/>
+            </a:pPr>
+            <a:r>
+              <a:rPr lang="en-US" sz="1600" dirty="0"/>
+              <a:t>Connect to master node using SSH will show.</a:t>
+            </a:r>
+            <a:endParaRPr sz="1600" dirty="0"/>
+          </a:p>
+          <a:p>
+            <a:pPr marL="457200" lvl="0" indent="-330200" algn="l" rtl="0">
+              <a:spcBef>
+                <a:spcPts val="0"/>
+              </a:spcBef>
+              <a:spcAft>
+                <a:spcPts val="0"/>
+              </a:spcAft>
+              <a:buSzPts val="1600"/>
+              <a:buAutoNum type="arabicPeriod"/>
+            </a:pPr>
+            <a:r>
+              <a:rPr lang="en-US" sz="1600" dirty="0"/>
+              <a:t>Make sure your log URI contains a location to your S3 bucket.</a:t>
+            </a:r>
+            <a:endParaRPr sz="1600" dirty="0"/>
+          </a:p>
+        </p:txBody>
+      </p:sp>
+      <p:sp>
+        <p:nvSpPr>
+          <p:cNvPr id="277" name="Google Shape;277;p31"/>
+          <p:cNvSpPr txBox="1">
+            <a:spLocks noGrp="1"/>
+          </p:cNvSpPr>
+          <p:nvPr>
+            <p:ph type="body" idx="1"/>
+          </p:nvPr>
+        </p:nvSpPr>
+        <p:spPr>
+          <a:xfrm>
+            <a:off x="684212" y="685800"/>
+            <a:ext cx="8534400" cy="3615300"/>
+          </a:xfrm>
+          <a:prstGeom prst="rect">
+            <a:avLst/>
+          </a:prstGeom>
+        </p:spPr>
+        <p:txBody>
+          <a:bodyPr spcFirstLastPara="1" wrap="square" lIns="91425" tIns="45700" rIns="91425" bIns="45700" anchor="ctr" anchorCtr="0">
+            <a:noAutofit/>
+          </a:bodyPr>
+          <a:lstStyle/>
+          <a:p>
+            <a:pPr marL="0" lvl="0" indent="0" algn="l" rtl="0">
+              <a:spcBef>
+                <a:spcPts val="360"/>
+              </a:spcBef>
+              <a:spcAft>
+                <a:spcPts val="600"/>
+              </a:spcAft>
+              <a:buNone/>
+            </a:pPr>
+            <a:endParaRPr/>
+          </a:p>
+        </p:txBody>
+      </p:sp>
+      <p:pic>
+        <p:nvPicPr>
+          <p:cNvPr id="278" name="Google Shape;278;p31"/>
+          <p:cNvPicPr preferRelativeResize="0"/>
+          <p:nvPr/>
+        </p:nvPicPr>
+        <p:blipFill>
+          <a:blip r:embed="rId3">
+            <a:alphaModFix/>
+          </a:blip>
+          <a:stretch>
+            <a:fillRect/>
+          </a:stretch>
+        </p:blipFill>
+        <p:spPr>
+          <a:xfrm>
+            <a:off x="1572113" y="767563"/>
+            <a:ext cx="6467475" cy="1323975"/>
+          </a:xfrm>
+          <a:prstGeom prst="rect">
+            <a:avLst/>
+          </a:prstGeom>
+          <a:noFill/>
+          <a:ln>
+            <a:noFill/>
+          </a:ln>
+        </p:spPr>
+      </p:pic>
+      <p:pic>
+        <p:nvPicPr>
+          <p:cNvPr id="279" name="Google Shape;279;p31"/>
+          <p:cNvPicPr preferRelativeResize="0"/>
+          <p:nvPr/>
+        </p:nvPicPr>
+        <p:blipFill>
+          <a:blip r:embed="rId4">
+            <a:alphaModFix/>
+          </a:blip>
+          <a:stretch>
+            <a:fillRect/>
+          </a:stretch>
+        </p:blipFill>
+        <p:spPr>
+          <a:xfrm>
+            <a:off x="812675" y="2371975"/>
+            <a:ext cx="4105925" cy="1039500"/>
+          </a:xfrm>
+          <a:prstGeom prst="rect">
+            <a:avLst/>
+          </a:prstGeom>
+          <a:noFill/>
+          <a:ln>
+            <a:noFill/>
+          </a:ln>
+        </p:spPr>
+      </p:pic>
+      <p:pic>
+        <p:nvPicPr>
+          <p:cNvPr id="280" name="Google Shape;280;p31"/>
+          <p:cNvPicPr preferRelativeResize="0"/>
+          <p:nvPr/>
+        </p:nvPicPr>
+        <p:blipFill>
+          <a:blip r:embed="rId5">
+            <a:alphaModFix/>
+          </a:blip>
+          <a:stretch>
+            <a:fillRect/>
+          </a:stretch>
+        </p:blipFill>
+        <p:spPr>
+          <a:xfrm>
+            <a:off x="5128900" y="2371975"/>
+            <a:ext cx="3979650" cy="1039500"/>
+          </a:xfrm>
+          <a:prstGeom prst="rect">
+            <a:avLst/>
+          </a:prstGeom>
+          <a:noFill/>
+          <a:ln>
+            <a:noFill/>
+          </a:ln>
+        </p:spPr>
+      </p:pic>
+    </p:spTree>
+  </p:cSld>
+  <p:clrMapOvr>
+    <a:masterClrMapping/>
+  </p:clrMapOvr>
+</p:sld>
+</file>
+
+<file path=ppt/slides/slide13.xml><?xml version="1.0" encoding="utf-8"?>
+<p:sld xmlns:a="http://schemas.openxmlformats.org/drawingml/2006/main" xmlns:r="http://schemas.openxmlformats.org/officeDocument/2006/relationships" xmlns:p="http://schemas.openxmlformats.org/presentationml/2006/main">
+  <p:cSld>
+    <p:spTree>
+      <p:nvGrpSpPr>
         <p:cNvPr id="1" name="Shape 284"/>
         <p:cNvGrpSpPr/>
         <p:nvPr/>
@@ -20370,7 +21163,7 @@
 </p:sld>
 </file>
 
-<file path=ppt/slides/slide11.xml><?xml version="1.0" encoding="utf-8"?>
+<file path=ppt/slides/slide14.xml><?xml version="1.0" encoding="utf-8"?>
 <p:sld xmlns:a="http://schemas.openxmlformats.org/drawingml/2006/main" xmlns:r="http://schemas.openxmlformats.org/officeDocument/2006/relationships" xmlns:p="http://schemas.openxmlformats.org/presentationml/2006/main">
   <p:cSld>
     <p:spTree>
@@ -20539,7 +21332,7 @@
 </p:sld>
 </file>
 
-<file path=ppt/slides/slide12.xml><?xml version="1.0" encoding="utf-8"?>
+<file path=ppt/slides/slide15.xml><?xml version="1.0" encoding="utf-8"?>
 <p:sld xmlns:a="http://schemas.openxmlformats.org/drawingml/2006/main" xmlns:r="http://schemas.openxmlformats.org/officeDocument/2006/relationships" xmlns:p="http://schemas.openxmlformats.org/presentationml/2006/main">
   <p:cSld>
     <p:spTree>
@@ -20653,7 +21446,7 @@
 </p:sld>
 </file>
 
-<file path=ppt/slides/slide13.xml><?xml version="1.0" encoding="utf-8"?>
+<file path=ppt/slides/slide16.xml><?xml version="1.0" encoding="utf-8"?>
 <p:sld xmlns:a="http://schemas.openxmlformats.org/drawingml/2006/main" xmlns:r="http://schemas.openxmlformats.org/officeDocument/2006/relationships" xmlns:p="http://schemas.openxmlformats.org/presentationml/2006/main">
   <p:cSld>
     <p:spTree>
@@ -20845,7 +21638,7 @@
 </p:sld>
 </file>
 
-<file path=ppt/slides/slide14.xml><?xml version="1.0" encoding="utf-8"?>
+<file path=ppt/slides/slide17.xml><?xml version="1.0" encoding="utf-8"?>
 <p:sld xmlns:a="http://schemas.openxmlformats.org/drawingml/2006/main" xmlns:r="http://schemas.openxmlformats.org/officeDocument/2006/relationships" xmlns:p="http://schemas.openxmlformats.org/presentationml/2006/main">
   <p:cSld>
     <p:spTree>
@@ -20976,7 +21769,7 @@
 </p:sld>
 </file>
 
-<file path=ppt/slides/slide15.xml><?xml version="1.0" encoding="utf-8"?>
+<file path=ppt/slides/slide18.xml><?xml version="1.0" encoding="utf-8"?>
 <p:sld xmlns:a="http://schemas.openxmlformats.org/drawingml/2006/main" xmlns:r="http://schemas.openxmlformats.org/officeDocument/2006/relationships" xmlns:p="http://schemas.openxmlformats.org/presentationml/2006/main">
   <p:cSld>
     <p:spTree>
@@ -21251,7 +22044,7 @@
 </p:sld>
 </file>
 
-<file path=ppt/slides/slide16.xml><?xml version="1.0" encoding="utf-8"?>
+<file path=ppt/slides/slide19.xml><?xml version="1.0" encoding="utf-8"?>
 <p:sld xmlns:a="http://schemas.openxmlformats.org/drawingml/2006/main" xmlns:r="http://schemas.openxmlformats.org/officeDocument/2006/relationships" xmlns:p="http://schemas.openxmlformats.org/presentationml/2006/main">
   <p:cSld>
     <p:spTree>
@@ -21500,7 +22293,167 @@
 </p:sld>
 </file>
 
-<file path=ppt/slides/slide17.xml><?xml version="1.0" encoding="utf-8"?>
+<file path=ppt/slides/slide2.xml><?xml version="1.0" encoding="utf-8"?>
+<p:sld xmlns:a="http://schemas.openxmlformats.org/drawingml/2006/main" xmlns:r="http://schemas.openxmlformats.org/officeDocument/2006/relationships" xmlns:p="http://schemas.openxmlformats.org/presentationml/2006/main">
+  <p:cSld>
+    <p:spTree>
+      <p:nvGrpSpPr>
+        <p:cNvPr id="1" name="Shape 163"/>
+        <p:cNvGrpSpPr/>
+        <p:nvPr/>
+      </p:nvGrpSpPr>
+      <p:grpSpPr>
+        <a:xfrm>
+          <a:off x="0" y="0"/>
+          <a:ext cx="0" cy="0"/>
+          <a:chOff x="0" y="0"/>
+          <a:chExt cx="0" cy="0"/>
+        </a:xfrm>
+      </p:grpSpPr>
+      <p:sp>
+        <p:nvSpPr>
+          <p:cNvPr id="164" name="Google Shape;164;p22"/>
+          <p:cNvSpPr txBox="1">
+            <a:spLocks noGrp="1"/>
+          </p:cNvSpPr>
+          <p:nvPr>
+            <p:ph type="title"/>
+          </p:nvPr>
+        </p:nvSpPr>
+        <p:spPr>
+          <a:xfrm>
+            <a:off x="684212" y="4487332"/>
+            <a:ext cx="8534400" cy="1507067"/>
+          </a:xfrm>
+          <a:prstGeom prst="rect">
+            <a:avLst/>
+          </a:prstGeom>
+          <a:noFill/>
+          <a:ln>
+            <a:noFill/>
+          </a:ln>
+        </p:spPr>
+        <p:txBody>
+          <a:bodyPr spcFirstLastPara="1" wrap="square" lIns="91425" tIns="45700" rIns="91425" bIns="45700" anchor="ctr" anchorCtr="0">
+            <a:noAutofit/>
+          </a:bodyPr>
+          <a:lstStyle/>
+          <a:p>
+            <a:pPr marL="0" lvl="0" indent="0" algn="l" rtl="0">
+              <a:spcBef>
+                <a:spcPts val="0"/>
+              </a:spcBef>
+              <a:spcAft>
+                <a:spcPts val="0"/>
+              </a:spcAft>
+              <a:buClr>
+                <a:schemeClr val="lt1"/>
+              </a:buClr>
+              <a:buSzPts val="3600"/>
+              <a:buFont typeface="Century Gothic"/>
+              <a:buNone/>
+            </a:pPr>
+            <a:r>
+              <a:rPr lang="en-US"/>
+              <a:t>CHALLENGES</a:t>
+            </a:r>
+            <a:endParaRPr/>
+          </a:p>
+        </p:txBody>
+      </p:sp>
+      <p:sp>
+        <p:nvSpPr>
+          <p:cNvPr id="165" name="Google Shape;165;p22"/>
+          <p:cNvSpPr txBox="1">
+            <a:spLocks noGrp="1"/>
+          </p:cNvSpPr>
+          <p:nvPr>
+            <p:ph type="body" idx="1"/>
+          </p:nvPr>
+        </p:nvSpPr>
+        <p:spPr>
+          <a:xfrm>
+            <a:off x="684212" y="685800"/>
+            <a:ext cx="8534400" cy="3615267"/>
+          </a:xfrm>
+          <a:prstGeom prst="rect">
+            <a:avLst/>
+          </a:prstGeom>
+          <a:noFill/>
+          <a:ln>
+            <a:noFill/>
+          </a:ln>
+        </p:spPr>
+        <p:txBody>
+          <a:bodyPr spcFirstLastPara="1" wrap="square" lIns="91425" tIns="45700" rIns="91425" bIns="45700" anchor="ctr" anchorCtr="0">
+            <a:noAutofit/>
+          </a:bodyPr>
+          <a:lstStyle/>
+          <a:p>
+            <a:pPr marL="457200" lvl="0" indent="-457200" algn="l" rtl="0">
+              <a:spcBef>
+                <a:spcPts val="0"/>
+              </a:spcBef>
+              <a:spcAft>
+                <a:spcPts val="0"/>
+              </a:spcAft>
+              <a:buSzPts val="1920"/>
+              <a:buFont typeface="Century Gothic"/>
+              <a:buAutoNum type="arabicPeriod"/>
+            </a:pPr>
+            <a:r>
+              <a:rPr lang="en-US" sz="2400"/>
+              <a:t>Given a list of negative keywords, what is the frequency of these words appearing in a twitter stream?</a:t>
+            </a:r>
+            <a:endParaRPr/>
+          </a:p>
+          <a:p>
+            <a:pPr marL="457200" lvl="0" indent="-457200" algn="l" rtl="0">
+              <a:spcBef>
+                <a:spcPts val="1080"/>
+              </a:spcBef>
+              <a:spcAft>
+                <a:spcPts val="0"/>
+              </a:spcAft>
+              <a:buSzPts val="1920"/>
+              <a:buFont typeface="Century Gothic"/>
+              <a:buAutoNum type="arabicPeriod"/>
+            </a:pPr>
+            <a:r>
+              <a:rPr lang="en-US" sz="2400"/>
+              <a:t>Can we capture trending tweets from twitter? </a:t>
+            </a:r>
+            <a:endParaRPr/>
+          </a:p>
+          <a:p>
+            <a:pPr marL="457200" lvl="0" indent="-457200" algn="l" rtl="0">
+              <a:spcBef>
+                <a:spcPts val="1080"/>
+              </a:spcBef>
+              <a:spcAft>
+                <a:spcPts val="0"/>
+              </a:spcAft>
+              <a:buSzPts val="1920"/>
+              <a:buFont typeface="Century Gothic"/>
+              <a:buAutoNum type="arabicPeriod"/>
+            </a:pPr>
+            <a:r>
+              <a:rPr lang="en-US" sz="2400"/>
+              <a:t> Given an input stream, what is the most referenced url? </a:t>
+            </a:r>
+            <a:endParaRPr/>
+          </a:p>
+        </p:txBody>
+      </p:sp>
+    </p:spTree>
+  </p:cSld>
+  <p:clrMapOvr>
+    <a:masterClrMapping/>
+  </p:clrMapOvr>
+</p:sld>
+</file>
+
+<file path=ppt/slides/slide20.xml><?xml version="1.0" encoding="utf-8"?>
 <p:sld xmlns:a="http://schemas.openxmlformats.org/drawingml/2006/main" xmlns:r="http://schemas.openxmlformats.org/officeDocument/2006/relationships" xmlns:p="http://schemas.openxmlformats.org/presentationml/2006/main">
   <p:cSld>
     <p:spTree>
@@ -22653,7 +23606,7 @@
 </p:sld>
 </file>
 
-<file path=ppt/slides/slide18.xml><?xml version="1.0" encoding="utf-8"?>
+<file path=ppt/slides/slide21.xml><?xml version="1.0" encoding="utf-8"?>
 <p:sld xmlns:a="http://schemas.openxmlformats.org/drawingml/2006/main" xmlns:r="http://schemas.openxmlformats.org/officeDocument/2006/relationships" xmlns:p="http://schemas.openxmlformats.org/presentationml/2006/main">
   <p:cSld>
     <p:spTree>
@@ -22951,166 +23904,6 @@
 </p:sld>
 </file>
 
-<file path=ppt/slides/slide2.xml><?xml version="1.0" encoding="utf-8"?>
-<p:sld xmlns:a="http://schemas.openxmlformats.org/drawingml/2006/main" xmlns:r="http://schemas.openxmlformats.org/officeDocument/2006/relationships" xmlns:p="http://schemas.openxmlformats.org/presentationml/2006/main">
-  <p:cSld>
-    <p:spTree>
-      <p:nvGrpSpPr>
-        <p:cNvPr id="1" name="Shape 163"/>
-        <p:cNvGrpSpPr/>
-        <p:nvPr/>
-      </p:nvGrpSpPr>
-      <p:grpSpPr>
-        <a:xfrm>
-          <a:off x="0" y="0"/>
-          <a:ext cx="0" cy="0"/>
-          <a:chOff x="0" y="0"/>
-          <a:chExt cx="0" cy="0"/>
-        </a:xfrm>
-      </p:grpSpPr>
-      <p:sp>
-        <p:nvSpPr>
-          <p:cNvPr id="164" name="Google Shape;164;p22"/>
-          <p:cNvSpPr txBox="1">
-            <a:spLocks noGrp="1"/>
-          </p:cNvSpPr>
-          <p:nvPr>
-            <p:ph type="title"/>
-          </p:nvPr>
-        </p:nvSpPr>
-        <p:spPr>
-          <a:xfrm>
-            <a:off x="684212" y="4487332"/>
-            <a:ext cx="8534400" cy="1507067"/>
-          </a:xfrm>
-          <a:prstGeom prst="rect">
-            <a:avLst/>
-          </a:prstGeom>
-          <a:noFill/>
-          <a:ln>
-            <a:noFill/>
-          </a:ln>
-        </p:spPr>
-        <p:txBody>
-          <a:bodyPr spcFirstLastPara="1" wrap="square" lIns="91425" tIns="45700" rIns="91425" bIns="45700" anchor="ctr" anchorCtr="0">
-            <a:noAutofit/>
-          </a:bodyPr>
-          <a:lstStyle/>
-          <a:p>
-            <a:pPr marL="0" lvl="0" indent="0" algn="l" rtl="0">
-              <a:spcBef>
-                <a:spcPts val="0"/>
-              </a:spcBef>
-              <a:spcAft>
-                <a:spcPts val="0"/>
-              </a:spcAft>
-              <a:buClr>
-                <a:schemeClr val="lt1"/>
-              </a:buClr>
-              <a:buSzPts val="3600"/>
-              <a:buFont typeface="Century Gothic"/>
-              <a:buNone/>
-            </a:pPr>
-            <a:r>
-              <a:rPr lang="en-US"/>
-              <a:t>CHALLENGES</a:t>
-            </a:r>
-            <a:endParaRPr/>
-          </a:p>
-        </p:txBody>
-      </p:sp>
-      <p:sp>
-        <p:nvSpPr>
-          <p:cNvPr id="165" name="Google Shape;165;p22"/>
-          <p:cNvSpPr txBox="1">
-            <a:spLocks noGrp="1"/>
-          </p:cNvSpPr>
-          <p:nvPr>
-            <p:ph type="body" idx="1"/>
-          </p:nvPr>
-        </p:nvSpPr>
-        <p:spPr>
-          <a:xfrm>
-            <a:off x="684212" y="685800"/>
-            <a:ext cx="8534400" cy="3615267"/>
-          </a:xfrm>
-          <a:prstGeom prst="rect">
-            <a:avLst/>
-          </a:prstGeom>
-          <a:noFill/>
-          <a:ln>
-            <a:noFill/>
-          </a:ln>
-        </p:spPr>
-        <p:txBody>
-          <a:bodyPr spcFirstLastPara="1" wrap="square" lIns="91425" tIns="45700" rIns="91425" bIns="45700" anchor="ctr" anchorCtr="0">
-            <a:noAutofit/>
-          </a:bodyPr>
-          <a:lstStyle/>
-          <a:p>
-            <a:pPr marL="457200" lvl="0" indent="-457200" algn="l" rtl="0">
-              <a:spcBef>
-                <a:spcPts val="0"/>
-              </a:spcBef>
-              <a:spcAft>
-                <a:spcPts val="0"/>
-              </a:spcAft>
-              <a:buSzPts val="1920"/>
-              <a:buFont typeface="Century Gothic"/>
-              <a:buAutoNum type="arabicPeriod"/>
-            </a:pPr>
-            <a:r>
-              <a:rPr lang="en-US" sz="2400"/>
-              <a:t>Given a list of negative keywords, what is the frequency of these words appearing in a twitter stream?</a:t>
-            </a:r>
-            <a:endParaRPr/>
-          </a:p>
-          <a:p>
-            <a:pPr marL="457200" lvl="0" indent="-457200" algn="l" rtl="0">
-              <a:spcBef>
-                <a:spcPts val="1080"/>
-              </a:spcBef>
-              <a:spcAft>
-                <a:spcPts val="0"/>
-              </a:spcAft>
-              <a:buSzPts val="1920"/>
-              <a:buFont typeface="Century Gothic"/>
-              <a:buAutoNum type="arabicPeriod"/>
-            </a:pPr>
-            <a:r>
-              <a:rPr lang="en-US" sz="2400"/>
-              <a:t>Can we capture trending tweets from twitter? </a:t>
-            </a:r>
-            <a:endParaRPr/>
-          </a:p>
-          <a:p>
-            <a:pPr marL="457200" lvl="0" indent="-457200" algn="l" rtl="0">
-              <a:spcBef>
-                <a:spcPts val="1080"/>
-              </a:spcBef>
-              <a:spcAft>
-                <a:spcPts val="0"/>
-              </a:spcAft>
-              <a:buSzPts val="1920"/>
-              <a:buFont typeface="Century Gothic"/>
-              <a:buAutoNum type="arabicPeriod"/>
-            </a:pPr>
-            <a:r>
-              <a:rPr lang="en-US" sz="2400"/>
-              <a:t> Given an input stream, what is the most referenced url? </a:t>
-            </a:r>
-            <a:endParaRPr/>
-          </a:p>
-        </p:txBody>
-      </p:sp>
-    </p:spTree>
-  </p:cSld>
-  <p:clrMapOvr>
-    <a:masterClrMapping/>
-  </p:clrMapOvr>
-</p:sld>
-</file>
-
 <file path=ppt/slides/slide3.xml><?xml version="1.0" encoding="utf-8"?>
 <p:sld xmlns:a="http://schemas.openxmlformats.org/drawingml/2006/main" xmlns:r="http://schemas.openxmlformats.org/officeDocument/2006/relationships" xmlns:p="http://schemas.openxmlformats.org/presentationml/2006/main">
   <p:cSld>
@@ -24985,9 +25778,44 @@
             </a:pPr>
             <a:r>
               <a:rPr lang="en-US" sz="4000" dirty="0"/>
-              <a:t>WARNING: EXPLICIT CONTENT</a:t>
+              <a:t>Spark Streaming:</a:t>
             </a:r>
             <a:endParaRPr sz="4000" dirty="0"/>
+          </a:p>
+        </p:txBody>
+      </p:sp>
+      <p:sp>
+        <p:nvSpPr>
+          <p:cNvPr id="2" name="TextBox 1">
+            <a:extLst>
+              <a:ext uri="{FF2B5EF4-FFF2-40B4-BE49-F238E27FC236}">
+                <a16:creationId xmlns:a16="http://schemas.microsoft.com/office/drawing/2014/main" id="{CFEE6CDD-37D7-9946-BBCF-A4A9738C8104}"/>
+              </a:ext>
+            </a:extLst>
+          </p:cNvPr>
+          <p:cNvSpPr txBox="1"/>
+          <p:nvPr/>
+        </p:nvSpPr>
+        <p:spPr>
+          <a:xfrm>
+            <a:off x="984738" y="5545016"/>
+            <a:ext cx="4056185" cy="400110"/>
+          </a:xfrm>
+          <a:prstGeom prst="rect">
+            <a:avLst/>
+          </a:prstGeom>
+          <a:noFill/>
+        </p:spPr>
+        <p:txBody>
+          <a:bodyPr wrap="square" rtlCol="0">
+            <a:spAutoFit/>
+          </a:bodyPr>
+          <a:lstStyle/>
+          <a:p>
+            <a:r>
+              <a:rPr lang="en-US" sz="2000" dirty="0"/>
+              <a:t>Page Tyler</a:t>
+            </a:r>
           </a:p>
         </p:txBody>
       </p:sp>
@@ -25000,6 +25828,291 @@
 </file>
 
 <file path=ppt/slides/slide7.xml><?xml version="1.0" encoding="utf-8"?>
+<p:sld xmlns:a="http://schemas.openxmlformats.org/drawingml/2006/main" xmlns:r="http://schemas.openxmlformats.org/officeDocument/2006/relationships" xmlns:p="http://schemas.openxmlformats.org/presentationml/2006/main">
+  <p:cSld>
+    <p:spTree>
+      <p:nvGrpSpPr>
+        <p:cNvPr id="1" name=""/>
+        <p:cNvGrpSpPr/>
+        <p:nvPr/>
+      </p:nvGrpSpPr>
+      <p:grpSpPr>
+        <a:xfrm>
+          <a:off x="0" y="0"/>
+          <a:ext cx="0" cy="0"/>
+          <a:chOff x="0" y="0"/>
+          <a:chExt cx="0" cy="0"/>
+        </a:xfrm>
+      </p:grpSpPr>
+      <p:sp>
+        <p:nvSpPr>
+          <p:cNvPr id="2" name="Title 1">
+            <a:extLst>
+              <a:ext uri="{FF2B5EF4-FFF2-40B4-BE49-F238E27FC236}">
+                <a16:creationId xmlns:a16="http://schemas.microsoft.com/office/drawing/2014/main" id="{DE14724B-9AEA-2342-A05C-46693BCE1DE1}"/>
+              </a:ext>
+            </a:extLst>
+          </p:cNvPr>
+          <p:cNvSpPr>
+            <a:spLocks noGrp="1"/>
+          </p:cNvSpPr>
+          <p:nvPr>
+            <p:ph type="title"/>
+          </p:nvPr>
+        </p:nvSpPr>
+        <p:spPr/>
+        <p:txBody>
+          <a:bodyPr/>
+          <a:lstStyle/>
+          <a:p>
+            <a:r>
+              <a:rPr lang="en-US" dirty="0"/>
+              <a:t>TWEETS TRENDING</a:t>
+            </a:r>
+          </a:p>
+        </p:txBody>
+      </p:sp>
+      <p:sp>
+        <p:nvSpPr>
+          <p:cNvPr id="3" name="Text Placeholder 2">
+            <a:extLst>
+              <a:ext uri="{FF2B5EF4-FFF2-40B4-BE49-F238E27FC236}">
+                <a16:creationId xmlns:a16="http://schemas.microsoft.com/office/drawing/2014/main" id="{8FE4290D-7103-1F4D-A6CF-08FC05BD0A4B}"/>
+              </a:ext>
+            </a:extLst>
+          </p:cNvPr>
+          <p:cNvSpPr>
+            <a:spLocks noGrp="1"/>
+          </p:cNvSpPr>
+          <p:nvPr>
+            <p:ph type="body" idx="1"/>
+          </p:nvPr>
+        </p:nvSpPr>
+        <p:spPr>
+          <a:xfrm>
+            <a:off x="684212" y="685800"/>
+            <a:ext cx="8534400" cy="4999892"/>
+          </a:xfrm>
+        </p:spPr>
+        <p:txBody>
+          <a:bodyPr/>
+          <a:lstStyle/>
+          <a:p>
+            <a:endParaRPr lang="en-US" dirty="0"/>
+          </a:p>
+          <a:p>
+            <a:endParaRPr lang="en-US" dirty="0"/>
+          </a:p>
+          <a:p>
+            <a:pPr marL="137160" indent="0">
+              <a:buNone/>
+            </a:pPr>
+            <a:endParaRPr lang="en-US" dirty="0">
+              <a:solidFill>
+                <a:schemeClr val="tx1"/>
+              </a:solidFill>
+            </a:endParaRPr>
+          </a:p>
+          <a:p>
+            <a:pPr marL="137160" indent="0">
+              <a:buNone/>
+            </a:pPr>
+            <a:endParaRPr lang="en-US" dirty="0">
+              <a:solidFill>
+                <a:schemeClr val="tx1"/>
+              </a:solidFill>
+            </a:endParaRPr>
+          </a:p>
+          <a:p>
+            <a:pPr marL="137160" indent="0">
+              <a:buNone/>
+            </a:pPr>
+            <a:endParaRPr lang="en-US" dirty="0">
+              <a:solidFill>
+                <a:schemeClr val="tx1"/>
+              </a:solidFill>
+            </a:endParaRPr>
+          </a:p>
+          <a:p>
+            <a:pPr marL="137160" indent="0">
+              <a:buNone/>
+            </a:pPr>
+            <a:endParaRPr lang="en-US" dirty="0">
+              <a:solidFill>
+                <a:schemeClr val="tx1"/>
+              </a:solidFill>
+            </a:endParaRPr>
+          </a:p>
+          <a:p>
+            <a:r>
+              <a:rPr lang="en-US" sz="1800" dirty="0">
+                <a:solidFill>
+                  <a:schemeClr val="tx1"/>
+                </a:solidFill>
+              </a:rPr>
+              <a:t>Real time data deliver through an open, streaming API connection. Rather than delivering data in batches through repeated requests by your client app, as might be expected from a REST API, a single connection is opened between your app and the API, with new results being sent through that connection whenever new matches occur. This results in a low-latency delivery mechanism that can support very high throughput.</a:t>
+            </a:r>
+          </a:p>
+          <a:p>
+            <a:endParaRPr lang="en-US" dirty="0"/>
+          </a:p>
+          <a:p>
+            <a:endParaRPr lang="en-US" dirty="0"/>
+          </a:p>
+        </p:txBody>
+      </p:sp>
+      <p:pic>
+        <p:nvPicPr>
+          <p:cNvPr id="5" name="Picture 4">
+            <a:extLst>
+              <a:ext uri="{FF2B5EF4-FFF2-40B4-BE49-F238E27FC236}">
+                <a16:creationId xmlns:a16="http://schemas.microsoft.com/office/drawing/2014/main" id="{928972B4-5106-4442-B8AF-DD9726141F46}"/>
+              </a:ext>
+            </a:extLst>
+          </p:cNvPr>
+          <p:cNvPicPr>
+            <a:picLocks noChangeAspect="1"/>
+          </p:cNvPicPr>
+          <p:nvPr/>
+        </p:nvPicPr>
+        <p:blipFill>
+          <a:blip r:embed="rId2"/>
+          <a:stretch>
+            <a:fillRect/>
+          </a:stretch>
+        </p:blipFill>
+        <p:spPr>
+          <a:xfrm>
+            <a:off x="1572548" y="613182"/>
+            <a:ext cx="6203563" cy="1973384"/>
+          </a:xfrm>
+          <a:prstGeom prst="rect">
+            <a:avLst/>
+          </a:prstGeom>
+        </p:spPr>
+      </p:pic>
+      <p:pic>
+        <p:nvPicPr>
+          <p:cNvPr id="7" name="Picture 6">
+            <a:extLst>
+              <a:ext uri="{FF2B5EF4-FFF2-40B4-BE49-F238E27FC236}">
+                <a16:creationId xmlns:a16="http://schemas.microsoft.com/office/drawing/2014/main" id="{6DB6E417-1C5A-A34A-AF99-15408330F357}"/>
+              </a:ext>
+            </a:extLst>
+          </p:cNvPr>
+          <p:cNvPicPr>
+            <a:picLocks noChangeAspect="1"/>
+          </p:cNvPicPr>
+          <p:nvPr/>
+        </p:nvPicPr>
+        <p:blipFill>
+          <a:blip r:embed="rId3"/>
+          <a:stretch>
+            <a:fillRect/>
+          </a:stretch>
+        </p:blipFill>
+        <p:spPr>
+          <a:xfrm>
+            <a:off x="9124157" y="1599874"/>
+            <a:ext cx="2990590" cy="4999892"/>
+          </a:xfrm>
+          <a:prstGeom prst="rect">
+            <a:avLst/>
+          </a:prstGeom>
+        </p:spPr>
+      </p:pic>
+    </p:spTree>
+    <p:extLst>
+      <p:ext uri="{BB962C8B-B14F-4D97-AF65-F5344CB8AC3E}">
+        <p14:creationId xmlns:p14="http://schemas.microsoft.com/office/powerpoint/2010/main" val="2142421660"/>
+      </p:ext>
+    </p:extLst>
+  </p:cSld>
+  <p:clrMapOvr>
+    <a:masterClrMapping/>
+  </p:clrMapOvr>
+</p:sld>
+</file>
+
+<file path=ppt/slides/slide8.xml><?xml version="1.0" encoding="utf-8"?>
+<p:sld xmlns:a="http://schemas.openxmlformats.org/drawingml/2006/main" xmlns:r="http://schemas.openxmlformats.org/officeDocument/2006/relationships" xmlns:p="http://schemas.openxmlformats.org/presentationml/2006/main">
+  <p:cSld>
+    <p:spTree>
+      <p:nvGrpSpPr>
+        <p:cNvPr id="1" name="Shape 242"/>
+        <p:cNvGrpSpPr/>
+        <p:nvPr/>
+      </p:nvGrpSpPr>
+      <p:grpSpPr>
+        <a:xfrm>
+          <a:off x="0" y="0"/>
+          <a:ext cx="0" cy="0"/>
+          <a:chOff x="0" y="0"/>
+          <a:chExt cx="0" cy="0"/>
+        </a:xfrm>
+      </p:grpSpPr>
+      <p:sp>
+        <p:nvSpPr>
+          <p:cNvPr id="244" name="Google Shape;244;p28"/>
+          <p:cNvSpPr txBox="1">
+            <a:spLocks noGrp="1"/>
+          </p:cNvSpPr>
+          <p:nvPr>
+            <p:ph type="body" idx="1"/>
+          </p:nvPr>
+        </p:nvSpPr>
+        <p:spPr>
+          <a:xfrm>
+            <a:off x="684212" y="685800"/>
+            <a:ext cx="8534400" cy="3615267"/>
+          </a:xfrm>
+          <a:prstGeom prst="rect">
+            <a:avLst/>
+          </a:prstGeom>
+          <a:noFill/>
+          <a:ln>
+            <a:noFill/>
+          </a:ln>
+        </p:spPr>
+        <p:txBody>
+          <a:bodyPr spcFirstLastPara="1" wrap="square" lIns="91425" tIns="45700" rIns="91425" bIns="45700" anchor="ctr" anchorCtr="0">
+            <a:noAutofit/>
+          </a:bodyPr>
+          <a:lstStyle/>
+          <a:p>
+            <a:pPr marL="342900" lvl="0" indent="-342900" algn="l" rtl="0">
+              <a:spcBef>
+                <a:spcPts val="0"/>
+              </a:spcBef>
+              <a:spcAft>
+                <a:spcPts val="0"/>
+              </a:spcAft>
+              <a:buSzPts val="1600"/>
+              <a:buFont typeface="Wingdings" panose="05000000000000000000" pitchFamily="2" charset="2"/>
+              <a:buChar char="Ø"/>
+            </a:pPr>
+            <a:r>
+              <a:rPr lang="en-US" sz="4000" dirty="0"/>
+              <a:t>WARNING: EXPLICIT CONTENT</a:t>
+            </a:r>
+            <a:endParaRPr sz="4000" dirty="0"/>
+          </a:p>
+        </p:txBody>
+      </p:sp>
+    </p:spTree>
+    <p:extLst>
+      <p:ext uri="{BB962C8B-B14F-4D97-AF65-F5344CB8AC3E}">
+        <p14:creationId xmlns:p14="http://schemas.microsoft.com/office/powerpoint/2010/main" val="623103212"/>
+      </p:ext>
+    </p:extLst>
+  </p:cSld>
+  <p:clrMapOvr>
+    <a:masterClrMapping/>
+  </p:clrMapOvr>
+</p:sld>
+</file>
+
+<file path=ppt/slides/slide9.xml><?xml version="1.0" encoding="utf-8"?>
 <p:sld xmlns:a="http://schemas.openxmlformats.org/drawingml/2006/main" xmlns:r="http://schemas.openxmlformats.org/officeDocument/2006/relationships" xmlns:p="http://schemas.openxmlformats.org/presentationml/2006/main">
   <p:cSld>
     <p:bg>
@@ -25242,50 +26355,66 @@
           </a:bodyPr>
           <a:lstStyle/>
           <a:p>
-            <a:pPr marL="0" lvl="0" indent="0" algn="l" rtl="0">
-              <a:spcBef>
-                <a:spcPts val="0"/>
-              </a:spcBef>
-              <a:spcAft>
-                <a:spcPts val="0"/>
-              </a:spcAft>
+            <a:pPr lvl="0">
               <a:buClr>
                 <a:srgbClr val="FFFFFF"/>
               </a:buClr>
               <a:buSzPts val="4800"/>
-              <a:buFont typeface="Century Gothic"/>
-              <a:buNone/>
             </a:pPr>
             <a:r>
-              <a:rPr lang="en-US" sz="4800">
+              <a:rPr lang="en-US" sz="4000" dirty="0">
                 <a:solidFill>
                   <a:srgbClr val="FFFFFF"/>
                 </a:solidFill>
               </a:rPr>
-              <a:t>FINDINGS </a:t>
+              <a:t>NEGATIVITY</a:t>
+            </a:r>
+            <a:r>
+              <a:rPr lang="en-US" sz="4800" dirty="0">
+                <a:solidFill>
+                  <a:srgbClr val="FFFFFF"/>
+                </a:solidFill>
+              </a:rPr>
+              <a:t> </a:t>
+            </a:r>
+            <a:r>
+              <a:rPr lang="en-US" sz="4000" dirty="0">
+                <a:solidFill>
+                  <a:srgbClr val="FFFFFF"/>
+                </a:solidFill>
+              </a:rPr>
+              <a:t>TRENDING</a:t>
+            </a:r>
+            <a:r>
+              <a:rPr lang="en-US" sz="4800" dirty="0">
+                <a:solidFill>
+                  <a:srgbClr val="FFFFFF"/>
+                </a:solidFill>
+              </a:rPr>
+              <a:t> </a:t>
             </a:r>
             <a:br>
-              <a:rPr lang="en-US" sz="4800">
+              <a:rPr lang="en-US" sz="4800" dirty="0">
                 <a:solidFill>
                   <a:srgbClr val="FFFFFF"/>
                 </a:solidFill>
               </a:rPr>
             </a:br>
             <a:br>
-              <a:rPr lang="en-US" sz="4800">
+              <a:rPr lang="en-US" sz="4800" dirty="0">
                 <a:solidFill>
                   <a:srgbClr val="FFFFFF"/>
                 </a:solidFill>
               </a:rPr>
             </a:br>
             <a:br>
-              <a:rPr lang="en-US" sz="4800">
+              <a:rPr lang="en-US" sz="4800" dirty="0">
                 <a:solidFill>
                   <a:srgbClr val="FFFFFF"/>
                 </a:solidFill>
               </a:rPr>
             </a:br>
-            <a:endParaRPr sz="4800">
+            <a:endParaRPr sz="4800" dirty="0">
               <a:solidFill>
                 <a:srgbClr val="FFFFFF"/>
               </a:solidFill>
@@ -25550,7 +26679,7 @@
               </a:spcAft>
               <a:buNone/>
             </a:pPr>
-            <a:endParaRPr sz="1800">
+            <a:endParaRPr sz="1800" dirty="0">
               <a:solidFill>
                 <a:schemeClr val="dk1"/>
               </a:solidFill>
@@ -25576,7 +26705,7 @@
               <a:buChar char="•"/>
             </a:pPr>
             <a:r>
-              <a:rPr lang="en-US" sz="1800">
+              <a:rPr lang="en-US" sz="1800" dirty="0">
                 <a:solidFill>
                   <a:schemeClr val="dk1"/>
                 </a:solidFill>
@@ -25587,7 +26716,7 @@
               </a:rPr>
               <a:t>Inaugural Word count – At the beginning of President Biden’s inaugural speech, we ran our stream for one hour to get the distribution of “negative” words  </a:t>
             </a:r>
-            <a:endParaRPr/>
+            <a:endParaRPr dirty="0"/>
           </a:p>
           <a:p>
             <a:pPr marL="285750" marR="0" lvl="0" indent="-171450" algn="l" rtl="0">
@@ -25604,7 +26733,7 @@
               <a:buFont typeface="Arial"/>
               <a:buNone/>
             </a:pPr>
-            <a:endParaRPr sz="1800">
+            <a:endParaRPr sz="1800" dirty="0">
               <a:solidFill>
                 <a:schemeClr val="dk1"/>
               </a:solidFill>
@@ -25630,7 +26759,7 @@
               <a:buChar char="•"/>
             </a:pPr>
             <a:r>
-              <a:rPr lang="en-US" sz="1800">
+              <a:rPr lang="en-US" sz="1800" dirty="0">
                 <a:solidFill>
                   <a:schemeClr val="dk1"/>
                 </a:solidFill>
@@ -25641,7 +26770,7 @@
               </a:rPr>
               <a:t>This followed the basic MapReduce method, each keyword was mapped when it appeared in a tweet and the dataset was reduced into distinct elements</a:t>
             </a:r>
-            <a:endParaRPr/>
+            <a:endParaRPr dirty="0"/>
           </a:p>
           <a:p>
             <a:pPr marL="285750" marR="0" lvl="0" indent="-171450" algn="l" rtl="0">
@@ -25658,7 +26787,7 @@
               <a:buFont typeface="Arial"/>
               <a:buNone/>
             </a:pPr>
-            <a:endParaRPr sz="1800">
+            <a:endParaRPr sz="1800" dirty="0">
               <a:solidFill>
                 <a:schemeClr val="dk1"/>
               </a:solidFill>
@@ -25684,7 +26813,7 @@
               <a:buChar char="•"/>
             </a:pPr>
             <a:r>
-              <a:rPr lang="en-US" sz="1800">
+              <a:rPr lang="en-US" sz="1800" dirty="0">
                 <a:solidFill>
                   <a:schemeClr val="dk1"/>
                 </a:solidFill>
@@ -25695,463 +26824,38 @@
               </a:rPr>
               <a:t>As you can see, twitter is not the best place to go find some positivity </a:t>
             </a:r>
-            <a:endParaRPr/>
-          </a:p>
-        </p:txBody>
-      </p:sp>
-    </p:spTree>
-  </p:cSld>
-  <p:clrMapOvr>
-    <a:masterClrMapping/>
-  </p:clrMapOvr>
-</p:sld>
-</file>
-
-<file path=ppt/slides/slide8.xml><?xml version="1.0" encoding="utf-8"?>
-<p:sld xmlns:a="http://schemas.openxmlformats.org/drawingml/2006/main" xmlns:r="http://schemas.openxmlformats.org/officeDocument/2006/relationships" xmlns:p="http://schemas.openxmlformats.org/presentationml/2006/main">
-  <p:cSld>
-    <p:spTree>
-      <p:nvGrpSpPr>
-        <p:cNvPr id="1" name="Shape 268"/>
-        <p:cNvGrpSpPr/>
-        <p:nvPr/>
-      </p:nvGrpSpPr>
-      <p:grpSpPr>
-        <a:xfrm>
-          <a:off x="0" y="0"/>
-          <a:ext cx="0" cy="0"/>
-          <a:chOff x="0" y="0"/>
-          <a:chExt cx="0" cy="0"/>
-        </a:xfrm>
-      </p:grpSpPr>
-      <p:sp>
-        <p:nvSpPr>
-          <p:cNvPr id="269" name="Google Shape;269;p30"/>
-          <p:cNvSpPr txBox="1">
-            <a:spLocks noGrp="1"/>
-          </p:cNvSpPr>
-          <p:nvPr>
-            <p:ph type="title"/>
-          </p:nvPr>
-        </p:nvSpPr>
-        <p:spPr>
-          <a:xfrm>
-            <a:off x="684212" y="5025495"/>
-            <a:ext cx="8534400" cy="1507067"/>
-          </a:xfrm>
-          <a:prstGeom prst="rect">
-            <a:avLst/>
-          </a:prstGeom>
-          <a:noFill/>
-          <a:ln>
-            <a:noFill/>
-          </a:ln>
-        </p:spPr>
-        <p:txBody>
-          <a:bodyPr spcFirstLastPara="1" wrap="square" lIns="91425" tIns="45700" rIns="91425" bIns="45700" anchor="ctr" anchorCtr="0">
-            <a:noAutofit/>
-          </a:bodyPr>
-          <a:lstStyle/>
-          <a:p>
-            <a:pPr marL="0" lvl="0" indent="0" algn="l" rtl="0">
-              <a:spcBef>
-                <a:spcPts val="0"/>
-              </a:spcBef>
-              <a:spcAft>
-                <a:spcPts val="0"/>
-              </a:spcAft>
-              <a:buClr>
-                <a:schemeClr val="lt1"/>
-              </a:buClr>
-              <a:buSzPts val="3600"/>
-              <a:buFont typeface="Century Gothic"/>
-              <a:buNone/>
-            </a:pPr>
-            <a:r>
-              <a:rPr lang="en-US"/>
-              <a:t>PROCESS</a:t>
-            </a:r>
-            <a:endParaRPr/>
-          </a:p>
-        </p:txBody>
-      </p:sp>
-      <p:sp>
-        <p:nvSpPr>
-          <p:cNvPr id="270" name="Google Shape;270;p30"/>
-          <p:cNvSpPr txBox="1">
-            <a:spLocks noGrp="1"/>
-          </p:cNvSpPr>
-          <p:nvPr>
-            <p:ph type="body" idx="1"/>
-          </p:nvPr>
-        </p:nvSpPr>
-        <p:spPr>
-          <a:xfrm>
-            <a:off x="684212" y="723901"/>
-            <a:ext cx="8534400" cy="5308599"/>
-          </a:xfrm>
-          <a:prstGeom prst="rect">
-            <a:avLst/>
-          </a:prstGeom>
-          <a:noFill/>
-          <a:ln>
-            <a:noFill/>
-          </a:ln>
-        </p:spPr>
-        <p:txBody>
-          <a:bodyPr spcFirstLastPara="1" wrap="square" lIns="91425" tIns="45700" rIns="91425" bIns="45700" anchor="ctr" anchorCtr="0">
-            <a:noAutofit/>
-          </a:bodyPr>
-          <a:lstStyle/>
-          <a:p>
-            <a:pPr marL="342900" lvl="0" indent="-342900" algn="l" rtl="0">
-              <a:spcBef>
-                <a:spcPts val="0"/>
-              </a:spcBef>
-              <a:spcAft>
-                <a:spcPts val="0"/>
-              </a:spcAft>
-              <a:buSzPts val="1600"/>
-              <a:buFont typeface="Wingdings" panose="05000000000000000000" pitchFamily="2" charset="2"/>
-              <a:buChar char="Ø"/>
-            </a:pPr>
-            <a:r>
-              <a:rPr lang="en-US" dirty="0"/>
-              <a:t>Amazon EMR uses an Amazon Elastic Compute Cloud (Amazon EC2) key pair to ensure that you alone have access to the instances that you launch. The PEM file associated with this key pair is required to ssh directly to the master node of the cluster.</a:t>
-            </a:r>
-            <a:endParaRPr dirty="0"/>
-          </a:p>
-          <a:p>
-            <a:pPr marL="342900" lvl="0" indent="-342900" algn="l" rtl="0">
-              <a:spcBef>
-                <a:spcPts val="1000"/>
-              </a:spcBef>
-              <a:spcAft>
-                <a:spcPts val="0"/>
-              </a:spcAft>
-              <a:buSzPts val="1600"/>
-              <a:buFont typeface="Wingdings" panose="05000000000000000000" pitchFamily="2" charset="2"/>
-              <a:buChar char="Ø"/>
-            </a:pPr>
-            <a:r>
-              <a:rPr lang="en-US" dirty="0"/>
-              <a:t>We would utilize ssh in order to access the master node of the cluster</a:t>
-            </a:r>
-            <a:endParaRPr dirty="0"/>
-          </a:p>
-          <a:p>
-            <a:pPr marL="444500" lvl="0" indent="-342900" algn="l" rtl="0">
-              <a:spcBef>
-                <a:spcPts val="1000"/>
-              </a:spcBef>
-              <a:spcAft>
-                <a:spcPts val="0"/>
-              </a:spcAft>
-              <a:buSzPts val="1600"/>
-              <a:buFont typeface="Wingdings" panose="05000000000000000000" pitchFamily="2" charset="2"/>
-              <a:buChar char="Ø"/>
-            </a:pPr>
-            <a:endParaRPr dirty="0"/>
-          </a:p>
-          <a:p>
-            <a:pPr marL="342900" lvl="0" indent="-342900" algn="l" rtl="0">
-              <a:spcBef>
-                <a:spcPts val="1000"/>
-              </a:spcBef>
-              <a:spcAft>
-                <a:spcPts val="0"/>
-              </a:spcAft>
-              <a:buSzPts val="1600"/>
-              <a:buFont typeface="Wingdings" panose="05000000000000000000" pitchFamily="2" charset="2"/>
-              <a:buChar char="Ø"/>
-            </a:pPr>
-            <a:r>
-              <a:rPr lang="en-US" dirty="0"/>
-              <a:t>We copy the jar from s3 into the EMR local system and run spark on the dataset</a:t>
-            </a:r>
-            <a:endParaRPr dirty="0"/>
-          </a:p>
-          <a:p>
-            <a:pPr marL="285750" lvl="0" indent="-184150" algn="l" rtl="0">
-              <a:spcBef>
-                <a:spcPts val="1000"/>
-              </a:spcBef>
-              <a:spcAft>
-                <a:spcPts val="0"/>
-              </a:spcAft>
-              <a:buSzPts val="1600"/>
-              <a:buNone/>
-            </a:pPr>
             <a:endParaRPr dirty="0"/>
           </a:p>
         </p:txBody>
       </p:sp>
       <p:pic>
         <p:nvPicPr>
-          <p:cNvPr id="271" name="Google Shape;271;p30"/>
-          <p:cNvPicPr preferRelativeResize="0"/>
-          <p:nvPr/>
-        </p:nvPicPr>
-        <p:blipFill rotWithShape="1">
-          <a:blip r:embed="rId3">
-            <a:alphaModFix/>
-          </a:blip>
-          <a:srcRect l="29218" t="58055" r="27772" b="33923"/>
-          <a:stretch/>
-        </p:blipFill>
-        <p:spPr>
-          <a:xfrm>
-            <a:off x="2157412" y="3319992"/>
-            <a:ext cx="7127533" cy="747712"/>
-          </a:xfrm>
-          <a:prstGeom prst="rect">
-            <a:avLst/>
-          </a:prstGeom>
-          <a:noFill/>
-          <a:ln>
-            <a:noFill/>
-          </a:ln>
-        </p:spPr>
-      </p:pic>
-    </p:spTree>
-  </p:cSld>
-  <p:clrMapOvr>
-    <a:masterClrMapping/>
-  </p:clrMapOvr>
-</p:sld>
-</file>
-
-<file path=ppt/slides/slide9.xml><?xml version="1.0" encoding="utf-8"?>
-<p:sld xmlns:a="http://schemas.openxmlformats.org/drawingml/2006/main" xmlns:r="http://schemas.openxmlformats.org/officeDocument/2006/relationships" xmlns:p="http://schemas.openxmlformats.org/presentationml/2006/main">
-  <p:cSld>
-    <p:spTree>
-      <p:nvGrpSpPr>
-        <p:cNvPr id="1" name="Shape 275"/>
-        <p:cNvGrpSpPr/>
-        <p:nvPr/>
-      </p:nvGrpSpPr>
-      <p:grpSpPr>
-        <a:xfrm>
-          <a:off x="0" y="0"/>
-          <a:ext cx="0" cy="0"/>
-          <a:chOff x="0" y="0"/>
-          <a:chExt cx="0" cy="0"/>
-        </a:xfrm>
-      </p:grpSpPr>
-      <p:sp>
-        <p:nvSpPr>
-          <p:cNvPr id="276" name="Google Shape;276;p31"/>
-          <p:cNvSpPr txBox="1">
-            <a:spLocks noGrp="1"/>
-          </p:cNvSpPr>
-          <p:nvPr>
-            <p:ph type="title"/>
-          </p:nvPr>
-        </p:nvSpPr>
-        <p:spPr>
-          <a:xfrm>
-            <a:off x="684212" y="4487332"/>
-            <a:ext cx="8534400" cy="1507200"/>
-          </a:xfrm>
-          <a:prstGeom prst="rect">
-            <a:avLst/>
-          </a:prstGeom>
-        </p:spPr>
-        <p:txBody>
-          <a:bodyPr spcFirstLastPara="1" wrap="square" lIns="91425" tIns="45700" rIns="91425" bIns="45700" anchor="ctr" anchorCtr="0">
-            <a:noAutofit/>
-          </a:bodyPr>
-          <a:lstStyle/>
-          <a:p>
-            <a:pPr marL="457200" lvl="0" indent="-330200" algn="l" rtl="0">
-              <a:spcBef>
-                <a:spcPts val="0"/>
-              </a:spcBef>
-              <a:spcAft>
-                <a:spcPts val="0"/>
-              </a:spcAft>
-              <a:buSzPts val="1600"/>
-              <a:buAutoNum type="arabicPeriod"/>
-            </a:pPr>
-            <a:r>
-              <a:rPr lang="en-US" sz="1600" dirty="0"/>
-              <a:t>Create your EMR and select the software that you would like pre-installed.</a:t>
-            </a:r>
-            <a:endParaRPr sz="1600" dirty="0"/>
-          </a:p>
-          <a:p>
-            <a:pPr marL="457200" lvl="0" indent="-330200" algn="l" rtl="0">
-              <a:spcBef>
-                <a:spcPts val="0"/>
-              </a:spcBef>
-              <a:spcAft>
-                <a:spcPts val="0"/>
-              </a:spcAft>
-              <a:buSzPts val="1600"/>
-              <a:buAutoNum type="arabicPeriod"/>
-            </a:pPr>
-            <a:r>
-              <a:rPr lang="en-US" sz="1600" dirty="0"/>
-              <a:t>Once it is ready it goes to a waiting state.</a:t>
-            </a:r>
-            <a:endParaRPr sz="1600" dirty="0"/>
-          </a:p>
-          <a:p>
-            <a:pPr marL="457200" lvl="0" indent="-330200" algn="l" rtl="0">
-              <a:spcBef>
-                <a:spcPts val="0"/>
-              </a:spcBef>
-              <a:spcAft>
-                <a:spcPts val="0"/>
-              </a:spcAft>
-              <a:buSzPts val="1600"/>
-              <a:buAutoNum type="arabicPeriod"/>
-            </a:pPr>
-            <a:r>
-              <a:rPr lang="en-US" sz="1600" dirty="0"/>
-              <a:t>Connect to master node using SSH will show.</a:t>
-            </a:r>
-            <a:endParaRPr sz="1600" dirty="0"/>
-          </a:p>
-          <a:p>
-            <a:pPr marL="457200" lvl="0" indent="-330200" algn="l" rtl="0">
-              <a:spcBef>
-                <a:spcPts val="0"/>
-              </a:spcBef>
-              <a:spcAft>
-                <a:spcPts val="0"/>
-              </a:spcAft>
-              <a:buSzPts val="1600"/>
-              <a:buAutoNum type="arabicPeriod"/>
-            </a:pPr>
-            <a:r>
-              <a:rPr lang="en-US" sz="1600" dirty="0"/>
-              <a:t>Make sure your log URI contains a location to your S3 bucket.</a:t>
-            </a:r>
-            <a:endParaRPr sz="1600" dirty="0"/>
-          </a:p>
-        </p:txBody>
-      </p:sp>
-      <p:sp>
-        <p:nvSpPr>
-          <p:cNvPr id="277" name="Google Shape;277;p31"/>
-          <p:cNvSpPr txBox="1">
-            <a:spLocks noGrp="1"/>
-          </p:cNvSpPr>
-          <p:nvPr>
-            <p:ph type="body" idx="1"/>
-          </p:nvPr>
-        </p:nvSpPr>
-        <p:spPr>
-          <a:xfrm>
-            <a:off x="684212" y="685800"/>
-            <a:ext cx="8534400" cy="3615300"/>
-          </a:xfrm>
-          <a:prstGeom prst="rect">
-            <a:avLst/>
-          </a:prstGeom>
-        </p:spPr>
-        <p:txBody>
-          <a:bodyPr spcFirstLastPara="1" wrap="square" lIns="91425" tIns="45700" rIns="91425" bIns="45700" anchor="ctr" anchorCtr="0">
-            <a:noAutofit/>
-          </a:bodyPr>
-          <a:lstStyle/>
-          <a:p>
-            <a:pPr marL="0" lvl="0" indent="0" algn="l" rtl="0">
-              <a:spcBef>
-                <a:spcPts val="360"/>
-              </a:spcBef>
-              <a:spcAft>
-                <a:spcPts val="600"/>
-              </a:spcAft>
-              <a:buNone/>
-            </a:pPr>
-            <a:endParaRPr/>
-          </a:p>
-        </p:txBody>
-      </p:sp>
-      <p:pic>
-        <p:nvPicPr>
-          <p:cNvPr id="278" name="Google Shape;278;p31"/>
-          <p:cNvPicPr preferRelativeResize="0"/>
+          <p:cNvPr id="3" name="Picture 2">
+            <a:extLst>
+              <a:ext uri="{FF2B5EF4-FFF2-40B4-BE49-F238E27FC236}">
+                <a16:creationId xmlns:a16="http://schemas.microsoft.com/office/drawing/2014/main" id="{454263D3-7F1D-FC4D-9712-37C45293DC80}"/>
+              </a:ext>
+            </a:extLst>
+          </p:cNvPr>
+          <p:cNvPicPr>
+            <a:picLocks noChangeAspect="1"/>
+          </p:cNvPicPr>
           <p:nvPr/>
         </p:nvPicPr>
         <p:blipFill>
-          <a:blip r:embed="rId3">
-            <a:alphaModFix/>
-          </a:blip>
+          <a:blip r:embed="rId4"/>
           <a:stretch>
             <a:fillRect/>
           </a:stretch>
         </p:blipFill>
         <p:spPr>
           <a:xfrm>
-            <a:off x="1572113" y="767563"/>
-            <a:ext cx="6467475" cy="1323975"/>
+            <a:off x="6568808" y="4893482"/>
+            <a:ext cx="4800600" cy="1447800"/>
           </a:xfrm>
           <a:prstGeom prst="rect">
             <a:avLst/>
           </a:prstGeom>
-          <a:noFill/>
-          <a:ln>
-            <a:noFill/>
-          </a:ln>
-        </p:spPr>
-      </p:pic>
-      <p:pic>
-        <p:nvPicPr>
-          <p:cNvPr id="279" name="Google Shape;279;p31"/>
-          <p:cNvPicPr preferRelativeResize="0"/>
-          <p:nvPr/>
-        </p:nvPicPr>
-        <p:blipFill>
-          <a:blip r:embed="rId4">
-            <a:alphaModFix/>
-          </a:blip>
-          <a:stretch>
-            <a:fillRect/>
-          </a:stretch>
-        </p:blipFill>
-        <p:spPr>
-          <a:xfrm>
-            <a:off x="812675" y="2371975"/>
-            <a:ext cx="4105925" cy="1039500"/>
-          </a:xfrm>
-          <a:prstGeom prst="rect">
-            <a:avLst/>
-          </a:prstGeom>
-          <a:noFill/>
-          <a:ln>
-            <a:noFill/>
-          </a:ln>
-        </p:spPr>
-      </p:pic>
-      <p:pic>
-        <p:nvPicPr>
-          <p:cNvPr id="280" name="Google Shape;280;p31"/>
-          <p:cNvPicPr preferRelativeResize="0"/>
-          <p:nvPr/>
-        </p:nvPicPr>
-        <p:blipFill>
-          <a:blip r:embed="rId5">
-            <a:alphaModFix/>
-          </a:blip>
-          <a:stretch>
-            <a:fillRect/>
-          </a:stretch>
-        </p:blipFill>
-        <p:spPr>
-          <a:xfrm>
-            <a:off x="5128900" y="2371975"/>
-            <a:ext cx="3979650" cy="1039500"/>
-          </a:xfrm>
-          <a:prstGeom prst="rect">
-            <a:avLst/>
-          </a:prstGeom>
-          <a:noFill/>
-          <a:ln>
-            <a:noFill/>
-          </a:ln>
         </p:spPr>
       </p:pic>
     </p:spTree>

--- a/Group Twitter Stream - Project1.pptx
+++ b/Group Twitter Stream - Project1.pptx
@@ -6,7 +6,7 @@
     <p:sldMasterId id="2147483667" r:id="rId2"/>
   </p:sldMasterIdLst>
   <p:notesMasterIdLst>
-    <p:notesMasterId r:id="rId23"/>
+    <p:notesMasterId r:id="rId21"/>
   </p:notesMasterIdLst>
   <p:sldIdLst>
     <p:sldId id="256" r:id="rId3"/>
@@ -14,31 +14,29 @@
     <p:sldId id="258" r:id="rId5"/>
     <p:sldId id="259" r:id="rId6"/>
     <p:sldId id="260" r:id="rId7"/>
-    <p:sldId id="261" r:id="rId8"/>
-    <p:sldId id="262" r:id="rId9"/>
-    <p:sldId id="263" r:id="rId10"/>
-    <p:sldId id="264" r:id="rId11"/>
-    <p:sldId id="265" r:id="rId12"/>
-    <p:sldId id="266" r:id="rId13"/>
-    <p:sldId id="267" r:id="rId14"/>
-    <p:sldId id="268" r:id="rId15"/>
-    <p:sldId id="269" r:id="rId16"/>
-    <p:sldId id="270" r:id="rId17"/>
-    <p:sldId id="271" r:id="rId18"/>
-    <p:sldId id="272" r:id="rId19"/>
-    <p:sldId id="273" r:id="rId20"/>
-    <p:sldId id="276" r:id="rId21"/>
-    <p:sldId id="277" r:id="rId22"/>
+    <p:sldId id="263" r:id="rId8"/>
+    <p:sldId id="264" r:id="rId9"/>
+    <p:sldId id="265" r:id="rId10"/>
+    <p:sldId id="266" r:id="rId11"/>
+    <p:sldId id="267" r:id="rId12"/>
+    <p:sldId id="268" r:id="rId13"/>
+    <p:sldId id="269" r:id="rId14"/>
+    <p:sldId id="270" r:id="rId15"/>
+    <p:sldId id="271" r:id="rId16"/>
+    <p:sldId id="272" r:id="rId17"/>
+    <p:sldId id="273" r:id="rId18"/>
+    <p:sldId id="276" r:id="rId19"/>
+    <p:sldId id="277" r:id="rId20"/>
   </p:sldIdLst>
   <p:sldSz cx="12192000" cy="6858000"/>
   <p:notesSz cx="6858000" cy="9144000"/>
   <p:embeddedFontLst>
     <p:embeddedFont>
       <p:font typeface="Century Gothic" panose="020B0502020202020204" pitchFamily="34" charset="0"/>
-      <p:regular r:id="rId24"/>
-      <p:bold r:id="rId25"/>
-      <p:italic r:id="rId26"/>
-      <p:boldItalic r:id="rId27"/>
+      <p:regular r:id="rId22"/>
+      <p:bold r:id="rId23"/>
+      <p:italic r:id="rId24"/>
+      <p:boldItalic r:id="rId25"/>
     </p:embeddedFont>
   </p:embeddedFontLst>
   <p:defaultTextStyle>
@@ -270,6 +268,11 @@
       </a:defRPr>
     </a:lvl9pPr>
   </p:defaultTextStyle>
+  <p:extLst>
+    <p:ext uri="{EFAFB233-063F-42B5-8137-9DF3F51BA10A}">
+      <p15:sldGuideLst xmlns:p15="http://schemas.microsoft.com/office/powerpoint/2012/main"/>
+    </p:ext>
+  </p:extLst>
 </p:presentation>
 </file>
 
@@ -823,214 +826,6 @@
   <p:cSld>
     <p:spTree>
       <p:nvGrpSpPr>
-        <p:cNvPr id="1" name="Shape 265"/>
-        <p:cNvGrpSpPr/>
-        <p:nvPr/>
-      </p:nvGrpSpPr>
-      <p:grpSpPr>
-        <a:xfrm>
-          <a:off x="0" y="0"/>
-          <a:ext cx="0" cy="0"/>
-          <a:chOff x="0" y="0"/>
-          <a:chExt cx="0" cy="0"/>
-        </a:xfrm>
-      </p:grpSpPr>
-      <p:sp>
-        <p:nvSpPr>
-          <p:cNvPr id="266" name="Google Shape;266;p10:notes"/>
-          <p:cNvSpPr txBox="1">
-            <a:spLocks noGrp="1"/>
-          </p:cNvSpPr>
-          <p:nvPr>
-            <p:ph type="body" idx="1"/>
-          </p:nvPr>
-        </p:nvSpPr>
-        <p:spPr>
-          <a:xfrm>
-            <a:off x="685800" y="4343400"/>
-            <a:ext cx="5486400" cy="4114800"/>
-          </a:xfrm>
-          <a:prstGeom prst="rect">
-            <a:avLst/>
-          </a:prstGeom>
-        </p:spPr>
-        <p:txBody>
-          <a:bodyPr spcFirstLastPara="1" wrap="square" lIns="91425" tIns="91425" rIns="91425" bIns="91425" anchor="t" anchorCtr="0">
-            <a:noAutofit/>
-          </a:bodyPr>
-          <a:lstStyle/>
-          <a:p>
-            <a:pPr marL="0" lvl="0" indent="0" algn="l" rtl="0">
-              <a:spcBef>
-                <a:spcPts val="0"/>
-              </a:spcBef>
-              <a:spcAft>
-                <a:spcPts val="0"/>
-              </a:spcAft>
-              <a:buNone/>
-            </a:pPr>
-            <a:endParaRPr/>
-          </a:p>
-        </p:txBody>
-      </p:sp>
-      <p:sp>
-        <p:nvSpPr>
-          <p:cNvPr id="267" name="Google Shape;267;p10:notes"/>
-          <p:cNvSpPr>
-            <a:spLocks noGrp="1" noRot="1" noChangeAspect="1"/>
-          </p:cNvSpPr>
-          <p:nvPr>
-            <p:ph type="sldImg" idx="2"/>
-          </p:nvPr>
-        </p:nvSpPr>
-        <p:spPr>
-          <a:xfrm>
-            <a:off x="381000" y="685800"/>
-            <a:ext cx="6096000" cy="3429000"/>
-          </a:xfrm>
-          <a:custGeom>
-            <a:avLst/>
-            <a:gdLst/>
-            <a:ahLst/>
-            <a:cxnLst/>
-            <a:rect l="l" t="t" r="r" b="b"/>
-            <a:pathLst>
-              <a:path w="120000" h="120000" extrusionOk="0">
-                <a:moveTo>
-                  <a:pt x="0" y="0"/>
-                </a:moveTo>
-                <a:lnTo>
-                  <a:pt x="120000" y="0"/>
-                </a:lnTo>
-                <a:lnTo>
-                  <a:pt x="120000" y="120000"/>
-                </a:lnTo>
-                <a:lnTo>
-                  <a:pt x="0" y="120000"/>
-                </a:lnTo>
-                <a:close/>
-              </a:path>
-            </a:pathLst>
-          </a:custGeom>
-        </p:spPr>
-      </p:sp>
-    </p:spTree>
-  </p:cSld>
-  <p:clrMapOvr>
-    <a:masterClrMapping/>
-  </p:clrMapOvr>
-</p:notes>
-</file>
-
-<file path=ppt/notesSlides/notesSlide11.xml><?xml version="1.0" encoding="utf-8"?>
-<p:notes xmlns:a="http://schemas.openxmlformats.org/drawingml/2006/main" xmlns:r="http://schemas.openxmlformats.org/officeDocument/2006/relationships" xmlns:p="http://schemas.openxmlformats.org/presentationml/2006/main" showMasterSp="0" showMasterPhAnim="0">
-  <p:cSld>
-    <p:spTree>
-      <p:nvGrpSpPr>
-        <p:cNvPr id="1" name="Shape 272"/>
-        <p:cNvGrpSpPr/>
-        <p:nvPr/>
-      </p:nvGrpSpPr>
-      <p:grpSpPr>
-        <a:xfrm>
-          <a:off x="0" y="0"/>
-          <a:ext cx="0" cy="0"/>
-          <a:chOff x="0" y="0"/>
-          <a:chExt cx="0" cy="0"/>
-        </a:xfrm>
-      </p:grpSpPr>
-      <p:sp>
-        <p:nvSpPr>
-          <p:cNvPr id="273" name="Google Shape;273;gb7979aca4d_0_0:notes"/>
-          <p:cNvSpPr>
-            <a:spLocks noGrp="1" noRot="1" noChangeAspect="1"/>
-          </p:cNvSpPr>
-          <p:nvPr>
-            <p:ph type="sldImg" idx="2"/>
-          </p:nvPr>
-        </p:nvSpPr>
-        <p:spPr>
-          <a:xfrm>
-            <a:off x="1143225" y="685800"/>
-            <a:ext cx="4572300" cy="3429000"/>
-          </a:xfrm>
-          <a:custGeom>
-            <a:avLst/>
-            <a:gdLst/>
-            <a:ahLst/>
-            <a:cxnLst/>
-            <a:rect l="l" t="t" r="r" b="b"/>
-            <a:pathLst>
-              <a:path w="120000" h="120000" extrusionOk="0">
-                <a:moveTo>
-                  <a:pt x="0" y="0"/>
-                </a:moveTo>
-                <a:lnTo>
-                  <a:pt x="120000" y="0"/>
-                </a:lnTo>
-                <a:lnTo>
-                  <a:pt x="120000" y="120000"/>
-                </a:lnTo>
-                <a:lnTo>
-                  <a:pt x="0" y="120000"/>
-                </a:lnTo>
-                <a:close/>
-              </a:path>
-            </a:pathLst>
-          </a:custGeom>
-        </p:spPr>
-      </p:sp>
-      <p:sp>
-        <p:nvSpPr>
-          <p:cNvPr id="274" name="Google Shape;274;gb7979aca4d_0_0:notes"/>
-          <p:cNvSpPr txBox="1">
-            <a:spLocks noGrp="1"/>
-          </p:cNvSpPr>
-          <p:nvPr>
-            <p:ph type="body" idx="1"/>
-          </p:nvPr>
-        </p:nvSpPr>
-        <p:spPr>
-          <a:xfrm>
-            <a:off x="685800" y="4343400"/>
-            <a:ext cx="5486400" cy="4114800"/>
-          </a:xfrm>
-          <a:prstGeom prst="rect">
-            <a:avLst/>
-          </a:prstGeom>
-        </p:spPr>
-        <p:txBody>
-          <a:bodyPr spcFirstLastPara="1" wrap="square" lIns="91425" tIns="91425" rIns="91425" bIns="91425" anchor="t" anchorCtr="0">
-            <a:noAutofit/>
-          </a:bodyPr>
-          <a:lstStyle/>
-          <a:p>
-            <a:pPr marL="0" lvl="0" indent="0" algn="l" rtl="0">
-              <a:spcBef>
-                <a:spcPts val="0"/>
-              </a:spcBef>
-              <a:spcAft>
-                <a:spcPts val="0"/>
-              </a:spcAft>
-              <a:buNone/>
-            </a:pPr>
-            <a:endParaRPr/>
-          </a:p>
-        </p:txBody>
-      </p:sp>
-    </p:spTree>
-  </p:cSld>
-  <p:clrMapOvr>
-    <a:masterClrMapping/>
-  </p:clrMapOvr>
-</p:notes>
-</file>
-
-<file path=ppt/notesSlides/notesSlide12.xml><?xml version="1.0" encoding="utf-8"?>
-<p:notes xmlns:a="http://schemas.openxmlformats.org/drawingml/2006/main" xmlns:r="http://schemas.openxmlformats.org/officeDocument/2006/relationships" xmlns:p="http://schemas.openxmlformats.org/presentationml/2006/main" showMasterSp="0" showMasterPhAnim="0">
-  <p:cSld>
-    <p:spTree>
-      <p:nvGrpSpPr>
         <p:cNvPr id="1" name="Shape 281"/>
         <p:cNvGrpSpPr/>
         <p:nvPr/>
@@ -1130,7 +925,7 @@
 </p:notes>
 </file>
 
-<file path=ppt/notesSlides/notesSlide13.xml><?xml version="1.0" encoding="utf-8"?>
+<file path=ppt/notesSlides/notesSlide11.xml><?xml version="1.0" encoding="utf-8"?>
 <p:notes xmlns:a="http://schemas.openxmlformats.org/drawingml/2006/main" xmlns:r="http://schemas.openxmlformats.org/officeDocument/2006/relationships" xmlns:p="http://schemas.openxmlformats.org/presentationml/2006/main" showMasterSp="0" showMasterPhAnim="0">
   <p:cSld>
     <p:spTree>
@@ -1234,7 +1029,7 @@
 </p:notes>
 </file>
 
-<file path=ppt/notesSlides/notesSlide14.xml><?xml version="1.0" encoding="utf-8"?>
+<file path=ppt/notesSlides/notesSlide12.xml><?xml version="1.0" encoding="utf-8"?>
 <p:notes xmlns:a="http://schemas.openxmlformats.org/drawingml/2006/main" xmlns:r="http://schemas.openxmlformats.org/officeDocument/2006/relationships" xmlns:p="http://schemas.openxmlformats.org/presentationml/2006/main" showMasterSp="0" showMasterPhAnim="0">
   <p:cSld>
     <p:spTree>
@@ -1263,8 +1058,8 @@
         </p:nvSpPr>
         <p:spPr>
           <a:xfrm>
-            <a:off x="1143225" y="685800"/>
-            <a:ext cx="4572300" cy="3429000"/>
+            <a:off x="381000" y="685800"/>
+            <a:ext cx="6096000" cy="3429000"/>
           </a:xfrm>
           <a:custGeom>
             <a:avLst/>
@@ -1342,7 +1137,7 @@
 </p:notes>
 </file>
 
-<file path=ppt/notesSlides/notesSlide15.xml><?xml version="1.0" encoding="utf-8"?>
+<file path=ppt/notesSlides/notesSlide13.xml><?xml version="1.0" encoding="utf-8"?>
 <p:notes xmlns:a="http://schemas.openxmlformats.org/drawingml/2006/main" xmlns:r="http://schemas.openxmlformats.org/officeDocument/2006/relationships" xmlns:p="http://schemas.openxmlformats.org/presentationml/2006/main" showMasterSp="0" showMasterPhAnim="0">
   <p:cSld>
     <p:spTree>
@@ -1371,8 +1166,8 @@
         </p:nvSpPr>
         <p:spPr>
           <a:xfrm>
-            <a:off x="1143225" y="685800"/>
-            <a:ext cx="4572300" cy="3429000"/>
+            <a:off x="381000" y="685800"/>
+            <a:ext cx="6096000" cy="3429000"/>
           </a:xfrm>
           <a:custGeom>
             <a:avLst/>
@@ -1435,10 +1230,10 @@
               <a:buNone/>
             </a:pPr>
             <a:r>
-              <a:rPr lang="en-US"/>
+              <a:rPr lang="en-US" dirty="0"/>
               <a:t>When done running, exit your ssh connection and go to your output folder.</a:t>
             </a:r>
-            <a:endParaRPr/>
+            <a:endParaRPr dirty="0"/>
           </a:p>
           <a:p>
             <a:pPr marL="0" lvl="0" indent="0" algn="l" rtl="0">
@@ -1451,10 +1246,10 @@
               <a:buNone/>
             </a:pPr>
             <a:r>
-              <a:rPr lang="en-US"/>
+              <a:rPr lang="en-US" dirty="0"/>
               <a:t>Select your file and download.</a:t>
             </a:r>
-            <a:endParaRPr/>
+            <a:endParaRPr dirty="0"/>
           </a:p>
         </p:txBody>
       </p:sp>
@@ -1466,7 +1261,7 @@
 </p:notes>
 </file>
 
-<file path=ppt/notesSlides/notesSlide16.xml><?xml version="1.0" encoding="utf-8"?>
+<file path=ppt/notesSlides/notesSlide14.xml><?xml version="1.0" encoding="utf-8"?>
 <p:notes xmlns:a="http://schemas.openxmlformats.org/drawingml/2006/main" xmlns:r="http://schemas.openxmlformats.org/officeDocument/2006/relationships" xmlns:p="http://schemas.openxmlformats.org/presentationml/2006/main" showMasterSp="0" showMasterPhAnim="0">
   <p:cSld>
     <p:spTree>
@@ -1495,8 +1290,8 @@
         </p:nvSpPr>
         <p:spPr>
           <a:xfrm>
-            <a:off x="1143225" y="685800"/>
-            <a:ext cx="4572300" cy="3429000"/>
+            <a:off x="381000" y="685800"/>
+            <a:ext cx="6096000" cy="3429000"/>
           </a:xfrm>
           <a:custGeom>
             <a:avLst/>
@@ -1559,10 +1354,10 @@
               <a:buNone/>
             </a:pPr>
             <a:r>
-              <a:rPr lang="en-US"/>
+              <a:rPr lang="en-US" dirty="0"/>
               <a:t>example of the output and make sure to terminate your EMR cluster to keep from receiving unexpected charges.</a:t>
             </a:r>
-            <a:endParaRPr/>
+            <a:endParaRPr dirty="0"/>
           </a:p>
         </p:txBody>
       </p:sp>
@@ -1574,7 +1369,7 @@
 </p:notes>
 </file>
 
-<file path=ppt/notesSlides/notesSlide17.xml><?xml version="1.0" encoding="utf-8"?>
+<file path=ppt/notesSlides/notesSlide15.xml><?xml version="1.0" encoding="utf-8"?>
 <p:notes xmlns:a="http://schemas.openxmlformats.org/drawingml/2006/main" xmlns:r="http://schemas.openxmlformats.org/officeDocument/2006/relationships" xmlns:p="http://schemas.openxmlformats.org/presentationml/2006/main" showMasterSp="0" showMasterPhAnim="0">
   <p:cSld>
     <p:spTree>
@@ -1678,7 +1473,7 @@
 </p:notes>
 </file>
 
-<file path=ppt/notesSlides/notesSlide18.xml><?xml version="1.0" encoding="utf-8"?>
+<file path=ppt/notesSlides/notesSlide16.xml><?xml version="1.0" encoding="utf-8"?>
 <p:notes xmlns:a="http://schemas.openxmlformats.org/drawingml/2006/main" xmlns:r="http://schemas.openxmlformats.org/officeDocument/2006/relationships" xmlns:p="http://schemas.openxmlformats.org/presentationml/2006/main" showMasterSp="0" showMasterPhAnim="0">
   <p:cSld>
     <p:spTree>
@@ -2161,8 +1956,8 @@
         </p:nvSpPr>
         <p:spPr>
           <a:xfrm>
-            <a:off x="1143225" y="685800"/>
-            <a:ext cx="4572225" cy="3429000"/>
+            <a:off x="381000" y="685800"/>
+            <a:ext cx="6096000" cy="3429000"/>
           </a:xfrm>
           <a:custGeom>
             <a:avLst/>
@@ -2199,214 +1994,6 @@
 </file>
 
 <file path=ppt/notesSlides/notesSlide6.xml><?xml version="1.0" encoding="utf-8"?>
-<p:notes xmlns:a="http://schemas.openxmlformats.org/drawingml/2006/main" xmlns:r="http://schemas.openxmlformats.org/officeDocument/2006/relationships" xmlns:p="http://schemas.openxmlformats.org/presentationml/2006/main" showMasterSp="0" showMasterPhAnim="0">
-  <p:cSld>
-    <p:spTree>
-      <p:nvGrpSpPr>
-        <p:cNvPr id="1" name="Shape 205"/>
-        <p:cNvGrpSpPr/>
-        <p:nvPr/>
-      </p:nvGrpSpPr>
-      <p:grpSpPr>
-        <a:xfrm>
-          <a:off x="0" y="0"/>
-          <a:ext cx="0" cy="0"/>
-          <a:chOff x="0" y="0"/>
-          <a:chExt cx="0" cy="0"/>
-        </a:xfrm>
-      </p:grpSpPr>
-      <p:sp>
-        <p:nvSpPr>
-          <p:cNvPr id="206" name="Google Shape;206;p6:notes"/>
-          <p:cNvSpPr txBox="1">
-            <a:spLocks noGrp="1"/>
-          </p:cNvSpPr>
-          <p:nvPr>
-            <p:ph type="body" idx="1"/>
-          </p:nvPr>
-        </p:nvSpPr>
-        <p:spPr>
-          <a:xfrm>
-            <a:off x="685800" y="4343400"/>
-            <a:ext cx="5486400" cy="4114800"/>
-          </a:xfrm>
-          <a:prstGeom prst="rect">
-            <a:avLst/>
-          </a:prstGeom>
-        </p:spPr>
-        <p:txBody>
-          <a:bodyPr spcFirstLastPara="1" wrap="square" lIns="91425" tIns="91425" rIns="91425" bIns="91425" anchor="t" anchorCtr="0">
-            <a:noAutofit/>
-          </a:bodyPr>
-          <a:lstStyle/>
-          <a:p>
-            <a:pPr marL="0" lvl="0" indent="0" algn="l" rtl="0">
-              <a:spcBef>
-                <a:spcPts val="0"/>
-              </a:spcBef>
-              <a:spcAft>
-                <a:spcPts val="0"/>
-              </a:spcAft>
-              <a:buNone/>
-            </a:pPr>
-            <a:endParaRPr/>
-          </a:p>
-        </p:txBody>
-      </p:sp>
-      <p:sp>
-        <p:nvSpPr>
-          <p:cNvPr id="207" name="Google Shape;207;p6:notes"/>
-          <p:cNvSpPr>
-            <a:spLocks noGrp="1" noRot="1" noChangeAspect="1"/>
-          </p:cNvSpPr>
-          <p:nvPr>
-            <p:ph type="sldImg" idx="2"/>
-          </p:nvPr>
-        </p:nvSpPr>
-        <p:spPr>
-          <a:xfrm>
-            <a:off x="1143225" y="685800"/>
-            <a:ext cx="4572225" cy="3429000"/>
-          </a:xfrm>
-          <a:custGeom>
-            <a:avLst/>
-            <a:gdLst/>
-            <a:ahLst/>
-            <a:cxnLst/>
-            <a:rect l="l" t="t" r="r" b="b"/>
-            <a:pathLst>
-              <a:path w="120000" h="120000" extrusionOk="0">
-                <a:moveTo>
-                  <a:pt x="0" y="0"/>
-                </a:moveTo>
-                <a:lnTo>
-                  <a:pt x="120000" y="0"/>
-                </a:lnTo>
-                <a:lnTo>
-                  <a:pt x="120000" y="120000"/>
-                </a:lnTo>
-                <a:lnTo>
-                  <a:pt x="0" y="120000"/>
-                </a:lnTo>
-                <a:close/>
-              </a:path>
-            </a:pathLst>
-          </a:custGeom>
-        </p:spPr>
-      </p:sp>
-    </p:spTree>
-  </p:cSld>
-  <p:clrMapOvr>
-    <a:masterClrMapping/>
-  </p:clrMapOvr>
-</p:notes>
-</file>
-
-<file path=ppt/notesSlides/notesSlide7.xml><?xml version="1.0" encoding="utf-8"?>
-<p:notes xmlns:a="http://schemas.openxmlformats.org/drawingml/2006/main" xmlns:r="http://schemas.openxmlformats.org/officeDocument/2006/relationships" xmlns:p="http://schemas.openxmlformats.org/presentationml/2006/main" showMasterSp="0" showMasterPhAnim="0">
-  <p:cSld>
-    <p:spTree>
-      <p:nvGrpSpPr>
-        <p:cNvPr id="1" name="Shape 222"/>
-        <p:cNvGrpSpPr/>
-        <p:nvPr/>
-      </p:nvGrpSpPr>
-      <p:grpSpPr>
-        <a:xfrm>
-          <a:off x="0" y="0"/>
-          <a:ext cx="0" cy="0"/>
-          <a:chOff x="0" y="0"/>
-          <a:chExt cx="0" cy="0"/>
-        </a:xfrm>
-      </p:grpSpPr>
-      <p:sp>
-        <p:nvSpPr>
-          <p:cNvPr id="223" name="Google Shape;223;p7:notes"/>
-          <p:cNvSpPr txBox="1">
-            <a:spLocks noGrp="1"/>
-          </p:cNvSpPr>
-          <p:nvPr>
-            <p:ph type="body" idx="1"/>
-          </p:nvPr>
-        </p:nvSpPr>
-        <p:spPr>
-          <a:xfrm>
-            <a:off x="685800" y="4343400"/>
-            <a:ext cx="5486400" cy="4114800"/>
-          </a:xfrm>
-          <a:prstGeom prst="rect">
-            <a:avLst/>
-          </a:prstGeom>
-        </p:spPr>
-        <p:txBody>
-          <a:bodyPr spcFirstLastPara="1" wrap="square" lIns="91425" tIns="91425" rIns="91425" bIns="91425" anchor="t" anchorCtr="0">
-            <a:noAutofit/>
-          </a:bodyPr>
-          <a:lstStyle/>
-          <a:p>
-            <a:pPr marL="0" lvl="0" indent="0" algn="l" rtl="0">
-              <a:spcBef>
-                <a:spcPts val="0"/>
-              </a:spcBef>
-              <a:spcAft>
-                <a:spcPts val="0"/>
-              </a:spcAft>
-              <a:buNone/>
-            </a:pPr>
-            <a:endParaRPr/>
-          </a:p>
-        </p:txBody>
-      </p:sp>
-      <p:sp>
-        <p:nvSpPr>
-          <p:cNvPr id="224" name="Google Shape;224;p7:notes"/>
-          <p:cNvSpPr>
-            <a:spLocks noGrp="1" noRot="1" noChangeAspect="1"/>
-          </p:cNvSpPr>
-          <p:nvPr>
-            <p:ph type="sldImg" idx="2"/>
-          </p:nvPr>
-        </p:nvSpPr>
-        <p:spPr>
-          <a:xfrm>
-            <a:off x="1143225" y="685800"/>
-            <a:ext cx="4572225" cy="3429000"/>
-          </a:xfrm>
-          <a:custGeom>
-            <a:avLst/>
-            <a:gdLst/>
-            <a:ahLst/>
-            <a:cxnLst/>
-            <a:rect l="l" t="t" r="r" b="b"/>
-            <a:pathLst>
-              <a:path w="120000" h="120000" extrusionOk="0">
-                <a:moveTo>
-                  <a:pt x="0" y="0"/>
-                </a:moveTo>
-                <a:lnTo>
-                  <a:pt x="120000" y="0"/>
-                </a:lnTo>
-                <a:lnTo>
-                  <a:pt x="120000" y="120000"/>
-                </a:lnTo>
-                <a:lnTo>
-                  <a:pt x="0" y="120000"/>
-                </a:lnTo>
-                <a:close/>
-              </a:path>
-            </a:pathLst>
-          </a:custGeom>
-        </p:spPr>
-      </p:sp>
-    </p:spTree>
-  </p:cSld>
-  <p:clrMapOvr>
-    <a:masterClrMapping/>
-  </p:clrMapOvr>
-</p:notes>
-</file>
-
-<file path=ppt/notesSlides/notesSlide8.xml><?xml version="1.0" encoding="utf-8"?>
 <p:notes xmlns:a="http://schemas.openxmlformats.org/drawingml/2006/main" xmlns:r="http://schemas.openxmlformats.org/officeDocument/2006/relationships" xmlns:p="http://schemas.openxmlformats.org/presentationml/2006/main" showMasterSp="0" showMasterPhAnim="0">
   <p:cSld>
     <p:spTree>
@@ -2510,7 +2097,7 @@
 </p:notes>
 </file>
 
-<file path=ppt/notesSlides/notesSlide9.xml><?xml version="1.0" encoding="utf-8"?>
+<file path=ppt/notesSlides/notesSlide7.xml><?xml version="1.0" encoding="utf-8"?>
 <p:notes xmlns:a="http://schemas.openxmlformats.org/drawingml/2006/main" xmlns:r="http://schemas.openxmlformats.org/officeDocument/2006/relationships" xmlns:p="http://schemas.openxmlformats.org/presentationml/2006/main" showMasterSp="0" showMasterPhAnim="0">
   <p:cSld>
     <p:spTree>
@@ -2605,6 +2192,214 @@
             </a:pathLst>
           </a:custGeom>
         </p:spPr>
+      </p:sp>
+    </p:spTree>
+  </p:cSld>
+  <p:clrMapOvr>
+    <a:masterClrMapping/>
+  </p:clrMapOvr>
+</p:notes>
+</file>
+
+<file path=ppt/notesSlides/notesSlide8.xml><?xml version="1.0" encoding="utf-8"?>
+<p:notes xmlns:a="http://schemas.openxmlformats.org/drawingml/2006/main" xmlns:r="http://schemas.openxmlformats.org/officeDocument/2006/relationships" xmlns:p="http://schemas.openxmlformats.org/presentationml/2006/main" showMasterSp="0" showMasterPhAnim="0">
+  <p:cSld>
+    <p:spTree>
+      <p:nvGrpSpPr>
+        <p:cNvPr id="1" name="Shape 265"/>
+        <p:cNvGrpSpPr/>
+        <p:nvPr/>
+      </p:nvGrpSpPr>
+      <p:grpSpPr>
+        <a:xfrm>
+          <a:off x="0" y="0"/>
+          <a:ext cx="0" cy="0"/>
+          <a:chOff x="0" y="0"/>
+          <a:chExt cx="0" cy="0"/>
+        </a:xfrm>
+      </p:grpSpPr>
+      <p:sp>
+        <p:nvSpPr>
+          <p:cNvPr id="266" name="Google Shape;266;p10:notes"/>
+          <p:cNvSpPr txBox="1">
+            <a:spLocks noGrp="1"/>
+          </p:cNvSpPr>
+          <p:nvPr>
+            <p:ph type="body" idx="1"/>
+          </p:nvPr>
+        </p:nvSpPr>
+        <p:spPr>
+          <a:xfrm>
+            <a:off x="685800" y="4343400"/>
+            <a:ext cx="5486400" cy="4114800"/>
+          </a:xfrm>
+          <a:prstGeom prst="rect">
+            <a:avLst/>
+          </a:prstGeom>
+        </p:spPr>
+        <p:txBody>
+          <a:bodyPr spcFirstLastPara="1" wrap="square" lIns="91425" tIns="91425" rIns="91425" bIns="91425" anchor="t" anchorCtr="0">
+            <a:noAutofit/>
+          </a:bodyPr>
+          <a:lstStyle/>
+          <a:p>
+            <a:pPr marL="0" lvl="0" indent="0" algn="l" rtl="0">
+              <a:spcBef>
+                <a:spcPts val="0"/>
+              </a:spcBef>
+              <a:spcAft>
+                <a:spcPts val="0"/>
+              </a:spcAft>
+              <a:buNone/>
+            </a:pPr>
+            <a:endParaRPr/>
+          </a:p>
+        </p:txBody>
+      </p:sp>
+      <p:sp>
+        <p:nvSpPr>
+          <p:cNvPr id="267" name="Google Shape;267;p10:notes"/>
+          <p:cNvSpPr>
+            <a:spLocks noGrp="1" noRot="1" noChangeAspect="1"/>
+          </p:cNvSpPr>
+          <p:nvPr>
+            <p:ph type="sldImg" idx="2"/>
+          </p:nvPr>
+        </p:nvSpPr>
+        <p:spPr>
+          <a:xfrm>
+            <a:off x="381000" y="685800"/>
+            <a:ext cx="6096000" cy="3429000"/>
+          </a:xfrm>
+          <a:custGeom>
+            <a:avLst/>
+            <a:gdLst/>
+            <a:ahLst/>
+            <a:cxnLst/>
+            <a:rect l="l" t="t" r="r" b="b"/>
+            <a:pathLst>
+              <a:path w="120000" h="120000" extrusionOk="0">
+                <a:moveTo>
+                  <a:pt x="0" y="0"/>
+                </a:moveTo>
+                <a:lnTo>
+                  <a:pt x="120000" y="0"/>
+                </a:lnTo>
+                <a:lnTo>
+                  <a:pt x="120000" y="120000"/>
+                </a:lnTo>
+                <a:lnTo>
+                  <a:pt x="0" y="120000"/>
+                </a:lnTo>
+                <a:close/>
+              </a:path>
+            </a:pathLst>
+          </a:custGeom>
+        </p:spPr>
+      </p:sp>
+    </p:spTree>
+  </p:cSld>
+  <p:clrMapOvr>
+    <a:masterClrMapping/>
+  </p:clrMapOvr>
+</p:notes>
+</file>
+
+<file path=ppt/notesSlides/notesSlide9.xml><?xml version="1.0" encoding="utf-8"?>
+<p:notes xmlns:a="http://schemas.openxmlformats.org/drawingml/2006/main" xmlns:r="http://schemas.openxmlformats.org/officeDocument/2006/relationships" xmlns:p="http://schemas.openxmlformats.org/presentationml/2006/main" showMasterSp="0" showMasterPhAnim="0">
+  <p:cSld>
+    <p:spTree>
+      <p:nvGrpSpPr>
+        <p:cNvPr id="1" name="Shape 272"/>
+        <p:cNvGrpSpPr/>
+        <p:nvPr/>
+      </p:nvGrpSpPr>
+      <p:grpSpPr>
+        <a:xfrm>
+          <a:off x="0" y="0"/>
+          <a:ext cx="0" cy="0"/>
+          <a:chOff x="0" y="0"/>
+          <a:chExt cx="0" cy="0"/>
+        </a:xfrm>
+      </p:grpSpPr>
+      <p:sp>
+        <p:nvSpPr>
+          <p:cNvPr id="273" name="Google Shape;273;gb7979aca4d_0_0:notes"/>
+          <p:cNvSpPr>
+            <a:spLocks noGrp="1" noRot="1" noChangeAspect="1"/>
+          </p:cNvSpPr>
+          <p:nvPr>
+            <p:ph type="sldImg" idx="2"/>
+          </p:nvPr>
+        </p:nvSpPr>
+        <p:spPr>
+          <a:xfrm>
+            <a:off x="1143225" y="685800"/>
+            <a:ext cx="4572300" cy="3429000"/>
+          </a:xfrm>
+          <a:custGeom>
+            <a:avLst/>
+            <a:gdLst/>
+            <a:ahLst/>
+            <a:cxnLst/>
+            <a:rect l="l" t="t" r="r" b="b"/>
+            <a:pathLst>
+              <a:path w="120000" h="120000" extrusionOk="0">
+                <a:moveTo>
+                  <a:pt x="0" y="0"/>
+                </a:moveTo>
+                <a:lnTo>
+                  <a:pt x="120000" y="0"/>
+                </a:lnTo>
+                <a:lnTo>
+                  <a:pt x="120000" y="120000"/>
+                </a:lnTo>
+                <a:lnTo>
+                  <a:pt x="0" y="120000"/>
+                </a:lnTo>
+                <a:close/>
+              </a:path>
+            </a:pathLst>
+          </a:custGeom>
+        </p:spPr>
+      </p:sp>
+      <p:sp>
+        <p:nvSpPr>
+          <p:cNvPr id="274" name="Google Shape;274;gb7979aca4d_0_0:notes"/>
+          <p:cNvSpPr txBox="1">
+            <a:spLocks noGrp="1"/>
+          </p:cNvSpPr>
+          <p:nvPr>
+            <p:ph type="body" idx="1"/>
+          </p:nvPr>
+        </p:nvSpPr>
+        <p:spPr>
+          <a:xfrm>
+            <a:off x="685800" y="4343400"/>
+            <a:ext cx="5486400" cy="4114800"/>
+          </a:xfrm>
+          <a:prstGeom prst="rect">
+            <a:avLst/>
+          </a:prstGeom>
+        </p:spPr>
+        <p:txBody>
+          <a:bodyPr spcFirstLastPara="1" wrap="square" lIns="91425" tIns="91425" rIns="91425" bIns="91425" anchor="t" anchorCtr="0">
+            <a:noAutofit/>
+          </a:bodyPr>
+          <a:lstStyle/>
+          <a:p>
+            <a:pPr marL="0" lvl="0" indent="0" algn="l" rtl="0">
+              <a:spcBef>
+                <a:spcPts val="0"/>
+              </a:spcBef>
+              <a:spcAft>
+                <a:spcPts val="0"/>
+              </a:spcAft>
+              <a:buNone/>
+            </a:pPr>
+            <a:endParaRPr/>
+          </a:p>
+        </p:txBody>
       </p:sp>
     </p:spTree>
   </p:cSld>
@@ -20418,477 +20213,6 @@
   <p:cSld>
     <p:spTree>
       <p:nvGrpSpPr>
-        <p:cNvPr id="1" name="Shape 268"/>
-        <p:cNvGrpSpPr/>
-        <p:nvPr/>
-      </p:nvGrpSpPr>
-      <p:grpSpPr>
-        <a:xfrm>
-          <a:off x="0" y="0"/>
-          <a:ext cx="0" cy="0"/>
-          <a:chOff x="0" y="0"/>
-          <a:chExt cx="0" cy="0"/>
-        </a:xfrm>
-      </p:grpSpPr>
-      <p:sp>
-        <p:nvSpPr>
-          <p:cNvPr id="269" name="Google Shape;269;p30"/>
-          <p:cNvSpPr txBox="1">
-            <a:spLocks noGrp="1"/>
-          </p:cNvSpPr>
-          <p:nvPr>
-            <p:ph type="title"/>
-          </p:nvPr>
-        </p:nvSpPr>
-        <p:spPr>
-          <a:xfrm>
-            <a:off x="684212" y="5025495"/>
-            <a:ext cx="8534400" cy="1507067"/>
-          </a:xfrm>
-          <a:prstGeom prst="rect">
-            <a:avLst/>
-          </a:prstGeom>
-          <a:noFill/>
-          <a:ln>
-            <a:noFill/>
-          </a:ln>
-        </p:spPr>
-        <p:txBody>
-          <a:bodyPr spcFirstLastPara="1" wrap="square" lIns="91425" tIns="45700" rIns="91425" bIns="45700" anchor="ctr" anchorCtr="0">
-            <a:noAutofit/>
-          </a:bodyPr>
-          <a:lstStyle/>
-          <a:p>
-            <a:pPr marL="0" lvl="0" indent="0" algn="l" rtl="0">
-              <a:spcBef>
-                <a:spcPts val="0"/>
-              </a:spcBef>
-              <a:spcAft>
-                <a:spcPts val="0"/>
-              </a:spcAft>
-              <a:buClr>
-                <a:schemeClr val="lt1"/>
-              </a:buClr>
-              <a:buSzPts val="3600"/>
-              <a:buFont typeface="Century Gothic"/>
-              <a:buNone/>
-            </a:pPr>
-            <a:r>
-              <a:rPr lang="en-US"/>
-              <a:t>PROCESS</a:t>
-            </a:r>
-            <a:endParaRPr/>
-          </a:p>
-        </p:txBody>
-      </p:sp>
-      <p:sp>
-        <p:nvSpPr>
-          <p:cNvPr id="270" name="Google Shape;270;p30"/>
-          <p:cNvSpPr txBox="1">
-            <a:spLocks noGrp="1"/>
-          </p:cNvSpPr>
-          <p:nvPr>
-            <p:ph type="body" idx="1"/>
-          </p:nvPr>
-        </p:nvSpPr>
-        <p:spPr>
-          <a:xfrm>
-            <a:off x="684212" y="723901"/>
-            <a:ext cx="8534400" cy="5308599"/>
-          </a:xfrm>
-          <a:prstGeom prst="rect">
-            <a:avLst/>
-          </a:prstGeom>
-          <a:noFill/>
-          <a:ln>
-            <a:noFill/>
-          </a:ln>
-        </p:spPr>
-        <p:txBody>
-          <a:bodyPr spcFirstLastPara="1" wrap="square" lIns="91425" tIns="45700" rIns="91425" bIns="45700" anchor="ctr" anchorCtr="0">
-            <a:noAutofit/>
-          </a:bodyPr>
-          <a:lstStyle/>
-          <a:p>
-            <a:pPr marL="342900" lvl="0" indent="-342900" algn="l" rtl="0">
-              <a:spcBef>
-                <a:spcPts val="0"/>
-              </a:spcBef>
-              <a:spcAft>
-                <a:spcPts val="0"/>
-              </a:spcAft>
-              <a:buSzPts val="1600"/>
-              <a:buFont typeface="Wingdings" panose="05000000000000000000" pitchFamily="2" charset="2"/>
-              <a:buChar char="Ø"/>
-            </a:pPr>
-            <a:r>
-              <a:rPr lang="en-US" dirty="0"/>
-              <a:t>Amazon EMR uses an Amazon Elastic Compute Cloud (Amazon EC2) key pair to ensure that you alone have access to the instances that you launch. The PEM file associated with this key pair is required to </a:t>
-            </a:r>
-            <a:r>
-              <a:rPr lang="en-US" dirty="0" err="1"/>
-              <a:t>ssh</a:t>
-            </a:r>
-            <a:r>
-              <a:rPr lang="en-US" dirty="0"/>
-              <a:t> directly to the master node of the cluster.</a:t>
-            </a:r>
-            <a:endParaRPr dirty="0"/>
-          </a:p>
-          <a:p>
-            <a:pPr marL="342900" lvl="0" indent="-342900" algn="l" rtl="0">
-              <a:spcBef>
-                <a:spcPts val="1000"/>
-              </a:spcBef>
-              <a:spcAft>
-                <a:spcPts val="0"/>
-              </a:spcAft>
-              <a:buSzPts val="1600"/>
-              <a:buFont typeface="Wingdings" panose="05000000000000000000" pitchFamily="2" charset="2"/>
-              <a:buChar char="Ø"/>
-            </a:pPr>
-            <a:r>
-              <a:rPr lang="en-US" dirty="0"/>
-              <a:t>We would utilize </a:t>
-            </a:r>
-            <a:r>
-              <a:rPr lang="en-US" dirty="0" err="1"/>
-              <a:t>ssh</a:t>
-            </a:r>
-            <a:r>
-              <a:rPr lang="en-US" dirty="0"/>
-              <a:t> in order to access the master node of the cluster</a:t>
-            </a:r>
-            <a:endParaRPr dirty="0"/>
-          </a:p>
-          <a:p>
-            <a:pPr marL="444500" lvl="0" indent="-342900" algn="l" rtl="0">
-              <a:spcBef>
-                <a:spcPts val="1000"/>
-              </a:spcBef>
-              <a:spcAft>
-                <a:spcPts val="0"/>
-              </a:spcAft>
-              <a:buSzPts val="1600"/>
-              <a:buFont typeface="Wingdings" panose="05000000000000000000" pitchFamily="2" charset="2"/>
-              <a:buChar char="Ø"/>
-            </a:pPr>
-            <a:endParaRPr dirty="0"/>
-          </a:p>
-          <a:p>
-            <a:pPr marL="342900" lvl="0" indent="-342900" algn="l" rtl="0">
-              <a:spcBef>
-                <a:spcPts val="1000"/>
-              </a:spcBef>
-              <a:spcAft>
-                <a:spcPts val="0"/>
-              </a:spcAft>
-              <a:buSzPts val="1600"/>
-              <a:buFont typeface="Wingdings" panose="05000000000000000000" pitchFamily="2" charset="2"/>
-              <a:buChar char="Ø"/>
-            </a:pPr>
-            <a:r>
-              <a:rPr lang="en-US" dirty="0"/>
-              <a:t>We copy the jar from s3 into the EMR local system and run spark on the dataset</a:t>
-            </a:r>
-            <a:endParaRPr dirty="0"/>
-          </a:p>
-          <a:p>
-            <a:pPr marL="285750" lvl="0" indent="-184150" algn="l" rtl="0">
-              <a:spcBef>
-                <a:spcPts val="1000"/>
-              </a:spcBef>
-              <a:spcAft>
-                <a:spcPts val="0"/>
-              </a:spcAft>
-              <a:buSzPts val="1600"/>
-              <a:buNone/>
-            </a:pPr>
-            <a:endParaRPr dirty="0"/>
-          </a:p>
-        </p:txBody>
-      </p:sp>
-      <p:pic>
-        <p:nvPicPr>
-          <p:cNvPr id="271" name="Google Shape;271;p30"/>
-          <p:cNvPicPr preferRelativeResize="0"/>
-          <p:nvPr/>
-        </p:nvPicPr>
-        <p:blipFill rotWithShape="1">
-          <a:blip r:embed="rId3">
-            <a:alphaModFix/>
-          </a:blip>
-          <a:srcRect l="29218" t="58055" r="27772" b="33923"/>
-          <a:stretch/>
-        </p:blipFill>
-        <p:spPr>
-          <a:xfrm>
-            <a:off x="2157412" y="3319992"/>
-            <a:ext cx="7127533" cy="747712"/>
-          </a:xfrm>
-          <a:prstGeom prst="rect">
-            <a:avLst/>
-          </a:prstGeom>
-          <a:noFill/>
-          <a:ln>
-            <a:noFill/>
-          </a:ln>
-        </p:spPr>
-      </p:pic>
-    </p:spTree>
-  </p:cSld>
-  <p:clrMapOvr>
-    <a:masterClrMapping/>
-  </p:clrMapOvr>
-</p:sld>
-</file>
-
-<file path=ppt/slides/slide11.xml><?xml version="1.0" encoding="utf-8"?>
-<p:sld xmlns:a="http://schemas.openxmlformats.org/drawingml/2006/main" xmlns:r="http://schemas.openxmlformats.org/officeDocument/2006/relationships" xmlns:p="http://schemas.openxmlformats.org/presentationml/2006/main">
-  <p:cSld>
-    <p:spTree>
-      <p:nvGrpSpPr>
-        <p:cNvPr id="1" name="Shape 275"/>
-        <p:cNvGrpSpPr/>
-        <p:nvPr/>
-      </p:nvGrpSpPr>
-      <p:grpSpPr>
-        <a:xfrm>
-          <a:off x="0" y="0"/>
-          <a:ext cx="0" cy="0"/>
-          <a:chOff x="0" y="0"/>
-          <a:chExt cx="0" cy="0"/>
-        </a:xfrm>
-      </p:grpSpPr>
-      <p:sp>
-        <p:nvSpPr>
-          <p:cNvPr id="276" name="Google Shape;276;p31"/>
-          <p:cNvSpPr txBox="1">
-            <a:spLocks noGrp="1"/>
-          </p:cNvSpPr>
-          <p:nvPr>
-            <p:ph type="title"/>
-          </p:nvPr>
-        </p:nvSpPr>
-        <p:spPr>
-          <a:xfrm>
-            <a:off x="684212" y="4487332"/>
-            <a:ext cx="8534400" cy="1507200"/>
-          </a:xfrm>
-          <a:prstGeom prst="rect">
-            <a:avLst/>
-          </a:prstGeom>
-        </p:spPr>
-        <p:txBody>
-          <a:bodyPr spcFirstLastPara="1" wrap="square" lIns="91425" tIns="45700" rIns="91425" bIns="45700" anchor="ctr" anchorCtr="0">
-            <a:noAutofit/>
-          </a:bodyPr>
-          <a:lstStyle/>
-          <a:p>
-            <a:pPr marL="457200" lvl="0" indent="-330200" algn="l" rtl="0">
-              <a:spcBef>
-                <a:spcPts val="0"/>
-              </a:spcBef>
-              <a:spcAft>
-                <a:spcPts val="0"/>
-              </a:spcAft>
-              <a:buSzPts val="1600"/>
-              <a:buAutoNum type="arabicPeriod"/>
-            </a:pPr>
-            <a:r>
-              <a:rPr lang="en-US" sz="1600"/>
-              <a:t>Create your EMR and select the software that you would like pre-installed.</a:t>
-            </a:r>
-            <a:endParaRPr sz="1600"/>
-          </a:p>
-          <a:p>
-            <a:pPr marL="457200" lvl="0" indent="-330200" algn="l" rtl="0">
-              <a:spcBef>
-                <a:spcPts val="0"/>
-              </a:spcBef>
-              <a:spcAft>
-                <a:spcPts val="0"/>
-              </a:spcAft>
-              <a:buSzPts val="1600"/>
-              <a:buAutoNum type="arabicPeriod"/>
-            </a:pPr>
-            <a:r>
-              <a:rPr lang="en-US" sz="1600"/>
-              <a:t>Once it is ready it goes to a waiting state.</a:t>
-            </a:r>
-            <a:endParaRPr sz="1600"/>
-          </a:p>
-          <a:p>
-            <a:pPr marL="457200" lvl="0" indent="-330200" algn="l" rtl="0">
-              <a:spcBef>
-                <a:spcPts val="0"/>
-              </a:spcBef>
-              <a:spcAft>
-                <a:spcPts val="0"/>
-              </a:spcAft>
-              <a:buSzPts val="1600"/>
-              <a:buAutoNum type="arabicPeriod"/>
-            </a:pPr>
-            <a:r>
-              <a:rPr lang="en-US" sz="1600"/>
-              <a:t>Connect to master node using SSH will show.</a:t>
-            </a:r>
-            <a:endParaRPr sz="1600"/>
-          </a:p>
-          <a:p>
-            <a:pPr marL="457200" lvl="0" indent="-330200" algn="l" rtl="0">
-              <a:spcBef>
-                <a:spcPts val="0"/>
-              </a:spcBef>
-              <a:spcAft>
-                <a:spcPts val="0"/>
-              </a:spcAft>
-              <a:buSzPts val="1600"/>
-              <a:buAutoNum type="arabicPeriod"/>
-            </a:pPr>
-            <a:r>
-              <a:rPr lang="en-US" sz="1600"/>
-              <a:t>Make sure your log URI contains a location to your S3 bucket.</a:t>
-            </a:r>
-            <a:endParaRPr sz="1600"/>
-          </a:p>
-        </p:txBody>
-      </p:sp>
-      <p:sp>
-        <p:nvSpPr>
-          <p:cNvPr id="277" name="Google Shape;277;p31"/>
-          <p:cNvSpPr txBox="1">
-            <a:spLocks noGrp="1"/>
-          </p:cNvSpPr>
-          <p:nvPr>
-            <p:ph type="body" idx="1"/>
-          </p:nvPr>
-        </p:nvSpPr>
-        <p:spPr>
-          <a:xfrm>
-            <a:off x="684212" y="685800"/>
-            <a:ext cx="8534400" cy="3615300"/>
-          </a:xfrm>
-          <a:prstGeom prst="rect">
-            <a:avLst/>
-          </a:prstGeom>
-        </p:spPr>
-        <p:txBody>
-          <a:bodyPr spcFirstLastPara="1" wrap="square" lIns="91425" tIns="45700" rIns="91425" bIns="45700" anchor="ctr" anchorCtr="0">
-            <a:noAutofit/>
-          </a:bodyPr>
-          <a:lstStyle/>
-          <a:p>
-            <a:pPr marL="0" lvl="0" indent="0" algn="l" rtl="0">
-              <a:spcBef>
-                <a:spcPts val="360"/>
-              </a:spcBef>
-              <a:spcAft>
-                <a:spcPts val="600"/>
-              </a:spcAft>
-              <a:buNone/>
-            </a:pPr>
-            <a:endParaRPr/>
-          </a:p>
-        </p:txBody>
-      </p:sp>
-      <p:pic>
-        <p:nvPicPr>
-          <p:cNvPr id="278" name="Google Shape;278;p31"/>
-          <p:cNvPicPr preferRelativeResize="0"/>
-          <p:nvPr/>
-        </p:nvPicPr>
-        <p:blipFill>
-          <a:blip r:embed="rId3">
-            <a:alphaModFix/>
-          </a:blip>
-          <a:stretch>
-            <a:fillRect/>
-          </a:stretch>
-        </p:blipFill>
-        <p:spPr>
-          <a:xfrm>
-            <a:off x="1572113" y="767563"/>
-            <a:ext cx="6467475" cy="1323975"/>
-          </a:xfrm>
-          <a:prstGeom prst="rect">
-            <a:avLst/>
-          </a:prstGeom>
-          <a:noFill/>
-          <a:ln>
-            <a:noFill/>
-          </a:ln>
-        </p:spPr>
-      </p:pic>
-      <p:pic>
-        <p:nvPicPr>
-          <p:cNvPr id="279" name="Google Shape;279;p31"/>
-          <p:cNvPicPr preferRelativeResize="0"/>
-          <p:nvPr/>
-        </p:nvPicPr>
-        <p:blipFill>
-          <a:blip r:embed="rId4">
-            <a:alphaModFix/>
-          </a:blip>
-          <a:stretch>
-            <a:fillRect/>
-          </a:stretch>
-        </p:blipFill>
-        <p:spPr>
-          <a:xfrm>
-            <a:off x="812675" y="2371975"/>
-            <a:ext cx="4105925" cy="1039500"/>
-          </a:xfrm>
-          <a:prstGeom prst="rect">
-            <a:avLst/>
-          </a:prstGeom>
-          <a:noFill/>
-          <a:ln>
-            <a:noFill/>
-          </a:ln>
-        </p:spPr>
-      </p:pic>
-      <p:pic>
-        <p:nvPicPr>
-          <p:cNvPr id="280" name="Google Shape;280;p31"/>
-          <p:cNvPicPr preferRelativeResize="0"/>
-          <p:nvPr/>
-        </p:nvPicPr>
-        <p:blipFill>
-          <a:blip r:embed="rId5">
-            <a:alphaModFix/>
-          </a:blip>
-          <a:stretch>
-            <a:fillRect/>
-          </a:stretch>
-        </p:blipFill>
-        <p:spPr>
-          <a:xfrm>
-            <a:off x="5128900" y="2371975"/>
-            <a:ext cx="3979650" cy="1039500"/>
-          </a:xfrm>
-          <a:prstGeom prst="rect">
-            <a:avLst/>
-          </a:prstGeom>
-          <a:noFill/>
-          <a:ln>
-            <a:noFill/>
-          </a:ln>
-        </p:spPr>
-      </p:pic>
-    </p:spTree>
-  </p:cSld>
-  <p:clrMapOvr>
-    <a:masterClrMapping/>
-  </p:clrMapOvr>
-</p:sld>
-</file>
-
-<file path=ppt/slides/slide12.xml><?xml version="1.0" encoding="utf-8"?>
-<p:sld xmlns:a="http://schemas.openxmlformats.org/drawingml/2006/main" xmlns:r="http://schemas.openxmlformats.org/officeDocument/2006/relationships" xmlns:p="http://schemas.openxmlformats.org/presentationml/2006/main">
-  <p:cSld>
-    <p:spTree>
-      <p:nvGrpSpPr>
         <p:cNvPr id="1" name="Shape 284"/>
         <p:cNvGrpSpPr/>
         <p:nvPr/>
@@ -20937,10 +20261,10 @@
               <a:buAutoNum type="arabicPeriod"/>
             </a:pPr>
             <a:r>
-              <a:rPr lang="en-US" sz="1700"/>
+              <a:rPr lang="en-US" sz="1700" dirty="0"/>
               <a:t>Change your security setting to have ssh as an inbound rule and source to be from anywhere. (Anywhere is only if your testing … not for prod)</a:t>
             </a:r>
-            <a:endParaRPr sz="1700"/>
+            <a:endParaRPr sz="1700" dirty="0"/>
           </a:p>
         </p:txBody>
       </p:sp>
@@ -21046,7 +20370,7 @@
 </p:sld>
 </file>
 
-<file path=ppt/slides/slide13.xml><?xml version="1.0" encoding="utf-8"?>
+<file path=ppt/slides/slide11.xml><?xml version="1.0" encoding="utf-8"?>
 <p:sld xmlns:a="http://schemas.openxmlformats.org/drawingml/2006/main" xmlns:r="http://schemas.openxmlformats.org/officeDocument/2006/relationships" xmlns:p="http://schemas.openxmlformats.org/presentationml/2006/main">
   <p:cSld>
     <p:spTree>
@@ -21099,10 +20423,10 @@
               <a:buAutoNum type="arabicPeriod"/>
             </a:pPr>
             <a:r>
-              <a:rPr lang="en-US" sz="1800"/>
+              <a:rPr lang="en-US" sz="1800" dirty="0"/>
               <a:t>Click on the ssh into master hyperlink and it will take you to this screen giving you the command to type into your terminal. </a:t>
             </a:r>
-            <a:endParaRPr sz="1800"/>
+            <a:endParaRPr sz="1800" dirty="0"/>
           </a:p>
           <a:p>
             <a:pPr marL="457200" lvl="0" indent="-342900" algn="l" rtl="0">
@@ -21116,19 +20440,28 @@
               <a:buAutoNum type="arabicPeriod"/>
             </a:pPr>
             <a:r>
-              <a:rPr lang="en-US" sz="1800"/>
+              <a:rPr lang="en-US" sz="1800" dirty="0"/>
               <a:t>Make sure you have a key pair set up. </a:t>
             </a:r>
             <a:r>
-              <a:rPr lang="en-US" sz="1800" u="sng">
+              <a:rPr lang="en-US" sz="1800" u="sng" dirty="0">
                 <a:solidFill>
                   <a:schemeClr val="hlink"/>
                 </a:solidFill>
                 <a:hlinkClick r:id="rId3"/>
               </a:rPr>
-              <a:t>Creating an AWS KeyPair</a:t>
+              <a:t>Creating an AWS </a:t>
             </a:r>
-            <a:endParaRPr sz="1800"/>
+            <a:r>
+              <a:rPr lang="en-US" sz="1800" u="sng" dirty="0" err="1">
+                <a:solidFill>
+                  <a:schemeClr val="hlink"/>
+                </a:solidFill>
+                <a:hlinkClick r:id="rId3"/>
+              </a:rPr>
+              <a:t>KeyPair</a:t>
+            </a:r>
+            <a:endParaRPr sz="1800" dirty="0"/>
           </a:p>
         </p:txBody>
       </p:sp>
@@ -21206,7 +20539,7 @@
 </p:sld>
 </file>
 
-<file path=ppt/slides/slide14.xml><?xml version="1.0" encoding="utf-8"?>
+<file path=ppt/slides/slide12.xml><?xml version="1.0" encoding="utf-8"?>
 <p:sld xmlns:a="http://schemas.openxmlformats.org/drawingml/2006/main" xmlns:r="http://schemas.openxmlformats.org/officeDocument/2006/relationships" xmlns:p="http://schemas.openxmlformats.org/presentationml/2006/main">
   <p:cSld>
     <p:spTree>
@@ -21225,44 +20558,6 @@
       </p:grpSpPr>
       <p:sp>
         <p:nvSpPr>
-          <p:cNvPr id="300" name="Google Shape;300;p34"/>
-          <p:cNvSpPr txBox="1">
-            <a:spLocks noGrp="1"/>
-          </p:cNvSpPr>
-          <p:nvPr>
-            <p:ph type="title"/>
-          </p:nvPr>
-        </p:nvSpPr>
-        <p:spPr>
-          <a:xfrm>
-            <a:off x="684212" y="4487332"/>
-            <a:ext cx="8534400" cy="1507200"/>
-          </a:xfrm>
-          <a:prstGeom prst="rect">
-            <a:avLst/>
-          </a:prstGeom>
-        </p:spPr>
-        <p:txBody>
-          <a:bodyPr spcFirstLastPara="1" wrap="square" lIns="91425" tIns="45700" rIns="91425" bIns="45700" anchor="ctr" anchorCtr="0">
-            <a:noAutofit/>
-          </a:bodyPr>
-          <a:lstStyle/>
-          <a:p>
-            <a:pPr marL="0" lvl="0" indent="0" algn="l" rtl="0">
-              <a:spcBef>
-                <a:spcPts val="0"/>
-              </a:spcBef>
-              <a:spcAft>
-                <a:spcPts val="0"/>
-              </a:spcAft>
-              <a:buNone/>
-            </a:pPr>
-            <a:endParaRPr/>
-          </a:p>
-        </p:txBody>
-      </p:sp>
-      <p:sp>
-        <p:nvSpPr>
           <p:cNvPr id="301" name="Google Shape;301;p34"/>
           <p:cNvSpPr txBox="1">
             <a:spLocks noGrp="1"/>
@@ -21273,7 +20568,7 @@
         </p:nvSpPr>
         <p:spPr>
           <a:xfrm>
-            <a:off x="684212" y="685800"/>
+            <a:off x="539246" y="-624468"/>
             <a:ext cx="8534400" cy="3615300"/>
           </a:xfrm>
           <a:prstGeom prst="rect">
@@ -21286,16 +20581,39 @@
           </a:bodyPr>
           <a:lstStyle/>
           <a:p>
-            <a:pPr marL="0" lvl="0" indent="0" algn="l" rtl="0">
-              <a:spcBef>
-                <a:spcPts val="360"/>
-              </a:spcBef>
+            <a:pPr marL="342900" indent="-342900">
               <a:spcAft>
                 <a:spcPts val="600"/>
               </a:spcAft>
-              <a:buNone/>
             </a:pPr>
-            <a:endParaRPr/>
+            <a:r>
+              <a:rPr lang="en-US" dirty="0">
+                <a:solidFill>
+                  <a:schemeClr val="bg1"/>
+                </a:solidFill>
+              </a:rPr>
+              <a:t>This is the full command to run the jar and output to a txt file</a:t>
+            </a:r>
+          </a:p>
+          <a:p>
+            <a:pPr marL="342900" indent="-342900">
+              <a:spcAft>
+                <a:spcPts val="600"/>
+              </a:spcAft>
+            </a:pPr>
+            <a:r>
+              <a:rPr lang="en-US" dirty="0">
+                <a:solidFill>
+                  <a:schemeClr val="bg1"/>
+                </a:solidFill>
+              </a:rPr>
+              <a:t>Sends output.txt to the s3 </a:t>
+            </a:r>
+            <a:endParaRPr dirty="0">
+              <a:solidFill>
+                <a:schemeClr val="bg1"/>
+              </a:solidFill>
+            </a:endParaRPr>
           </a:p>
         </p:txBody>
       </p:sp>
@@ -21315,8 +20633,8 @@
         </p:blipFill>
         <p:spPr>
           <a:xfrm>
-            <a:off x="764138" y="747100"/>
-            <a:ext cx="8374526" cy="5164600"/>
+            <a:off x="1890131" y="2269272"/>
+            <a:ext cx="7248543" cy="4395135"/>
           </a:xfrm>
           <a:prstGeom prst="rect">
             <a:avLst/>
@@ -21335,7 +20653,7 @@
 </p:sld>
 </file>
 
-<file path=ppt/slides/slide15.xml><?xml version="1.0" encoding="utf-8"?>
+<file path=ppt/slides/slide13.xml><?xml version="1.0" encoding="utf-8"?>
 <p:sld xmlns:a="http://schemas.openxmlformats.org/drawingml/2006/main" xmlns:r="http://schemas.openxmlformats.org/officeDocument/2006/relationships" xmlns:p="http://schemas.openxmlformats.org/presentationml/2006/main">
   <p:cSld>
     <p:spTree>
@@ -21352,82 +20670,6 @@
           <a:chExt cx="0" cy="0"/>
         </a:xfrm>
       </p:grpSpPr>
-      <p:sp>
-        <p:nvSpPr>
-          <p:cNvPr id="307" name="Google Shape;307;p35"/>
-          <p:cNvSpPr txBox="1">
-            <a:spLocks noGrp="1"/>
-          </p:cNvSpPr>
-          <p:nvPr>
-            <p:ph type="title"/>
-          </p:nvPr>
-        </p:nvSpPr>
-        <p:spPr>
-          <a:xfrm>
-            <a:off x="684212" y="4487332"/>
-            <a:ext cx="8534400" cy="1507200"/>
-          </a:xfrm>
-          <a:prstGeom prst="rect">
-            <a:avLst/>
-          </a:prstGeom>
-        </p:spPr>
-        <p:txBody>
-          <a:bodyPr spcFirstLastPara="1" wrap="square" lIns="91425" tIns="45700" rIns="91425" bIns="45700" anchor="ctr" anchorCtr="0">
-            <a:noAutofit/>
-          </a:bodyPr>
-          <a:lstStyle/>
-          <a:p>
-            <a:pPr marL="0" lvl="0" indent="0" algn="l" rtl="0">
-              <a:spcBef>
-                <a:spcPts val="0"/>
-              </a:spcBef>
-              <a:spcAft>
-                <a:spcPts val="0"/>
-              </a:spcAft>
-              <a:buNone/>
-            </a:pPr>
-            <a:endParaRPr/>
-          </a:p>
-        </p:txBody>
-      </p:sp>
-      <p:sp>
-        <p:nvSpPr>
-          <p:cNvPr id="308" name="Google Shape;308;p35"/>
-          <p:cNvSpPr txBox="1">
-            <a:spLocks noGrp="1"/>
-          </p:cNvSpPr>
-          <p:nvPr>
-            <p:ph type="body" idx="1"/>
-          </p:nvPr>
-        </p:nvSpPr>
-        <p:spPr>
-          <a:xfrm>
-            <a:off x="684212" y="685800"/>
-            <a:ext cx="8534400" cy="3615300"/>
-          </a:xfrm>
-          <a:prstGeom prst="rect">
-            <a:avLst/>
-          </a:prstGeom>
-        </p:spPr>
-        <p:txBody>
-          <a:bodyPr spcFirstLastPara="1" wrap="square" lIns="91425" tIns="45700" rIns="91425" bIns="45700" anchor="ctr" anchorCtr="0">
-            <a:noAutofit/>
-          </a:bodyPr>
-          <a:lstStyle/>
-          <a:p>
-            <a:pPr marL="0" lvl="0" indent="0" algn="l" rtl="0">
-              <a:spcBef>
-                <a:spcPts val="360"/>
-              </a:spcBef>
-              <a:spcAft>
-                <a:spcPts val="600"/>
-              </a:spcAft>
-              <a:buNone/>
-            </a:pPr>
-            <a:endParaRPr/>
-          </a:p>
-        </p:txBody>
-      </p:sp>
       <p:pic>
         <p:nvPicPr>
           <p:cNvPr id="309" name="Google Shape;309;p35"/>
@@ -21444,8 +20686,8 @@
         </p:blipFill>
         <p:spPr>
           <a:xfrm>
-            <a:off x="774226" y="783100"/>
-            <a:ext cx="8354351" cy="1085850"/>
+            <a:off x="4761571" y="1723819"/>
+            <a:ext cx="7048873" cy="916172"/>
           </a:xfrm>
           <a:prstGeom prst="rect">
             <a:avLst/>
@@ -21472,8 +20714,8 @@
         </p:blipFill>
         <p:spPr>
           <a:xfrm>
-            <a:off x="774225" y="1956400"/>
-            <a:ext cx="8354351" cy="1566600"/>
+            <a:off x="4884235" y="2890893"/>
+            <a:ext cx="6926209" cy="1298796"/>
           </a:xfrm>
           <a:prstGeom prst="rect">
             <a:avLst/>
@@ -21500,7 +20742,7 @@
         </p:blipFill>
         <p:spPr>
           <a:xfrm>
-            <a:off x="1954200" y="3610450"/>
+            <a:off x="5388774" y="4440591"/>
             <a:ext cx="6200775" cy="2301225"/>
           </a:xfrm>
           <a:prstGeom prst="rect">
@@ -21512,6 +20754,89 @@
           </a:ln>
         </p:spPr>
       </p:pic>
+      <p:sp>
+        <p:nvSpPr>
+          <p:cNvPr id="8" name="Google Shape;331;p38">
+            <a:extLst>
+              <a:ext uri="{FF2B5EF4-FFF2-40B4-BE49-F238E27FC236}">
+                <a16:creationId xmlns:a16="http://schemas.microsoft.com/office/drawing/2014/main" id="{47D26354-14E1-4DDA-94E7-714EA8BAE841}"/>
+              </a:ext>
+            </a:extLst>
+          </p:cNvPr>
+          <p:cNvSpPr txBox="1">
+            <a:spLocks noGrp="1"/>
+          </p:cNvSpPr>
+          <p:nvPr>
+            <p:ph type="body" idx="1"/>
+          </p:nvPr>
+        </p:nvSpPr>
+        <p:spPr>
+          <a:xfrm>
+            <a:off x="444461" y="-944751"/>
+            <a:ext cx="10522764" cy="3662362"/>
+          </a:xfrm>
+          <a:prstGeom prst="rect">
+            <a:avLst/>
+          </a:prstGeom>
+          <a:noFill/>
+          <a:ln>
+            <a:noFill/>
+          </a:ln>
+        </p:spPr>
+        <p:txBody>
+          <a:bodyPr spcFirstLastPara="1" wrap="square" lIns="91425" tIns="45700" rIns="91425" bIns="45700" anchor="ctr" anchorCtr="0">
+            <a:noAutofit/>
+          </a:bodyPr>
+          <a:lstStyle/>
+          <a:p>
+            <a:pPr marL="342900" lvl="0" indent="-342900" algn="l" rtl="0">
+              <a:spcBef>
+                <a:spcPts val="0"/>
+              </a:spcBef>
+              <a:spcAft>
+                <a:spcPts val="0"/>
+              </a:spcAft>
+              <a:buSzPts val="1600"/>
+              <a:buFont typeface="Wingdings" panose="05000000000000000000" pitchFamily="2" charset="2"/>
+              <a:buChar char="Ø"/>
+            </a:pPr>
+            <a:r>
+              <a:rPr lang="en-US" sz="2400" dirty="0">
+                <a:solidFill>
+                  <a:schemeClr val="bg1"/>
+                </a:solidFill>
+              </a:rPr>
+              <a:t>When done running, exit your ssh connection and go to your output folder  </a:t>
+            </a:r>
+          </a:p>
+          <a:p>
+            <a:pPr marL="342900" lvl="0" indent="-342900" algn="l" rtl="0">
+              <a:spcBef>
+                <a:spcPts val="0"/>
+              </a:spcBef>
+              <a:spcAft>
+                <a:spcPts val="0"/>
+              </a:spcAft>
+              <a:buSzPts val="1600"/>
+              <a:buFont typeface="Wingdings" panose="05000000000000000000" pitchFamily="2" charset="2"/>
+              <a:buChar char="Ø"/>
+            </a:pPr>
+            <a:r>
+              <a:rPr lang="en-US" sz="2400" dirty="0">
+                <a:solidFill>
+                  <a:schemeClr val="bg1"/>
+                </a:solidFill>
+              </a:rPr>
+              <a:t>Select your file and download </a:t>
+            </a:r>
+            <a:endParaRPr sz="2400" dirty="0">
+              <a:solidFill>
+                <a:schemeClr val="bg1"/>
+              </a:solidFill>
+            </a:endParaRPr>
+          </a:p>
+        </p:txBody>
+      </p:sp>
     </p:spTree>
   </p:cSld>
   <p:clrMapOvr>
@@ -21520,7 +20845,7 @@
 </p:sld>
 </file>
 
-<file path=ppt/slides/slide16.xml><?xml version="1.0" encoding="utf-8"?>
+<file path=ppt/slides/slide14.xml><?xml version="1.0" encoding="utf-8"?>
 <p:sld xmlns:a="http://schemas.openxmlformats.org/drawingml/2006/main" xmlns:r="http://schemas.openxmlformats.org/officeDocument/2006/relationships" xmlns:p="http://schemas.openxmlformats.org/presentationml/2006/main">
   <p:cSld>
     <p:spTree>
@@ -21537,44 +20862,6 @@
           <a:chExt cx="0" cy="0"/>
         </a:xfrm>
       </p:grpSpPr>
-      <p:sp>
-        <p:nvSpPr>
-          <p:cNvPr id="316" name="Google Shape;316;p36"/>
-          <p:cNvSpPr txBox="1">
-            <a:spLocks noGrp="1"/>
-          </p:cNvSpPr>
-          <p:nvPr>
-            <p:ph type="title"/>
-          </p:nvPr>
-        </p:nvSpPr>
-        <p:spPr>
-          <a:xfrm>
-            <a:off x="684212" y="4487332"/>
-            <a:ext cx="8534400" cy="1507200"/>
-          </a:xfrm>
-          <a:prstGeom prst="rect">
-            <a:avLst/>
-          </a:prstGeom>
-        </p:spPr>
-        <p:txBody>
-          <a:bodyPr spcFirstLastPara="1" wrap="square" lIns="91425" tIns="45700" rIns="91425" bIns="45700" anchor="ctr" anchorCtr="0">
-            <a:noAutofit/>
-          </a:bodyPr>
-          <a:lstStyle/>
-          <a:p>
-            <a:pPr marL="0" lvl="0" indent="0" algn="l" rtl="0">
-              <a:spcBef>
-                <a:spcPts val="0"/>
-              </a:spcBef>
-              <a:spcAft>
-                <a:spcPts val="0"/>
-              </a:spcAft>
-              <a:buNone/>
-            </a:pPr>
-            <a:endParaRPr/>
-          </a:p>
-        </p:txBody>
-      </p:sp>
       <p:sp>
         <p:nvSpPr>
           <p:cNvPr id="317" name="Google Shape;317;p36"/>
@@ -21600,16 +20887,28 @@
           </a:bodyPr>
           <a:lstStyle/>
           <a:p>
-            <a:pPr marL="0" lvl="0" indent="0" algn="l" rtl="0">
-              <a:spcBef>
-                <a:spcPts val="360"/>
-              </a:spcBef>
+            <a:pPr marL="342900" indent="-342900">
               <a:spcAft>
                 <a:spcPts val="600"/>
               </a:spcAft>
-              <a:buNone/>
             </a:pPr>
-            <a:endParaRPr/>
+            <a:r>
+              <a:rPr lang="en-US" sz="2400" dirty="0">
+                <a:solidFill>
+                  <a:schemeClr val="bg1"/>
+                </a:solidFill>
+              </a:rPr>
+              <a:t>Example of the output - make sure to terminate your EMR cluster to keep from receiving unexpected charges.</a:t>
+            </a:r>
+          </a:p>
+          <a:p>
+            <a:pPr marL="0" indent="0">
+              <a:spcAft>
+                <a:spcPts val="600"/>
+              </a:spcAft>
+              <a:buNone/>
+            </a:pPr>
+            <a:endParaRPr dirty="0"/>
           </a:p>
         </p:txBody>
       </p:sp>
@@ -21629,7 +20928,7 @@
         </p:blipFill>
         <p:spPr>
           <a:xfrm>
-            <a:off x="1198275" y="747700"/>
+            <a:off x="9377355" y="1163695"/>
             <a:ext cx="1757100" cy="5128901"/>
           </a:xfrm>
           <a:prstGeom prst="rect">
@@ -21657,7 +20956,7 @@
         </p:blipFill>
         <p:spPr>
           <a:xfrm>
-            <a:off x="3076200" y="2150100"/>
+            <a:off x="2973388" y="3241319"/>
             <a:ext cx="5829300" cy="2324100"/>
           </a:xfrm>
           <a:prstGeom prst="rect">
@@ -21677,7 +20976,7 @@
 </p:sld>
 </file>
 
-<file path=ppt/slides/slide17.xml><?xml version="1.0" encoding="utf-8"?>
+<file path=ppt/slides/slide15.xml><?xml version="1.0" encoding="utf-8"?>
 <p:sld xmlns:a="http://schemas.openxmlformats.org/drawingml/2006/main" xmlns:r="http://schemas.openxmlformats.org/officeDocument/2006/relationships" xmlns:p="http://schemas.openxmlformats.org/presentationml/2006/main">
   <p:cSld>
     <p:spTree>
@@ -21786,10 +21085,18 @@
               <a:buChar char="Ø"/>
             </a:pPr>
             <a:r>
-              <a:rPr lang="en-US" dirty="0"/>
+              <a:rPr lang="en-US" dirty="0">
+                <a:solidFill>
+                  <a:schemeClr val="bg1"/>
+                </a:solidFill>
+              </a:rPr>
               <a:t>Collecting Twitter stream and finding out which bulk data we wanted to use was challenging</a:t>
             </a:r>
-            <a:endParaRPr dirty="0"/>
+            <a:endParaRPr dirty="0">
+              <a:solidFill>
+                <a:schemeClr val="bg1"/>
+              </a:solidFill>
+            </a:endParaRPr>
           </a:p>
           <a:p>
             <a:pPr marL="342900" lvl="0" indent="-342900" algn="l" rtl="0">
@@ -21804,10 +21111,18 @@
               <a:buChar char="Ø"/>
             </a:pPr>
             <a:r>
-              <a:rPr lang="en-US" dirty="0"/>
+              <a:rPr lang="en-US" dirty="0">
+                <a:solidFill>
+                  <a:schemeClr val="bg1"/>
+                </a:solidFill>
+              </a:rPr>
               <a:t>Figuring out what questions to answer given only brief information about a user and their tweet</a:t>
             </a:r>
-            <a:endParaRPr dirty="0"/>
+            <a:endParaRPr dirty="0">
+              <a:solidFill>
+                <a:schemeClr val="bg1"/>
+              </a:solidFill>
+            </a:endParaRPr>
           </a:p>
           <a:p>
             <a:pPr marL="342900" lvl="0" indent="-342900" algn="l" rtl="0">
@@ -21822,10 +21137,18 @@
               <a:buChar char="Ø"/>
             </a:pPr>
             <a:r>
-              <a:rPr lang="en-US" dirty="0"/>
+              <a:rPr lang="en-US" dirty="0">
+                <a:solidFill>
+                  <a:schemeClr val="bg1"/>
+                </a:solidFill>
+              </a:rPr>
               <a:t>Setting up the ec2 server and s3 bucket to collect the data</a:t>
             </a:r>
-            <a:endParaRPr dirty="0"/>
+            <a:endParaRPr dirty="0">
+              <a:solidFill>
+                <a:schemeClr val="bg1"/>
+              </a:solidFill>
+            </a:endParaRPr>
           </a:p>
           <a:p>
             <a:pPr marL="342900" lvl="0" indent="-342900" algn="l" rtl="0">
@@ -21840,10 +21163,18 @@
               <a:buChar char="Ø"/>
             </a:pPr>
             <a:r>
-              <a:rPr lang="en-US" dirty="0"/>
+              <a:rPr lang="en-US" dirty="0">
+                <a:solidFill>
+                  <a:schemeClr val="bg1"/>
+                </a:solidFill>
+              </a:rPr>
               <a:t>Finding out how to distinguish between a negative &amp; positive tweet was intriguing because we didn’t know what metric to use</a:t>
             </a:r>
-            <a:endParaRPr dirty="0"/>
+            <a:endParaRPr dirty="0">
+              <a:solidFill>
+                <a:schemeClr val="bg1"/>
+              </a:solidFill>
+            </a:endParaRPr>
           </a:p>
           <a:p>
             <a:pPr marL="342900" lvl="0" indent="-342900" algn="l" rtl="0">
@@ -21858,10 +21189,18 @@
               <a:buChar char="Ø"/>
             </a:pPr>
             <a:r>
-              <a:rPr lang="en-US" dirty="0"/>
+              <a:rPr lang="en-US" dirty="0">
+                <a:solidFill>
+                  <a:schemeClr val="bg1"/>
+                </a:solidFill>
+              </a:rPr>
               <a:t>Allowing spark to read the input found in Hadoop binaries</a:t>
             </a:r>
-            <a:endParaRPr dirty="0"/>
+            <a:endParaRPr dirty="0">
+              <a:solidFill>
+                <a:schemeClr val="bg1"/>
+              </a:solidFill>
+            </a:endParaRPr>
           </a:p>
           <a:p>
             <a:pPr marL="285750" lvl="0" indent="-184150" algn="l" rtl="0">
@@ -21912,7 +21251,7 @@
 </p:sld>
 </file>
 
-<file path=ppt/slides/slide18.xml><?xml version="1.0" encoding="utf-8"?>
+<file path=ppt/slides/slide16.xml><?xml version="1.0" encoding="utf-8"?>
 <p:sld xmlns:a="http://schemas.openxmlformats.org/drawingml/2006/main" xmlns:r="http://schemas.openxmlformats.org/officeDocument/2006/relationships" xmlns:p="http://schemas.openxmlformats.org/presentationml/2006/main">
   <p:cSld>
     <p:spTree>
@@ -22021,10 +21360,18 @@
               <a:buChar char="Ø"/>
             </a:pPr>
             <a:r>
-              <a:rPr lang="en-US" dirty="0"/>
+              <a:rPr lang="en-US" dirty="0">
+                <a:solidFill>
+                  <a:schemeClr val="bg1"/>
+                </a:solidFill>
+              </a:rPr>
               <a:t>AWS s3 bucket proved to be very helpful in collecting bulk data</a:t>
             </a:r>
-            <a:endParaRPr dirty="0"/>
+            <a:endParaRPr dirty="0">
+              <a:solidFill>
+                <a:schemeClr val="bg1"/>
+              </a:solidFill>
+            </a:endParaRPr>
           </a:p>
           <a:p>
             <a:pPr marL="342900" lvl="0" indent="-342900" algn="l" rtl="0">
@@ -22039,10 +21386,18 @@
               <a:buChar char="Ø"/>
             </a:pPr>
             <a:r>
-              <a:rPr lang="en-US" dirty="0"/>
+              <a:rPr lang="en-US" dirty="0">
+                <a:solidFill>
+                  <a:schemeClr val="bg1"/>
+                </a:solidFill>
+              </a:rPr>
               <a:t>Among the bulk 2020 data, separate files of each month were concatenated into one file</a:t>
             </a:r>
-            <a:endParaRPr dirty="0"/>
+            <a:endParaRPr dirty="0">
+              <a:solidFill>
+                <a:schemeClr val="bg1"/>
+              </a:solidFill>
+            </a:endParaRPr>
           </a:p>
           <a:p>
             <a:pPr marL="342900" lvl="0" indent="-342900" algn="l" rtl="0">
@@ -22057,10 +21412,18 @@
               <a:buChar char="Ø"/>
             </a:pPr>
             <a:r>
-              <a:rPr lang="en-US" dirty="0"/>
+              <a:rPr lang="en-US" dirty="0">
+                <a:solidFill>
+                  <a:schemeClr val="bg1"/>
+                </a:solidFill>
+              </a:rPr>
               <a:t>List of negative keywords was taken from an outside source. Theoretically the function could work with any set of keywords</a:t>
             </a:r>
-            <a:endParaRPr dirty="0"/>
+            <a:endParaRPr dirty="0">
+              <a:solidFill>
+                <a:schemeClr val="bg1"/>
+              </a:solidFill>
+            </a:endParaRPr>
           </a:p>
           <a:p>
             <a:pPr marL="342900" lvl="0" indent="-342900" algn="l" rtl="0">
@@ -22075,10 +21438,18 @@
               <a:buChar char="Ø"/>
             </a:pPr>
             <a:r>
-              <a:rPr lang="en-US" dirty="0"/>
+              <a:rPr lang="en-US" dirty="0">
+                <a:solidFill>
+                  <a:schemeClr val="bg1"/>
+                </a:solidFill>
+              </a:rPr>
               <a:t>If given more time, we would develop a function to find out how related 2 users are by comparing their followers list (Bacon’s Law)</a:t>
             </a:r>
-            <a:endParaRPr dirty="0"/>
+            <a:endParaRPr dirty="0">
+              <a:solidFill>
+                <a:schemeClr val="bg1"/>
+              </a:solidFill>
+            </a:endParaRPr>
           </a:p>
           <a:p>
             <a:pPr marL="342900" lvl="0" indent="-342900" algn="l" rtl="0">
@@ -22093,10 +21464,18 @@
               <a:buChar char="Ø"/>
             </a:pPr>
             <a:r>
-              <a:rPr lang="en-US" dirty="0"/>
+              <a:rPr lang="en-US" dirty="0">
+                <a:solidFill>
+                  <a:schemeClr val="bg1"/>
+                </a:solidFill>
+              </a:rPr>
               <a:t>Perhaps in the future we could have a function that filters out negative tweets</a:t>
             </a:r>
-            <a:endParaRPr dirty="0"/>
+            <a:endParaRPr dirty="0">
+              <a:solidFill>
+                <a:schemeClr val="bg1"/>
+              </a:solidFill>
+            </a:endParaRPr>
           </a:p>
           <a:p>
             <a:pPr marL="285750" lvl="0" indent="-184150" algn="l" rtl="0">
@@ -22121,7 +21500,7 @@
 </p:sld>
 </file>
 
-<file path=ppt/slides/slide19.xml><?xml version="1.0" encoding="utf-8"?>
+<file path=ppt/slides/slide17.xml><?xml version="1.0" encoding="utf-8"?>
 <p:sld xmlns:a="http://schemas.openxmlformats.org/drawingml/2006/main" xmlns:r="http://schemas.openxmlformats.org/officeDocument/2006/relationships" xmlns:p="http://schemas.openxmlformats.org/presentationml/2006/main">
   <p:cSld>
     <p:spTree>
@@ -23274,167 +22653,7 @@
 </p:sld>
 </file>
 
-<file path=ppt/slides/slide2.xml><?xml version="1.0" encoding="utf-8"?>
-<p:sld xmlns:a="http://schemas.openxmlformats.org/drawingml/2006/main" xmlns:r="http://schemas.openxmlformats.org/officeDocument/2006/relationships" xmlns:p="http://schemas.openxmlformats.org/presentationml/2006/main">
-  <p:cSld>
-    <p:spTree>
-      <p:nvGrpSpPr>
-        <p:cNvPr id="1" name="Shape 163"/>
-        <p:cNvGrpSpPr/>
-        <p:nvPr/>
-      </p:nvGrpSpPr>
-      <p:grpSpPr>
-        <a:xfrm>
-          <a:off x="0" y="0"/>
-          <a:ext cx="0" cy="0"/>
-          <a:chOff x="0" y="0"/>
-          <a:chExt cx="0" cy="0"/>
-        </a:xfrm>
-      </p:grpSpPr>
-      <p:sp>
-        <p:nvSpPr>
-          <p:cNvPr id="164" name="Google Shape;164;p22"/>
-          <p:cNvSpPr txBox="1">
-            <a:spLocks noGrp="1"/>
-          </p:cNvSpPr>
-          <p:nvPr>
-            <p:ph type="title"/>
-          </p:nvPr>
-        </p:nvSpPr>
-        <p:spPr>
-          <a:xfrm>
-            <a:off x="684212" y="4487332"/>
-            <a:ext cx="8534400" cy="1507067"/>
-          </a:xfrm>
-          <a:prstGeom prst="rect">
-            <a:avLst/>
-          </a:prstGeom>
-          <a:noFill/>
-          <a:ln>
-            <a:noFill/>
-          </a:ln>
-        </p:spPr>
-        <p:txBody>
-          <a:bodyPr spcFirstLastPara="1" wrap="square" lIns="91425" tIns="45700" rIns="91425" bIns="45700" anchor="ctr" anchorCtr="0">
-            <a:noAutofit/>
-          </a:bodyPr>
-          <a:lstStyle/>
-          <a:p>
-            <a:pPr marL="0" lvl="0" indent="0" algn="l" rtl="0">
-              <a:spcBef>
-                <a:spcPts val="0"/>
-              </a:spcBef>
-              <a:spcAft>
-                <a:spcPts val="0"/>
-              </a:spcAft>
-              <a:buClr>
-                <a:schemeClr val="lt1"/>
-              </a:buClr>
-              <a:buSzPts val="3600"/>
-              <a:buFont typeface="Century Gothic"/>
-              <a:buNone/>
-            </a:pPr>
-            <a:r>
-              <a:rPr lang="en-US"/>
-              <a:t>CHALLENGES</a:t>
-            </a:r>
-            <a:endParaRPr/>
-          </a:p>
-        </p:txBody>
-      </p:sp>
-      <p:sp>
-        <p:nvSpPr>
-          <p:cNvPr id="165" name="Google Shape;165;p22"/>
-          <p:cNvSpPr txBox="1">
-            <a:spLocks noGrp="1"/>
-          </p:cNvSpPr>
-          <p:nvPr>
-            <p:ph type="body" idx="1"/>
-          </p:nvPr>
-        </p:nvSpPr>
-        <p:spPr>
-          <a:xfrm>
-            <a:off x="684212" y="685800"/>
-            <a:ext cx="8534400" cy="3615267"/>
-          </a:xfrm>
-          <a:prstGeom prst="rect">
-            <a:avLst/>
-          </a:prstGeom>
-          <a:noFill/>
-          <a:ln>
-            <a:noFill/>
-          </a:ln>
-        </p:spPr>
-        <p:txBody>
-          <a:bodyPr spcFirstLastPara="1" wrap="square" lIns="91425" tIns="45700" rIns="91425" bIns="45700" anchor="ctr" anchorCtr="0">
-            <a:noAutofit/>
-          </a:bodyPr>
-          <a:lstStyle/>
-          <a:p>
-            <a:pPr marL="457200" lvl="0" indent="-457200" algn="l" rtl="0">
-              <a:spcBef>
-                <a:spcPts val="0"/>
-              </a:spcBef>
-              <a:spcAft>
-                <a:spcPts val="0"/>
-              </a:spcAft>
-              <a:buSzPts val="1920"/>
-              <a:buFont typeface="Century Gothic"/>
-              <a:buAutoNum type="arabicPeriod"/>
-            </a:pPr>
-            <a:r>
-              <a:rPr lang="en-US" sz="2400"/>
-              <a:t>Given a list of negative keywords, what is the frequency of these words appearing in a twitter stream?</a:t>
-            </a:r>
-            <a:endParaRPr/>
-          </a:p>
-          <a:p>
-            <a:pPr marL="457200" lvl="0" indent="-457200" algn="l" rtl="0">
-              <a:spcBef>
-                <a:spcPts val="1080"/>
-              </a:spcBef>
-              <a:spcAft>
-                <a:spcPts val="0"/>
-              </a:spcAft>
-              <a:buSzPts val="1920"/>
-              <a:buFont typeface="Century Gothic"/>
-              <a:buAutoNum type="arabicPeriod"/>
-            </a:pPr>
-            <a:r>
-              <a:rPr lang="en-US" sz="2400"/>
-              <a:t>Can we capture trending tweets from twitter? </a:t>
-            </a:r>
-            <a:endParaRPr/>
-          </a:p>
-          <a:p>
-            <a:pPr marL="457200" lvl="0" indent="-457200" algn="l" rtl="0">
-              <a:spcBef>
-                <a:spcPts val="1080"/>
-              </a:spcBef>
-              <a:spcAft>
-                <a:spcPts val="0"/>
-              </a:spcAft>
-              <a:buSzPts val="1920"/>
-              <a:buFont typeface="Century Gothic"/>
-              <a:buAutoNum type="arabicPeriod"/>
-            </a:pPr>
-            <a:r>
-              <a:rPr lang="en-US" sz="2400"/>
-              <a:t> Given an input stream, what is the most referenced url? </a:t>
-            </a:r>
-            <a:endParaRPr/>
-          </a:p>
-        </p:txBody>
-      </p:sp>
-    </p:spTree>
-  </p:cSld>
-  <p:clrMapOvr>
-    <a:masterClrMapping/>
-  </p:clrMapOvr>
-</p:sld>
-</file>
-
-<file path=ppt/slides/slide20.xml><?xml version="1.0" encoding="utf-8"?>
+<file path=ppt/slides/slide18.xml><?xml version="1.0" encoding="utf-8"?>
 <p:sld xmlns:a="http://schemas.openxmlformats.org/drawingml/2006/main" xmlns:r="http://schemas.openxmlformats.org/officeDocument/2006/relationships" xmlns:p="http://schemas.openxmlformats.org/presentationml/2006/main">
   <p:cSld>
     <p:spTree>
@@ -23732,6 +22951,166 @@
 </p:sld>
 </file>
 
+<file path=ppt/slides/slide2.xml><?xml version="1.0" encoding="utf-8"?>
+<p:sld xmlns:a="http://schemas.openxmlformats.org/drawingml/2006/main" xmlns:r="http://schemas.openxmlformats.org/officeDocument/2006/relationships" xmlns:p="http://schemas.openxmlformats.org/presentationml/2006/main">
+  <p:cSld>
+    <p:spTree>
+      <p:nvGrpSpPr>
+        <p:cNvPr id="1" name="Shape 163"/>
+        <p:cNvGrpSpPr/>
+        <p:nvPr/>
+      </p:nvGrpSpPr>
+      <p:grpSpPr>
+        <a:xfrm>
+          <a:off x="0" y="0"/>
+          <a:ext cx="0" cy="0"/>
+          <a:chOff x="0" y="0"/>
+          <a:chExt cx="0" cy="0"/>
+        </a:xfrm>
+      </p:grpSpPr>
+      <p:sp>
+        <p:nvSpPr>
+          <p:cNvPr id="164" name="Google Shape;164;p22"/>
+          <p:cNvSpPr txBox="1">
+            <a:spLocks noGrp="1"/>
+          </p:cNvSpPr>
+          <p:nvPr>
+            <p:ph type="title"/>
+          </p:nvPr>
+        </p:nvSpPr>
+        <p:spPr>
+          <a:xfrm>
+            <a:off x="684212" y="4487332"/>
+            <a:ext cx="8534400" cy="1507067"/>
+          </a:xfrm>
+          <a:prstGeom prst="rect">
+            <a:avLst/>
+          </a:prstGeom>
+          <a:noFill/>
+          <a:ln>
+            <a:noFill/>
+          </a:ln>
+        </p:spPr>
+        <p:txBody>
+          <a:bodyPr spcFirstLastPara="1" wrap="square" lIns="91425" tIns="45700" rIns="91425" bIns="45700" anchor="ctr" anchorCtr="0">
+            <a:noAutofit/>
+          </a:bodyPr>
+          <a:lstStyle/>
+          <a:p>
+            <a:pPr marL="0" lvl="0" indent="0" algn="l" rtl="0">
+              <a:spcBef>
+                <a:spcPts val="0"/>
+              </a:spcBef>
+              <a:spcAft>
+                <a:spcPts val="0"/>
+              </a:spcAft>
+              <a:buClr>
+                <a:schemeClr val="lt1"/>
+              </a:buClr>
+              <a:buSzPts val="3600"/>
+              <a:buFont typeface="Century Gothic"/>
+              <a:buNone/>
+            </a:pPr>
+            <a:r>
+              <a:rPr lang="en-US"/>
+              <a:t>CHALLENGES</a:t>
+            </a:r>
+            <a:endParaRPr/>
+          </a:p>
+        </p:txBody>
+      </p:sp>
+      <p:sp>
+        <p:nvSpPr>
+          <p:cNvPr id="165" name="Google Shape;165;p22"/>
+          <p:cNvSpPr txBox="1">
+            <a:spLocks noGrp="1"/>
+          </p:cNvSpPr>
+          <p:nvPr>
+            <p:ph type="body" idx="1"/>
+          </p:nvPr>
+        </p:nvSpPr>
+        <p:spPr>
+          <a:xfrm>
+            <a:off x="684212" y="685800"/>
+            <a:ext cx="8534400" cy="3615267"/>
+          </a:xfrm>
+          <a:prstGeom prst="rect">
+            <a:avLst/>
+          </a:prstGeom>
+          <a:noFill/>
+          <a:ln>
+            <a:noFill/>
+          </a:ln>
+        </p:spPr>
+        <p:txBody>
+          <a:bodyPr spcFirstLastPara="1" wrap="square" lIns="91425" tIns="45700" rIns="91425" bIns="45700" anchor="ctr" anchorCtr="0">
+            <a:noAutofit/>
+          </a:bodyPr>
+          <a:lstStyle/>
+          <a:p>
+            <a:pPr marL="457200" lvl="0" indent="-457200" algn="l" rtl="0">
+              <a:spcBef>
+                <a:spcPts val="0"/>
+              </a:spcBef>
+              <a:spcAft>
+                <a:spcPts val="0"/>
+              </a:spcAft>
+              <a:buSzPts val="1920"/>
+              <a:buFont typeface="Century Gothic"/>
+              <a:buAutoNum type="arabicPeriod"/>
+            </a:pPr>
+            <a:r>
+              <a:rPr lang="en-US" sz="2400"/>
+              <a:t>Given a list of negative keywords, what is the frequency of these words appearing in a twitter stream?</a:t>
+            </a:r>
+            <a:endParaRPr/>
+          </a:p>
+          <a:p>
+            <a:pPr marL="457200" lvl="0" indent="-457200" algn="l" rtl="0">
+              <a:spcBef>
+                <a:spcPts val="1080"/>
+              </a:spcBef>
+              <a:spcAft>
+                <a:spcPts val="0"/>
+              </a:spcAft>
+              <a:buSzPts val="1920"/>
+              <a:buFont typeface="Century Gothic"/>
+              <a:buAutoNum type="arabicPeriod"/>
+            </a:pPr>
+            <a:r>
+              <a:rPr lang="en-US" sz="2400"/>
+              <a:t>Can we capture trending tweets from twitter? </a:t>
+            </a:r>
+            <a:endParaRPr/>
+          </a:p>
+          <a:p>
+            <a:pPr marL="457200" lvl="0" indent="-457200" algn="l" rtl="0">
+              <a:spcBef>
+                <a:spcPts val="1080"/>
+              </a:spcBef>
+              <a:spcAft>
+                <a:spcPts val="0"/>
+              </a:spcAft>
+              <a:buSzPts val="1920"/>
+              <a:buFont typeface="Century Gothic"/>
+              <a:buAutoNum type="arabicPeriod"/>
+            </a:pPr>
+            <a:r>
+              <a:rPr lang="en-US" sz="2400"/>
+              <a:t> Given an input stream, what is the most referenced url? </a:t>
+            </a:r>
+            <a:endParaRPr/>
+          </a:p>
+        </p:txBody>
+      </p:sp>
+    </p:spTree>
+  </p:cSld>
+  <p:clrMapOvr>
+    <a:masterClrMapping/>
+  </p:clrMapOvr>
+</p:sld>
+</file>
+
 <file path=ppt/slides/slide3.xml><?xml version="1.0" encoding="utf-8"?>
 <p:sld xmlns:a="http://schemas.openxmlformats.org/drawingml/2006/main" xmlns:r="http://schemas.openxmlformats.org/officeDocument/2006/relationships" xmlns:p="http://schemas.openxmlformats.org/presentationml/2006/main">
   <p:cSld>
@@ -24447,27 +23826,41 @@
               <a:buNone/>
             </a:pPr>
             <a:r>
-              <a:rPr lang="en-US"/>
-              <a:t>PROCESS – TRENDING NEGATIVITY </a:t>
+              <a:rPr lang="en-US" dirty="0"/>
+              <a:t>PROCESS </a:t>
             </a:r>
-            <a:endParaRPr/>
+            <a:endParaRPr dirty="0"/>
           </a:p>
         </p:txBody>
       </p:sp>
       <p:pic>
         <p:nvPicPr>
-          <p:cNvPr id="188" name="Google Shape;188;p25" descr="twitter-icon-circle-blue-logo-preview - Utility People"/>
-          <p:cNvPicPr preferRelativeResize="0"/>
+          <p:cNvPr id="38" name="Picture 2" descr="twitter-icon-circle-blue-logo-preview - Utility People">
+            <a:extLst>
+              <a:ext uri="{FF2B5EF4-FFF2-40B4-BE49-F238E27FC236}">
+                <a16:creationId xmlns:a16="http://schemas.microsoft.com/office/drawing/2014/main" id="{D872C35D-BE53-4975-B5D6-476B51729AB5}"/>
+              </a:ext>
+            </a:extLst>
+          </p:cNvPr>
+          <p:cNvPicPr>
+            <a:picLocks noChangeAspect="1" noChangeArrowheads="1"/>
+          </p:cNvPicPr>
           <p:nvPr/>
         </p:nvPicPr>
-        <p:blipFill rotWithShape="1">
+        <p:blipFill>
           <a:blip r:embed="rId3">
-            <a:alphaModFix/>
+            <a:extLst>
+              <a:ext uri="{28A0092B-C50C-407E-A947-70E740481C1C}">
+                <a14:useLocalDpi xmlns:a14="http://schemas.microsoft.com/office/drawing/2010/main" val="0"/>
+              </a:ext>
+            </a:extLst>
           </a:blip>
           <a:srcRect/>
-          <a:stretch/>
+          <a:stretch>
+            <a:fillRect/>
+          </a:stretch>
         </p:blipFill>
-        <p:spPr>
+        <p:spPr bwMode="auto">
           <a:xfrm>
             <a:off x="684212" y="669393"/>
             <a:ext cx="1507067" cy="1507067"/>
@@ -24476,41 +23869,71 @@
             <a:avLst/>
           </a:prstGeom>
           <a:noFill/>
-          <a:ln>
-            <a:noFill/>
-          </a:ln>
+          <a:extLst>
+            <a:ext uri="{909E8E84-426E-40DD-AFC4-6F175D3DCCD1}">
+              <a14:hiddenFill xmlns:a14="http://schemas.microsoft.com/office/drawing/2010/main">
+                <a:solidFill>
+                  <a:srgbClr val="FFFFFF"/>
+                </a:solidFill>
+              </a14:hiddenFill>
+            </a:ext>
+          </a:extLst>
         </p:spPr>
       </p:pic>
       <p:pic>
         <p:nvPicPr>
-          <p:cNvPr id="189" name="Google Shape;189;p25" descr="Upload Build to AWS S3 from Jenkins ~ ServerKaKa"/>
-          <p:cNvPicPr preferRelativeResize="0"/>
+          <p:cNvPr id="39" name="Picture 4" descr="Upload Build to AWS S3 from Jenkins ~ ServerKaKa">
+            <a:extLst>
+              <a:ext uri="{FF2B5EF4-FFF2-40B4-BE49-F238E27FC236}">
+                <a16:creationId xmlns:a16="http://schemas.microsoft.com/office/drawing/2014/main" id="{15018083-8F73-4912-8B9F-8D2C51CCA25B}"/>
+              </a:ext>
+            </a:extLst>
+          </p:cNvPr>
+          <p:cNvPicPr>
+            <a:picLocks noChangeAspect="1" noChangeArrowheads="1"/>
+          </p:cNvPicPr>
           <p:nvPr/>
         </p:nvPicPr>
         <p:blipFill rotWithShape="1">
           <a:blip r:embed="rId4">
-            <a:alphaModFix/>
+            <a:extLst>
+              <a:ext uri="{28A0092B-C50C-407E-A947-70E740481C1C}">
+                <a14:useLocalDpi xmlns:a14="http://schemas.microsoft.com/office/drawing/2010/main" val="0"/>
+              </a:ext>
+            </a:extLst>
           </a:blip>
           <a:srcRect l="56575" t="-1346" b="-1"/>
           <a:stretch/>
         </p:blipFill>
-        <p:spPr>
+        <p:spPr bwMode="auto">
           <a:xfrm>
-            <a:off x="6148019" y="4232592"/>
+            <a:off x="4957570" y="4106418"/>
             <a:ext cx="1257039" cy="1414463"/>
           </a:xfrm>
           <a:prstGeom prst="rect">
             <a:avLst/>
           </a:prstGeom>
           <a:noFill/>
-          <a:ln>
-            <a:noFill/>
-          </a:ln>
+          <a:extLst>
+            <a:ext uri="{909E8E84-426E-40DD-AFC4-6F175D3DCCD1}">
+              <a14:hiddenFill xmlns:a14="http://schemas.microsoft.com/office/drawing/2010/main">
+                <a:solidFill>
+                  <a:srgbClr val="FFFFFF"/>
+                </a:solidFill>
+              </a14:hiddenFill>
+            </a:ext>
+          </a:extLst>
         </p:spPr>
       </p:pic>
       <p:sp>
         <p:nvSpPr>
-          <p:cNvPr id="190" name="Google Shape;190;p25"/>
+          <p:cNvPr id="40" name="TextBox 39">
+            <a:extLst>
+              <a:ext uri="{FF2B5EF4-FFF2-40B4-BE49-F238E27FC236}">
+                <a16:creationId xmlns:a16="http://schemas.microsoft.com/office/drawing/2014/main" id="{3299955B-C1A3-4CAD-9592-AE1A2DC559D5}"/>
+              </a:ext>
+            </a:extLst>
+          </p:cNvPr>
           <p:cNvSpPr txBox="1"/>
           <p:nvPr/>
         </p:nvSpPr>
@@ -24523,71 +23946,41 @@
             <a:avLst/>
           </a:prstGeom>
           <a:noFill/>
-          <a:ln>
-            <a:noFill/>
-          </a:ln>
         </p:spPr>
         <p:txBody>
-          <a:bodyPr spcFirstLastPara="1" wrap="square" lIns="91425" tIns="45700" rIns="91425" bIns="45700" anchor="t" anchorCtr="0">
-            <a:noAutofit/>
+          <a:bodyPr wrap="none" rtlCol="0">
+            <a:spAutoFit/>
           </a:bodyPr>
           <a:lstStyle/>
           <a:p>
-            <a:pPr marL="0" marR="0" lvl="0" indent="0" algn="l" rtl="0">
-              <a:spcBef>
-                <a:spcPts val="0"/>
-              </a:spcBef>
-              <a:spcAft>
-                <a:spcPts val="0"/>
-              </a:spcAft>
+            <a:pPr defTabSz="457200">
+              <a:buClrTx/>
+              <a:buFontTx/>
               <a:buNone/>
             </a:pPr>
             <a:r>
-              <a:rPr lang="en-US" sz="1800" b="0" i="0" u="none" strike="noStrike" cap="none">
+              <a:rPr lang="en-US" sz="1800" kern="1200" dirty="0">
                 <a:solidFill>
-                  <a:schemeClr val="lt1"/>
+                  <a:prstClr val="white"/>
                 </a:solidFill>
-                <a:latin typeface="Century Gothic"/>
-                <a:ea typeface="Century Gothic"/>
-                <a:cs typeface="Century Gothic"/>
-                <a:sym typeface="Century Gothic"/>
+                <a:latin typeface="Century Gothic" panose="020B0502020202020204"/>
+                <a:ea typeface="+mn-ea"/>
+                <a:cs typeface="+mn-cs"/>
               </a:rPr>
               <a:t>Input Stream</a:t>
             </a:r>
-            <a:endParaRPr/>
           </a:p>
         </p:txBody>
       </p:sp>
-      <p:pic>
-        <p:nvPicPr>
-          <p:cNvPr id="191" name="Google Shape;191;p25" descr="Scala (programming language) - Wikipedia"/>
-          <p:cNvPicPr preferRelativeResize="0"/>
-          <p:nvPr/>
-        </p:nvPicPr>
-        <p:blipFill rotWithShape="1">
-          <a:blip r:embed="rId5">
-            <a:alphaModFix/>
-          </a:blip>
-          <a:srcRect/>
-          <a:stretch/>
-        </p:blipFill>
-        <p:spPr>
-          <a:xfrm>
-            <a:off x="5918733" y="1041758"/>
-            <a:ext cx="2071688" cy="948484"/>
-          </a:xfrm>
-          <a:prstGeom prst="rect">
-            <a:avLst/>
-          </a:prstGeom>
-          <a:noFill/>
-          <a:ln>
-            <a:noFill/>
-          </a:ln>
-        </p:spPr>
-      </p:pic>
       <p:cxnSp>
         <p:nvCxnSpPr>
-          <p:cNvPr id="192" name="Google Shape;192;p25"/>
+          <p:cNvPr id="41" name="Straight Arrow Connector 40">
+            <a:extLst>
+              <a:ext uri="{FF2B5EF4-FFF2-40B4-BE49-F238E27FC236}">
+                <a16:creationId xmlns:a16="http://schemas.microsoft.com/office/drawing/2014/main" id="{2BF7B3B5-C9B7-49E2-9823-4E8B4BF11707}"/>
+              </a:ext>
+            </a:extLst>
+          </p:cNvPr>
           <p:cNvCxnSpPr/>
           <p:nvPr/>
         </p:nvCxnSpPr>
@@ -24600,22 +23993,29 @@
             <a:avLst/>
           </a:prstGeom>
           <a:noFill/>
-          <a:ln w="9525" cap="rnd" cmpd="sng">
+          <a:ln w="9525" cap="rnd" cmpd="sng" algn="ctr">
             <a:solidFill>
-              <a:srgbClr val="858E99">
+              <a:srgbClr val="052F61">
+                <a:tint val="76000"/>
                 <a:alpha val="60000"/>
+                <a:hueMod val="94000"/>
               </a:srgbClr>
             </a:solidFill>
             <a:prstDash val="solid"/>
-            <a:round/>
-            <a:headEnd type="none" w="sm" len="sm"/>
-            <a:tailEnd type="triangle" w="med" len="med"/>
+            <a:tailEnd type="triangle"/>
           </a:ln>
+          <a:effectLst/>
         </p:spPr>
       </p:cxnSp>
       <p:sp>
         <p:nvSpPr>
-          <p:cNvPr id="193" name="Google Shape;193;p25"/>
+          <p:cNvPr id="42" name="Arrow: Right 41">
+            <a:extLst>
+              <a:ext uri="{FF2B5EF4-FFF2-40B4-BE49-F238E27FC236}">
+                <a16:creationId xmlns:a16="http://schemas.microsoft.com/office/drawing/2014/main" id="{7388BD7F-6AC1-46D0-B359-BA89EB222CD5}"/>
+              </a:ext>
+            </a:extLst>
+          </p:cNvPr>
           <p:cNvSpPr/>
           <p:nvPr/>
         </p:nvSpPr>
@@ -24625,180 +24025,207 @@
             <a:ext cx="3519488" cy="233362"/>
           </a:xfrm>
           <a:prstGeom prst="rightArrow">
-            <a:avLst>
-              <a:gd name="adj1" fmla="val 50000"/>
-              <a:gd name="adj2" fmla="val 50000"/>
-            </a:avLst>
+            <a:avLst/>
           </a:prstGeom>
           <a:solidFill>
-            <a:schemeClr val="accent1"/>
+            <a:srgbClr val="052F61"/>
           </a:solidFill>
-          <a:ln w="15875" cap="rnd" cmpd="sng">
+          <a:ln w="15875" cap="rnd" cmpd="sng" algn="ctr">
             <a:solidFill>
-              <a:srgbClr val="023046"/>
+              <a:srgbClr val="052F61">
+                <a:shade val="50000"/>
+                <a:hueMod val="94000"/>
+              </a:srgbClr>
             </a:solidFill>
             <a:prstDash val="solid"/>
-            <a:round/>
-            <a:headEnd type="none" w="sm" len="sm"/>
-            <a:tailEnd type="none" w="sm" len="sm"/>
           </a:ln>
+          <a:effectLst/>
         </p:spPr>
         <p:txBody>
-          <a:bodyPr spcFirstLastPara="1" wrap="square" lIns="91425" tIns="45700" rIns="91425" bIns="45700" anchor="ctr" anchorCtr="0">
-            <a:noAutofit/>
-          </a:bodyPr>
+          <a:bodyPr rtlCol="0" anchor="ctr"/>
           <a:lstStyle/>
           <a:p>
-            <a:pPr marL="0" marR="0" lvl="0" indent="0" algn="ctr" rtl="0">
-              <a:spcBef>
-                <a:spcPts val="0"/>
-              </a:spcBef>
-              <a:spcAft>
-                <a:spcPts val="0"/>
-              </a:spcAft>
-              <a:buNone/>
+            <a:pPr marL="0" marR="0" lvl="0" indent="0" algn="ctr" defTabSz="457200" eaLnBrk="1" fontAlgn="auto" latinLnBrk="0" hangingPunct="1">
+              <a:lnSpc>
+                <a:spcPct val="100000"/>
+              </a:lnSpc>
+              <a:spcBef>
+                <a:spcPts val="0"/>
+              </a:spcBef>
+              <a:spcAft>
+                <a:spcPts val="0"/>
+              </a:spcAft>
+              <a:buClrTx/>
+              <a:buSzTx/>
+              <a:buFontTx/>
+              <a:buNone/>
+              <a:tabLst/>
+              <a:defRPr/>
             </a:pPr>
-            <a:endParaRPr sz="1800">
+            <a:endParaRPr kumimoji="0" lang="en-US" sz="1800" b="0" i="0" u="none" strike="noStrike" kern="1200" cap="none" spc="0" normalizeH="0" baseline="0" noProof="0">
+              <a:ln>
+                <a:noFill/>
+              </a:ln>
               <a:solidFill>
-                <a:schemeClr val="lt1"/>
+                <a:prstClr val="white"/>
               </a:solidFill>
-              <a:latin typeface="Century Gothic"/>
-              <a:ea typeface="Century Gothic"/>
-              <a:cs typeface="Century Gothic"/>
-              <a:sym typeface="Century Gothic"/>
+              <a:effectLst/>
+              <a:uLnTx/>
+              <a:uFillTx/>
+              <a:latin typeface="Century Gothic" panose="020B0502020202020204"/>
+              <a:ea typeface="+mn-ea"/>
+              <a:cs typeface="+mn-cs"/>
             </a:endParaRPr>
           </a:p>
         </p:txBody>
       </p:sp>
       <p:sp>
         <p:nvSpPr>
-          <p:cNvPr id="194" name="Google Shape;194;p25"/>
+          <p:cNvPr id="43" name="Arrow: Left 42">
+            <a:extLst>
+              <a:ext uri="{FF2B5EF4-FFF2-40B4-BE49-F238E27FC236}">
+                <a16:creationId xmlns:a16="http://schemas.microsoft.com/office/drawing/2014/main" id="{5B158D9A-AD06-498F-A6F6-36111A56C483}"/>
+              </a:ext>
+            </a:extLst>
+          </p:cNvPr>
           <p:cNvSpPr/>
           <p:nvPr/>
         </p:nvSpPr>
         <p:spPr>
-          <a:xfrm rot="-1308828">
+          <a:xfrm rot="20291172">
             <a:off x="1431766" y="2787737"/>
             <a:ext cx="4609570" cy="268615"/>
           </a:xfrm>
           <a:prstGeom prst="leftArrow">
-            <a:avLst>
-              <a:gd name="adj1" fmla="val 50000"/>
-              <a:gd name="adj2" fmla="val 50000"/>
-            </a:avLst>
+            <a:avLst/>
           </a:prstGeom>
           <a:solidFill>
-            <a:schemeClr val="accent1"/>
+            <a:srgbClr val="052F61"/>
           </a:solidFill>
-          <a:ln w="15875" cap="rnd" cmpd="sng">
+          <a:ln w="15875" cap="rnd" cmpd="sng" algn="ctr">
             <a:solidFill>
-              <a:srgbClr val="023046"/>
+              <a:srgbClr val="052F61">
+                <a:shade val="50000"/>
+                <a:hueMod val="94000"/>
+              </a:srgbClr>
             </a:solidFill>
             <a:prstDash val="solid"/>
-            <a:round/>
-            <a:headEnd type="none" w="sm" len="sm"/>
-            <a:tailEnd type="none" w="sm" len="sm"/>
           </a:ln>
+          <a:effectLst/>
         </p:spPr>
         <p:txBody>
-          <a:bodyPr spcFirstLastPara="1" wrap="square" lIns="91425" tIns="45700" rIns="91425" bIns="45700" anchor="ctr" anchorCtr="0">
-            <a:noAutofit/>
-          </a:bodyPr>
+          <a:bodyPr rtlCol="0" anchor="ctr"/>
           <a:lstStyle/>
           <a:p>
-            <a:pPr marL="0" marR="0" lvl="0" indent="0" algn="ctr" rtl="0">
-              <a:spcBef>
-                <a:spcPts val="0"/>
-              </a:spcBef>
-              <a:spcAft>
-                <a:spcPts val="0"/>
-              </a:spcAft>
-              <a:buNone/>
+            <a:pPr marL="0" marR="0" lvl="0" indent="0" algn="ctr" defTabSz="457200" eaLnBrk="1" fontAlgn="auto" latinLnBrk="0" hangingPunct="1">
+              <a:lnSpc>
+                <a:spcPct val="100000"/>
+              </a:lnSpc>
+              <a:spcBef>
+                <a:spcPts val="0"/>
+              </a:spcBef>
+              <a:spcAft>
+                <a:spcPts val="0"/>
+              </a:spcAft>
+              <a:buClrTx/>
+              <a:buSzTx/>
+              <a:buFontTx/>
+              <a:buNone/>
+              <a:tabLst/>
+              <a:defRPr/>
             </a:pPr>
-            <a:endParaRPr sz="1800">
+            <a:endParaRPr kumimoji="0" lang="en-US" sz="1800" b="0" i="0" u="none" strike="noStrike" kern="1200" cap="none" spc="0" normalizeH="0" baseline="0" noProof="0">
+              <a:ln>
+                <a:noFill/>
+              </a:ln>
               <a:solidFill>
-                <a:schemeClr val="lt1"/>
+                <a:prstClr val="white"/>
               </a:solidFill>
-              <a:latin typeface="Century Gothic"/>
-              <a:ea typeface="Century Gothic"/>
-              <a:cs typeface="Century Gothic"/>
-              <a:sym typeface="Century Gothic"/>
+              <a:effectLst/>
+              <a:uLnTx/>
+              <a:uFillTx/>
+              <a:latin typeface="Century Gothic" panose="020B0502020202020204"/>
+              <a:ea typeface="+mn-ea"/>
+              <a:cs typeface="+mn-cs"/>
             </a:endParaRPr>
           </a:p>
         </p:txBody>
       </p:sp>
       <p:sp>
         <p:nvSpPr>
-          <p:cNvPr id="195" name="Google Shape;195;p25"/>
+          <p:cNvPr id="44" name="TextBox 43">
+            <a:extLst>
+              <a:ext uri="{FF2B5EF4-FFF2-40B4-BE49-F238E27FC236}">
+                <a16:creationId xmlns:a16="http://schemas.microsoft.com/office/drawing/2014/main" id="{AF9E5235-F748-489F-AB4F-D736D5384ACB}"/>
+              </a:ext>
+            </a:extLst>
+          </p:cNvPr>
           <p:cNvSpPr txBox="1"/>
           <p:nvPr/>
         </p:nvSpPr>
         <p:spPr>
-          <a:xfrm rot="-1196634">
-            <a:off x="1699613" y="2606936"/>
-            <a:ext cx="2945037" cy="369332"/>
+          <a:xfrm rot="20403366">
+            <a:off x="1560157" y="2606936"/>
+            <a:ext cx="3223959" cy="369332"/>
           </a:xfrm>
           <a:prstGeom prst="rect">
             <a:avLst/>
           </a:prstGeom>
           <a:noFill/>
-          <a:ln>
-            <a:noFill/>
-          </a:ln>
         </p:spPr>
         <p:txBody>
-          <a:bodyPr spcFirstLastPara="1" wrap="square" lIns="91425" tIns="45700" rIns="91425" bIns="45700" anchor="t" anchorCtr="0">
-            <a:noAutofit/>
+          <a:bodyPr wrap="none" rtlCol="0">
+            <a:spAutoFit/>
           </a:bodyPr>
           <a:lstStyle/>
           <a:p>
-            <a:pPr marL="0" marR="0" lvl="0" indent="0" algn="l" rtl="0">
-              <a:spcBef>
-                <a:spcPts val="0"/>
-              </a:spcBef>
-              <a:spcAft>
-                <a:spcPts val="0"/>
-              </a:spcAft>
+            <a:pPr defTabSz="457200">
+              <a:buClrTx/>
+              <a:buFontTx/>
               <a:buNone/>
             </a:pPr>
             <a:r>
-              <a:rPr lang="en-US" sz="1800">
+              <a:rPr lang="en-US" sz="1800" kern="1200" dirty="0">
                 <a:solidFill>
-                  <a:schemeClr val="lt1"/>
+                  <a:prstClr val="white"/>
                 </a:solidFill>
-                <a:latin typeface="Century Gothic"/>
-                <a:ea typeface="Century Gothic"/>
-                <a:cs typeface="Century Gothic"/>
-                <a:sym typeface="Century Gothic"/>
+                <a:latin typeface="Century Gothic" panose="020B0502020202020204"/>
+                <a:ea typeface="+mn-ea"/>
+                <a:cs typeface="+mn-cs"/>
               </a:rPr>
-              <a:t>TrendingNegativity.scala</a:t>
+              <a:t>Assemble script as  a jar file</a:t>
             </a:r>
-            <a:endParaRPr sz="1800">
-              <a:solidFill>
-                <a:schemeClr val="lt1"/>
-              </a:solidFill>
-              <a:latin typeface="Century Gothic"/>
-              <a:ea typeface="Century Gothic"/>
-              <a:cs typeface="Century Gothic"/>
-              <a:sym typeface="Century Gothic"/>
-            </a:endParaRPr>
           </a:p>
         </p:txBody>
       </p:sp>
       <p:pic>
         <p:nvPicPr>
-          <p:cNvPr id="196" name="Google Shape;196;p25" descr="Transient Cluster on AWS"/>
-          <p:cNvPicPr preferRelativeResize="0"/>
+          <p:cNvPr id="45" name="Picture 2" descr="Transient Cluster on AWS">
+            <a:extLst>
+              <a:ext uri="{FF2B5EF4-FFF2-40B4-BE49-F238E27FC236}">
+                <a16:creationId xmlns:a16="http://schemas.microsoft.com/office/drawing/2014/main" id="{5C15F9A7-BBDD-4F3C-BA68-C14F954F9725}"/>
+              </a:ext>
+            </a:extLst>
+          </p:cNvPr>
+          <p:cNvPicPr>
+            <a:picLocks noChangeAspect="1" noChangeArrowheads="1"/>
+          </p:cNvPicPr>
           <p:nvPr/>
         </p:nvPicPr>
-        <p:blipFill rotWithShape="1">
-          <a:blip r:embed="rId6">
-            <a:alphaModFix/>
+        <p:blipFill>
+          <a:blip r:embed="rId5">
+            <a:extLst>
+              <a:ext uri="{28A0092B-C50C-407E-A947-70E740481C1C}">
+                <a14:useLocalDpi xmlns:a14="http://schemas.microsoft.com/office/drawing/2010/main" val="0"/>
+              </a:ext>
+            </a:extLst>
           </a:blip>
           <a:srcRect/>
-          <a:stretch/>
+          <a:stretch>
+            <a:fillRect/>
+          </a:stretch>
         </p:blipFill>
-        <p:spPr>
+        <p:spPr bwMode="auto">
           <a:xfrm>
             <a:off x="9535338" y="815916"/>
             <a:ext cx="2387324" cy="1104877"/>
@@ -24807,21 +24234,33 @@
             <a:avLst/>
           </a:prstGeom>
           <a:noFill/>
-          <a:ln>
-            <a:noFill/>
-          </a:ln>
+          <a:extLst>
+            <a:ext uri="{909E8E84-426E-40DD-AFC4-6F175D3DCCD1}">
+              <a14:hiddenFill xmlns:a14="http://schemas.microsoft.com/office/drawing/2010/main">
+                <a:solidFill>
+                  <a:srgbClr val="FFFFFF"/>
+                </a:solidFill>
+              </a14:hiddenFill>
+            </a:ext>
+          </a:extLst>
         </p:spPr>
       </p:pic>
       <p:sp>
         <p:nvSpPr>
-          <p:cNvPr id="197" name="Google Shape;197;p25"/>
+          <p:cNvPr id="46" name="Arrow: Right 45">
+            <a:extLst>
+              <a:ext uri="{FF2B5EF4-FFF2-40B4-BE49-F238E27FC236}">
+                <a16:creationId xmlns:a16="http://schemas.microsoft.com/office/drawing/2014/main" id="{590B9815-7B73-41BC-AC46-3EBCAE167F3A}"/>
+              </a:ext>
+            </a:extLst>
+          </p:cNvPr>
           <p:cNvSpPr/>
           <p:nvPr/>
         </p:nvSpPr>
         <p:spPr>
           <a:xfrm>
-            <a:off x="1614622" y="4877700"/>
-            <a:ext cx="4248016" cy="246749"/>
+            <a:off x="1473422" y="4834051"/>
+            <a:ext cx="3360516" cy="246749"/>
           </a:xfrm>
           <a:prstGeom prst="rightArrow">
             <a:avLst>
@@ -24830,109 +24269,132 @@
             </a:avLst>
           </a:prstGeom>
           <a:solidFill>
-            <a:schemeClr val="accent1"/>
+            <a:srgbClr val="052F61"/>
           </a:solidFill>
-          <a:ln w="15875" cap="rnd" cmpd="sng">
+          <a:ln w="15875" cap="rnd" cmpd="sng" algn="ctr">
             <a:solidFill>
-              <a:srgbClr val="023046"/>
+              <a:srgbClr val="052F61">
+                <a:shade val="50000"/>
+                <a:hueMod val="94000"/>
+              </a:srgbClr>
             </a:solidFill>
             <a:prstDash val="solid"/>
-            <a:round/>
-            <a:headEnd type="none" w="sm" len="sm"/>
-            <a:tailEnd type="none" w="sm" len="sm"/>
           </a:ln>
+          <a:effectLst/>
         </p:spPr>
         <p:txBody>
-          <a:bodyPr spcFirstLastPara="1" wrap="square" lIns="91425" tIns="45700" rIns="91425" bIns="45700" anchor="ctr" anchorCtr="0">
-            <a:noAutofit/>
-          </a:bodyPr>
+          <a:bodyPr rtlCol="0" anchor="ctr"/>
           <a:lstStyle/>
           <a:p>
-            <a:pPr marL="0" marR="0" lvl="0" indent="0" algn="ctr" rtl="0">
-              <a:spcBef>
-                <a:spcPts val="0"/>
-              </a:spcBef>
-              <a:spcAft>
-                <a:spcPts val="0"/>
-              </a:spcAft>
-              <a:buNone/>
+            <a:pPr marL="0" marR="0" lvl="0" indent="0" algn="ctr" defTabSz="457200" eaLnBrk="1" fontAlgn="auto" latinLnBrk="0" hangingPunct="1">
+              <a:lnSpc>
+                <a:spcPct val="100000"/>
+              </a:lnSpc>
+              <a:spcBef>
+                <a:spcPts val="0"/>
+              </a:spcBef>
+              <a:spcAft>
+                <a:spcPts val="0"/>
+              </a:spcAft>
+              <a:buClrTx/>
+              <a:buSzTx/>
+              <a:buFontTx/>
+              <a:buNone/>
+              <a:tabLst/>
+              <a:defRPr/>
             </a:pPr>
-            <a:endParaRPr sz="1800">
+            <a:endParaRPr kumimoji="0" lang="en-US" sz="1800" b="0" i="0" u="none" strike="noStrike" kern="1200" cap="none" spc="0" normalizeH="0" baseline="0" noProof="0">
+              <a:ln>
+                <a:noFill/>
+              </a:ln>
               <a:solidFill>
-                <a:schemeClr val="lt1"/>
+                <a:prstClr val="white"/>
               </a:solidFill>
-              <a:latin typeface="Century Gothic"/>
-              <a:ea typeface="Century Gothic"/>
-              <a:cs typeface="Century Gothic"/>
-              <a:sym typeface="Century Gothic"/>
+              <a:effectLst/>
+              <a:uLnTx/>
+              <a:uFillTx/>
+              <a:latin typeface="Century Gothic" panose="020B0502020202020204"/>
+              <a:ea typeface="+mn-ea"/>
+              <a:cs typeface="+mn-cs"/>
             </a:endParaRPr>
           </a:p>
         </p:txBody>
       </p:sp>
       <p:sp>
         <p:nvSpPr>
-          <p:cNvPr id="198" name="Google Shape;198;p25"/>
+          <p:cNvPr id="47" name="TextBox 46">
+            <a:extLst>
+              <a:ext uri="{FF2B5EF4-FFF2-40B4-BE49-F238E27FC236}">
+                <a16:creationId xmlns:a16="http://schemas.microsoft.com/office/drawing/2014/main" id="{37349897-8749-4A83-BF42-542BC37C4A45}"/>
+              </a:ext>
+            </a:extLst>
+          </p:cNvPr>
           <p:cNvSpPr txBox="1"/>
           <p:nvPr/>
         </p:nvSpPr>
         <p:spPr>
           <a:xfrm>
-            <a:off x="2015616" y="4518316"/>
+            <a:off x="1573854" y="4397280"/>
             <a:ext cx="3887235" cy="369332"/>
           </a:xfrm>
           <a:prstGeom prst="rect">
             <a:avLst/>
           </a:prstGeom>
           <a:noFill/>
-          <a:ln>
-            <a:noFill/>
-          </a:ln>
         </p:spPr>
         <p:txBody>
-          <a:bodyPr spcFirstLastPara="1" wrap="square" lIns="91425" tIns="45700" rIns="91425" bIns="45700" anchor="t" anchorCtr="0">
-            <a:noAutofit/>
+          <a:bodyPr wrap="square" rtlCol="0">
+            <a:spAutoFit/>
           </a:bodyPr>
           <a:lstStyle/>
           <a:p>
-            <a:pPr marL="0" marR="0" lvl="0" indent="0" algn="l" rtl="0">
-              <a:spcBef>
-                <a:spcPts val="0"/>
-              </a:spcBef>
-              <a:spcAft>
-                <a:spcPts val="0"/>
-              </a:spcAft>
+            <a:pPr defTabSz="457200">
+              <a:buClrTx/>
+              <a:buFontTx/>
               <a:buNone/>
             </a:pPr>
             <a:r>
-              <a:rPr lang="en-US" sz="1800">
+              <a:rPr lang="en-US" sz="1800" kern="1200" dirty="0">
                 <a:solidFill>
-                  <a:schemeClr val="lt1"/>
+                  <a:prstClr val="white"/>
                 </a:solidFill>
-                <a:latin typeface="Century Gothic"/>
-                <a:ea typeface="Century Gothic"/>
-                <a:cs typeface="Century Gothic"/>
-                <a:sym typeface="Century Gothic"/>
+                <a:latin typeface="Century Gothic" panose="020B0502020202020204"/>
+                <a:ea typeface="+mn-ea"/>
+                <a:cs typeface="+mn-cs"/>
               </a:rPr>
               <a:t>Send the jar file script to s3</a:t>
             </a:r>
-            <a:endParaRPr/>
           </a:p>
         </p:txBody>
       </p:sp>
       <p:pic>
         <p:nvPicPr>
-          <p:cNvPr id="199" name="Google Shape;199;p25" descr="Get JAR File From JAD File, Get JAR File From JAD File Using Winrar | How To"/>
-          <p:cNvPicPr preferRelativeResize="0"/>
+          <p:cNvPr id="48" name="Picture 6" descr="Get JAR File From JAD File, Get JAR File From JAD File Using Winrar | How To">
+            <a:extLst>
+              <a:ext uri="{FF2B5EF4-FFF2-40B4-BE49-F238E27FC236}">
+                <a16:creationId xmlns:a16="http://schemas.microsoft.com/office/drawing/2014/main" id="{BB71A0E4-9902-472D-B03E-894BA5A01CDC}"/>
+              </a:ext>
+            </a:extLst>
+          </p:cNvPr>
+          <p:cNvPicPr>
+            <a:picLocks noChangeAspect="1" noChangeArrowheads="1"/>
+          </p:cNvPicPr>
           <p:nvPr/>
         </p:nvPicPr>
-        <p:blipFill rotWithShape="1">
-          <a:blip r:embed="rId7">
-            <a:alphaModFix/>
+        <p:blipFill>
+          <a:blip r:embed="rId6">
+            <a:extLst>
+              <a:ext uri="{28A0092B-C50C-407E-A947-70E740481C1C}">
+                <a14:useLocalDpi xmlns:a14="http://schemas.microsoft.com/office/drawing/2010/main" val="0"/>
+              </a:ext>
+            </a:extLst>
           </a:blip>
           <a:srcRect/>
-          <a:stretch/>
+          <a:stretch>
+            <a:fillRect/>
+          </a:stretch>
         </p:blipFill>
-        <p:spPr>
+        <p:spPr bwMode="auto">
           <a:xfrm>
             <a:off x="107554" y="3674997"/>
             <a:ext cx="1507068" cy="1507068"/>
@@ -24941,148 +24403,192 @@
             <a:avLst/>
           </a:prstGeom>
           <a:noFill/>
-          <a:ln>
-            <a:noFill/>
-          </a:ln>
+          <a:extLst>
+            <a:ext uri="{909E8E84-426E-40DD-AFC4-6F175D3DCCD1}">
+              <a14:hiddenFill xmlns:a14="http://schemas.microsoft.com/office/drawing/2010/main">
+                <a:solidFill>
+                  <a:srgbClr val="FFFFFF"/>
+                </a:solidFill>
+              </a14:hiddenFill>
+            </a:ext>
+          </a:extLst>
         </p:spPr>
       </p:pic>
       <p:sp>
         <p:nvSpPr>
-          <p:cNvPr id="200" name="Google Shape;200;p25"/>
+          <p:cNvPr id="49" name="Arrow: Up-Down 48">
+            <a:extLst>
+              <a:ext uri="{FF2B5EF4-FFF2-40B4-BE49-F238E27FC236}">
+                <a16:creationId xmlns:a16="http://schemas.microsoft.com/office/drawing/2014/main" id="{DA09FA05-1423-4412-BFEB-5FECA3D55890}"/>
+              </a:ext>
+            </a:extLst>
+          </p:cNvPr>
           <p:cNvSpPr/>
           <p:nvPr/>
         </p:nvSpPr>
         <p:spPr>
-          <a:xfrm rot="2359987">
-            <a:off x="8416903" y="1483294"/>
-            <a:ext cx="230177" cy="3100838"/>
+          <a:xfrm rot="2971630">
+            <a:off x="7845376" y="1233673"/>
+            <a:ext cx="185749" cy="3752116"/>
           </a:xfrm>
           <a:prstGeom prst="upDownArrow">
-            <a:avLst>
-              <a:gd name="adj1" fmla="val 50000"/>
-              <a:gd name="adj2" fmla="val 50000"/>
-            </a:avLst>
+            <a:avLst/>
           </a:prstGeom>
           <a:solidFill>
-            <a:schemeClr val="accent1"/>
+            <a:srgbClr val="052F61"/>
           </a:solidFill>
-          <a:ln w="15875" cap="rnd" cmpd="sng">
+          <a:ln w="15875" cap="rnd" cmpd="sng" algn="ctr">
             <a:solidFill>
-              <a:srgbClr val="023046"/>
+              <a:srgbClr val="052F61">
+                <a:shade val="50000"/>
+                <a:hueMod val="94000"/>
+              </a:srgbClr>
             </a:solidFill>
             <a:prstDash val="solid"/>
-            <a:round/>
-            <a:headEnd type="none" w="sm" len="sm"/>
-            <a:tailEnd type="none" w="sm" len="sm"/>
           </a:ln>
+          <a:effectLst/>
         </p:spPr>
         <p:txBody>
-          <a:bodyPr spcFirstLastPara="1" wrap="square" lIns="91425" tIns="45700" rIns="91425" bIns="45700" anchor="ctr" anchorCtr="0">
-            <a:noAutofit/>
-          </a:bodyPr>
+          <a:bodyPr rtlCol="0" anchor="ctr"/>
           <a:lstStyle/>
           <a:p>
-            <a:pPr marL="0" marR="0" lvl="0" indent="0" algn="ctr" rtl="0">
-              <a:spcBef>
-                <a:spcPts val="0"/>
-              </a:spcBef>
-              <a:spcAft>
-                <a:spcPts val="0"/>
-              </a:spcAft>
-              <a:buNone/>
+            <a:pPr marL="0" marR="0" lvl="0" indent="0" algn="ctr" defTabSz="457200" eaLnBrk="1" fontAlgn="auto" latinLnBrk="0" hangingPunct="1">
+              <a:lnSpc>
+                <a:spcPct val="100000"/>
+              </a:lnSpc>
+              <a:spcBef>
+                <a:spcPts val="0"/>
+              </a:spcBef>
+              <a:spcAft>
+                <a:spcPts val="0"/>
+              </a:spcAft>
+              <a:buClrTx/>
+              <a:buSzTx/>
+              <a:buFontTx/>
+              <a:buNone/>
+              <a:tabLst/>
+              <a:defRPr/>
             </a:pPr>
-            <a:endParaRPr sz="1800">
+            <a:endParaRPr kumimoji="0" lang="en-US" sz="1800" b="0" i="0" u="none" strike="noStrike" kern="1200" cap="none" spc="0" normalizeH="0" baseline="0" noProof="0">
+              <a:ln>
+                <a:noFill/>
+              </a:ln>
               <a:solidFill>
-                <a:schemeClr val="lt1"/>
+                <a:prstClr val="white"/>
               </a:solidFill>
-              <a:latin typeface="Century Gothic"/>
-              <a:ea typeface="Century Gothic"/>
-              <a:cs typeface="Century Gothic"/>
-              <a:sym typeface="Century Gothic"/>
+              <a:effectLst/>
+              <a:uLnTx/>
+              <a:uFillTx/>
+              <a:latin typeface="Century Gothic" panose="020B0502020202020204"/>
+              <a:ea typeface="+mn-ea"/>
+              <a:cs typeface="+mn-cs"/>
             </a:endParaRPr>
           </a:p>
         </p:txBody>
       </p:sp>
       <p:sp>
         <p:nvSpPr>
-          <p:cNvPr id="201" name="Google Shape;201;p25"/>
+          <p:cNvPr id="50" name="TextBox 49">
+            <a:extLst>
+              <a:ext uri="{FF2B5EF4-FFF2-40B4-BE49-F238E27FC236}">
+                <a16:creationId xmlns:a16="http://schemas.microsoft.com/office/drawing/2014/main" id="{97AB53C3-4FC6-4715-932D-A7C625BB31CB}"/>
+              </a:ext>
+            </a:extLst>
+          </p:cNvPr>
           <p:cNvSpPr txBox="1"/>
           <p:nvPr/>
         </p:nvSpPr>
         <p:spPr>
-          <a:xfrm rot="-2961518">
-            <a:off x="6727112" y="2107052"/>
+          <a:xfrm rot="19091448">
+            <a:off x="6182044" y="2221878"/>
             <a:ext cx="4233265" cy="400110"/>
           </a:xfrm>
           <a:prstGeom prst="rect">
             <a:avLst/>
           </a:prstGeom>
           <a:noFill/>
-          <a:ln>
-            <a:noFill/>
-          </a:ln>
         </p:spPr>
         <p:txBody>
-          <a:bodyPr spcFirstLastPara="1" wrap="square" lIns="91425" tIns="45700" rIns="91425" bIns="45700" anchor="t" anchorCtr="0">
-            <a:noAutofit/>
+          <a:bodyPr wrap="square" rtlCol="0">
+            <a:spAutoFit/>
           </a:bodyPr>
           <a:lstStyle/>
           <a:p>
-            <a:pPr marL="0" marR="0" lvl="0" indent="0" algn="l" rtl="0">
-              <a:spcBef>
-                <a:spcPts val="0"/>
-              </a:spcBef>
-              <a:spcAft>
-                <a:spcPts val="0"/>
-              </a:spcAft>
+            <a:pPr defTabSz="457200">
+              <a:buClrTx/>
+              <a:buFontTx/>
               <a:buNone/>
             </a:pPr>
             <a:r>
-              <a:rPr lang="en-US" sz="2000">
+              <a:rPr lang="en-US" sz="2000" kern="1200" dirty="0">
                 <a:solidFill>
-                  <a:schemeClr val="lt1"/>
+                  <a:prstClr val="white"/>
                 </a:solidFill>
-                <a:latin typeface="Century Gothic"/>
-                <a:ea typeface="Century Gothic"/>
-                <a:cs typeface="Century Gothic"/>
-                <a:sym typeface="Century Gothic"/>
+                <a:latin typeface="Century Gothic" panose="020B0502020202020204"/>
+                <a:ea typeface="+mn-ea"/>
+                <a:cs typeface="+mn-cs"/>
               </a:rPr>
               <a:t>Copy the jar from s3 </a:t>
             </a:r>
-            <a:endParaRPr/>
           </a:p>
         </p:txBody>
       </p:sp>
       <p:pic>
         <p:nvPicPr>
-          <p:cNvPr id="202" name="Google Shape;202;p25" descr="Apache Spark - Wikipedia"/>
-          <p:cNvPicPr preferRelativeResize="0"/>
+          <p:cNvPr id="51" name="Picture 14" descr="Apache Spark - Wikipedia">
+            <a:extLst>
+              <a:ext uri="{FF2B5EF4-FFF2-40B4-BE49-F238E27FC236}">
+                <a16:creationId xmlns:a16="http://schemas.microsoft.com/office/drawing/2014/main" id="{0B282F03-343C-45B0-8B77-D772DA4AE758}"/>
+              </a:ext>
+            </a:extLst>
+          </p:cNvPr>
+          <p:cNvPicPr>
+            <a:picLocks noChangeAspect="1" noChangeArrowheads="1"/>
+          </p:cNvPicPr>
           <p:nvPr/>
         </p:nvPicPr>
-        <p:blipFill rotWithShape="1">
-          <a:blip r:embed="rId8">
-            <a:alphaModFix/>
+        <p:blipFill>
+          <a:blip r:embed="rId7">
+            <a:extLst>
+              <a:ext uri="{28A0092B-C50C-407E-A947-70E740481C1C}">
+                <a14:useLocalDpi xmlns:a14="http://schemas.microsoft.com/office/drawing/2010/main" val="0"/>
+              </a:ext>
+            </a:extLst>
           </a:blip>
           <a:srcRect/>
-          <a:stretch/>
+          <a:stretch>
+            <a:fillRect/>
+          </a:stretch>
         </p:blipFill>
-        <p:spPr>
+        <p:spPr bwMode="auto">
           <a:xfrm>
-            <a:off x="8760392" y="4317012"/>
+            <a:off x="9204550" y="4249338"/>
             <a:ext cx="2607084" cy="1357856"/>
           </a:xfrm>
           <a:prstGeom prst="rect">
             <a:avLst/>
           </a:prstGeom>
           <a:noFill/>
-          <a:ln>
-            <a:noFill/>
-          </a:ln>
+          <a:extLst>
+            <a:ext uri="{909E8E84-426E-40DD-AFC4-6F175D3DCCD1}">
+              <a14:hiddenFill xmlns:a14="http://schemas.microsoft.com/office/drawing/2010/main">
+                <a:solidFill>
+                  <a:srgbClr val="FFFFFF"/>
+                </a:solidFill>
+              </a14:hiddenFill>
+            </a:ext>
+          </a:extLst>
         </p:spPr>
       </p:pic>
       <p:sp>
         <p:nvSpPr>
-          <p:cNvPr id="203" name="Google Shape;203;p25"/>
+          <p:cNvPr id="52" name="Arrow: Down 51">
+            <a:extLst>
+              <a:ext uri="{FF2B5EF4-FFF2-40B4-BE49-F238E27FC236}">
+                <a16:creationId xmlns:a16="http://schemas.microsoft.com/office/drawing/2014/main" id="{BA042C23-042A-4836-80CE-3E208CF6A2FC}"/>
+              </a:ext>
+            </a:extLst>
+          </p:cNvPr>
           <p:cNvSpPr/>
           <p:nvPr/>
         </p:nvSpPr>
@@ -25092,54 +24598,69 @@
             <a:ext cx="312737" cy="2528074"/>
           </a:xfrm>
           <a:prstGeom prst="downArrow">
-            <a:avLst>
-              <a:gd name="adj1" fmla="val 50000"/>
-              <a:gd name="adj2" fmla="val 50000"/>
-            </a:avLst>
+            <a:avLst/>
           </a:prstGeom>
           <a:solidFill>
-            <a:schemeClr val="accent1"/>
+            <a:srgbClr val="052F61"/>
           </a:solidFill>
-          <a:ln w="15875" cap="rnd" cmpd="sng">
+          <a:ln w="15875" cap="rnd" cmpd="sng" algn="ctr">
             <a:solidFill>
-              <a:srgbClr val="023046"/>
+              <a:srgbClr val="052F61">
+                <a:shade val="50000"/>
+                <a:hueMod val="94000"/>
+              </a:srgbClr>
             </a:solidFill>
             <a:prstDash val="solid"/>
-            <a:round/>
-            <a:headEnd type="none" w="sm" len="sm"/>
-            <a:tailEnd type="none" w="sm" len="sm"/>
           </a:ln>
+          <a:effectLst/>
         </p:spPr>
         <p:txBody>
-          <a:bodyPr spcFirstLastPara="1" wrap="square" lIns="91425" tIns="45700" rIns="91425" bIns="45700" anchor="ctr" anchorCtr="0">
-            <a:noAutofit/>
-          </a:bodyPr>
+          <a:bodyPr rtlCol="0" anchor="ctr"/>
           <a:lstStyle/>
           <a:p>
-            <a:pPr marL="0" marR="0" lvl="0" indent="0" algn="ctr" rtl="0">
-              <a:spcBef>
-                <a:spcPts val="0"/>
-              </a:spcBef>
-              <a:spcAft>
-                <a:spcPts val="0"/>
-              </a:spcAft>
-              <a:buNone/>
+            <a:pPr marL="0" marR="0" lvl="0" indent="0" algn="ctr" defTabSz="457200" eaLnBrk="1" fontAlgn="auto" latinLnBrk="0" hangingPunct="1">
+              <a:lnSpc>
+                <a:spcPct val="100000"/>
+              </a:lnSpc>
+              <a:spcBef>
+                <a:spcPts val="0"/>
+              </a:spcBef>
+              <a:spcAft>
+                <a:spcPts val="0"/>
+              </a:spcAft>
+              <a:buClrTx/>
+              <a:buSzTx/>
+              <a:buFontTx/>
+              <a:buNone/>
+              <a:tabLst/>
+              <a:defRPr/>
             </a:pPr>
-            <a:endParaRPr sz="1800">
+            <a:endParaRPr kumimoji="0" lang="en-US" sz="1800" b="0" i="0" u="none" strike="noStrike" kern="1200" cap="none" spc="0" normalizeH="0" baseline="0" noProof="0">
+              <a:ln>
+                <a:noFill/>
+              </a:ln>
               <a:solidFill>
-                <a:schemeClr val="lt1"/>
+                <a:prstClr val="white"/>
               </a:solidFill>
-              <a:latin typeface="Century Gothic"/>
-              <a:ea typeface="Century Gothic"/>
-              <a:cs typeface="Century Gothic"/>
-              <a:sym typeface="Century Gothic"/>
+              <a:effectLst/>
+              <a:uLnTx/>
+              <a:uFillTx/>
+              <a:latin typeface="Century Gothic" panose="020B0502020202020204"/>
+              <a:ea typeface="+mn-ea"/>
+              <a:cs typeface="+mn-cs"/>
             </a:endParaRPr>
           </a:p>
         </p:txBody>
       </p:sp>
       <p:sp>
         <p:nvSpPr>
-          <p:cNvPr id="204" name="Google Shape;204;p25"/>
+          <p:cNvPr id="53" name="TextBox 52">
+            <a:extLst>
+              <a:ext uri="{FF2B5EF4-FFF2-40B4-BE49-F238E27FC236}">
+                <a16:creationId xmlns:a16="http://schemas.microsoft.com/office/drawing/2014/main" id="{795F82B0-3646-4F4B-BD4E-5981E1664FD1}"/>
+              </a:ext>
+            </a:extLst>
+          </p:cNvPr>
           <p:cNvSpPr txBox="1"/>
           <p:nvPr/>
         </p:nvSpPr>
@@ -25152,81 +24673,251 @@
             <a:avLst/>
           </a:prstGeom>
           <a:noFill/>
-          <a:ln>
-            <a:noFill/>
-          </a:ln>
         </p:spPr>
         <p:txBody>
-          <a:bodyPr spcFirstLastPara="1" wrap="square" lIns="91425" tIns="45700" rIns="91425" bIns="45700" anchor="t" anchorCtr="0">
-            <a:noAutofit/>
+          <a:bodyPr wrap="square" rtlCol="0">
+            <a:spAutoFit/>
           </a:bodyPr>
           <a:lstStyle/>
           <a:p>
-            <a:pPr marL="0" marR="0" lvl="0" indent="0" algn="l" rtl="0">
-              <a:spcBef>
-                <a:spcPts val="0"/>
-              </a:spcBef>
-              <a:spcAft>
-                <a:spcPts val="0"/>
-              </a:spcAft>
+            <a:pPr defTabSz="457200">
+              <a:buClrTx/>
+              <a:buFontTx/>
               <a:buNone/>
             </a:pPr>
             <a:r>
-              <a:rPr lang="en-US" sz="1600">
+              <a:rPr lang="en-US" sz="1600" kern="1200" dirty="0">
                 <a:solidFill>
-                  <a:schemeClr val="lt1"/>
+                  <a:prstClr val="white"/>
                 </a:solidFill>
-                <a:latin typeface="Century Gothic"/>
-                <a:ea typeface="Century Gothic"/>
-                <a:cs typeface="Century Gothic"/>
-                <a:sym typeface="Century Gothic"/>
+                <a:latin typeface="Century Gothic" panose="020B0502020202020204"/>
+                <a:ea typeface="+mn-ea"/>
+                <a:cs typeface="+mn-cs"/>
               </a:rPr>
-              <a:t>Run SparkSession on the dataset</a:t>
+              <a:t>Run </a:t>
             </a:r>
-            <a:endParaRPr/>
+            <a:r>
+              <a:rPr lang="en-US" sz="1600" kern="1200" dirty="0" err="1">
+                <a:solidFill>
+                  <a:prstClr val="white"/>
+                </a:solidFill>
+                <a:latin typeface="Century Gothic" panose="020B0502020202020204"/>
+                <a:ea typeface="+mn-ea"/>
+                <a:cs typeface="+mn-cs"/>
+              </a:rPr>
+              <a:t>SparkSession</a:t>
+            </a:r>
+            <a:r>
+              <a:rPr lang="en-US" sz="1600" kern="1200" dirty="0">
+                <a:solidFill>
+                  <a:prstClr val="white"/>
+                </a:solidFill>
+                <a:latin typeface="Century Gothic" panose="020B0502020202020204"/>
+                <a:ea typeface="+mn-ea"/>
+                <a:cs typeface="+mn-cs"/>
+              </a:rPr>
+              <a:t> on the dataset</a:t>
+            </a:r>
           </a:p>
           <a:p>
-            <a:pPr marL="0" marR="0" lvl="0" indent="0" algn="l" rtl="0">
-              <a:spcBef>
-                <a:spcPts val="0"/>
-              </a:spcBef>
-              <a:spcAft>
-                <a:spcPts val="0"/>
-              </a:spcAft>
+            <a:pPr defTabSz="457200">
+              <a:buClrTx/>
+              <a:buFontTx/>
               <a:buNone/>
             </a:pPr>
-            <a:endParaRPr sz="1800">
+            <a:endParaRPr lang="en-US" sz="1800" kern="1200" dirty="0">
               <a:solidFill>
-                <a:schemeClr val="lt1"/>
+                <a:prstClr val="white"/>
               </a:solidFill>
-              <a:latin typeface="Century Gothic"/>
-              <a:ea typeface="Century Gothic"/>
-              <a:cs typeface="Century Gothic"/>
-              <a:sym typeface="Century Gothic"/>
+              <a:latin typeface="Century Gothic" panose="020B0502020202020204"/>
+              <a:ea typeface="+mn-ea"/>
+              <a:cs typeface="+mn-cs"/>
             </a:endParaRPr>
           </a:p>
           <a:p>
-            <a:pPr marL="0" marR="0" lvl="0" indent="0" algn="l" rtl="0">
-              <a:spcBef>
-                <a:spcPts val="0"/>
-              </a:spcBef>
-              <a:spcAft>
-                <a:spcPts val="0"/>
-              </a:spcAft>
+            <a:pPr defTabSz="457200">
+              <a:buClrTx/>
+              <a:buFontTx/>
               <a:buNone/>
             </a:pPr>
-            <a:endParaRPr sz="1800">
+            <a:endParaRPr lang="en-US" sz="1800" kern="1200" dirty="0">
               <a:solidFill>
-                <a:schemeClr val="lt1"/>
+                <a:prstClr val="white"/>
               </a:solidFill>
-              <a:latin typeface="Century Gothic"/>
-              <a:ea typeface="Century Gothic"/>
-              <a:cs typeface="Century Gothic"/>
-              <a:sym typeface="Century Gothic"/>
+              <a:latin typeface="Century Gothic" panose="020B0502020202020204"/>
+              <a:ea typeface="+mn-ea"/>
+              <a:cs typeface="+mn-cs"/>
             </a:endParaRPr>
           </a:p>
         </p:txBody>
       </p:sp>
+      <p:sp>
+        <p:nvSpPr>
+          <p:cNvPr id="54" name="Arrow: Left 53">
+            <a:extLst>
+              <a:ext uri="{FF2B5EF4-FFF2-40B4-BE49-F238E27FC236}">
+                <a16:creationId xmlns:a16="http://schemas.microsoft.com/office/drawing/2014/main" id="{54B609C8-2DF4-4550-A6B3-8C2F1CCC47FA}"/>
+              </a:ext>
+            </a:extLst>
+          </p:cNvPr>
+          <p:cNvSpPr/>
+          <p:nvPr/>
+        </p:nvSpPr>
+        <p:spPr>
+          <a:xfrm>
+            <a:off x="6486806" y="5065198"/>
+            <a:ext cx="2615596" cy="311063"/>
+          </a:xfrm>
+          <a:prstGeom prst="leftArrow">
+            <a:avLst>
+              <a:gd name="adj1" fmla="val 42280"/>
+              <a:gd name="adj2" fmla="val 50000"/>
+            </a:avLst>
+          </a:prstGeom>
+          <a:solidFill>
+            <a:srgbClr val="052F61"/>
+          </a:solidFill>
+          <a:ln w="15875" cap="rnd" cmpd="sng" algn="ctr">
+            <a:solidFill>
+              <a:srgbClr val="052F61">
+                <a:shade val="50000"/>
+                <a:hueMod val="94000"/>
+              </a:srgbClr>
+            </a:solidFill>
+            <a:prstDash val="solid"/>
+          </a:ln>
+          <a:effectLst/>
+        </p:spPr>
+        <p:txBody>
+          <a:bodyPr rtlCol="0" anchor="ctr"/>
+          <a:lstStyle/>
+          <a:p>
+            <a:pPr marL="0" marR="0" lvl="0" indent="0" algn="ctr" defTabSz="457200" eaLnBrk="1" fontAlgn="auto" latinLnBrk="0" hangingPunct="1">
+              <a:lnSpc>
+                <a:spcPct val="100000"/>
+              </a:lnSpc>
+              <a:spcBef>
+                <a:spcPts val="0"/>
+              </a:spcBef>
+              <a:spcAft>
+                <a:spcPts val="0"/>
+              </a:spcAft>
+              <a:buClrTx/>
+              <a:buSzTx/>
+              <a:buFontTx/>
+              <a:buNone/>
+              <a:tabLst/>
+              <a:defRPr/>
+            </a:pPr>
+            <a:endParaRPr kumimoji="0" lang="en-US" sz="1800" b="0" i="0" u="none" strike="noStrike" kern="1200" cap="none" spc="0" normalizeH="0" baseline="0" noProof="0">
+              <a:ln>
+                <a:noFill/>
+              </a:ln>
+              <a:solidFill>
+                <a:prstClr val="white"/>
+              </a:solidFill>
+              <a:effectLst/>
+              <a:uLnTx/>
+              <a:uFillTx/>
+              <a:latin typeface="Century Gothic" panose="020B0502020202020204"/>
+              <a:ea typeface="+mn-ea"/>
+              <a:cs typeface="+mn-cs"/>
+            </a:endParaRPr>
+          </a:p>
+        </p:txBody>
+      </p:sp>
+      <p:sp>
+        <p:nvSpPr>
+          <p:cNvPr id="55" name="TextBox 54">
+            <a:extLst>
+              <a:ext uri="{FF2B5EF4-FFF2-40B4-BE49-F238E27FC236}">
+                <a16:creationId xmlns:a16="http://schemas.microsoft.com/office/drawing/2014/main" id="{A8C8A934-AB8F-4B63-A339-E1FCF262277D}"/>
+              </a:ext>
+            </a:extLst>
+          </p:cNvPr>
+          <p:cNvSpPr txBox="1"/>
+          <p:nvPr/>
+        </p:nvSpPr>
+        <p:spPr>
+          <a:xfrm>
+            <a:off x="6384658" y="4774269"/>
+            <a:ext cx="2993127" cy="369332"/>
+          </a:xfrm>
+          <a:prstGeom prst="rect">
+            <a:avLst/>
+          </a:prstGeom>
+          <a:noFill/>
+        </p:spPr>
+        <p:txBody>
+          <a:bodyPr wrap="none" rtlCol="0">
+            <a:spAutoFit/>
+          </a:bodyPr>
+          <a:lstStyle/>
+          <a:p>
+            <a:pPr defTabSz="457200">
+              <a:buClrTx/>
+              <a:buFontTx/>
+              <a:buNone/>
+            </a:pPr>
+            <a:r>
+              <a:rPr lang="en-US" sz="1800" kern="1200" dirty="0">
+                <a:solidFill>
+                  <a:prstClr val="white"/>
+                </a:solidFill>
+                <a:latin typeface="Century Gothic" panose="020B0502020202020204"/>
+                <a:ea typeface="+mn-ea"/>
+                <a:cs typeface="+mn-cs"/>
+              </a:rPr>
+              <a:t>Send output to s3 bucket</a:t>
+            </a:r>
+          </a:p>
+        </p:txBody>
+      </p:sp>
+      <p:pic>
+        <p:nvPicPr>
+          <p:cNvPr id="56" name="Picture 8" descr="Spark Streaming - Spark 3.0.1 Documentation">
+            <a:extLst>
+              <a:ext uri="{FF2B5EF4-FFF2-40B4-BE49-F238E27FC236}">
+                <a16:creationId xmlns:a16="http://schemas.microsoft.com/office/drawing/2014/main" id="{980F3907-3EEF-4071-88F8-FA5E8569C9A6}"/>
+              </a:ext>
+            </a:extLst>
+          </p:cNvPr>
+          <p:cNvPicPr>
+            <a:picLocks noChangeAspect="1" noChangeArrowheads="1"/>
+          </p:cNvPicPr>
+          <p:nvPr/>
+        </p:nvPicPr>
+        <p:blipFill rotWithShape="1">
+          <a:blip r:embed="rId8">
+            <a:extLst>
+              <a:ext uri="{28A0092B-C50C-407E-A947-70E740481C1C}">
+                <a14:useLocalDpi xmlns:a14="http://schemas.microsoft.com/office/drawing/2010/main" val="0"/>
+              </a:ext>
+            </a:extLst>
+          </a:blip>
+          <a:srcRect l="30324" r="33523"/>
+          <a:stretch/>
+        </p:blipFill>
+        <p:spPr bwMode="auto">
+          <a:xfrm>
+            <a:off x="5887437" y="485599"/>
+            <a:ext cx="2050813" cy="2119938"/>
+          </a:xfrm>
+          <a:prstGeom prst="rect">
+            <a:avLst/>
+          </a:prstGeom>
+          <a:noFill/>
+          <a:extLst>
+            <a:ext uri="{909E8E84-426E-40DD-AFC4-6F175D3DCCD1}">
+              <a14:hiddenFill xmlns:a14="http://schemas.microsoft.com/office/drawing/2010/main">
+                <a:solidFill>
+                  <a:srgbClr val="FFFFFF"/>
+                </a:solidFill>
+              </a14:hiddenFill>
+            </a:ext>
+          </a:extLst>
+        </p:spPr>
+      </p:pic>
     </p:spTree>
   </p:cSld>
   <p:clrMapOvr>
@@ -25236,1114 +24927,6 @@
 </file>
 
 <file path=ppt/slides/slide6.xml><?xml version="1.0" encoding="utf-8"?>
-<p:sld xmlns:a="http://schemas.openxmlformats.org/drawingml/2006/main" xmlns:r="http://schemas.openxmlformats.org/officeDocument/2006/relationships" xmlns:p="http://schemas.openxmlformats.org/presentationml/2006/main">
-  <p:cSld>
-    <p:spTree>
-      <p:nvGrpSpPr>
-        <p:cNvPr id="1" name="Shape 208"/>
-        <p:cNvGrpSpPr/>
-        <p:nvPr/>
-      </p:nvGrpSpPr>
-      <p:grpSpPr>
-        <a:xfrm>
-          <a:off x="0" y="0"/>
-          <a:ext cx="0" cy="0"/>
-          <a:chOff x="0" y="0"/>
-          <a:chExt cx="0" cy="0"/>
-        </a:xfrm>
-      </p:grpSpPr>
-      <p:sp>
-        <p:nvSpPr>
-          <p:cNvPr id="209" name="Google Shape;209;p26"/>
-          <p:cNvSpPr txBox="1">
-            <a:spLocks noGrp="1"/>
-          </p:cNvSpPr>
-          <p:nvPr>
-            <p:ph type="title"/>
-          </p:nvPr>
-        </p:nvSpPr>
-        <p:spPr>
-          <a:xfrm>
-            <a:off x="346074" y="5111003"/>
-            <a:ext cx="8534400" cy="1507067"/>
-          </a:xfrm>
-          <a:prstGeom prst="rect">
-            <a:avLst/>
-          </a:prstGeom>
-          <a:noFill/>
-          <a:ln>
-            <a:noFill/>
-          </a:ln>
-        </p:spPr>
-        <p:txBody>
-          <a:bodyPr spcFirstLastPara="1" wrap="square" lIns="91425" tIns="45700" rIns="91425" bIns="45700" anchor="ctr" anchorCtr="0">
-            <a:noAutofit/>
-          </a:bodyPr>
-          <a:lstStyle/>
-          <a:p>
-            <a:pPr marL="0" lvl="0" indent="0" algn="l" rtl="0">
-              <a:spcBef>
-                <a:spcPts val="0"/>
-              </a:spcBef>
-              <a:spcAft>
-                <a:spcPts val="0"/>
-              </a:spcAft>
-              <a:buClr>
-                <a:schemeClr val="lt1"/>
-              </a:buClr>
-              <a:buSzPts val="3600"/>
-              <a:buFont typeface="Century Gothic"/>
-              <a:buNone/>
-            </a:pPr>
-            <a:r>
-              <a:rPr lang="en-US"/>
-              <a:t>PROCESS –  MOSTMENTIONEDURL</a:t>
-            </a:r>
-            <a:endParaRPr/>
-          </a:p>
-        </p:txBody>
-      </p:sp>
-      <p:pic>
-        <p:nvPicPr>
-          <p:cNvPr id="210" name="Google Shape;210;p26" descr="twitter-icon-circle-blue-logo-preview - Utility People"/>
-          <p:cNvPicPr preferRelativeResize="0"/>
-          <p:nvPr/>
-        </p:nvPicPr>
-        <p:blipFill rotWithShape="1">
-          <a:blip r:embed="rId3">
-            <a:alphaModFix/>
-          </a:blip>
-          <a:srcRect/>
-          <a:stretch/>
-        </p:blipFill>
-        <p:spPr>
-          <a:xfrm>
-            <a:off x="478888" y="389002"/>
-            <a:ext cx="1507067" cy="1507067"/>
-          </a:xfrm>
-          <a:prstGeom prst="rect">
-            <a:avLst/>
-          </a:prstGeom>
-          <a:noFill/>
-          <a:ln>
-            <a:noFill/>
-          </a:ln>
-        </p:spPr>
-      </p:pic>
-      <p:pic>
-        <p:nvPicPr>
-          <p:cNvPr id="211" name="Google Shape;211;p26" descr="Upload Build to AWS S3 from Jenkins ~ ServerKaKa"/>
-          <p:cNvPicPr preferRelativeResize="0"/>
-          <p:nvPr/>
-        </p:nvPicPr>
-        <p:blipFill rotWithShape="1">
-          <a:blip r:embed="rId4">
-            <a:alphaModFix/>
-          </a:blip>
-          <a:srcRect l="56575" t="-1346" b="-1"/>
-          <a:stretch/>
-        </p:blipFill>
-        <p:spPr>
-          <a:xfrm>
-            <a:off x="5848523" y="3889481"/>
-            <a:ext cx="1257039" cy="1414463"/>
-          </a:xfrm>
-          <a:prstGeom prst="rect">
-            <a:avLst/>
-          </a:prstGeom>
-          <a:noFill/>
-          <a:ln>
-            <a:noFill/>
-          </a:ln>
-        </p:spPr>
-      </p:pic>
-      <p:sp>
-        <p:nvSpPr>
-          <p:cNvPr id="212" name="Google Shape;212;p26"/>
-          <p:cNvSpPr txBox="1"/>
-          <p:nvPr/>
-        </p:nvSpPr>
-        <p:spPr>
-          <a:xfrm>
-            <a:off x="2219325" y="804863"/>
-            <a:ext cx="1606530" cy="369332"/>
-          </a:xfrm>
-          <a:prstGeom prst="rect">
-            <a:avLst/>
-          </a:prstGeom>
-          <a:noFill/>
-          <a:ln>
-            <a:noFill/>
-          </a:ln>
-        </p:spPr>
-        <p:txBody>
-          <a:bodyPr spcFirstLastPara="1" wrap="square" lIns="91425" tIns="45700" rIns="91425" bIns="45700" anchor="t" anchorCtr="0">
-            <a:noAutofit/>
-          </a:bodyPr>
-          <a:lstStyle/>
-          <a:p>
-            <a:pPr marL="0" marR="0" lvl="0" indent="0" algn="l" rtl="0">
-              <a:spcBef>
-                <a:spcPts val="0"/>
-              </a:spcBef>
-              <a:spcAft>
-                <a:spcPts val="0"/>
-              </a:spcAft>
-              <a:buNone/>
-            </a:pPr>
-            <a:r>
-              <a:rPr lang="en-US" sz="1800">
-                <a:solidFill>
-                  <a:schemeClr val="lt1"/>
-                </a:solidFill>
-                <a:latin typeface="Century Gothic"/>
-                <a:ea typeface="Century Gothic"/>
-                <a:cs typeface="Century Gothic"/>
-                <a:sym typeface="Century Gothic"/>
-              </a:rPr>
-              <a:t>Input Stream</a:t>
-            </a:r>
-            <a:endParaRPr/>
-          </a:p>
-        </p:txBody>
-      </p:sp>
-      <p:pic>
-        <p:nvPicPr>
-          <p:cNvPr id="213" name="Google Shape;213;p26" descr="Scala (programming language) - Wikipedia"/>
-          <p:cNvPicPr preferRelativeResize="0"/>
-          <p:nvPr/>
-        </p:nvPicPr>
-        <p:blipFill rotWithShape="1">
-          <a:blip r:embed="rId5">
-            <a:alphaModFix/>
-          </a:blip>
-          <a:srcRect/>
-          <a:stretch/>
-        </p:blipFill>
-        <p:spPr>
-          <a:xfrm>
-            <a:off x="5709183" y="760771"/>
-            <a:ext cx="2071688" cy="948484"/>
-          </a:xfrm>
-          <a:prstGeom prst="rect">
-            <a:avLst/>
-          </a:prstGeom>
-          <a:noFill/>
-          <a:ln>
-            <a:noFill/>
-          </a:ln>
-        </p:spPr>
-      </p:pic>
-      <p:cxnSp>
-        <p:nvCxnSpPr>
-          <p:cNvPr id="214" name="Google Shape;214;p26"/>
-          <p:cNvCxnSpPr/>
-          <p:nvPr/>
-        </p:nvCxnSpPr>
-        <p:spPr>
-          <a:xfrm>
-            <a:off x="9009062" y="2752726"/>
-            <a:ext cx="914400" cy="914400"/>
-          </a:xfrm>
-          <a:prstGeom prst="straightConnector1">
-            <a:avLst/>
-          </a:prstGeom>
-          <a:noFill/>
-          <a:ln w="9525" cap="rnd" cmpd="sng">
-            <a:solidFill>
-              <a:srgbClr val="858E99">
-                <a:alpha val="60000"/>
-              </a:srgbClr>
-            </a:solidFill>
-            <a:prstDash val="solid"/>
-            <a:round/>
-            <a:headEnd type="none" w="sm" len="sm"/>
-            <a:tailEnd type="triangle" w="med" len="med"/>
-          </a:ln>
-        </p:spPr>
-      </p:cxnSp>
-      <p:sp>
-        <p:nvSpPr>
-          <p:cNvPr id="215" name="Google Shape;215;p26"/>
-          <p:cNvSpPr/>
-          <p:nvPr/>
-        </p:nvSpPr>
-        <p:spPr>
-          <a:xfrm>
-            <a:off x="1979377" y="1235013"/>
-            <a:ext cx="3519488" cy="233362"/>
-          </a:xfrm>
-          <a:prstGeom prst="rightArrow">
-            <a:avLst>
-              <a:gd name="adj1" fmla="val 50000"/>
-              <a:gd name="adj2" fmla="val 50000"/>
-            </a:avLst>
-          </a:prstGeom>
-          <a:solidFill>
-            <a:schemeClr val="accent1"/>
-          </a:solidFill>
-          <a:ln w="15875" cap="rnd" cmpd="sng">
-            <a:solidFill>
-              <a:srgbClr val="023046"/>
-            </a:solidFill>
-            <a:prstDash val="solid"/>
-            <a:round/>
-            <a:headEnd type="none" w="sm" len="sm"/>
-            <a:tailEnd type="none" w="sm" len="sm"/>
-          </a:ln>
-        </p:spPr>
-        <p:txBody>
-          <a:bodyPr spcFirstLastPara="1" wrap="square" lIns="91425" tIns="45700" rIns="91425" bIns="45700" anchor="ctr" anchorCtr="0">
-            <a:noAutofit/>
-          </a:bodyPr>
-          <a:lstStyle/>
-          <a:p>
-            <a:pPr marL="0" marR="0" lvl="0" indent="0" algn="ctr" rtl="0">
-              <a:spcBef>
-                <a:spcPts val="0"/>
-              </a:spcBef>
-              <a:spcAft>
-                <a:spcPts val="0"/>
-              </a:spcAft>
-              <a:buNone/>
-            </a:pPr>
-            <a:endParaRPr sz="1800">
-              <a:solidFill>
-                <a:schemeClr val="lt1"/>
-              </a:solidFill>
-              <a:latin typeface="Century Gothic"/>
-              <a:ea typeface="Century Gothic"/>
-              <a:cs typeface="Century Gothic"/>
-              <a:sym typeface="Century Gothic"/>
-            </a:endParaRPr>
-          </a:p>
-        </p:txBody>
-      </p:sp>
-      <p:sp>
-        <p:nvSpPr>
-          <p:cNvPr id="216" name="Google Shape;216;p26"/>
-          <p:cNvSpPr/>
-          <p:nvPr/>
-        </p:nvSpPr>
-        <p:spPr>
-          <a:xfrm rot="-1308828">
-            <a:off x="1222216" y="2506750"/>
-            <a:ext cx="4609570" cy="268615"/>
-          </a:xfrm>
-          <a:prstGeom prst="leftArrow">
-            <a:avLst>
-              <a:gd name="adj1" fmla="val 50000"/>
-              <a:gd name="adj2" fmla="val 50000"/>
-            </a:avLst>
-          </a:prstGeom>
-          <a:solidFill>
-            <a:schemeClr val="accent1"/>
-          </a:solidFill>
-          <a:ln w="15875" cap="rnd" cmpd="sng">
-            <a:solidFill>
-              <a:srgbClr val="023046"/>
-            </a:solidFill>
-            <a:prstDash val="solid"/>
-            <a:round/>
-            <a:headEnd type="none" w="sm" len="sm"/>
-            <a:tailEnd type="none" w="sm" len="sm"/>
-          </a:ln>
-        </p:spPr>
-        <p:txBody>
-          <a:bodyPr spcFirstLastPara="1" wrap="square" lIns="91425" tIns="45700" rIns="91425" bIns="45700" anchor="ctr" anchorCtr="0">
-            <a:noAutofit/>
-          </a:bodyPr>
-          <a:lstStyle/>
-          <a:p>
-            <a:pPr marL="0" marR="0" lvl="0" indent="0" algn="ctr" rtl="0">
-              <a:spcBef>
-                <a:spcPts val="0"/>
-              </a:spcBef>
-              <a:spcAft>
-                <a:spcPts val="0"/>
-              </a:spcAft>
-              <a:buNone/>
-            </a:pPr>
-            <a:endParaRPr sz="1800">
-              <a:solidFill>
-                <a:schemeClr val="lt1"/>
-              </a:solidFill>
-              <a:latin typeface="Century Gothic"/>
-              <a:ea typeface="Century Gothic"/>
-              <a:cs typeface="Century Gothic"/>
-              <a:sym typeface="Century Gothic"/>
-            </a:endParaRPr>
-          </a:p>
-        </p:txBody>
-      </p:sp>
-      <p:sp>
-        <p:nvSpPr>
-          <p:cNvPr id="217" name="Google Shape;217;p26"/>
-          <p:cNvSpPr txBox="1"/>
-          <p:nvPr/>
-        </p:nvSpPr>
-        <p:spPr>
-          <a:xfrm rot="-1297855">
-            <a:off x="1473896" y="2417590"/>
-            <a:ext cx="3005951" cy="369332"/>
-          </a:xfrm>
-          <a:prstGeom prst="rect">
-            <a:avLst/>
-          </a:prstGeom>
-          <a:noFill/>
-          <a:ln>
-            <a:noFill/>
-          </a:ln>
-        </p:spPr>
-        <p:txBody>
-          <a:bodyPr spcFirstLastPara="1" wrap="square" lIns="91425" tIns="45700" rIns="91425" bIns="45700" anchor="t" anchorCtr="0">
-            <a:noAutofit/>
-          </a:bodyPr>
-          <a:lstStyle/>
-          <a:p>
-            <a:pPr marL="0" marR="0" lvl="0" indent="0" algn="l" rtl="0">
-              <a:spcBef>
-                <a:spcPts val="0"/>
-              </a:spcBef>
-              <a:spcAft>
-                <a:spcPts val="0"/>
-              </a:spcAft>
-              <a:buNone/>
-            </a:pPr>
-            <a:r>
-              <a:rPr lang="en-US" sz="1800">
-                <a:solidFill>
-                  <a:schemeClr val="lt1"/>
-                </a:solidFill>
-                <a:latin typeface="Century Gothic"/>
-                <a:ea typeface="Century Gothic"/>
-                <a:cs typeface="Century Gothic"/>
-                <a:sym typeface="Century Gothic"/>
-              </a:rPr>
-              <a:t>MostMentionedURL.scala</a:t>
-            </a:r>
-            <a:endParaRPr sz="1800">
-              <a:solidFill>
-                <a:schemeClr val="lt1"/>
-              </a:solidFill>
-              <a:latin typeface="Century Gothic"/>
-              <a:ea typeface="Century Gothic"/>
-              <a:cs typeface="Century Gothic"/>
-              <a:sym typeface="Century Gothic"/>
-            </a:endParaRPr>
-          </a:p>
-        </p:txBody>
-      </p:sp>
-      <p:pic>
-        <p:nvPicPr>
-          <p:cNvPr id="218" name="Google Shape;218;p26" descr="Transient Cluster on AWS"/>
-          <p:cNvPicPr preferRelativeResize="0"/>
-          <p:nvPr/>
-        </p:nvPicPr>
-        <p:blipFill rotWithShape="1">
-          <a:blip r:embed="rId6">
-            <a:alphaModFix/>
-          </a:blip>
-          <a:srcRect/>
-          <a:stretch/>
-        </p:blipFill>
-        <p:spPr>
-          <a:xfrm>
-            <a:off x="9325788" y="534929"/>
-            <a:ext cx="2387324" cy="1104877"/>
-          </a:xfrm>
-          <a:prstGeom prst="rect">
-            <a:avLst/>
-          </a:prstGeom>
-          <a:noFill/>
-          <a:ln>
-            <a:noFill/>
-          </a:ln>
-        </p:spPr>
-      </p:pic>
-      <p:pic>
-        <p:nvPicPr>
-          <p:cNvPr id="219" name="Google Shape;219;p26" descr="Get JAR File From JAD File, Get JAR File From JAD File Using Winrar | How To"/>
-          <p:cNvPicPr preferRelativeResize="0"/>
-          <p:nvPr/>
-        </p:nvPicPr>
-        <p:blipFill rotWithShape="1">
-          <a:blip r:embed="rId7">
-            <a:alphaModFix/>
-          </a:blip>
-          <a:srcRect/>
-          <a:stretch/>
-        </p:blipFill>
-        <p:spPr>
-          <a:xfrm>
-            <a:off x="-101996" y="3394010"/>
-            <a:ext cx="1507068" cy="1507068"/>
-          </a:xfrm>
-          <a:prstGeom prst="rect">
-            <a:avLst/>
-          </a:prstGeom>
-          <a:noFill/>
-          <a:ln>
-            <a:noFill/>
-          </a:ln>
-        </p:spPr>
-      </p:pic>
-      <p:pic>
-        <p:nvPicPr>
-          <p:cNvPr id="220" name="Google Shape;220;p26" descr="Apache Spark - Wikipedia"/>
-          <p:cNvPicPr preferRelativeResize="0"/>
-          <p:nvPr/>
-        </p:nvPicPr>
-        <p:blipFill rotWithShape="1">
-          <a:blip r:embed="rId8">
-            <a:alphaModFix/>
-          </a:blip>
-          <a:srcRect/>
-          <a:stretch/>
-        </p:blipFill>
-        <p:spPr>
-          <a:xfrm>
-            <a:off x="8550842" y="4036025"/>
-            <a:ext cx="2607084" cy="1357856"/>
-          </a:xfrm>
-          <a:prstGeom prst="rect">
-            <a:avLst/>
-          </a:prstGeom>
-          <a:noFill/>
-          <a:ln>
-            <a:noFill/>
-          </a:ln>
-        </p:spPr>
-      </p:pic>
-      <p:sp>
-        <p:nvSpPr>
-          <p:cNvPr id="221" name="Google Shape;221;p26"/>
-          <p:cNvSpPr txBox="1"/>
-          <p:nvPr/>
-        </p:nvSpPr>
-        <p:spPr>
-          <a:xfrm>
-            <a:off x="8484453" y="3117015"/>
-            <a:ext cx="2607084" cy="646331"/>
-          </a:xfrm>
-          <a:prstGeom prst="rect">
-            <a:avLst/>
-          </a:prstGeom>
-          <a:noFill/>
-          <a:ln>
-            <a:noFill/>
-          </a:ln>
-        </p:spPr>
-        <p:txBody>
-          <a:bodyPr spcFirstLastPara="1" wrap="square" lIns="91425" tIns="45700" rIns="91425" bIns="45700" anchor="t" anchorCtr="0">
-            <a:noAutofit/>
-          </a:bodyPr>
-          <a:lstStyle/>
-          <a:p>
-            <a:pPr marL="0" marR="0" lvl="0" indent="0" algn="l" rtl="0">
-              <a:spcBef>
-                <a:spcPts val="0"/>
-              </a:spcBef>
-              <a:spcAft>
-                <a:spcPts val="0"/>
-              </a:spcAft>
-              <a:buNone/>
-            </a:pPr>
-            <a:endParaRPr sz="1800">
-              <a:solidFill>
-                <a:schemeClr val="lt1"/>
-              </a:solidFill>
-              <a:latin typeface="Century Gothic"/>
-              <a:ea typeface="Century Gothic"/>
-              <a:cs typeface="Century Gothic"/>
-              <a:sym typeface="Century Gothic"/>
-            </a:endParaRPr>
-          </a:p>
-          <a:p>
-            <a:pPr marL="0" marR="0" lvl="0" indent="0" algn="l" rtl="0">
-              <a:spcBef>
-                <a:spcPts val="0"/>
-              </a:spcBef>
-              <a:spcAft>
-                <a:spcPts val="0"/>
-              </a:spcAft>
-              <a:buNone/>
-            </a:pPr>
-            <a:endParaRPr sz="1800">
-              <a:solidFill>
-                <a:schemeClr val="lt1"/>
-              </a:solidFill>
-              <a:latin typeface="Century Gothic"/>
-              <a:ea typeface="Century Gothic"/>
-              <a:cs typeface="Century Gothic"/>
-              <a:sym typeface="Century Gothic"/>
-            </a:endParaRPr>
-          </a:p>
-        </p:txBody>
-      </p:sp>
-    </p:spTree>
-  </p:cSld>
-  <p:clrMapOvr>
-    <a:masterClrMapping/>
-  </p:clrMapOvr>
-</p:sld>
-</file>
-
-<file path=ppt/slides/slide7.xml><?xml version="1.0" encoding="utf-8"?>
-<p:sld xmlns:a="http://schemas.openxmlformats.org/drawingml/2006/main" xmlns:r="http://schemas.openxmlformats.org/officeDocument/2006/relationships" xmlns:p="http://schemas.openxmlformats.org/presentationml/2006/main">
-  <p:cSld>
-    <p:spTree>
-      <p:nvGrpSpPr>
-        <p:cNvPr id="1" name="Shape 225"/>
-        <p:cNvGrpSpPr/>
-        <p:nvPr/>
-      </p:nvGrpSpPr>
-      <p:grpSpPr>
-        <a:xfrm>
-          <a:off x="0" y="0"/>
-          <a:ext cx="0" cy="0"/>
-          <a:chOff x="0" y="0"/>
-          <a:chExt cx="0" cy="0"/>
-        </a:xfrm>
-      </p:grpSpPr>
-      <p:pic>
-        <p:nvPicPr>
-          <p:cNvPr id="226" name="Google Shape;226;p27" descr="twitter-icon-circle-blue-logo-preview - Utility People"/>
-          <p:cNvPicPr preferRelativeResize="0"/>
-          <p:nvPr/>
-        </p:nvPicPr>
-        <p:blipFill rotWithShape="1">
-          <a:blip r:embed="rId3">
-            <a:alphaModFix/>
-          </a:blip>
-          <a:srcRect/>
-          <a:stretch/>
-        </p:blipFill>
-        <p:spPr>
-          <a:xfrm>
-            <a:off x="502700" y="479490"/>
-            <a:ext cx="1507067" cy="1507067"/>
-          </a:xfrm>
-          <a:prstGeom prst="rect">
-            <a:avLst/>
-          </a:prstGeom>
-          <a:noFill/>
-          <a:ln>
-            <a:noFill/>
-          </a:ln>
-        </p:spPr>
-      </p:pic>
-      <p:pic>
-        <p:nvPicPr>
-          <p:cNvPr id="227" name="Google Shape;227;p27" descr="Upload Build to AWS S3 from Jenkins ~ ServerKaKa"/>
-          <p:cNvPicPr preferRelativeResize="0"/>
-          <p:nvPr/>
-        </p:nvPicPr>
-        <p:blipFill rotWithShape="1">
-          <a:blip r:embed="rId4">
-            <a:alphaModFix/>
-          </a:blip>
-          <a:srcRect l="56575" t="-1346" b="-1"/>
-          <a:stretch/>
-        </p:blipFill>
-        <p:spPr>
-          <a:xfrm>
-            <a:off x="5872335" y="3979969"/>
-            <a:ext cx="1257039" cy="1414463"/>
-          </a:xfrm>
-          <a:prstGeom prst="rect">
-            <a:avLst/>
-          </a:prstGeom>
-          <a:noFill/>
-          <a:ln>
-            <a:noFill/>
-          </a:ln>
-        </p:spPr>
-      </p:pic>
-      <p:sp>
-        <p:nvSpPr>
-          <p:cNvPr id="228" name="Google Shape;228;p27"/>
-          <p:cNvSpPr txBox="1"/>
-          <p:nvPr/>
-        </p:nvSpPr>
-        <p:spPr>
-          <a:xfrm>
-            <a:off x="2243137" y="895351"/>
-            <a:ext cx="1606530" cy="369332"/>
-          </a:xfrm>
-          <a:prstGeom prst="rect">
-            <a:avLst/>
-          </a:prstGeom>
-          <a:noFill/>
-          <a:ln>
-            <a:noFill/>
-          </a:ln>
-        </p:spPr>
-        <p:txBody>
-          <a:bodyPr spcFirstLastPara="1" wrap="square" lIns="91425" tIns="45700" rIns="91425" bIns="45700" anchor="t" anchorCtr="0">
-            <a:noAutofit/>
-          </a:bodyPr>
-          <a:lstStyle/>
-          <a:p>
-            <a:pPr marL="0" marR="0" lvl="0" indent="0" algn="l" rtl="0">
-              <a:spcBef>
-                <a:spcPts val="0"/>
-              </a:spcBef>
-              <a:spcAft>
-                <a:spcPts val="0"/>
-              </a:spcAft>
-              <a:buNone/>
-            </a:pPr>
-            <a:r>
-              <a:rPr lang="en-US" sz="1800">
-                <a:solidFill>
-                  <a:schemeClr val="lt1"/>
-                </a:solidFill>
-                <a:latin typeface="Century Gothic"/>
-                <a:ea typeface="Century Gothic"/>
-                <a:cs typeface="Century Gothic"/>
-                <a:sym typeface="Century Gothic"/>
-              </a:rPr>
-              <a:t>Input Stream</a:t>
-            </a:r>
-            <a:endParaRPr/>
-          </a:p>
-        </p:txBody>
-      </p:sp>
-      <p:pic>
-        <p:nvPicPr>
-          <p:cNvPr id="229" name="Google Shape;229;p27" descr="Scala (programming language) - Wikipedia"/>
-          <p:cNvPicPr preferRelativeResize="0"/>
-          <p:nvPr/>
-        </p:nvPicPr>
-        <p:blipFill rotWithShape="1">
-          <a:blip r:embed="rId5">
-            <a:alphaModFix/>
-          </a:blip>
-          <a:srcRect/>
-          <a:stretch/>
-        </p:blipFill>
-        <p:spPr>
-          <a:xfrm>
-            <a:off x="5732995" y="851259"/>
-            <a:ext cx="2071688" cy="948484"/>
-          </a:xfrm>
-          <a:prstGeom prst="rect">
-            <a:avLst/>
-          </a:prstGeom>
-          <a:noFill/>
-          <a:ln>
-            <a:noFill/>
-          </a:ln>
-        </p:spPr>
-      </p:pic>
-      <p:cxnSp>
-        <p:nvCxnSpPr>
-          <p:cNvPr id="230" name="Google Shape;230;p27"/>
-          <p:cNvCxnSpPr/>
-          <p:nvPr/>
-        </p:nvCxnSpPr>
-        <p:spPr>
-          <a:xfrm>
-            <a:off x="9032874" y="2843214"/>
-            <a:ext cx="914400" cy="914400"/>
-          </a:xfrm>
-          <a:prstGeom prst="straightConnector1">
-            <a:avLst/>
-          </a:prstGeom>
-          <a:noFill/>
-          <a:ln w="9525" cap="rnd" cmpd="sng">
-            <a:solidFill>
-              <a:srgbClr val="858E99">
-                <a:alpha val="60000"/>
-              </a:srgbClr>
-            </a:solidFill>
-            <a:prstDash val="solid"/>
-            <a:round/>
-            <a:headEnd type="none" w="sm" len="sm"/>
-            <a:tailEnd type="triangle" w="med" len="med"/>
-          </a:ln>
-        </p:spPr>
-      </p:cxnSp>
-      <p:sp>
-        <p:nvSpPr>
-          <p:cNvPr id="231" name="Google Shape;231;p27"/>
-          <p:cNvSpPr/>
-          <p:nvPr/>
-        </p:nvSpPr>
-        <p:spPr>
-          <a:xfrm>
-            <a:off x="2003189" y="1325501"/>
-            <a:ext cx="3519488" cy="233362"/>
-          </a:xfrm>
-          <a:prstGeom prst="rightArrow">
-            <a:avLst>
-              <a:gd name="adj1" fmla="val 50000"/>
-              <a:gd name="adj2" fmla="val 50000"/>
-            </a:avLst>
-          </a:prstGeom>
-          <a:solidFill>
-            <a:schemeClr val="accent1"/>
-          </a:solidFill>
-          <a:ln w="15875" cap="rnd" cmpd="sng">
-            <a:solidFill>
-              <a:srgbClr val="023046"/>
-            </a:solidFill>
-            <a:prstDash val="solid"/>
-            <a:round/>
-            <a:headEnd type="none" w="sm" len="sm"/>
-            <a:tailEnd type="none" w="sm" len="sm"/>
-          </a:ln>
-        </p:spPr>
-        <p:txBody>
-          <a:bodyPr spcFirstLastPara="1" wrap="square" lIns="91425" tIns="45700" rIns="91425" bIns="45700" anchor="ctr" anchorCtr="0">
-            <a:noAutofit/>
-          </a:bodyPr>
-          <a:lstStyle/>
-          <a:p>
-            <a:pPr marL="0" marR="0" lvl="0" indent="0" algn="ctr" rtl="0">
-              <a:spcBef>
-                <a:spcPts val="0"/>
-              </a:spcBef>
-              <a:spcAft>
-                <a:spcPts val="0"/>
-              </a:spcAft>
-              <a:buNone/>
-            </a:pPr>
-            <a:endParaRPr sz="1800">
-              <a:solidFill>
-                <a:schemeClr val="lt1"/>
-              </a:solidFill>
-              <a:latin typeface="Century Gothic"/>
-              <a:ea typeface="Century Gothic"/>
-              <a:cs typeface="Century Gothic"/>
-              <a:sym typeface="Century Gothic"/>
-            </a:endParaRPr>
-          </a:p>
-        </p:txBody>
-      </p:sp>
-      <p:sp>
-        <p:nvSpPr>
-          <p:cNvPr id="232" name="Google Shape;232;p27"/>
-          <p:cNvSpPr/>
-          <p:nvPr/>
-        </p:nvSpPr>
-        <p:spPr>
-          <a:xfrm rot="-1308828">
-            <a:off x="1246028" y="2597238"/>
-            <a:ext cx="4609570" cy="268615"/>
-          </a:xfrm>
-          <a:prstGeom prst="leftArrow">
-            <a:avLst>
-              <a:gd name="adj1" fmla="val 50000"/>
-              <a:gd name="adj2" fmla="val 50000"/>
-            </a:avLst>
-          </a:prstGeom>
-          <a:solidFill>
-            <a:schemeClr val="accent1"/>
-          </a:solidFill>
-          <a:ln w="15875" cap="rnd" cmpd="sng">
-            <a:solidFill>
-              <a:srgbClr val="023046"/>
-            </a:solidFill>
-            <a:prstDash val="solid"/>
-            <a:round/>
-            <a:headEnd type="none" w="sm" len="sm"/>
-            <a:tailEnd type="none" w="sm" len="sm"/>
-          </a:ln>
-        </p:spPr>
-        <p:txBody>
-          <a:bodyPr spcFirstLastPara="1" wrap="square" lIns="91425" tIns="45700" rIns="91425" bIns="45700" anchor="ctr" anchorCtr="0">
-            <a:noAutofit/>
-          </a:bodyPr>
-          <a:lstStyle/>
-          <a:p>
-            <a:pPr marL="0" marR="0" lvl="0" indent="0" algn="ctr" rtl="0">
-              <a:spcBef>
-                <a:spcPts val="0"/>
-              </a:spcBef>
-              <a:spcAft>
-                <a:spcPts val="0"/>
-              </a:spcAft>
-              <a:buNone/>
-            </a:pPr>
-            <a:endParaRPr sz="1800">
-              <a:solidFill>
-                <a:schemeClr val="lt1"/>
-              </a:solidFill>
-              <a:latin typeface="Century Gothic"/>
-              <a:ea typeface="Century Gothic"/>
-              <a:cs typeface="Century Gothic"/>
-              <a:sym typeface="Century Gothic"/>
-            </a:endParaRPr>
-          </a:p>
-        </p:txBody>
-      </p:sp>
-      <p:sp>
-        <p:nvSpPr>
-          <p:cNvPr id="233" name="Google Shape;233;p27"/>
-          <p:cNvSpPr txBox="1"/>
-          <p:nvPr/>
-        </p:nvSpPr>
-        <p:spPr>
-          <a:xfrm rot="-1297855">
-            <a:off x="1716520" y="2508078"/>
-            <a:ext cx="2568332" cy="369332"/>
-          </a:xfrm>
-          <a:prstGeom prst="rect">
-            <a:avLst/>
-          </a:prstGeom>
-          <a:noFill/>
-          <a:ln>
-            <a:noFill/>
-          </a:ln>
-        </p:spPr>
-        <p:txBody>
-          <a:bodyPr spcFirstLastPara="1" wrap="square" lIns="91425" tIns="45700" rIns="91425" bIns="45700" anchor="t" anchorCtr="0">
-            <a:noAutofit/>
-          </a:bodyPr>
-          <a:lstStyle/>
-          <a:p>
-            <a:pPr marL="0" marR="0" lvl="0" indent="0" algn="l" rtl="0">
-              <a:spcBef>
-                <a:spcPts val="0"/>
-              </a:spcBef>
-              <a:spcAft>
-                <a:spcPts val="0"/>
-              </a:spcAft>
-              <a:buNone/>
-            </a:pPr>
-            <a:r>
-              <a:rPr lang="en-US" sz="1800">
-                <a:solidFill>
-                  <a:schemeClr val="lt1"/>
-                </a:solidFill>
-                <a:latin typeface="Century Gothic"/>
-                <a:ea typeface="Century Gothic"/>
-                <a:cs typeface="Century Gothic"/>
-                <a:sym typeface="Century Gothic"/>
-              </a:rPr>
-              <a:t>TweetsTrending.scala</a:t>
-            </a:r>
-            <a:endParaRPr sz="1800">
-              <a:solidFill>
-                <a:schemeClr val="lt1"/>
-              </a:solidFill>
-              <a:latin typeface="Century Gothic"/>
-              <a:ea typeface="Century Gothic"/>
-              <a:cs typeface="Century Gothic"/>
-              <a:sym typeface="Century Gothic"/>
-            </a:endParaRPr>
-          </a:p>
-        </p:txBody>
-      </p:sp>
-      <p:pic>
-        <p:nvPicPr>
-          <p:cNvPr id="234" name="Google Shape;234;p27" descr="Transient Cluster on AWS"/>
-          <p:cNvPicPr preferRelativeResize="0"/>
-          <p:nvPr/>
-        </p:nvPicPr>
-        <p:blipFill rotWithShape="1">
-          <a:blip r:embed="rId6">
-            <a:alphaModFix/>
-          </a:blip>
-          <a:srcRect/>
-          <a:stretch/>
-        </p:blipFill>
-        <p:spPr>
-          <a:xfrm>
-            <a:off x="9349600" y="625417"/>
-            <a:ext cx="2387324" cy="1104877"/>
-          </a:xfrm>
-          <a:prstGeom prst="rect">
-            <a:avLst/>
-          </a:prstGeom>
-          <a:noFill/>
-          <a:ln>
-            <a:noFill/>
-          </a:ln>
-        </p:spPr>
-      </p:pic>
-      <p:pic>
-        <p:nvPicPr>
-          <p:cNvPr id="235" name="Google Shape;235;p27" descr="Apache Spark - Wikipedia"/>
-          <p:cNvPicPr preferRelativeResize="0"/>
-          <p:nvPr/>
-        </p:nvPicPr>
-        <p:blipFill rotWithShape="1">
-          <a:blip r:embed="rId7">
-            <a:alphaModFix/>
-          </a:blip>
-          <a:srcRect/>
-          <a:stretch/>
-        </p:blipFill>
-        <p:spPr>
-          <a:xfrm>
-            <a:off x="8574654" y="4126513"/>
-            <a:ext cx="2607084" cy="1357856"/>
-          </a:xfrm>
-          <a:prstGeom prst="rect">
-            <a:avLst/>
-          </a:prstGeom>
-          <a:noFill/>
-          <a:ln>
-            <a:noFill/>
-          </a:ln>
-        </p:spPr>
-      </p:pic>
-      <p:sp>
-        <p:nvSpPr>
-          <p:cNvPr id="236" name="Google Shape;236;p27"/>
-          <p:cNvSpPr txBox="1"/>
-          <p:nvPr/>
-        </p:nvSpPr>
-        <p:spPr>
-          <a:xfrm>
-            <a:off x="8508265" y="3207503"/>
-            <a:ext cx="2607084" cy="646331"/>
-          </a:xfrm>
-          <a:prstGeom prst="rect">
-            <a:avLst/>
-          </a:prstGeom>
-          <a:noFill/>
-          <a:ln>
-            <a:noFill/>
-          </a:ln>
-        </p:spPr>
-        <p:txBody>
-          <a:bodyPr spcFirstLastPara="1" wrap="square" lIns="91425" tIns="45700" rIns="91425" bIns="45700" anchor="t" anchorCtr="0">
-            <a:noAutofit/>
-          </a:bodyPr>
-          <a:lstStyle/>
-          <a:p>
-            <a:pPr marL="0" marR="0" lvl="0" indent="0" algn="l" rtl="0">
-              <a:spcBef>
-                <a:spcPts val="0"/>
-              </a:spcBef>
-              <a:spcAft>
-                <a:spcPts val="0"/>
-              </a:spcAft>
-              <a:buNone/>
-            </a:pPr>
-            <a:endParaRPr sz="1800">
-              <a:solidFill>
-                <a:schemeClr val="lt1"/>
-              </a:solidFill>
-              <a:latin typeface="Century Gothic"/>
-              <a:ea typeface="Century Gothic"/>
-              <a:cs typeface="Century Gothic"/>
-              <a:sym typeface="Century Gothic"/>
-            </a:endParaRPr>
-          </a:p>
-          <a:p>
-            <a:pPr marL="0" marR="0" lvl="0" indent="0" algn="l" rtl="0">
-              <a:spcBef>
-                <a:spcPts val="0"/>
-              </a:spcBef>
-              <a:spcAft>
-                <a:spcPts val="0"/>
-              </a:spcAft>
-              <a:buNone/>
-            </a:pPr>
-            <a:endParaRPr sz="1800">
-              <a:solidFill>
-                <a:schemeClr val="lt1"/>
-              </a:solidFill>
-              <a:latin typeface="Century Gothic"/>
-              <a:ea typeface="Century Gothic"/>
-              <a:cs typeface="Century Gothic"/>
-              <a:sym typeface="Century Gothic"/>
-            </a:endParaRPr>
-          </a:p>
-        </p:txBody>
-      </p:sp>
-      <p:pic>
-        <p:nvPicPr>
-          <p:cNvPr id="237" name="Google Shape;237;p27" descr="Get JAR File From JAD File, Get JAR File From JAD File Using Winrar | How To"/>
-          <p:cNvPicPr preferRelativeResize="0"/>
-          <p:nvPr/>
-        </p:nvPicPr>
-        <p:blipFill rotWithShape="1">
-          <a:blip r:embed="rId8">
-            <a:alphaModFix/>
-          </a:blip>
-          <a:srcRect/>
-          <a:stretch/>
-        </p:blipFill>
-        <p:spPr>
-          <a:xfrm>
-            <a:off x="36116" y="3627373"/>
-            <a:ext cx="1507068" cy="1507068"/>
-          </a:xfrm>
-          <a:prstGeom prst="rect">
-            <a:avLst/>
-          </a:prstGeom>
-          <a:noFill/>
-          <a:ln>
-            <a:noFill/>
-          </a:ln>
-        </p:spPr>
-      </p:pic>
-      <p:sp>
-        <p:nvSpPr>
-          <p:cNvPr id="238" name="Google Shape;238;p27"/>
-          <p:cNvSpPr txBox="1">
-            <a:spLocks noGrp="1"/>
-          </p:cNvSpPr>
-          <p:nvPr>
-            <p:ph type="title"/>
-          </p:nvPr>
-        </p:nvSpPr>
-        <p:spPr>
-          <a:xfrm>
-            <a:off x="346074" y="5111003"/>
-            <a:ext cx="8534400" cy="1507067"/>
-          </a:xfrm>
-          <a:prstGeom prst="rect">
-            <a:avLst/>
-          </a:prstGeom>
-          <a:noFill/>
-          <a:ln>
-            <a:noFill/>
-          </a:ln>
-        </p:spPr>
-        <p:txBody>
-          <a:bodyPr spcFirstLastPara="1" wrap="square" lIns="91425" tIns="45700" rIns="91425" bIns="45700" anchor="ctr" anchorCtr="0">
-            <a:noAutofit/>
-          </a:bodyPr>
-          <a:lstStyle/>
-          <a:p>
-            <a:pPr marL="0" lvl="0" indent="0" algn="l" rtl="0">
-              <a:spcBef>
-                <a:spcPts val="0"/>
-              </a:spcBef>
-              <a:spcAft>
-                <a:spcPts val="0"/>
-              </a:spcAft>
-              <a:buClr>
-                <a:schemeClr val="lt1"/>
-              </a:buClr>
-              <a:buSzPts val="3600"/>
-              <a:buFont typeface="Century Gothic"/>
-              <a:buNone/>
-            </a:pPr>
-            <a:r>
-              <a:rPr lang="en-US"/>
-              <a:t>PROCESS – TWEETSTRENDING</a:t>
-            </a:r>
-            <a:endParaRPr/>
-          </a:p>
-        </p:txBody>
-      </p:sp>
-    </p:spTree>
-  </p:cSld>
-  <p:clrMapOvr>
-    <a:masterClrMapping/>
-  </p:clrMapOvr>
-</p:sld>
-</file>
-
-<file path=ppt/slides/slide8.xml><?xml version="1.0" encoding="utf-8"?>
 <p:sld xmlns:a="http://schemas.openxmlformats.org/drawingml/2006/main" xmlns:r="http://schemas.openxmlformats.org/officeDocument/2006/relationships" xmlns:p="http://schemas.openxmlformats.org/presentationml/2006/main">
   <p:cSld>
     <p:spTree>
@@ -26360,53 +24943,6 @@
           <a:chExt cx="0" cy="0"/>
         </a:xfrm>
       </p:grpSpPr>
-      <p:sp>
-        <p:nvSpPr>
-          <p:cNvPr id="243" name="Google Shape;243;p28"/>
-          <p:cNvSpPr txBox="1">
-            <a:spLocks noGrp="1"/>
-          </p:cNvSpPr>
-          <p:nvPr>
-            <p:ph type="title"/>
-          </p:nvPr>
-        </p:nvSpPr>
-        <p:spPr>
-          <a:xfrm>
-            <a:off x="684212" y="4487332"/>
-            <a:ext cx="8534400" cy="1507067"/>
-          </a:xfrm>
-          <a:prstGeom prst="rect">
-            <a:avLst/>
-          </a:prstGeom>
-          <a:noFill/>
-          <a:ln>
-            <a:noFill/>
-          </a:ln>
-        </p:spPr>
-        <p:txBody>
-          <a:bodyPr spcFirstLastPara="1" wrap="square" lIns="91425" tIns="45700" rIns="91425" bIns="45700" anchor="ctr" anchorCtr="0">
-            <a:noAutofit/>
-          </a:bodyPr>
-          <a:lstStyle/>
-          <a:p>
-            <a:pPr marL="0" lvl="0" indent="0" algn="l" rtl="0">
-              <a:spcBef>
-                <a:spcPts val="0"/>
-              </a:spcBef>
-              <a:spcAft>
-                <a:spcPts val="0"/>
-              </a:spcAft>
-              <a:buClr>
-                <a:schemeClr val="lt1"/>
-              </a:buClr>
-              <a:buSzPts val="3600"/>
-              <a:buFont typeface="Century Gothic"/>
-              <a:buNone/>
-            </a:pPr>
-            <a:endParaRPr/>
-          </a:p>
-        </p:txBody>
-      </p:sp>
       <p:sp>
         <p:nvSpPr>
           <p:cNvPr id="244" name="Google Shape;244;p28"/>
@@ -26448,10 +24984,10 @@
               <a:buChar char="Ø"/>
             </a:pPr>
             <a:r>
-              <a:rPr lang="en-US" dirty="0"/>
+              <a:rPr lang="en-US" sz="4000" dirty="0"/>
               <a:t>WARNING: EXPLICIT CONTENT</a:t>
             </a:r>
-            <a:endParaRPr dirty="0"/>
+            <a:endParaRPr sz="4000" dirty="0"/>
           </a:p>
         </p:txBody>
       </p:sp>
@@ -26463,7 +24999,7 @@
 </p:sld>
 </file>
 
-<file path=ppt/slides/slide9.xml><?xml version="1.0" encoding="utf-8"?>
+<file path=ppt/slides/slide7.xml><?xml version="1.0" encoding="utf-8"?>
 <p:sld xmlns:a="http://schemas.openxmlformats.org/drawingml/2006/main" xmlns:r="http://schemas.openxmlformats.org/officeDocument/2006/relationships" xmlns:p="http://schemas.openxmlformats.org/presentationml/2006/main">
   <p:cSld>
     <p:bg>
@@ -27163,6 +25699,461 @@
           </a:p>
         </p:txBody>
       </p:sp>
+    </p:spTree>
+  </p:cSld>
+  <p:clrMapOvr>
+    <a:masterClrMapping/>
+  </p:clrMapOvr>
+</p:sld>
+</file>
+
+<file path=ppt/slides/slide8.xml><?xml version="1.0" encoding="utf-8"?>
+<p:sld xmlns:a="http://schemas.openxmlformats.org/drawingml/2006/main" xmlns:r="http://schemas.openxmlformats.org/officeDocument/2006/relationships" xmlns:p="http://schemas.openxmlformats.org/presentationml/2006/main">
+  <p:cSld>
+    <p:spTree>
+      <p:nvGrpSpPr>
+        <p:cNvPr id="1" name="Shape 268"/>
+        <p:cNvGrpSpPr/>
+        <p:nvPr/>
+      </p:nvGrpSpPr>
+      <p:grpSpPr>
+        <a:xfrm>
+          <a:off x="0" y="0"/>
+          <a:ext cx="0" cy="0"/>
+          <a:chOff x="0" y="0"/>
+          <a:chExt cx="0" cy="0"/>
+        </a:xfrm>
+      </p:grpSpPr>
+      <p:sp>
+        <p:nvSpPr>
+          <p:cNvPr id="269" name="Google Shape;269;p30"/>
+          <p:cNvSpPr txBox="1">
+            <a:spLocks noGrp="1"/>
+          </p:cNvSpPr>
+          <p:nvPr>
+            <p:ph type="title"/>
+          </p:nvPr>
+        </p:nvSpPr>
+        <p:spPr>
+          <a:xfrm>
+            <a:off x="684212" y="5025495"/>
+            <a:ext cx="8534400" cy="1507067"/>
+          </a:xfrm>
+          <a:prstGeom prst="rect">
+            <a:avLst/>
+          </a:prstGeom>
+          <a:noFill/>
+          <a:ln>
+            <a:noFill/>
+          </a:ln>
+        </p:spPr>
+        <p:txBody>
+          <a:bodyPr spcFirstLastPara="1" wrap="square" lIns="91425" tIns="45700" rIns="91425" bIns="45700" anchor="ctr" anchorCtr="0">
+            <a:noAutofit/>
+          </a:bodyPr>
+          <a:lstStyle/>
+          <a:p>
+            <a:pPr marL="0" lvl="0" indent="0" algn="l" rtl="0">
+              <a:spcBef>
+                <a:spcPts val="0"/>
+              </a:spcBef>
+              <a:spcAft>
+                <a:spcPts val="0"/>
+              </a:spcAft>
+              <a:buClr>
+                <a:schemeClr val="lt1"/>
+              </a:buClr>
+              <a:buSzPts val="3600"/>
+              <a:buFont typeface="Century Gothic"/>
+              <a:buNone/>
+            </a:pPr>
+            <a:r>
+              <a:rPr lang="en-US"/>
+              <a:t>PROCESS</a:t>
+            </a:r>
+            <a:endParaRPr/>
+          </a:p>
+        </p:txBody>
+      </p:sp>
+      <p:sp>
+        <p:nvSpPr>
+          <p:cNvPr id="270" name="Google Shape;270;p30"/>
+          <p:cNvSpPr txBox="1">
+            <a:spLocks noGrp="1"/>
+          </p:cNvSpPr>
+          <p:nvPr>
+            <p:ph type="body" idx="1"/>
+          </p:nvPr>
+        </p:nvSpPr>
+        <p:spPr>
+          <a:xfrm>
+            <a:off x="684212" y="723901"/>
+            <a:ext cx="8534400" cy="5308599"/>
+          </a:xfrm>
+          <a:prstGeom prst="rect">
+            <a:avLst/>
+          </a:prstGeom>
+          <a:noFill/>
+          <a:ln>
+            <a:noFill/>
+          </a:ln>
+        </p:spPr>
+        <p:txBody>
+          <a:bodyPr spcFirstLastPara="1" wrap="square" lIns="91425" tIns="45700" rIns="91425" bIns="45700" anchor="ctr" anchorCtr="0">
+            <a:noAutofit/>
+          </a:bodyPr>
+          <a:lstStyle/>
+          <a:p>
+            <a:pPr marL="342900" lvl="0" indent="-342900" algn="l" rtl="0">
+              <a:spcBef>
+                <a:spcPts val="0"/>
+              </a:spcBef>
+              <a:spcAft>
+                <a:spcPts val="0"/>
+              </a:spcAft>
+              <a:buSzPts val="1600"/>
+              <a:buFont typeface="Wingdings" panose="05000000000000000000" pitchFamily="2" charset="2"/>
+              <a:buChar char="Ø"/>
+            </a:pPr>
+            <a:r>
+              <a:rPr lang="en-US" dirty="0"/>
+              <a:t>Amazon EMR uses an Amazon Elastic Compute Cloud (Amazon EC2) key pair to ensure that you alone have access to the instances that you launch. The PEM file associated with this key pair is required to ssh directly to the master node of the cluster.</a:t>
+            </a:r>
+            <a:endParaRPr dirty="0"/>
+          </a:p>
+          <a:p>
+            <a:pPr marL="342900" lvl="0" indent="-342900" algn="l" rtl="0">
+              <a:spcBef>
+                <a:spcPts val="1000"/>
+              </a:spcBef>
+              <a:spcAft>
+                <a:spcPts val="0"/>
+              </a:spcAft>
+              <a:buSzPts val="1600"/>
+              <a:buFont typeface="Wingdings" panose="05000000000000000000" pitchFamily="2" charset="2"/>
+              <a:buChar char="Ø"/>
+            </a:pPr>
+            <a:r>
+              <a:rPr lang="en-US" dirty="0"/>
+              <a:t>We would utilize ssh in order to access the master node of the cluster</a:t>
+            </a:r>
+            <a:endParaRPr dirty="0"/>
+          </a:p>
+          <a:p>
+            <a:pPr marL="444500" lvl="0" indent="-342900" algn="l" rtl="0">
+              <a:spcBef>
+                <a:spcPts val="1000"/>
+              </a:spcBef>
+              <a:spcAft>
+                <a:spcPts val="0"/>
+              </a:spcAft>
+              <a:buSzPts val="1600"/>
+              <a:buFont typeface="Wingdings" panose="05000000000000000000" pitchFamily="2" charset="2"/>
+              <a:buChar char="Ø"/>
+            </a:pPr>
+            <a:endParaRPr dirty="0"/>
+          </a:p>
+          <a:p>
+            <a:pPr marL="342900" lvl="0" indent="-342900" algn="l" rtl="0">
+              <a:spcBef>
+                <a:spcPts val="1000"/>
+              </a:spcBef>
+              <a:spcAft>
+                <a:spcPts val="0"/>
+              </a:spcAft>
+              <a:buSzPts val="1600"/>
+              <a:buFont typeface="Wingdings" panose="05000000000000000000" pitchFamily="2" charset="2"/>
+              <a:buChar char="Ø"/>
+            </a:pPr>
+            <a:r>
+              <a:rPr lang="en-US" dirty="0"/>
+              <a:t>We copy the jar from s3 into the EMR local system and run spark on the dataset</a:t>
+            </a:r>
+            <a:endParaRPr dirty="0"/>
+          </a:p>
+          <a:p>
+            <a:pPr marL="285750" lvl="0" indent="-184150" algn="l" rtl="0">
+              <a:spcBef>
+                <a:spcPts val="1000"/>
+              </a:spcBef>
+              <a:spcAft>
+                <a:spcPts val="0"/>
+              </a:spcAft>
+              <a:buSzPts val="1600"/>
+              <a:buNone/>
+            </a:pPr>
+            <a:endParaRPr dirty="0"/>
+          </a:p>
+        </p:txBody>
+      </p:sp>
+      <p:pic>
+        <p:nvPicPr>
+          <p:cNvPr id="271" name="Google Shape;271;p30"/>
+          <p:cNvPicPr preferRelativeResize="0"/>
+          <p:nvPr/>
+        </p:nvPicPr>
+        <p:blipFill rotWithShape="1">
+          <a:blip r:embed="rId3">
+            <a:alphaModFix/>
+          </a:blip>
+          <a:srcRect l="29218" t="58055" r="27772" b="33923"/>
+          <a:stretch/>
+        </p:blipFill>
+        <p:spPr>
+          <a:xfrm>
+            <a:off x="2157412" y="3319992"/>
+            <a:ext cx="7127533" cy="747712"/>
+          </a:xfrm>
+          <a:prstGeom prst="rect">
+            <a:avLst/>
+          </a:prstGeom>
+          <a:noFill/>
+          <a:ln>
+            <a:noFill/>
+          </a:ln>
+        </p:spPr>
+      </p:pic>
+    </p:spTree>
+  </p:cSld>
+  <p:clrMapOvr>
+    <a:masterClrMapping/>
+  </p:clrMapOvr>
+</p:sld>
+</file>
+
+<file path=ppt/slides/slide9.xml><?xml version="1.0" encoding="utf-8"?>
+<p:sld xmlns:a="http://schemas.openxmlformats.org/drawingml/2006/main" xmlns:r="http://schemas.openxmlformats.org/officeDocument/2006/relationships" xmlns:p="http://schemas.openxmlformats.org/presentationml/2006/main">
+  <p:cSld>
+    <p:spTree>
+      <p:nvGrpSpPr>
+        <p:cNvPr id="1" name="Shape 275"/>
+        <p:cNvGrpSpPr/>
+        <p:nvPr/>
+      </p:nvGrpSpPr>
+      <p:grpSpPr>
+        <a:xfrm>
+          <a:off x="0" y="0"/>
+          <a:ext cx="0" cy="0"/>
+          <a:chOff x="0" y="0"/>
+          <a:chExt cx="0" cy="0"/>
+        </a:xfrm>
+      </p:grpSpPr>
+      <p:sp>
+        <p:nvSpPr>
+          <p:cNvPr id="276" name="Google Shape;276;p31"/>
+          <p:cNvSpPr txBox="1">
+            <a:spLocks noGrp="1"/>
+          </p:cNvSpPr>
+          <p:nvPr>
+            <p:ph type="title"/>
+          </p:nvPr>
+        </p:nvSpPr>
+        <p:spPr>
+          <a:xfrm>
+            <a:off x="684212" y="4487332"/>
+            <a:ext cx="8534400" cy="1507200"/>
+          </a:xfrm>
+          <a:prstGeom prst="rect">
+            <a:avLst/>
+          </a:prstGeom>
+        </p:spPr>
+        <p:txBody>
+          <a:bodyPr spcFirstLastPara="1" wrap="square" lIns="91425" tIns="45700" rIns="91425" bIns="45700" anchor="ctr" anchorCtr="0">
+            <a:noAutofit/>
+          </a:bodyPr>
+          <a:lstStyle/>
+          <a:p>
+            <a:pPr marL="457200" lvl="0" indent="-330200" algn="l" rtl="0">
+              <a:spcBef>
+                <a:spcPts val="0"/>
+              </a:spcBef>
+              <a:spcAft>
+                <a:spcPts val="0"/>
+              </a:spcAft>
+              <a:buSzPts val="1600"/>
+              <a:buAutoNum type="arabicPeriod"/>
+            </a:pPr>
+            <a:r>
+              <a:rPr lang="en-US" sz="1600" dirty="0"/>
+              <a:t>Create your EMR and select the software that you would like pre-installed.</a:t>
+            </a:r>
+            <a:endParaRPr sz="1600" dirty="0"/>
+          </a:p>
+          <a:p>
+            <a:pPr marL="457200" lvl="0" indent="-330200" algn="l" rtl="0">
+              <a:spcBef>
+                <a:spcPts val="0"/>
+              </a:spcBef>
+              <a:spcAft>
+                <a:spcPts val="0"/>
+              </a:spcAft>
+              <a:buSzPts val="1600"/>
+              <a:buAutoNum type="arabicPeriod"/>
+            </a:pPr>
+            <a:r>
+              <a:rPr lang="en-US" sz="1600" dirty="0"/>
+              <a:t>Once it is ready it goes to a waiting state.</a:t>
+            </a:r>
+            <a:endParaRPr sz="1600" dirty="0"/>
+          </a:p>
+          <a:p>
+            <a:pPr marL="457200" lvl="0" indent="-330200" algn="l" rtl="0">
+              <a:spcBef>
+                <a:spcPts val="0"/>
+              </a:spcBef>
+              <a:spcAft>
+                <a:spcPts val="0"/>
+              </a:spcAft>
+              <a:buSzPts val="1600"/>
+              <a:buAutoNum type="arabicPeriod"/>
+            </a:pPr>
+            <a:r>
+              <a:rPr lang="en-US" sz="1600" dirty="0"/>
+              <a:t>Connect to master node using SSH will show.</a:t>
+            </a:r>
+            <a:endParaRPr sz="1600" dirty="0"/>
+          </a:p>
+          <a:p>
+            <a:pPr marL="457200" lvl="0" indent="-330200" algn="l" rtl="0">
+              <a:spcBef>
+                <a:spcPts val="0"/>
+              </a:spcBef>
+              <a:spcAft>
+                <a:spcPts val="0"/>
+              </a:spcAft>
+              <a:buSzPts val="1600"/>
+              <a:buAutoNum type="arabicPeriod"/>
+            </a:pPr>
+            <a:r>
+              <a:rPr lang="en-US" sz="1600" dirty="0"/>
+              <a:t>Make sure your log URI contains a location to your S3 bucket.</a:t>
+            </a:r>
+            <a:endParaRPr sz="1600" dirty="0"/>
+          </a:p>
+        </p:txBody>
+      </p:sp>
+      <p:sp>
+        <p:nvSpPr>
+          <p:cNvPr id="277" name="Google Shape;277;p31"/>
+          <p:cNvSpPr txBox="1">
+            <a:spLocks noGrp="1"/>
+          </p:cNvSpPr>
+          <p:nvPr>
+            <p:ph type="body" idx="1"/>
+          </p:nvPr>
+        </p:nvSpPr>
+        <p:spPr>
+          <a:xfrm>
+            <a:off x="684212" y="685800"/>
+            <a:ext cx="8534400" cy="3615300"/>
+          </a:xfrm>
+          <a:prstGeom prst="rect">
+            <a:avLst/>
+          </a:prstGeom>
+        </p:spPr>
+        <p:txBody>
+          <a:bodyPr spcFirstLastPara="1" wrap="square" lIns="91425" tIns="45700" rIns="91425" bIns="45700" anchor="ctr" anchorCtr="0">
+            <a:noAutofit/>
+          </a:bodyPr>
+          <a:lstStyle/>
+          <a:p>
+            <a:pPr marL="0" lvl="0" indent="0" algn="l" rtl="0">
+              <a:spcBef>
+                <a:spcPts val="360"/>
+              </a:spcBef>
+              <a:spcAft>
+                <a:spcPts val="600"/>
+              </a:spcAft>
+              <a:buNone/>
+            </a:pPr>
+            <a:endParaRPr/>
+          </a:p>
+        </p:txBody>
+      </p:sp>
+      <p:pic>
+        <p:nvPicPr>
+          <p:cNvPr id="278" name="Google Shape;278;p31"/>
+          <p:cNvPicPr preferRelativeResize="0"/>
+          <p:nvPr/>
+        </p:nvPicPr>
+        <p:blipFill>
+          <a:blip r:embed="rId3">
+            <a:alphaModFix/>
+          </a:blip>
+          <a:stretch>
+            <a:fillRect/>
+          </a:stretch>
+        </p:blipFill>
+        <p:spPr>
+          <a:xfrm>
+            <a:off x="1572113" y="767563"/>
+            <a:ext cx="6467475" cy="1323975"/>
+          </a:xfrm>
+          <a:prstGeom prst="rect">
+            <a:avLst/>
+          </a:prstGeom>
+          <a:noFill/>
+          <a:ln>
+            <a:noFill/>
+          </a:ln>
+        </p:spPr>
+      </p:pic>
+      <p:pic>
+        <p:nvPicPr>
+          <p:cNvPr id="279" name="Google Shape;279;p31"/>
+          <p:cNvPicPr preferRelativeResize="0"/>
+          <p:nvPr/>
+        </p:nvPicPr>
+        <p:blipFill>
+          <a:blip r:embed="rId4">
+            <a:alphaModFix/>
+          </a:blip>
+          <a:stretch>
+            <a:fillRect/>
+          </a:stretch>
+        </p:blipFill>
+        <p:spPr>
+          <a:xfrm>
+            <a:off x="812675" y="2371975"/>
+            <a:ext cx="4105925" cy="1039500"/>
+          </a:xfrm>
+          <a:prstGeom prst="rect">
+            <a:avLst/>
+          </a:prstGeom>
+          <a:noFill/>
+          <a:ln>
+            <a:noFill/>
+          </a:ln>
+        </p:spPr>
+      </p:pic>
+      <p:pic>
+        <p:nvPicPr>
+          <p:cNvPr id="280" name="Google Shape;280;p31"/>
+          <p:cNvPicPr preferRelativeResize="0"/>
+          <p:nvPr/>
+        </p:nvPicPr>
+        <p:blipFill>
+          <a:blip r:embed="rId5">
+            <a:alphaModFix/>
+          </a:blip>
+          <a:stretch>
+            <a:fillRect/>
+          </a:stretch>
+        </p:blipFill>
+        <p:spPr>
+          <a:xfrm>
+            <a:off x="5128900" y="2371975"/>
+            <a:ext cx="3979650" cy="1039500"/>
+          </a:xfrm>
+          <a:prstGeom prst="rect">
+            <a:avLst/>
+          </a:prstGeom>
+          <a:noFill/>
+          <a:ln>
+            <a:noFill/>
+          </a:ln>
+        </p:spPr>
+      </p:pic>
     </p:spTree>
   </p:cSld>
   <p:clrMapOvr>

--- a/Group Twitter Stream - Project1.pptx
+++ b/Group Twitter Stream - Project1.pptx
@@ -6,7 +6,7 @@
     <p:sldMasterId id="2147483667" r:id="rId2"/>
   </p:sldMasterIdLst>
   <p:notesMasterIdLst>
-    <p:notesMasterId r:id="rId23"/>
+    <p:notesMasterId r:id="rId21"/>
   </p:notesMasterIdLst>
   <p:sldIdLst>
     <p:sldId id="256" r:id="rId3"/>
@@ -27,18 +27,16 @@
     <p:sldId id="271" r:id="rId18"/>
     <p:sldId id="272" r:id="rId19"/>
     <p:sldId id="273" r:id="rId20"/>
-    <p:sldId id="276" r:id="rId21"/>
-    <p:sldId id="277" r:id="rId22"/>
   </p:sldIdLst>
   <p:sldSz cx="12192000" cy="6858000"/>
   <p:notesSz cx="6858000" cy="9144000"/>
   <p:embeddedFontLst>
     <p:embeddedFont>
       <p:font typeface="Century Gothic" panose="020B0502020202020204" pitchFamily="34" charset="0"/>
-      <p:regular r:id="rId24"/>
-      <p:bold r:id="rId25"/>
-      <p:italic r:id="rId26"/>
-      <p:boldItalic r:id="rId27"/>
+      <p:regular r:id="rId22"/>
+      <p:bold r:id="rId23"/>
+      <p:italic r:id="rId24"/>
+      <p:boldItalic r:id="rId25"/>
     </p:embeddedFont>
   </p:embeddedFontLst>
   <p:defaultTextStyle>
@@ -21985,1203 +21983,6 @@
 </p:sld>
 </file>
 
-<file path=ppt/slides/slide19.xml><?xml version="1.0" encoding="utf-8"?>
-<p:sld xmlns:a="http://schemas.openxmlformats.org/drawingml/2006/main" xmlns:r="http://schemas.openxmlformats.org/officeDocument/2006/relationships" xmlns:p="http://schemas.openxmlformats.org/presentationml/2006/main">
-  <p:cSld>
-    <p:spTree>
-      <p:nvGrpSpPr>
-        <p:cNvPr id="1" name=""/>
-        <p:cNvGrpSpPr/>
-        <p:nvPr/>
-      </p:nvGrpSpPr>
-      <p:grpSpPr>
-        <a:xfrm>
-          <a:off x="0" y="0"/>
-          <a:ext cx="0" cy="0"/>
-          <a:chOff x="0" y="0"/>
-          <a:chExt cx="0" cy="0"/>
-        </a:xfrm>
-      </p:grpSpPr>
-      <p:sp>
-        <p:nvSpPr>
-          <p:cNvPr id="2" name="Title 1">
-            <a:extLst>
-              <a:ext uri="{FF2B5EF4-FFF2-40B4-BE49-F238E27FC236}">
-                <a16:creationId xmlns:a16="http://schemas.microsoft.com/office/drawing/2014/main" id="{E450D4DC-D915-4946-8891-A5F5A7722A11}"/>
-              </a:ext>
-            </a:extLst>
-          </p:cNvPr>
-          <p:cNvSpPr>
-            <a:spLocks noGrp="1"/>
-          </p:cNvSpPr>
-          <p:nvPr>
-            <p:ph type="title"/>
-          </p:nvPr>
-        </p:nvSpPr>
-        <p:spPr/>
-        <p:txBody>
-          <a:bodyPr/>
-          <a:lstStyle/>
-          <a:p>
-            <a:r>
-              <a:rPr lang="en-US" dirty="0"/>
-              <a:t>Bowling Pins - Attempt</a:t>
-            </a:r>
-          </a:p>
-        </p:txBody>
-      </p:sp>
-      <p:sp>
-        <p:nvSpPr>
-          <p:cNvPr id="3" name="Content Placeholder 2">
-            <a:extLst>
-              <a:ext uri="{FF2B5EF4-FFF2-40B4-BE49-F238E27FC236}">
-                <a16:creationId xmlns:a16="http://schemas.microsoft.com/office/drawing/2014/main" id="{32C789B8-E0C5-486B-AFA8-890AE5A3FEF8}"/>
-              </a:ext>
-            </a:extLst>
-          </p:cNvPr>
-          <p:cNvSpPr>
-            <a:spLocks noGrp="1"/>
-          </p:cNvSpPr>
-          <p:nvPr>
-            <p:ph idx="1"/>
-          </p:nvPr>
-        </p:nvSpPr>
-        <p:spPr/>
-        <p:txBody>
-          <a:bodyPr>
-            <a:normAutofit fontScale="85000" lnSpcReduction="10000"/>
-          </a:bodyPr>
-          <a:lstStyle/>
-          <a:p>
-            <a:pPr>
-              <a:buFont typeface="Wingdings" panose="05000000000000000000" pitchFamily="2" charset="2"/>
-              <a:buChar char="Ø"/>
-            </a:pPr>
-            <a:r>
-              <a:rPr lang="en-US" dirty="0">
-                <a:solidFill>
-                  <a:schemeClr val="bg1"/>
-                </a:solidFill>
-              </a:rPr>
-              <a:t>First thought was a minimax algorithm.</a:t>
-            </a:r>
-          </a:p>
-          <a:p>
-            <a:pPr>
-              <a:buFont typeface="Wingdings" panose="05000000000000000000" pitchFamily="2" charset="2"/>
-              <a:buChar char="Ø"/>
-            </a:pPr>
-            <a:r>
-              <a:rPr lang="en-US" dirty="0">
-                <a:solidFill>
-                  <a:schemeClr val="bg1"/>
-                </a:solidFill>
-              </a:rPr>
-              <a:t>Minimax tree is too large</a:t>
-            </a:r>
-          </a:p>
-          <a:p>
-            <a:pPr lvl="1">
-              <a:buFont typeface="Wingdings" panose="05000000000000000000" pitchFamily="2" charset="2"/>
-              <a:buChar char="Ø"/>
-            </a:pPr>
-            <a:r>
-              <a:rPr lang="en-US" dirty="0">
-                <a:solidFill>
-                  <a:schemeClr val="bg1"/>
-                </a:solidFill>
-              </a:rPr>
-              <a:t>If n=300, there are 599 possible first moves.</a:t>
-            </a:r>
-          </a:p>
-          <a:p>
-            <a:pPr lvl="1">
-              <a:buFont typeface="Wingdings" panose="05000000000000000000" pitchFamily="2" charset="2"/>
-              <a:buChar char="Ø"/>
-            </a:pPr>
-            <a:r>
-              <a:rPr lang="en-US" dirty="0">
-                <a:solidFill>
-                  <a:schemeClr val="bg1"/>
-                </a:solidFill>
-              </a:rPr>
-              <a:t>After 5 turns, there are at least 70 trillion possible board states</a:t>
-            </a:r>
-          </a:p>
-          <a:p>
-            <a:pPr>
-              <a:buFont typeface="Wingdings" panose="05000000000000000000" pitchFamily="2" charset="2"/>
-              <a:buChar char="Ø"/>
-            </a:pPr>
-            <a:r>
-              <a:rPr lang="en-US" dirty="0">
-                <a:solidFill>
-                  <a:schemeClr val="bg1"/>
-                </a:solidFill>
-              </a:rPr>
-              <a:t>New idea after some research</a:t>
-            </a:r>
-          </a:p>
-          <a:p>
-            <a:pPr>
-              <a:buFont typeface="Wingdings" panose="05000000000000000000" pitchFamily="2" charset="2"/>
-              <a:buChar char="Ø"/>
-            </a:pPr>
-            <a:r>
-              <a:rPr lang="en-US" dirty="0">
-                <a:solidFill>
-                  <a:schemeClr val="bg1"/>
-                </a:solidFill>
-              </a:rPr>
-              <a:t>Start with a board in win state</a:t>
-            </a:r>
-          </a:p>
-          <a:p>
-            <a:pPr>
-              <a:buFont typeface="Wingdings" panose="05000000000000000000" pitchFamily="2" charset="2"/>
-              <a:buChar char="Ø"/>
-            </a:pPr>
-            <a:r>
-              <a:rPr lang="en-US" dirty="0">
-                <a:solidFill>
-                  <a:schemeClr val="bg1"/>
-                </a:solidFill>
-              </a:rPr>
-              <a:t>Go through possible moves backwards</a:t>
-            </a:r>
-          </a:p>
-          <a:p>
-            <a:pPr>
-              <a:buFont typeface="Wingdings" panose="05000000000000000000" pitchFamily="2" charset="2"/>
-              <a:buChar char="Ø"/>
-            </a:pPr>
-            <a:r>
-              <a:rPr lang="en-US" dirty="0">
-                <a:solidFill>
-                  <a:schemeClr val="bg1"/>
-                </a:solidFill>
-              </a:rPr>
-              <a:t>Root is labeled, P for ‘Previous player wins’</a:t>
-            </a:r>
-          </a:p>
-          <a:p>
-            <a:pPr>
-              <a:buFont typeface="Wingdings" panose="05000000000000000000" pitchFamily="2" charset="2"/>
-              <a:buChar char="Ø"/>
-            </a:pPr>
-            <a:r>
-              <a:rPr lang="en-US" dirty="0">
-                <a:solidFill>
-                  <a:schemeClr val="bg1"/>
-                </a:solidFill>
-              </a:rPr>
-              <a:t>Alternating between P and N where N is ‘Next player wins’</a:t>
-            </a:r>
-          </a:p>
-          <a:p>
-            <a:pPr>
-              <a:buFont typeface="Wingdings" panose="05000000000000000000" pitchFamily="2" charset="2"/>
-              <a:buChar char="Ø"/>
-            </a:pPr>
-            <a:r>
-              <a:rPr lang="en-US" dirty="0">
-                <a:solidFill>
-                  <a:schemeClr val="bg1"/>
-                </a:solidFill>
-              </a:rPr>
-              <a:t>If there is an instance of original board state labeled N, the first player wins.</a:t>
-            </a:r>
-          </a:p>
-          <a:p>
-            <a:pPr>
-              <a:buFont typeface="Wingdings" panose="05000000000000000000" pitchFamily="2" charset="2"/>
-              <a:buChar char="Ø"/>
-            </a:pPr>
-            <a:r>
-              <a:rPr lang="en-US" dirty="0">
-                <a:solidFill>
-                  <a:schemeClr val="bg1"/>
-                </a:solidFill>
-              </a:rPr>
-              <a:t>Realized that this method is not much more efficient than minimax…</a:t>
-            </a:r>
-          </a:p>
-        </p:txBody>
-      </p:sp>
-      <p:graphicFrame>
-        <p:nvGraphicFramePr>
-          <p:cNvPr id="13" name="Table 13">
-            <a:extLst>
-              <a:ext uri="{FF2B5EF4-FFF2-40B4-BE49-F238E27FC236}">
-                <a16:creationId xmlns:a16="http://schemas.microsoft.com/office/drawing/2014/main" id="{5FC49145-FB93-4116-83F5-59F2EF48F6C5}"/>
-              </a:ext>
-            </a:extLst>
-          </p:cNvPr>
-          <p:cNvGraphicFramePr>
-            <a:graphicFrameLocks noGrp="1"/>
-          </p:cNvGraphicFramePr>
-          <p:nvPr>
-            <p:extLst>
-              <p:ext uri="{D42A27DB-BD31-4B8C-83A1-F6EECF244321}">
-                <p14:modId xmlns:p14="http://schemas.microsoft.com/office/powerpoint/2010/main" val="2219859115"/>
-              </p:ext>
-            </p:extLst>
-          </p:nvPr>
-        </p:nvGraphicFramePr>
-        <p:xfrm>
-          <a:off x="8991664" y="1711944"/>
-          <a:ext cx="839792" cy="304800"/>
-        </p:xfrm>
-        <a:graphic>
-          <a:graphicData uri="http://schemas.openxmlformats.org/drawingml/2006/table">
-            <a:tbl>
-              <a:tblPr firstRow="1" bandRow="1">
-                <a:tableStyleId>{5C22544A-7EE6-4342-B048-85BDC9FD1C3A}</a:tableStyleId>
-              </a:tblPr>
-              <a:tblGrid>
-                <a:gridCol w="419896">
-                  <a:extLst>
-                    <a:ext uri="{9D8B030D-6E8A-4147-A177-3AD203B41FA5}">
-                      <a16:colId xmlns:a16="http://schemas.microsoft.com/office/drawing/2014/main" val="3066231999"/>
-                    </a:ext>
-                  </a:extLst>
-                </a:gridCol>
-                <a:gridCol w="419896">
-                  <a:extLst>
-                    <a:ext uri="{9D8B030D-6E8A-4147-A177-3AD203B41FA5}">
-                      <a16:colId xmlns:a16="http://schemas.microsoft.com/office/drawing/2014/main" val="2286272556"/>
-                    </a:ext>
-                  </a:extLst>
-                </a:gridCol>
-              </a:tblGrid>
-              <a:tr h="302004">
-                <a:tc>
-                  <a:txBody>
-                    <a:bodyPr/>
-                    <a:lstStyle/>
-                    <a:p>
-                      <a:r>
-                        <a:rPr lang="en-US" dirty="0"/>
-                        <a:t> </a:t>
-                      </a:r>
-                      <a:r>
-                        <a:rPr lang="en-US" sz="1200" dirty="0"/>
-                        <a:t>X</a:t>
-                      </a:r>
-                    </a:p>
-                  </a:txBody>
-                  <a:tcPr/>
-                </a:tc>
-                <a:tc>
-                  <a:txBody>
-                    <a:bodyPr/>
-                    <a:lstStyle/>
-                    <a:p>
-                      <a:r>
-                        <a:rPr lang="en-US" dirty="0"/>
-                        <a:t> </a:t>
-                      </a:r>
-                      <a:r>
-                        <a:rPr lang="en-US" sz="1200" dirty="0"/>
-                        <a:t>X</a:t>
-                      </a:r>
-                    </a:p>
-                  </a:txBody>
-                  <a:tcPr/>
-                </a:tc>
-                <a:extLst>
-                  <a:ext uri="{0D108BD9-81ED-4DB2-BD59-A6C34878D82A}">
-                    <a16:rowId xmlns:a16="http://schemas.microsoft.com/office/drawing/2014/main" val="2090745143"/>
-                  </a:ext>
-                </a:extLst>
-              </a:tr>
-            </a:tbl>
-          </a:graphicData>
-        </a:graphic>
-      </p:graphicFrame>
-      <p:graphicFrame>
-        <p:nvGraphicFramePr>
-          <p:cNvPr id="14" name="Table 13">
-            <a:extLst>
-              <a:ext uri="{FF2B5EF4-FFF2-40B4-BE49-F238E27FC236}">
-                <a16:creationId xmlns:a16="http://schemas.microsoft.com/office/drawing/2014/main" id="{7523A174-F9CD-4E8C-8436-D11DAEDA94A0}"/>
-              </a:ext>
-            </a:extLst>
-          </p:cNvPr>
-          <p:cNvGraphicFramePr>
-            <a:graphicFrameLocks noGrp="1"/>
-          </p:cNvGraphicFramePr>
-          <p:nvPr>
-            <p:extLst>
-              <p:ext uri="{D42A27DB-BD31-4B8C-83A1-F6EECF244321}">
-                <p14:modId xmlns:p14="http://schemas.microsoft.com/office/powerpoint/2010/main" val="3536636477"/>
-              </p:ext>
-            </p:extLst>
-          </p:nvPr>
-        </p:nvGraphicFramePr>
-        <p:xfrm>
-          <a:off x="7942597" y="2077704"/>
-          <a:ext cx="839792" cy="304800"/>
-        </p:xfrm>
-        <a:graphic>
-          <a:graphicData uri="http://schemas.openxmlformats.org/drawingml/2006/table">
-            <a:tbl>
-              <a:tblPr firstRow="1" bandRow="1">
-                <a:tableStyleId>{5C22544A-7EE6-4342-B048-85BDC9FD1C3A}</a:tableStyleId>
-              </a:tblPr>
-              <a:tblGrid>
-                <a:gridCol w="419896">
-                  <a:extLst>
-                    <a:ext uri="{9D8B030D-6E8A-4147-A177-3AD203B41FA5}">
-                      <a16:colId xmlns:a16="http://schemas.microsoft.com/office/drawing/2014/main" val="3066231999"/>
-                    </a:ext>
-                  </a:extLst>
-                </a:gridCol>
-                <a:gridCol w="419896">
-                  <a:extLst>
-                    <a:ext uri="{9D8B030D-6E8A-4147-A177-3AD203B41FA5}">
-                      <a16:colId xmlns:a16="http://schemas.microsoft.com/office/drawing/2014/main" val="2286272556"/>
-                    </a:ext>
-                  </a:extLst>
-                </a:gridCol>
-              </a:tblGrid>
-              <a:tr h="302004">
-                <a:tc>
-                  <a:txBody>
-                    <a:bodyPr/>
-                    <a:lstStyle/>
-                    <a:p>
-                      <a:r>
-                        <a:rPr lang="en-US" dirty="0"/>
-                        <a:t> </a:t>
-                      </a:r>
-                      <a:r>
-                        <a:rPr lang="en-US" sz="1200" dirty="0"/>
-                        <a:t>I</a:t>
-                      </a:r>
-                    </a:p>
-                  </a:txBody>
-                  <a:tcPr/>
-                </a:tc>
-                <a:tc>
-                  <a:txBody>
-                    <a:bodyPr/>
-                    <a:lstStyle/>
-                    <a:p>
-                      <a:r>
-                        <a:rPr lang="en-US" dirty="0"/>
-                        <a:t> </a:t>
-                      </a:r>
-                      <a:r>
-                        <a:rPr lang="en-US" sz="1200" dirty="0"/>
-                        <a:t>X</a:t>
-                      </a:r>
-                    </a:p>
-                  </a:txBody>
-                  <a:tcPr/>
-                </a:tc>
-                <a:extLst>
-                  <a:ext uri="{0D108BD9-81ED-4DB2-BD59-A6C34878D82A}">
-                    <a16:rowId xmlns:a16="http://schemas.microsoft.com/office/drawing/2014/main" val="2090745143"/>
-                  </a:ext>
-                </a:extLst>
-              </a:tr>
-            </a:tbl>
-          </a:graphicData>
-        </a:graphic>
-      </p:graphicFrame>
-      <p:graphicFrame>
-        <p:nvGraphicFramePr>
-          <p:cNvPr id="15" name="Table 13">
-            <a:extLst>
-              <a:ext uri="{FF2B5EF4-FFF2-40B4-BE49-F238E27FC236}">
-                <a16:creationId xmlns:a16="http://schemas.microsoft.com/office/drawing/2014/main" id="{D09971D6-BB27-4B65-B9D6-AC7DA09C38CD}"/>
-              </a:ext>
-            </a:extLst>
-          </p:cNvPr>
-          <p:cNvGraphicFramePr>
-            <a:graphicFrameLocks noGrp="1"/>
-          </p:cNvGraphicFramePr>
-          <p:nvPr>
-            <p:extLst>
-              <p:ext uri="{D42A27DB-BD31-4B8C-83A1-F6EECF244321}">
-                <p14:modId xmlns:p14="http://schemas.microsoft.com/office/powerpoint/2010/main" val="2938363811"/>
-              </p:ext>
-            </p:extLst>
-          </p:nvPr>
-        </p:nvGraphicFramePr>
-        <p:xfrm>
-          <a:off x="8991664" y="2260584"/>
-          <a:ext cx="839792" cy="304800"/>
-        </p:xfrm>
-        <a:graphic>
-          <a:graphicData uri="http://schemas.openxmlformats.org/drawingml/2006/table">
-            <a:tbl>
-              <a:tblPr firstRow="1" bandRow="1">
-                <a:tableStyleId>{5C22544A-7EE6-4342-B048-85BDC9FD1C3A}</a:tableStyleId>
-              </a:tblPr>
-              <a:tblGrid>
-                <a:gridCol w="419896">
-                  <a:extLst>
-                    <a:ext uri="{9D8B030D-6E8A-4147-A177-3AD203B41FA5}">
-                      <a16:colId xmlns:a16="http://schemas.microsoft.com/office/drawing/2014/main" val="3066231999"/>
-                    </a:ext>
-                  </a:extLst>
-                </a:gridCol>
-                <a:gridCol w="419896">
-                  <a:extLst>
-                    <a:ext uri="{9D8B030D-6E8A-4147-A177-3AD203B41FA5}">
-                      <a16:colId xmlns:a16="http://schemas.microsoft.com/office/drawing/2014/main" val="2286272556"/>
-                    </a:ext>
-                  </a:extLst>
-                </a:gridCol>
-              </a:tblGrid>
-              <a:tr h="302004">
-                <a:tc>
-                  <a:txBody>
-                    <a:bodyPr/>
-                    <a:lstStyle/>
-                    <a:p>
-                      <a:r>
-                        <a:rPr lang="en-US" dirty="0"/>
-                        <a:t> </a:t>
-                      </a:r>
-                      <a:r>
-                        <a:rPr lang="en-US" sz="1200" dirty="0"/>
-                        <a:t>I</a:t>
-                      </a:r>
-                    </a:p>
-                  </a:txBody>
-                  <a:tcPr/>
-                </a:tc>
-                <a:tc>
-                  <a:txBody>
-                    <a:bodyPr/>
-                    <a:lstStyle/>
-                    <a:p>
-                      <a:r>
-                        <a:rPr lang="en-US" dirty="0"/>
-                        <a:t> </a:t>
-                      </a:r>
-                      <a:r>
-                        <a:rPr lang="en-US" sz="1200" dirty="0"/>
-                        <a:t>I</a:t>
-                      </a:r>
-                    </a:p>
-                  </a:txBody>
-                  <a:tcPr/>
-                </a:tc>
-                <a:extLst>
-                  <a:ext uri="{0D108BD9-81ED-4DB2-BD59-A6C34878D82A}">
-                    <a16:rowId xmlns:a16="http://schemas.microsoft.com/office/drawing/2014/main" val="2090745143"/>
-                  </a:ext>
-                </a:extLst>
-              </a:tr>
-            </a:tbl>
-          </a:graphicData>
-        </a:graphic>
-      </p:graphicFrame>
-      <p:graphicFrame>
-        <p:nvGraphicFramePr>
-          <p:cNvPr id="16" name="Table 13">
-            <a:extLst>
-              <a:ext uri="{FF2B5EF4-FFF2-40B4-BE49-F238E27FC236}">
-                <a16:creationId xmlns:a16="http://schemas.microsoft.com/office/drawing/2014/main" id="{2BF1E118-C63F-44DA-8FB9-75812777FA38}"/>
-              </a:ext>
-            </a:extLst>
-          </p:cNvPr>
-          <p:cNvGraphicFramePr>
-            <a:graphicFrameLocks noGrp="1"/>
-          </p:cNvGraphicFramePr>
-          <p:nvPr>
-            <p:extLst>
-              <p:ext uri="{D42A27DB-BD31-4B8C-83A1-F6EECF244321}">
-                <p14:modId xmlns:p14="http://schemas.microsoft.com/office/powerpoint/2010/main" val="1907335279"/>
-              </p:ext>
-            </p:extLst>
-          </p:nvPr>
-        </p:nvGraphicFramePr>
-        <p:xfrm>
-          <a:off x="10040731" y="2077704"/>
-          <a:ext cx="839792" cy="304800"/>
-        </p:xfrm>
-        <a:graphic>
-          <a:graphicData uri="http://schemas.openxmlformats.org/drawingml/2006/table">
-            <a:tbl>
-              <a:tblPr firstRow="1" bandRow="1">
-                <a:tableStyleId>{5C22544A-7EE6-4342-B048-85BDC9FD1C3A}</a:tableStyleId>
-              </a:tblPr>
-              <a:tblGrid>
-                <a:gridCol w="419896">
-                  <a:extLst>
-                    <a:ext uri="{9D8B030D-6E8A-4147-A177-3AD203B41FA5}">
-                      <a16:colId xmlns:a16="http://schemas.microsoft.com/office/drawing/2014/main" val="3066231999"/>
-                    </a:ext>
-                  </a:extLst>
-                </a:gridCol>
-                <a:gridCol w="419896">
-                  <a:extLst>
-                    <a:ext uri="{9D8B030D-6E8A-4147-A177-3AD203B41FA5}">
-                      <a16:colId xmlns:a16="http://schemas.microsoft.com/office/drawing/2014/main" val="2286272556"/>
-                    </a:ext>
-                  </a:extLst>
-                </a:gridCol>
-              </a:tblGrid>
-              <a:tr h="302004">
-                <a:tc>
-                  <a:txBody>
-                    <a:bodyPr/>
-                    <a:lstStyle/>
-                    <a:p>
-                      <a:r>
-                        <a:rPr lang="en-US" dirty="0"/>
-                        <a:t> </a:t>
-                      </a:r>
-                      <a:r>
-                        <a:rPr lang="en-US" sz="1200" dirty="0"/>
-                        <a:t>X</a:t>
-                      </a:r>
-                    </a:p>
-                  </a:txBody>
-                  <a:tcPr/>
-                </a:tc>
-                <a:tc>
-                  <a:txBody>
-                    <a:bodyPr/>
-                    <a:lstStyle/>
-                    <a:p>
-                      <a:r>
-                        <a:rPr lang="en-US" dirty="0"/>
-                        <a:t> </a:t>
-                      </a:r>
-                      <a:r>
-                        <a:rPr lang="en-US" sz="1200" dirty="0"/>
-                        <a:t>I</a:t>
-                      </a:r>
-                    </a:p>
-                  </a:txBody>
-                  <a:tcPr/>
-                </a:tc>
-                <a:extLst>
-                  <a:ext uri="{0D108BD9-81ED-4DB2-BD59-A6C34878D82A}">
-                    <a16:rowId xmlns:a16="http://schemas.microsoft.com/office/drawing/2014/main" val="2090745143"/>
-                  </a:ext>
-                </a:extLst>
-              </a:tr>
-            </a:tbl>
-          </a:graphicData>
-        </a:graphic>
-      </p:graphicFrame>
-      <p:graphicFrame>
-        <p:nvGraphicFramePr>
-          <p:cNvPr id="17" name="Table 13">
-            <a:extLst>
-              <a:ext uri="{FF2B5EF4-FFF2-40B4-BE49-F238E27FC236}">
-                <a16:creationId xmlns:a16="http://schemas.microsoft.com/office/drawing/2014/main" id="{556FB87B-4320-4286-B472-142022A7CE47}"/>
-              </a:ext>
-            </a:extLst>
-          </p:cNvPr>
-          <p:cNvGraphicFramePr>
-            <a:graphicFrameLocks noGrp="1"/>
-          </p:cNvGraphicFramePr>
-          <p:nvPr>
-            <p:extLst>
-              <p:ext uri="{D42A27DB-BD31-4B8C-83A1-F6EECF244321}">
-                <p14:modId xmlns:p14="http://schemas.microsoft.com/office/powerpoint/2010/main" val="3046430059"/>
-              </p:ext>
-            </p:extLst>
-          </p:nvPr>
-        </p:nvGraphicFramePr>
-        <p:xfrm>
-          <a:off x="10040731" y="2661019"/>
-          <a:ext cx="839792" cy="304800"/>
-        </p:xfrm>
-        <a:graphic>
-          <a:graphicData uri="http://schemas.openxmlformats.org/drawingml/2006/table">
-            <a:tbl>
-              <a:tblPr firstRow="1" bandRow="1">
-                <a:tableStyleId>{5C22544A-7EE6-4342-B048-85BDC9FD1C3A}</a:tableStyleId>
-              </a:tblPr>
-              <a:tblGrid>
-                <a:gridCol w="419896">
-                  <a:extLst>
-                    <a:ext uri="{9D8B030D-6E8A-4147-A177-3AD203B41FA5}">
-                      <a16:colId xmlns:a16="http://schemas.microsoft.com/office/drawing/2014/main" val="3066231999"/>
-                    </a:ext>
-                  </a:extLst>
-                </a:gridCol>
-                <a:gridCol w="419896">
-                  <a:extLst>
-                    <a:ext uri="{9D8B030D-6E8A-4147-A177-3AD203B41FA5}">
-                      <a16:colId xmlns:a16="http://schemas.microsoft.com/office/drawing/2014/main" val="2286272556"/>
-                    </a:ext>
-                  </a:extLst>
-                </a:gridCol>
-              </a:tblGrid>
-              <a:tr h="302004">
-                <a:tc>
-                  <a:txBody>
-                    <a:bodyPr/>
-                    <a:lstStyle/>
-                    <a:p>
-                      <a:r>
-                        <a:rPr lang="en-US" dirty="0"/>
-                        <a:t> </a:t>
-                      </a:r>
-                      <a:r>
-                        <a:rPr lang="en-US" sz="1200" dirty="0"/>
-                        <a:t>I</a:t>
-                      </a:r>
-                    </a:p>
-                  </a:txBody>
-                  <a:tcPr/>
-                </a:tc>
-                <a:tc>
-                  <a:txBody>
-                    <a:bodyPr/>
-                    <a:lstStyle/>
-                    <a:p>
-                      <a:r>
-                        <a:rPr lang="en-US" dirty="0"/>
-                        <a:t> </a:t>
-                      </a:r>
-                      <a:r>
-                        <a:rPr lang="en-US" sz="1200" dirty="0"/>
-                        <a:t>I</a:t>
-                      </a:r>
-                    </a:p>
-                  </a:txBody>
-                  <a:tcPr/>
-                </a:tc>
-                <a:extLst>
-                  <a:ext uri="{0D108BD9-81ED-4DB2-BD59-A6C34878D82A}">
-                    <a16:rowId xmlns:a16="http://schemas.microsoft.com/office/drawing/2014/main" val="2090745143"/>
-                  </a:ext>
-                </a:extLst>
-              </a:tr>
-            </a:tbl>
-          </a:graphicData>
-        </a:graphic>
-      </p:graphicFrame>
-      <p:graphicFrame>
-        <p:nvGraphicFramePr>
-          <p:cNvPr id="18" name="Table 13">
-            <a:extLst>
-              <a:ext uri="{FF2B5EF4-FFF2-40B4-BE49-F238E27FC236}">
-                <a16:creationId xmlns:a16="http://schemas.microsoft.com/office/drawing/2014/main" id="{92858779-E210-4F82-B335-8F3EC647D83E}"/>
-              </a:ext>
-            </a:extLst>
-          </p:cNvPr>
-          <p:cNvGraphicFramePr>
-            <a:graphicFrameLocks noGrp="1"/>
-          </p:cNvGraphicFramePr>
-          <p:nvPr>
-            <p:extLst>
-              <p:ext uri="{D42A27DB-BD31-4B8C-83A1-F6EECF244321}">
-                <p14:modId xmlns:p14="http://schemas.microsoft.com/office/powerpoint/2010/main" val="3999814768"/>
-              </p:ext>
-            </p:extLst>
-          </p:nvPr>
-        </p:nvGraphicFramePr>
-        <p:xfrm>
-          <a:off x="7942597" y="2661019"/>
-          <a:ext cx="839792" cy="304800"/>
-        </p:xfrm>
-        <a:graphic>
-          <a:graphicData uri="http://schemas.openxmlformats.org/drawingml/2006/table">
-            <a:tbl>
-              <a:tblPr firstRow="1" bandRow="1">
-                <a:tableStyleId>{5C22544A-7EE6-4342-B048-85BDC9FD1C3A}</a:tableStyleId>
-              </a:tblPr>
-              <a:tblGrid>
-                <a:gridCol w="419896">
-                  <a:extLst>
-                    <a:ext uri="{9D8B030D-6E8A-4147-A177-3AD203B41FA5}">
-                      <a16:colId xmlns:a16="http://schemas.microsoft.com/office/drawing/2014/main" val="3066231999"/>
-                    </a:ext>
-                  </a:extLst>
-                </a:gridCol>
-                <a:gridCol w="419896">
-                  <a:extLst>
-                    <a:ext uri="{9D8B030D-6E8A-4147-A177-3AD203B41FA5}">
-                      <a16:colId xmlns:a16="http://schemas.microsoft.com/office/drawing/2014/main" val="2286272556"/>
-                    </a:ext>
-                  </a:extLst>
-                </a:gridCol>
-              </a:tblGrid>
-              <a:tr h="302004">
-                <a:tc>
-                  <a:txBody>
-                    <a:bodyPr/>
-                    <a:lstStyle/>
-                    <a:p>
-                      <a:r>
-                        <a:rPr lang="en-US" dirty="0"/>
-                        <a:t> </a:t>
-                      </a:r>
-                      <a:r>
-                        <a:rPr lang="en-US" sz="1200" dirty="0"/>
-                        <a:t>I</a:t>
-                      </a:r>
-                    </a:p>
-                  </a:txBody>
-                  <a:tcPr/>
-                </a:tc>
-                <a:tc>
-                  <a:txBody>
-                    <a:bodyPr/>
-                    <a:lstStyle/>
-                    <a:p>
-                      <a:r>
-                        <a:rPr lang="en-US" dirty="0"/>
-                        <a:t> </a:t>
-                      </a:r>
-                      <a:r>
-                        <a:rPr lang="en-US" sz="1200" dirty="0"/>
-                        <a:t>I</a:t>
-                      </a:r>
-                    </a:p>
-                  </a:txBody>
-                  <a:tcPr/>
-                </a:tc>
-                <a:extLst>
-                  <a:ext uri="{0D108BD9-81ED-4DB2-BD59-A6C34878D82A}">
-                    <a16:rowId xmlns:a16="http://schemas.microsoft.com/office/drawing/2014/main" val="2090745143"/>
-                  </a:ext>
-                </a:extLst>
-              </a:tr>
-            </a:tbl>
-          </a:graphicData>
-        </a:graphic>
-      </p:graphicFrame>
-      <p:cxnSp>
-        <p:nvCxnSpPr>
-          <p:cNvPr id="20" name="Straight Arrow Connector 19">
-            <a:extLst>
-              <a:ext uri="{FF2B5EF4-FFF2-40B4-BE49-F238E27FC236}">
-                <a16:creationId xmlns:a16="http://schemas.microsoft.com/office/drawing/2014/main" id="{DB9200F1-7426-4A71-A59F-C2F7073229DA}"/>
-              </a:ext>
-            </a:extLst>
-          </p:cNvPr>
-          <p:cNvCxnSpPr>
-            <a:endCxn id="14" idx="0"/>
-          </p:cNvCxnSpPr>
-          <p:nvPr/>
-        </p:nvCxnSpPr>
-        <p:spPr>
-          <a:xfrm flipH="1">
-            <a:off x="8362493" y="1894824"/>
-            <a:ext cx="629172" cy="182880"/>
-          </a:xfrm>
-          <a:prstGeom prst="straightConnector1">
-            <a:avLst/>
-          </a:prstGeom>
-          <a:ln>
-            <a:tailEnd type="triangle"/>
-          </a:ln>
-        </p:spPr>
-        <p:style>
-          <a:lnRef idx="1">
-            <a:schemeClr val="accent1"/>
-          </a:lnRef>
-          <a:fillRef idx="0">
-            <a:schemeClr val="accent1"/>
-          </a:fillRef>
-          <a:effectRef idx="0">
-            <a:schemeClr val="accent1"/>
-          </a:effectRef>
-          <a:fontRef idx="minor">
-            <a:schemeClr val="tx1"/>
-          </a:fontRef>
-        </p:style>
-      </p:cxnSp>
-      <p:cxnSp>
-        <p:nvCxnSpPr>
-          <p:cNvPr id="22" name="Straight Arrow Connector 21">
-            <a:extLst>
-              <a:ext uri="{FF2B5EF4-FFF2-40B4-BE49-F238E27FC236}">
-                <a16:creationId xmlns:a16="http://schemas.microsoft.com/office/drawing/2014/main" id="{34DDB175-F851-4960-AE16-AA2BBC476436}"/>
-              </a:ext>
-            </a:extLst>
-          </p:cNvPr>
-          <p:cNvCxnSpPr>
-            <a:endCxn id="16" idx="0"/>
-          </p:cNvCxnSpPr>
-          <p:nvPr/>
-        </p:nvCxnSpPr>
-        <p:spPr>
-          <a:xfrm>
-            <a:off x="9831456" y="1894824"/>
-            <a:ext cx="629171" cy="182880"/>
-          </a:xfrm>
-          <a:prstGeom prst="straightConnector1">
-            <a:avLst/>
-          </a:prstGeom>
-          <a:ln>
-            <a:tailEnd type="triangle"/>
-          </a:ln>
-        </p:spPr>
-        <p:style>
-          <a:lnRef idx="1">
-            <a:schemeClr val="accent1"/>
-          </a:lnRef>
-          <a:fillRef idx="0">
-            <a:schemeClr val="accent1"/>
-          </a:fillRef>
-          <a:effectRef idx="0">
-            <a:schemeClr val="accent1"/>
-          </a:effectRef>
-          <a:fontRef idx="minor">
-            <a:schemeClr val="tx1"/>
-          </a:fontRef>
-        </p:style>
-      </p:cxnSp>
-      <p:cxnSp>
-        <p:nvCxnSpPr>
-          <p:cNvPr id="24" name="Straight Arrow Connector 23">
-            <a:extLst>
-              <a:ext uri="{FF2B5EF4-FFF2-40B4-BE49-F238E27FC236}">
-                <a16:creationId xmlns:a16="http://schemas.microsoft.com/office/drawing/2014/main" id="{707AE85E-EB38-4F92-96D0-CD1E3D0EF8C4}"/>
-              </a:ext>
-            </a:extLst>
-          </p:cNvPr>
-          <p:cNvCxnSpPr>
-            <a:endCxn id="18" idx="0"/>
-          </p:cNvCxnSpPr>
-          <p:nvPr/>
-        </p:nvCxnSpPr>
-        <p:spPr>
-          <a:xfrm>
-            <a:off x="8362493" y="2443464"/>
-            <a:ext cx="0" cy="217555"/>
-          </a:xfrm>
-          <a:prstGeom prst="straightConnector1">
-            <a:avLst/>
-          </a:prstGeom>
-          <a:ln>
-            <a:tailEnd type="triangle"/>
-          </a:ln>
-        </p:spPr>
-        <p:style>
-          <a:lnRef idx="1">
-            <a:schemeClr val="accent1"/>
-          </a:lnRef>
-          <a:fillRef idx="0">
-            <a:schemeClr val="accent1"/>
-          </a:fillRef>
-          <a:effectRef idx="0">
-            <a:schemeClr val="accent1"/>
-          </a:effectRef>
-          <a:fontRef idx="minor">
-            <a:schemeClr val="tx1"/>
-          </a:fontRef>
-        </p:style>
-      </p:cxnSp>
-      <p:cxnSp>
-        <p:nvCxnSpPr>
-          <p:cNvPr id="26" name="Straight Arrow Connector 25">
-            <a:extLst>
-              <a:ext uri="{FF2B5EF4-FFF2-40B4-BE49-F238E27FC236}">
-                <a16:creationId xmlns:a16="http://schemas.microsoft.com/office/drawing/2014/main" id="{5CDDEE68-3618-486A-9295-9CAE47CAC7F1}"/>
-              </a:ext>
-            </a:extLst>
-          </p:cNvPr>
-          <p:cNvCxnSpPr>
-            <a:endCxn id="15" idx="0"/>
-          </p:cNvCxnSpPr>
-          <p:nvPr/>
-        </p:nvCxnSpPr>
-        <p:spPr>
-          <a:xfrm>
-            <a:off x="9411560" y="2077704"/>
-            <a:ext cx="0" cy="182880"/>
-          </a:xfrm>
-          <a:prstGeom prst="straightConnector1">
-            <a:avLst/>
-          </a:prstGeom>
-          <a:ln>
-            <a:tailEnd type="triangle"/>
-          </a:ln>
-        </p:spPr>
-        <p:style>
-          <a:lnRef idx="1">
-            <a:schemeClr val="accent1"/>
-          </a:lnRef>
-          <a:fillRef idx="0">
-            <a:schemeClr val="accent1"/>
-          </a:fillRef>
-          <a:effectRef idx="0">
-            <a:schemeClr val="accent1"/>
-          </a:effectRef>
-          <a:fontRef idx="minor">
-            <a:schemeClr val="tx1"/>
-          </a:fontRef>
-        </p:style>
-      </p:cxnSp>
-      <p:cxnSp>
-        <p:nvCxnSpPr>
-          <p:cNvPr id="28" name="Straight Arrow Connector 27">
-            <a:extLst>
-              <a:ext uri="{FF2B5EF4-FFF2-40B4-BE49-F238E27FC236}">
-                <a16:creationId xmlns:a16="http://schemas.microsoft.com/office/drawing/2014/main" id="{C93EA113-0680-4AF4-B966-BCF0862ADDB7}"/>
-              </a:ext>
-            </a:extLst>
-          </p:cNvPr>
-          <p:cNvCxnSpPr>
-            <a:endCxn id="17" idx="0"/>
-          </p:cNvCxnSpPr>
-          <p:nvPr/>
-        </p:nvCxnSpPr>
-        <p:spPr>
-          <a:xfrm>
-            <a:off x="10460627" y="2443464"/>
-            <a:ext cx="0" cy="217555"/>
-          </a:xfrm>
-          <a:prstGeom prst="straightConnector1">
-            <a:avLst/>
-          </a:prstGeom>
-          <a:ln>
-            <a:tailEnd type="triangle"/>
-          </a:ln>
-        </p:spPr>
-        <p:style>
-          <a:lnRef idx="1">
-            <a:schemeClr val="accent1"/>
-          </a:lnRef>
-          <a:fillRef idx="0">
-            <a:schemeClr val="accent1"/>
-          </a:fillRef>
-          <a:effectRef idx="0">
-            <a:schemeClr val="accent1"/>
-          </a:effectRef>
-          <a:fontRef idx="minor">
-            <a:schemeClr val="tx1"/>
-          </a:fontRef>
-        </p:style>
-      </p:cxnSp>
-      <p:sp>
-        <p:nvSpPr>
-          <p:cNvPr id="29" name="TextBox 28">
-            <a:extLst>
-              <a:ext uri="{FF2B5EF4-FFF2-40B4-BE49-F238E27FC236}">
-                <a16:creationId xmlns:a16="http://schemas.microsoft.com/office/drawing/2014/main" id="{61497610-4F4D-440D-A577-B0337A066B48}"/>
-              </a:ext>
-            </a:extLst>
-          </p:cNvPr>
-          <p:cNvSpPr txBox="1"/>
-          <p:nvPr/>
-        </p:nvSpPr>
-        <p:spPr>
-          <a:xfrm>
-            <a:off x="9273141" y="1328770"/>
-            <a:ext cx="276837" cy="369332"/>
-          </a:xfrm>
-          <a:prstGeom prst="rect">
-            <a:avLst/>
-          </a:prstGeom>
-          <a:noFill/>
-        </p:spPr>
-        <p:txBody>
-          <a:bodyPr wrap="square" rtlCol="0">
-            <a:spAutoFit/>
-          </a:bodyPr>
-          <a:lstStyle/>
-          <a:p>
-            <a:r>
-              <a:rPr lang="en-US" dirty="0"/>
-              <a:t>P</a:t>
-            </a:r>
-          </a:p>
-        </p:txBody>
-      </p:sp>
-      <p:sp>
-        <p:nvSpPr>
-          <p:cNvPr id="30" name="TextBox 29">
-            <a:extLst>
-              <a:ext uri="{FF2B5EF4-FFF2-40B4-BE49-F238E27FC236}">
-                <a16:creationId xmlns:a16="http://schemas.microsoft.com/office/drawing/2014/main" id="{49678FF1-8069-4740-827B-CC2F75EDE794}"/>
-              </a:ext>
-            </a:extLst>
-          </p:cNvPr>
-          <p:cNvSpPr txBox="1"/>
-          <p:nvPr/>
-        </p:nvSpPr>
-        <p:spPr>
-          <a:xfrm>
-            <a:off x="10880522" y="2074132"/>
-            <a:ext cx="276837" cy="369332"/>
-          </a:xfrm>
-          <a:prstGeom prst="rect">
-            <a:avLst/>
-          </a:prstGeom>
-          <a:noFill/>
-        </p:spPr>
-        <p:txBody>
-          <a:bodyPr wrap="square" rtlCol="0">
-            <a:spAutoFit/>
-          </a:bodyPr>
-          <a:lstStyle/>
-          <a:p>
-            <a:r>
-              <a:rPr lang="en-US" dirty="0"/>
-              <a:t>N</a:t>
-            </a:r>
-          </a:p>
-        </p:txBody>
-      </p:sp>
-      <p:sp>
-        <p:nvSpPr>
-          <p:cNvPr id="31" name="TextBox 30">
-            <a:extLst>
-              <a:ext uri="{FF2B5EF4-FFF2-40B4-BE49-F238E27FC236}">
-                <a16:creationId xmlns:a16="http://schemas.microsoft.com/office/drawing/2014/main" id="{A38648DC-5995-4F1B-B985-ADC8219383F6}"/>
-              </a:ext>
-            </a:extLst>
-          </p:cNvPr>
-          <p:cNvSpPr txBox="1"/>
-          <p:nvPr/>
-        </p:nvSpPr>
-        <p:spPr>
-          <a:xfrm>
-            <a:off x="7594903" y="2074132"/>
-            <a:ext cx="276837" cy="369332"/>
-          </a:xfrm>
-          <a:prstGeom prst="rect">
-            <a:avLst/>
-          </a:prstGeom>
-          <a:noFill/>
-        </p:spPr>
-        <p:txBody>
-          <a:bodyPr wrap="square" rtlCol="0">
-            <a:spAutoFit/>
-          </a:bodyPr>
-          <a:lstStyle/>
-          <a:p>
-            <a:r>
-              <a:rPr lang="en-US" dirty="0"/>
-              <a:t>N</a:t>
-            </a:r>
-          </a:p>
-        </p:txBody>
-      </p:sp>
-      <p:sp>
-        <p:nvSpPr>
-          <p:cNvPr id="32" name="TextBox 31">
-            <a:extLst>
-              <a:ext uri="{FF2B5EF4-FFF2-40B4-BE49-F238E27FC236}">
-                <a16:creationId xmlns:a16="http://schemas.microsoft.com/office/drawing/2014/main" id="{10D96463-CE21-4959-BC7A-9C37C277DA34}"/>
-              </a:ext>
-            </a:extLst>
-          </p:cNvPr>
-          <p:cNvSpPr txBox="1"/>
-          <p:nvPr/>
-        </p:nvSpPr>
-        <p:spPr>
-          <a:xfrm>
-            <a:off x="9218612" y="2661019"/>
-            <a:ext cx="276837" cy="369332"/>
-          </a:xfrm>
-          <a:prstGeom prst="rect">
-            <a:avLst/>
-          </a:prstGeom>
-          <a:noFill/>
-        </p:spPr>
-        <p:txBody>
-          <a:bodyPr wrap="square" rtlCol="0">
-            <a:spAutoFit/>
-          </a:bodyPr>
-          <a:lstStyle/>
-          <a:p>
-            <a:r>
-              <a:rPr lang="en-US" dirty="0"/>
-              <a:t>N</a:t>
-            </a:r>
-          </a:p>
-        </p:txBody>
-      </p:sp>
-      <p:sp>
-        <p:nvSpPr>
-          <p:cNvPr id="33" name="TextBox 32">
-            <a:extLst>
-              <a:ext uri="{FF2B5EF4-FFF2-40B4-BE49-F238E27FC236}">
-                <a16:creationId xmlns:a16="http://schemas.microsoft.com/office/drawing/2014/main" id="{2BAA333C-9939-49D8-A21E-2955E5F5C708}"/>
-              </a:ext>
-            </a:extLst>
-          </p:cNvPr>
-          <p:cNvSpPr txBox="1"/>
-          <p:nvPr/>
-        </p:nvSpPr>
-        <p:spPr>
-          <a:xfrm>
-            <a:off x="8224074" y="3059668"/>
-            <a:ext cx="276837" cy="369332"/>
-          </a:xfrm>
-          <a:prstGeom prst="rect">
-            <a:avLst/>
-          </a:prstGeom>
-          <a:noFill/>
-        </p:spPr>
-        <p:txBody>
-          <a:bodyPr wrap="square" rtlCol="0">
-            <a:spAutoFit/>
-          </a:bodyPr>
-          <a:lstStyle/>
-          <a:p>
-            <a:r>
-              <a:rPr lang="en-US" dirty="0"/>
-              <a:t>P</a:t>
-            </a:r>
-          </a:p>
-        </p:txBody>
-      </p:sp>
-      <p:sp>
-        <p:nvSpPr>
-          <p:cNvPr id="34" name="TextBox 33">
-            <a:extLst>
-              <a:ext uri="{FF2B5EF4-FFF2-40B4-BE49-F238E27FC236}">
-                <a16:creationId xmlns:a16="http://schemas.microsoft.com/office/drawing/2014/main" id="{8C762642-EE63-4159-A771-76A7B25F507A}"/>
-              </a:ext>
-            </a:extLst>
-          </p:cNvPr>
-          <p:cNvSpPr txBox="1"/>
-          <p:nvPr/>
-        </p:nvSpPr>
-        <p:spPr>
-          <a:xfrm>
-            <a:off x="10322208" y="3059668"/>
-            <a:ext cx="276837" cy="369332"/>
-          </a:xfrm>
-          <a:prstGeom prst="rect">
-            <a:avLst/>
-          </a:prstGeom>
-          <a:noFill/>
-        </p:spPr>
-        <p:txBody>
-          <a:bodyPr wrap="square" rtlCol="0">
-            <a:spAutoFit/>
-          </a:bodyPr>
-          <a:lstStyle/>
-          <a:p>
-            <a:r>
-              <a:rPr lang="en-US" dirty="0"/>
-              <a:t>P</a:t>
-            </a:r>
-          </a:p>
-        </p:txBody>
-      </p:sp>
-    </p:spTree>
-    <p:extLst>
-      <p:ext uri="{BB962C8B-B14F-4D97-AF65-F5344CB8AC3E}">
-        <p14:creationId xmlns:p14="http://schemas.microsoft.com/office/powerpoint/2010/main" val="2425728115"/>
-      </p:ext>
-    </p:extLst>
-  </p:cSld>
-  <p:clrMapOvr>
-    <a:masterClrMapping/>
-  </p:clrMapOvr>
-</p:sld>
-</file>
-
 <file path=ppt/slides/slide2.xml><?xml version="1.0" encoding="utf-8"?>
 <p:sld xmlns:a="http://schemas.openxmlformats.org/drawingml/2006/main" xmlns:r="http://schemas.openxmlformats.org/officeDocument/2006/relationships" xmlns:p="http://schemas.openxmlformats.org/presentationml/2006/main">
   <p:cSld>
@@ -23389,1373 +22190,6 @@
 </p:sld>
 </file>
 
-<file path=ppt/slides/slide20.xml><?xml version="1.0" encoding="utf-8"?>
-<p:sld xmlns:a="http://schemas.openxmlformats.org/drawingml/2006/main" xmlns:r="http://schemas.openxmlformats.org/officeDocument/2006/relationships" xmlns:p="http://schemas.openxmlformats.org/presentationml/2006/main">
-  <p:cSld>
-    <p:spTree>
-      <p:nvGrpSpPr>
-        <p:cNvPr id="1" name=""/>
-        <p:cNvGrpSpPr/>
-        <p:nvPr/>
-      </p:nvGrpSpPr>
-      <p:grpSpPr>
-        <a:xfrm>
-          <a:off x="0" y="0"/>
-          <a:ext cx="0" cy="0"/>
-          <a:chOff x="0" y="0"/>
-          <a:chExt cx="0" cy="0"/>
-        </a:xfrm>
-      </p:grpSpPr>
-      <p:sp>
-        <p:nvSpPr>
-          <p:cNvPr id="2" name="Title 1">
-            <a:extLst>
-              <a:ext uri="{FF2B5EF4-FFF2-40B4-BE49-F238E27FC236}">
-                <a16:creationId xmlns:a16="http://schemas.microsoft.com/office/drawing/2014/main" id="{C7F4FAF0-F117-42FA-A9C3-455246C07019}"/>
-              </a:ext>
-            </a:extLst>
-          </p:cNvPr>
-          <p:cNvSpPr>
-            <a:spLocks noGrp="1"/>
-          </p:cNvSpPr>
-          <p:nvPr>
-            <p:ph type="title"/>
-          </p:nvPr>
-        </p:nvSpPr>
-        <p:spPr/>
-        <p:txBody>
-          <a:bodyPr/>
-          <a:lstStyle/>
-          <a:p>
-            <a:r>
-              <a:rPr lang="en-US" dirty="0"/>
-              <a:t>Bowling Pins – Best Solution?</a:t>
-            </a:r>
-          </a:p>
-        </p:txBody>
-      </p:sp>
-      <p:sp>
-        <p:nvSpPr>
-          <p:cNvPr id="3" name="Content Placeholder 2">
-            <a:extLst>
-              <a:ext uri="{FF2B5EF4-FFF2-40B4-BE49-F238E27FC236}">
-                <a16:creationId xmlns:a16="http://schemas.microsoft.com/office/drawing/2014/main" id="{E774161B-34D4-453C-91E6-30AE1964F212}"/>
-              </a:ext>
-            </a:extLst>
-          </p:cNvPr>
-          <p:cNvSpPr>
-            <a:spLocks noGrp="1"/>
-          </p:cNvSpPr>
-          <p:nvPr>
-            <p:ph idx="1"/>
-          </p:nvPr>
-        </p:nvSpPr>
-        <p:spPr>
-          <a:xfrm>
-            <a:off x="684212" y="511727"/>
-            <a:ext cx="8534400" cy="4444591"/>
-          </a:xfrm>
-        </p:spPr>
-        <p:txBody>
-          <a:bodyPr>
-            <a:normAutofit/>
-          </a:bodyPr>
-          <a:lstStyle/>
-          <a:p>
-            <a:pPr>
-              <a:buFont typeface="Wingdings" panose="05000000000000000000" pitchFamily="2" charset="2"/>
-              <a:buChar char="Ø"/>
-            </a:pPr>
-            <a:r>
-              <a:rPr lang="en-US" dirty="0">
-                <a:solidFill>
-                  <a:schemeClr val="bg1"/>
-                </a:solidFill>
-              </a:rPr>
-              <a:t>Sprague-Grundy Theorem</a:t>
-            </a:r>
-          </a:p>
-          <a:p>
-            <a:pPr lvl="1">
-              <a:buFont typeface="Wingdings" panose="05000000000000000000" pitchFamily="2" charset="2"/>
-              <a:buChar char="Ø"/>
-            </a:pPr>
-            <a:r>
-              <a:rPr lang="en-US" dirty="0">
-                <a:solidFill>
-                  <a:schemeClr val="bg1"/>
-                </a:solidFill>
-              </a:rPr>
-              <a:t>For every impartial game there is an equivalent game of </a:t>
-            </a:r>
-            <a:r>
-              <a:rPr lang="en-US" dirty="0" err="1">
-                <a:solidFill>
-                  <a:schemeClr val="bg1"/>
-                </a:solidFill>
-              </a:rPr>
-              <a:t>Nim</a:t>
-            </a:r>
-            <a:endParaRPr lang="en-US" dirty="0">
-              <a:solidFill>
-                <a:schemeClr val="bg1"/>
-              </a:solidFill>
-            </a:endParaRPr>
-          </a:p>
-          <a:p>
-            <a:pPr lvl="1">
-              <a:buFont typeface="Wingdings" panose="05000000000000000000" pitchFamily="2" charset="2"/>
-              <a:buChar char="Ø"/>
-            </a:pPr>
-            <a:r>
-              <a:rPr lang="en-US" dirty="0">
-                <a:solidFill>
-                  <a:schemeClr val="bg1"/>
-                </a:solidFill>
-              </a:rPr>
-              <a:t>The ultimate solution is to generate the ‘</a:t>
-            </a:r>
-            <a:r>
-              <a:rPr lang="en-US" dirty="0" err="1">
-                <a:solidFill>
-                  <a:schemeClr val="bg1"/>
-                </a:solidFill>
-              </a:rPr>
-              <a:t>Nimber</a:t>
-            </a:r>
-            <a:r>
-              <a:rPr lang="en-US" dirty="0">
-                <a:solidFill>
-                  <a:schemeClr val="bg1"/>
-                </a:solidFill>
-              </a:rPr>
-              <a:t>’ or ‘Grundy Number’</a:t>
-            </a:r>
-          </a:p>
-          <a:p>
-            <a:pPr lvl="1">
-              <a:buFont typeface="Wingdings" panose="05000000000000000000" pitchFamily="2" charset="2"/>
-              <a:buChar char="Ø"/>
-            </a:pPr>
-            <a:r>
-              <a:rPr lang="en-US" dirty="0">
-                <a:solidFill>
-                  <a:schemeClr val="bg1"/>
-                </a:solidFill>
-              </a:rPr>
-              <a:t>If the </a:t>
-            </a:r>
-            <a:r>
-              <a:rPr lang="en-US" dirty="0" err="1">
-                <a:solidFill>
-                  <a:schemeClr val="bg1"/>
-                </a:solidFill>
-              </a:rPr>
-              <a:t>nimber</a:t>
-            </a:r>
-            <a:r>
-              <a:rPr lang="en-US" dirty="0">
-                <a:solidFill>
-                  <a:schemeClr val="bg1"/>
-                </a:solidFill>
-              </a:rPr>
-              <a:t> is 0 then the second player wins.</a:t>
-            </a:r>
-          </a:p>
-          <a:p>
-            <a:pPr>
-              <a:buFont typeface="Wingdings" panose="05000000000000000000" pitchFamily="2" charset="2"/>
-              <a:buChar char="Ø"/>
-            </a:pPr>
-            <a:r>
-              <a:rPr lang="en-US" dirty="0">
-                <a:solidFill>
-                  <a:schemeClr val="bg1"/>
-                </a:solidFill>
-              </a:rPr>
-              <a:t>For small games, the </a:t>
-            </a:r>
-            <a:r>
-              <a:rPr lang="en-US" dirty="0" err="1">
-                <a:solidFill>
-                  <a:schemeClr val="bg1"/>
-                </a:solidFill>
-              </a:rPr>
-              <a:t>nimber</a:t>
-            </a:r>
-            <a:r>
-              <a:rPr lang="en-US" dirty="0">
-                <a:solidFill>
-                  <a:schemeClr val="bg1"/>
-                </a:solidFill>
-              </a:rPr>
-              <a:t> is easy to calculate</a:t>
-            </a:r>
-          </a:p>
-          <a:p>
-            <a:pPr lvl="1">
-              <a:buFont typeface="Wingdings" panose="05000000000000000000" pitchFamily="2" charset="2"/>
-              <a:buChar char="Ø"/>
-            </a:pPr>
-            <a:r>
-              <a:rPr lang="en-US" dirty="0">
-                <a:solidFill>
-                  <a:schemeClr val="bg1"/>
-                </a:solidFill>
-              </a:rPr>
-              <a:t>Consider the set of possible sizes of a heap after a move</a:t>
-            </a:r>
-          </a:p>
-          <a:p>
-            <a:pPr lvl="1">
-              <a:buFont typeface="Wingdings" panose="05000000000000000000" pitchFamily="2" charset="2"/>
-              <a:buChar char="Ø"/>
-            </a:pPr>
-            <a:r>
-              <a:rPr lang="en-US" dirty="0">
-                <a:solidFill>
-                  <a:schemeClr val="bg1"/>
-                </a:solidFill>
-              </a:rPr>
-              <a:t>The </a:t>
-            </a:r>
-            <a:r>
-              <a:rPr lang="en-US" dirty="0" err="1">
-                <a:solidFill>
-                  <a:schemeClr val="bg1"/>
-                </a:solidFill>
-              </a:rPr>
-              <a:t>nimber</a:t>
-            </a:r>
-            <a:r>
-              <a:rPr lang="en-US" dirty="0">
-                <a:solidFill>
-                  <a:schemeClr val="bg1"/>
-                </a:solidFill>
-              </a:rPr>
-              <a:t> is the minimum </a:t>
-            </a:r>
-            <a:r>
-              <a:rPr lang="en-US" dirty="0" err="1">
-                <a:solidFill>
-                  <a:schemeClr val="bg1"/>
-                </a:solidFill>
-              </a:rPr>
-              <a:t>excludant</a:t>
-            </a:r>
-            <a:r>
-              <a:rPr lang="en-US" dirty="0">
-                <a:solidFill>
-                  <a:schemeClr val="bg1"/>
-                </a:solidFill>
-              </a:rPr>
-              <a:t> of that set</a:t>
-            </a:r>
-          </a:p>
-          <a:p>
-            <a:pPr lvl="1">
-              <a:buFont typeface="Wingdings" panose="05000000000000000000" pitchFamily="2" charset="2"/>
-              <a:buChar char="Ø"/>
-            </a:pPr>
-            <a:r>
-              <a:rPr lang="en-US" dirty="0">
-                <a:solidFill>
-                  <a:schemeClr val="bg1"/>
-                </a:solidFill>
-              </a:rPr>
-              <a:t>Take the Grundy Sum of each heap’s </a:t>
-            </a:r>
-            <a:r>
-              <a:rPr lang="en-US" dirty="0" err="1">
-                <a:solidFill>
-                  <a:schemeClr val="bg1"/>
-                </a:solidFill>
-              </a:rPr>
-              <a:t>nimber</a:t>
-            </a:r>
-            <a:endParaRPr lang="en-US" dirty="0">
-              <a:solidFill>
-                <a:schemeClr val="bg1"/>
-              </a:solidFill>
-            </a:endParaRPr>
-          </a:p>
-          <a:p>
-            <a:pPr>
-              <a:buFont typeface="Wingdings" panose="05000000000000000000" pitchFamily="2" charset="2"/>
-              <a:buChar char="Ø"/>
-            </a:pPr>
-            <a:r>
-              <a:rPr lang="en-US" dirty="0">
-                <a:solidFill>
-                  <a:schemeClr val="bg1"/>
-                </a:solidFill>
-              </a:rPr>
-              <a:t>Unfortunately, the equivalent game of </a:t>
-            </a:r>
-            <a:r>
-              <a:rPr lang="en-US" dirty="0" err="1">
-                <a:solidFill>
-                  <a:schemeClr val="bg1"/>
-                </a:solidFill>
-              </a:rPr>
-              <a:t>Nim</a:t>
-            </a:r>
-            <a:r>
-              <a:rPr lang="en-US" dirty="0">
-                <a:solidFill>
-                  <a:schemeClr val="bg1"/>
-                </a:solidFill>
-              </a:rPr>
-              <a:t> is not clear</a:t>
-            </a:r>
-          </a:p>
-          <a:p>
-            <a:pPr lvl="1">
-              <a:buFont typeface="Wingdings" panose="05000000000000000000" pitchFamily="2" charset="2"/>
-              <a:buChar char="Ø"/>
-            </a:pPr>
-            <a:r>
-              <a:rPr lang="en-US" dirty="0">
-                <a:solidFill>
-                  <a:schemeClr val="bg1"/>
-                </a:solidFill>
-              </a:rPr>
-              <a:t>Bowling Pins does not have clearly defined heaps</a:t>
-            </a:r>
-          </a:p>
-          <a:p>
-            <a:pPr lvl="1">
-              <a:buFont typeface="Wingdings" panose="05000000000000000000" pitchFamily="2" charset="2"/>
-              <a:buChar char="Ø"/>
-            </a:pPr>
-            <a:r>
-              <a:rPr lang="en-US" dirty="0">
-                <a:solidFill>
-                  <a:schemeClr val="bg1"/>
-                </a:solidFill>
-              </a:rPr>
-              <a:t>The position of pins matters</a:t>
-            </a:r>
-          </a:p>
-          <a:p>
-            <a:pPr lvl="1"/>
-            <a:endParaRPr lang="en-US" dirty="0"/>
-          </a:p>
-          <a:p>
-            <a:endParaRPr lang="en-US" dirty="0"/>
-          </a:p>
-        </p:txBody>
-      </p:sp>
-      <p:pic>
-        <p:nvPicPr>
-          <p:cNvPr id="5" name="Picture 4" descr="Text&#10;&#10;Description automatically generated">
-            <a:extLst>
-              <a:ext uri="{FF2B5EF4-FFF2-40B4-BE49-F238E27FC236}">
-                <a16:creationId xmlns:a16="http://schemas.microsoft.com/office/drawing/2014/main" id="{D81253F0-7D71-46A2-9638-14CC68D035A9}"/>
-              </a:ext>
-            </a:extLst>
-          </p:cNvPr>
-          <p:cNvPicPr>
-            <a:picLocks noChangeAspect="1"/>
-          </p:cNvPicPr>
-          <p:nvPr/>
-        </p:nvPicPr>
-        <p:blipFill>
-          <a:blip r:embed="rId2">
-            <a:extLst>
-              <a:ext uri="{28A0092B-C50C-407E-A947-70E740481C1C}">
-                <a14:useLocalDpi xmlns:a14="http://schemas.microsoft.com/office/drawing/2010/main" val="0"/>
-              </a:ext>
-            </a:extLst>
-          </a:blip>
-          <a:stretch>
-            <a:fillRect/>
-          </a:stretch>
-        </p:blipFill>
-        <p:spPr>
-          <a:xfrm>
-            <a:off x="8007481" y="3143775"/>
-            <a:ext cx="3886200" cy="1684020"/>
-          </a:xfrm>
-          <a:prstGeom prst="rect">
-            <a:avLst/>
-          </a:prstGeom>
-        </p:spPr>
-      </p:pic>
-      <p:graphicFrame>
-        <p:nvGraphicFramePr>
-          <p:cNvPr id="6" name="Table 13">
-            <a:extLst>
-              <a:ext uri="{FF2B5EF4-FFF2-40B4-BE49-F238E27FC236}">
-                <a16:creationId xmlns:a16="http://schemas.microsoft.com/office/drawing/2014/main" id="{73B36042-A578-4FF9-89BE-12E4D4D6FF1E}"/>
-              </a:ext>
-            </a:extLst>
-          </p:cNvPr>
-          <p:cNvGraphicFramePr>
-            <a:graphicFrameLocks noGrp="1"/>
-          </p:cNvGraphicFramePr>
-          <p:nvPr>
-            <p:extLst>
-              <p:ext uri="{D42A27DB-BD31-4B8C-83A1-F6EECF244321}">
-                <p14:modId xmlns:p14="http://schemas.microsoft.com/office/powerpoint/2010/main" val="1481059280"/>
-              </p:ext>
-            </p:extLst>
-          </p:nvPr>
-        </p:nvGraphicFramePr>
-        <p:xfrm>
-          <a:off x="9549225" y="1246775"/>
-          <a:ext cx="839792" cy="304800"/>
-        </p:xfrm>
-        <a:graphic>
-          <a:graphicData uri="http://schemas.openxmlformats.org/drawingml/2006/table">
-            <a:tbl>
-              <a:tblPr firstRow="1" bandRow="1">
-                <a:tableStyleId>{5C22544A-7EE6-4342-B048-85BDC9FD1C3A}</a:tableStyleId>
-              </a:tblPr>
-              <a:tblGrid>
-                <a:gridCol w="419896">
-                  <a:extLst>
-                    <a:ext uri="{9D8B030D-6E8A-4147-A177-3AD203B41FA5}">
-                      <a16:colId xmlns:a16="http://schemas.microsoft.com/office/drawing/2014/main" val="3066231999"/>
-                    </a:ext>
-                  </a:extLst>
-                </a:gridCol>
-                <a:gridCol w="419896">
-                  <a:extLst>
-                    <a:ext uri="{9D8B030D-6E8A-4147-A177-3AD203B41FA5}">
-                      <a16:colId xmlns:a16="http://schemas.microsoft.com/office/drawing/2014/main" val="2286272556"/>
-                    </a:ext>
-                  </a:extLst>
-                </a:gridCol>
-              </a:tblGrid>
-              <a:tr h="302004">
-                <a:tc>
-                  <a:txBody>
-                    <a:bodyPr/>
-                    <a:lstStyle/>
-                    <a:p>
-                      <a:r>
-                        <a:rPr lang="en-US" dirty="0"/>
-                        <a:t> </a:t>
-                      </a:r>
-                      <a:r>
-                        <a:rPr lang="en-US" sz="1200" dirty="0"/>
-                        <a:t>X</a:t>
-                      </a:r>
-                    </a:p>
-                  </a:txBody>
-                  <a:tcPr/>
-                </a:tc>
-                <a:tc>
-                  <a:txBody>
-                    <a:bodyPr/>
-                    <a:lstStyle/>
-                    <a:p>
-                      <a:r>
-                        <a:rPr lang="en-US" dirty="0"/>
-                        <a:t> </a:t>
-                      </a:r>
-                      <a:r>
-                        <a:rPr lang="en-US" sz="1200" dirty="0"/>
-                        <a:t>X</a:t>
-                      </a:r>
-                    </a:p>
-                  </a:txBody>
-                  <a:tcPr/>
-                </a:tc>
-                <a:extLst>
-                  <a:ext uri="{0D108BD9-81ED-4DB2-BD59-A6C34878D82A}">
-                    <a16:rowId xmlns:a16="http://schemas.microsoft.com/office/drawing/2014/main" val="2090745143"/>
-                  </a:ext>
-                </a:extLst>
-              </a:tr>
-            </a:tbl>
-          </a:graphicData>
-        </a:graphic>
-      </p:graphicFrame>
-      <p:graphicFrame>
-        <p:nvGraphicFramePr>
-          <p:cNvPr id="7" name="Table 6">
-            <a:extLst>
-              <a:ext uri="{FF2B5EF4-FFF2-40B4-BE49-F238E27FC236}">
-                <a16:creationId xmlns:a16="http://schemas.microsoft.com/office/drawing/2014/main" id="{44B40D52-A1AA-4097-ACEE-9FD2A3A6B5FC}"/>
-              </a:ext>
-            </a:extLst>
-          </p:cNvPr>
-          <p:cNvGraphicFramePr>
-            <a:graphicFrameLocks noGrp="1"/>
-          </p:cNvGraphicFramePr>
-          <p:nvPr>
-            <p:extLst>
-              <p:ext uri="{D42A27DB-BD31-4B8C-83A1-F6EECF244321}">
-                <p14:modId xmlns:p14="http://schemas.microsoft.com/office/powerpoint/2010/main" val="3868093044"/>
-              </p:ext>
-            </p:extLst>
-          </p:nvPr>
-        </p:nvGraphicFramePr>
-        <p:xfrm>
-          <a:off x="8500158" y="1612535"/>
-          <a:ext cx="839792" cy="304800"/>
-        </p:xfrm>
-        <a:graphic>
-          <a:graphicData uri="http://schemas.openxmlformats.org/drawingml/2006/table">
-            <a:tbl>
-              <a:tblPr firstRow="1" bandRow="1">
-                <a:tableStyleId>{5C22544A-7EE6-4342-B048-85BDC9FD1C3A}</a:tableStyleId>
-              </a:tblPr>
-              <a:tblGrid>
-                <a:gridCol w="419896">
-                  <a:extLst>
-                    <a:ext uri="{9D8B030D-6E8A-4147-A177-3AD203B41FA5}">
-                      <a16:colId xmlns:a16="http://schemas.microsoft.com/office/drawing/2014/main" val="3066231999"/>
-                    </a:ext>
-                  </a:extLst>
-                </a:gridCol>
-                <a:gridCol w="419896">
-                  <a:extLst>
-                    <a:ext uri="{9D8B030D-6E8A-4147-A177-3AD203B41FA5}">
-                      <a16:colId xmlns:a16="http://schemas.microsoft.com/office/drawing/2014/main" val="2286272556"/>
-                    </a:ext>
-                  </a:extLst>
-                </a:gridCol>
-              </a:tblGrid>
-              <a:tr h="302004">
-                <a:tc>
-                  <a:txBody>
-                    <a:bodyPr/>
-                    <a:lstStyle/>
-                    <a:p>
-                      <a:r>
-                        <a:rPr lang="en-US" dirty="0"/>
-                        <a:t> </a:t>
-                      </a:r>
-                      <a:r>
-                        <a:rPr lang="en-US" sz="1200" dirty="0"/>
-                        <a:t>I</a:t>
-                      </a:r>
-                    </a:p>
-                  </a:txBody>
-                  <a:tcPr/>
-                </a:tc>
-                <a:tc>
-                  <a:txBody>
-                    <a:bodyPr/>
-                    <a:lstStyle/>
-                    <a:p>
-                      <a:r>
-                        <a:rPr lang="en-US" dirty="0"/>
-                        <a:t> </a:t>
-                      </a:r>
-                      <a:r>
-                        <a:rPr lang="en-US" sz="1200" dirty="0"/>
-                        <a:t>X</a:t>
-                      </a:r>
-                    </a:p>
-                  </a:txBody>
-                  <a:tcPr/>
-                </a:tc>
-                <a:extLst>
-                  <a:ext uri="{0D108BD9-81ED-4DB2-BD59-A6C34878D82A}">
-                    <a16:rowId xmlns:a16="http://schemas.microsoft.com/office/drawing/2014/main" val="2090745143"/>
-                  </a:ext>
-                </a:extLst>
-              </a:tr>
-            </a:tbl>
-          </a:graphicData>
-        </a:graphic>
-      </p:graphicFrame>
-      <p:graphicFrame>
-        <p:nvGraphicFramePr>
-          <p:cNvPr id="8" name="Table 13">
-            <a:extLst>
-              <a:ext uri="{FF2B5EF4-FFF2-40B4-BE49-F238E27FC236}">
-                <a16:creationId xmlns:a16="http://schemas.microsoft.com/office/drawing/2014/main" id="{ADDDBF6C-4B6E-44E3-B607-C8E90900A8B3}"/>
-              </a:ext>
-            </a:extLst>
-          </p:cNvPr>
-          <p:cNvGraphicFramePr>
-            <a:graphicFrameLocks noGrp="1"/>
-          </p:cNvGraphicFramePr>
-          <p:nvPr>
-            <p:extLst>
-              <p:ext uri="{D42A27DB-BD31-4B8C-83A1-F6EECF244321}">
-                <p14:modId xmlns:p14="http://schemas.microsoft.com/office/powerpoint/2010/main" val="3013409350"/>
-              </p:ext>
-            </p:extLst>
-          </p:nvPr>
-        </p:nvGraphicFramePr>
-        <p:xfrm>
-          <a:off x="9549225" y="1795415"/>
-          <a:ext cx="839792" cy="304800"/>
-        </p:xfrm>
-        <a:graphic>
-          <a:graphicData uri="http://schemas.openxmlformats.org/drawingml/2006/table">
-            <a:tbl>
-              <a:tblPr firstRow="1" bandRow="1">
-                <a:tableStyleId>{5C22544A-7EE6-4342-B048-85BDC9FD1C3A}</a:tableStyleId>
-              </a:tblPr>
-              <a:tblGrid>
-                <a:gridCol w="419896">
-                  <a:extLst>
-                    <a:ext uri="{9D8B030D-6E8A-4147-A177-3AD203B41FA5}">
-                      <a16:colId xmlns:a16="http://schemas.microsoft.com/office/drawing/2014/main" val="3066231999"/>
-                    </a:ext>
-                  </a:extLst>
-                </a:gridCol>
-                <a:gridCol w="419896">
-                  <a:extLst>
-                    <a:ext uri="{9D8B030D-6E8A-4147-A177-3AD203B41FA5}">
-                      <a16:colId xmlns:a16="http://schemas.microsoft.com/office/drawing/2014/main" val="2286272556"/>
-                    </a:ext>
-                  </a:extLst>
-                </a:gridCol>
-              </a:tblGrid>
-              <a:tr h="302004">
-                <a:tc>
-                  <a:txBody>
-                    <a:bodyPr/>
-                    <a:lstStyle/>
-                    <a:p>
-                      <a:r>
-                        <a:rPr lang="en-US" dirty="0"/>
-                        <a:t> </a:t>
-                      </a:r>
-                      <a:r>
-                        <a:rPr lang="en-US" sz="1200" dirty="0"/>
-                        <a:t>I</a:t>
-                      </a:r>
-                    </a:p>
-                  </a:txBody>
-                  <a:tcPr/>
-                </a:tc>
-                <a:tc>
-                  <a:txBody>
-                    <a:bodyPr/>
-                    <a:lstStyle/>
-                    <a:p>
-                      <a:r>
-                        <a:rPr lang="en-US" dirty="0"/>
-                        <a:t> </a:t>
-                      </a:r>
-                      <a:r>
-                        <a:rPr lang="en-US" sz="1200" dirty="0"/>
-                        <a:t>I</a:t>
-                      </a:r>
-                    </a:p>
-                  </a:txBody>
-                  <a:tcPr/>
-                </a:tc>
-                <a:extLst>
-                  <a:ext uri="{0D108BD9-81ED-4DB2-BD59-A6C34878D82A}">
-                    <a16:rowId xmlns:a16="http://schemas.microsoft.com/office/drawing/2014/main" val="2090745143"/>
-                  </a:ext>
-                </a:extLst>
-              </a:tr>
-            </a:tbl>
-          </a:graphicData>
-        </a:graphic>
-      </p:graphicFrame>
-      <p:graphicFrame>
-        <p:nvGraphicFramePr>
-          <p:cNvPr id="9" name="Table 13">
-            <a:extLst>
-              <a:ext uri="{FF2B5EF4-FFF2-40B4-BE49-F238E27FC236}">
-                <a16:creationId xmlns:a16="http://schemas.microsoft.com/office/drawing/2014/main" id="{B2CA0ABA-73FC-4F6E-B4BF-03A41A28E30E}"/>
-              </a:ext>
-            </a:extLst>
-          </p:cNvPr>
-          <p:cNvGraphicFramePr>
-            <a:graphicFrameLocks noGrp="1"/>
-          </p:cNvGraphicFramePr>
-          <p:nvPr>
-            <p:extLst>
-              <p:ext uri="{D42A27DB-BD31-4B8C-83A1-F6EECF244321}">
-                <p14:modId xmlns:p14="http://schemas.microsoft.com/office/powerpoint/2010/main" val="3208479075"/>
-              </p:ext>
-            </p:extLst>
-          </p:nvPr>
-        </p:nvGraphicFramePr>
-        <p:xfrm>
-          <a:off x="10598292" y="1612535"/>
-          <a:ext cx="839792" cy="304800"/>
-        </p:xfrm>
-        <a:graphic>
-          <a:graphicData uri="http://schemas.openxmlformats.org/drawingml/2006/table">
-            <a:tbl>
-              <a:tblPr firstRow="1" bandRow="1">
-                <a:tableStyleId>{5C22544A-7EE6-4342-B048-85BDC9FD1C3A}</a:tableStyleId>
-              </a:tblPr>
-              <a:tblGrid>
-                <a:gridCol w="419896">
-                  <a:extLst>
-                    <a:ext uri="{9D8B030D-6E8A-4147-A177-3AD203B41FA5}">
-                      <a16:colId xmlns:a16="http://schemas.microsoft.com/office/drawing/2014/main" val="3066231999"/>
-                    </a:ext>
-                  </a:extLst>
-                </a:gridCol>
-                <a:gridCol w="419896">
-                  <a:extLst>
-                    <a:ext uri="{9D8B030D-6E8A-4147-A177-3AD203B41FA5}">
-                      <a16:colId xmlns:a16="http://schemas.microsoft.com/office/drawing/2014/main" val="2286272556"/>
-                    </a:ext>
-                  </a:extLst>
-                </a:gridCol>
-              </a:tblGrid>
-              <a:tr h="302004">
-                <a:tc>
-                  <a:txBody>
-                    <a:bodyPr/>
-                    <a:lstStyle/>
-                    <a:p>
-                      <a:r>
-                        <a:rPr lang="en-US" dirty="0"/>
-                        <a:t> </a:t>
-                      </a:r>
-                      <a:r>
-                        <a:rPr lang="en-US" sz="1200" dirty="0"/>
-                        <a:t>X</a:t>
-                      </a:r>
-                    </a:p>
-                  </a:txBody>
-                  <a:tcPr/>
-                </a:tc>
-                <a:tc>
-                  <a:txBody>
-                    <a:bodyPr/>
-                    <a:lstStyle/>
-                    <a:p>
-                      <a:r>
-                        <a:rPr lang="en-US" dirty="0"/>
-                        <a:t> </a:t>
-                      </a:r>
-                      <a:r>
-                        <a:rPr lang="en-US" sz="1200" dirty="0"/>
-                        <a:t>I</a:t>
-                      </a:r>
-                    </a:p>
-                  </a:txBody>
-                  <a:tcPr/>
-                </a:tc>
-                <a:extLst>
-                  <a:ext uri="{0D108BD9-81ED-4DB2-BD59-A6C34878D82A}">
-                    <a16:rowId xmlns:a16="http://schemas.microsoft.com/office/drawing/2014/main" val="2090745143"/>
-                  </a:ext>
-                </a:extLst>
-              </a:tr>
-            </a:tbl>
-          </a:graphicData>
-        </a:graphic>
-      </p:graphicFrame>
-      <p:graphicFrame>
-        <p:nvGraphicFramePr>
-          <p:cNvPr id="10" name="Table 13">
-            <a:extLst>
-              <a:ext uri="{FF2B5EF4-FFF2-40B4-BE49-F238E27FC236}">
-                <a16:creationId xmlns:a16="http://schemas.microsoft.com/office/drawing/2014/main" id="{481A6716-9C07-4E09-B4F2-400AA0230F9F}"/>
-              </a:ext>
-            </a:extLst>
-          </p:cNvPr>
-          <p:cNvGraphicFramePr>
-            <a:graphicFrameLocks noGrp="1"/>
-          </p:cNvGraphicFramePr>
-          <p:nvPr>
-            <p:extLst>
-              <p:ext uri="{D42A27DB-BD31-4B8C-83A1-F6EECF244321}">
-                <p14:modId xmlns:p14="http://schemas.microsoft.com/office/powerpoint/2010/main" val="4219680278"/>
-              </p:ext>
-            </p:extLst>
-          </p:nvPr>
-        </p:nvGraphicFramePr>
-        <p:xfrm>
-          <a:off x="10598292" y="2195850"/>
-          <a:ext cx="839792" cy="304800"/>
-        </p:xfrm>
-        <a:graphic>
-          <a:graphicData uri="http://schemas.openxmlformats.org/drawingml/2006/table">
-            <a:tbl>
-              <a:tblPr firstRow="1" bandRow="1">
-                <a:tableStyleId>{5C22544A-7EE6-4342-B048-85BDC9FD1C3A}</a:tableStyleId>
-              </a:tblPr>
-              <a:tblGrid>
-                <a:gridCol w="419896">
-                  <a:extLst>
-                    <a:ext uri="{9D8B030D-6E8A-4147-A177-3AD203B41FA5}">
-                      <a16:colId xmlns:a16="http://schemas.microsoft.com/office/drawing/2014/main" val="3066231999"/>
-                    </a:ext>
-                  </a:extLst>
-                </a:gridCol>
-                <a:gridCol w="419896">
-                  <a:extLst>
-                    <a:ext uri="{9D8B030D-6E8A-4147-A177-3AD203B41FA5}">
-                      <a16:colId xmlns:a16="http://schemas.microsoft.com/office/drawing/2014/main" val="2286272556"/>
-                    </a:ext>
-                  </a:extLst>
-                </a:gridCol>
-              </a:tblGrid>
-              <a:tr h="302004">
-                <a:tc>
-                  <a:txBody>
-                    <a:bodyPr/>
-                    <a:lstStyle/>
-                    <a:p>
-                      <a:r>
-                        <a:rPr lang="en-US" dirty="0"/>
-                        <a:t> </a:t>
-                      </a:r>
-                      <a:r>
-                        <a:rPr lang="en-US" sz="1200" dirty="0"/>
-                        <a:t>I</a:t>
-                      </a:r>
-                    </a:p>
-                  </a:txBody>
-                  <a:tcPr/>
-                </a:tc>
-                <a:tc>
-                  <a:txBody>
-                    <a:bodyPr/>
-                    <a:lstStyle/>
-                    <a:p>
-                      <a:r>
-                        <a:rPr lang="en-US" dirty="0"/>
-                        <a:t> </a:t>
-                      </a:r>
-                      <a:r>
-                        <a:rPr lang="en-US" sz="1200" dirty="0"/>
-                        <a:t>I</a:t>
-                      </a:r>
-                    </a:p>
-                  </a:txBody>
-                  <a:tcPr/>
-                </a:tc>
-                <a:extLst>
-                  <a:ext uri="{0D108BD9-81ED-4DB2-BD59-A6C34878D82A}">
-                    <a16:rowId xmlns:a16="http://schemas.microsoft.com/office/drawing/2014/main" val="2090745143"/>
-                  </a:ext>
-                </a:extLst>
-              </a:tr>
-            </a:tbl>
-          </a:graphicData>
-        </a:graphic>
-      </p:graphicFrame>
-      <p:graphicFrame>
-        <p:nvGraphicFramePr>
-          <p:cNvPr id="11" name="Table 13">
-            <a:extLst>
-              <a:ext uri="{FF2B5EF4-FFF2-40B4-BE49-F238E27FC236}">
-                <a16:creationId xmlns:a16="http://schemas.microsoft.com/office/drawing/2014/main" id="{67CD2EE1-3BC0-4708-B6DC-3BE845647577}"/>
-              </a:ext>
-            </a:extLst>
-          </p:cNvPr>
-          <p:cNvGraphicFramePr>
-            <a:graphicFrameLocks noGrp="1"/>
-          </p:cNvGraphicFramePr>
-          <p:nvPr>
-            <p:extLst>
-              <p:ext uri="{D42A27DB-BD31-4B8C-83A1-F6EECF244321}">
-                <p14:modId xmlns:p14="http://schemas.microsoft.com/office/powerpoint/2010/main" val="2448546084"/>
-              </p:ext>
-            </p:extLst>
-          </p:nvPr>
-        </p:nvGraphicFramePr>
-        <p:xfrm>
-          <a:off x="8500158" y="2195850"/>
-          <a:ext cx="839792" cy="304800"/>
-        </p:xfrm>
-        <a:graphic>
-          <a:graphicData uri="http://schemas.openxmlformats.org/drawingml/2006/table">
-            <a:tbl>
-              <a:tblPr firstRow="1" bandRow="1">
-                <a:tableStyleId>{5C22544A-7EE6-4342-B048-85BDC9FD1C3A}</a:tableStyleId>
-              </a:tblPr>
-              <a:tblGrid>
-                <a:gridCol w="419896">
-                  <a:extLst>
-                    <a:ext uri="{9D8B030D-6E8A-4147-A177-3AD203B41FA5}">
-                      <a16:colId xmlns:a16="http://schemas.microsoft.com/office/drawing/2014/main" val="3066231999"/>
-                    </a:ext>
-                  </a:extLst>
-                </a:gridCol>
-                <a:gridCol w="419896">
-                  <a:extLst>
-                    <a:ext uri="{9D8B030D-6E8A-4147-A177-3AD203B41FA5}">
-                      <a16:colId xmlns:a16="http://schemas.microsoft.com/office/drawing/2014/main" val="2286272556"/>
-                    </a:ext>
-                  </a:extLst>
-                </a:gridCol>
-              </a:tblGrid>
-              <a:tr h="302004">
-                <a:tc>
-                  <a:txBody>
-                    <a:bodyPr/>
-                    <a:lstStyle/>
-                    <a:p>
-                      <a:r>
-                        <a:rPr lang="en-US" dirty="0"/>
-                        <a:t> </a:t>
-                      </a:r>
-                      <a:r>
-                        <a:rPr lang="en-US" sz="1200" dirty="0"/>
-                        <a:t>I</a:t>
-                      </a:r>
-                    </a:p>
-                  </a:txBody>
-                  <a:tcPr/>
-                </a:tc>
-                <a:tc>
-                  <a:txBody>
-                    <a:bodyPr/>
-                    <a:lstStyle/>
-                    <a:p>
-                      <a:r>
-                        <a:rPr lang="en-US" dirty="0"/>
-                        <a:t> </a:t>
-                      </a:r>
-                      <a:r>
-                        <a:rPr lang="en-US" sz="1200" dirty="0"/>
-                        <a:t>I</a:t>
-                      </a:r>
-                    </a:p>
-                  </a:txBody>
-                  <a:tcPr/>
-                </a:tc>
-                <a:extLst>
-                  <a:ext uri="{0D108BD9-81ED-4DB2-BD59-A6C34878D82A}">
-                    <a16:rowId xmlns:a16="http://schemas.microsoft.com/office/drawing/2014/main" val="2090745143"/>
-                  </a:ext>
-                </a:extLst>
-              </a:tr>
-            </a:tbl>
-          </a:graphicData>
-        </a:graphic>
-      </p:graphicFrame>
-      <p:cxnSp>
-        <p:nvCxnSpPr>
-          <p:cNvPr id="12" name="Straight Arrow Connector 11">
-            <a:extLst>
-              <a:ext uri="{FF2B5EF4-FFF2-40B4-BE49-F238E27FC236}">
-                <a16:creationId xmlns:a16="http://schemas.microsoft.com/office/drawing/2014/main" id="{8FF65FFC-270E-452E-BE3D-BDFBB1C53FB6}"/>
-              </a:ext>
-            </a:extLst>
-          </p:cNvPr>
-          <p:cNvCxnSpPr>
-            <a:endCxn id="7" idx="0"/>
-          </p:cNvCxnSpPr>
-          <p:nvPr/>
-        </p:nvCxnSpPr>
-        <p:spPr>
-          <a:xfrm flipH="1">
-            <a:off x="8920054" y="1429655"/>
-            <a:ext cx="629172" cy="182880"/>
-          </a:xfrm>
-          <a:prstGeom prst="straightConnector1">
-            <a:avLst/>
-          </a:prstGeom>
-          <a:ln>
-            <a:tailEnd type="triangle"/>
-          </a:ln>
-        </p:spPr>
-        <p:style>
-          <a:lnRef idx="1">
-            <a:schemeClr val="accent1"/>
-          </a:lnRef>
-          <a:fillRef idx="0">
-            <a:schemeClr val="accent1"/>
-          </a:fillRef>
-          <a:effectRef idx="0">
-            <a:schemeClr val="accent1"/>
-          </a:effectRef>
-          <a:fontRef idx="minor">
-            <a:schemeClr val="tx1"/>
-          </a:fontRef>
-        </p:style>
-      </p:cxnSp>
-      <p:cxnSp>
-        <p:nvCxnSpPr>
-          <p:cNvPr id="13" name="Straight Arrow Connector 12">
-            <a:extLst>
-              <a:ext uri="{FF2B5EF4-FFF2-40B4-BE49-F238E27FC236}">
-                <a16:creationId xmlns:a16="http://schemas.microsoft.com/office/drawing/2014/main" id="{57CC1D23-8D34-4B54-AFB8-83B3DAC6177E}"/>
-              </a:ext>
-            </a:extLst>
-          </p:cNvPr>
-          <p:cNvCxnSpPr>
-            <a:endCxn id="9" idx="0"/>
-          </p:cNvCxnSpPr>
-          <p:nvPr/>
-        </p:nvCxnSpPr>
-        <p:spPr>
-          <a:xfrm>
-            <a:off x="10389017" y="1429655"/>
-            <a:ext cx="629171" cy="182880"/>
-          </a:xfrm>
-          <a:prstGeom prst="straightConnector1">
-            <a:avLst/>
-          </a:prstGeom>
-          <a:ln>
-            <a:tailEnd type="triangle"/>
-          </a:ln>
-        </p:spPr>
-        <p:style>
-          <a:lnRef idx="1">
-            <a:schemeClr val="accent1"/>
-          </a:lnRef>
-          <a:fillRef idx="0">
-            <a:schemeClr val="accent1"/>
-          </a:fillRef>
-          <a:effectRef idx="0">
-            <a:schemeClr val="accent1"/>
-          </a:effectRef>
-          <a:fontRef idx="minor">
-            <a:schemeClr val="tx1"/>
-          </a:fontRef>
-        </p:style>
-      </p:cxnSp>
-      <p:cxnSp>
-        <p:nvCxnSpPr>
-          <p:cNvPr id="14" name="Straight Arrow Connector 13">
-            <a:extLst>
-              <a:ext uri="{FF2B5EF4-FFF2-40B4-BE49-F238E27FC236}">
-                <a16:creationId xmlns:a16="http://schemas.microsoft.com/office/drawing/2014/main" id="{3AD15147-F029-4893-BD7B-A87F23868881}"/>
-              </a:ext>
-            </a:extLst>
-          </p:cNvPr>
-          <p:cNvCxnSpPr>
-            <a:endCxn id="11" idx="0"/>
-          </p:cNvCxnSpPr>
-          <p:nvPr/>
-        </p:nvCxnSpPr>
-        <p:spPr>
-          <a:xfrm>
-            <a:off x="8920054" y="1978295"/>
-            <a:ext cx="0" cy="217555"/>
-          </a:xfrm>
-          <a:prstGeom prst="straightConnector1">
-            <a:avLst/>
-          </a:prstGeom>
-          <a:ln>
-            <a:tailEnd type="triangle"/>
-          </a:ln>
-        </p:spPr>
-        <p:style>
-          <a:lnRef idx="1">
-            <a:schemeClr val="accent1"/>
-          </a:lnRef>
-          <a:fillRef idx="0">
-            <a:schemeClr val="accent1"/>
-          </a:fillRef>
-          <a:effectRef idx="0">
-            <a:schemeClr val="accent1"/>
-          </a:effectRef>
-          <a:fontRef idx="minor">
-            <a:schemeClr val="tx1"/>
-          </a:fontRef>
-        </p:style>
-      </p:cxnSp>
-      <p:cxnSp>
-        <p:nvCxnSpPr>
-          <p:cNvPr id="15" name="Straight Arrow Connector 14">
-            <a:extLst>
-              <a:ext uri="{FF2B5EF4-FFF2-40B4-BE49-F238E27FC236}">
-                <a16:creationId xmlns:a16="http://schemas.microsoft.com/office/drawing/2014/main" id="{BD75DBA5-4ED5-4277-B349-3F406FC515E7}"/>
-              </a:ext>
-            </a:extLst>
-          </p:cNvPr>
-          <p:cNvCxnSpPr>
-            <a:endCxn id="8" idx="0"/>
-          </p:cNvCxnSpPr>
-          <p:nvPr/>
-        </p:nvCxnSpPr>
-        <p:spPr>
-          <a:xfrm>
-            <a:off x="9969121" y="1612535"/>
-            <a:ext cx="0" cy="182880"/>
-          </a:xfrm>
-          <a:prstGeom prst="straightConnector1">
-            <a:avLst/>
-          </a:prstGeom>
-          <a:ln>
-            <a:tailEnd type="triangle"/>
-          </a:ln>
-        </p:spPr>
-        <p:style>
-          <a:lnRef idx="1">
-            <a:schemeClr val="accent1"/>
-          </a:lnRef>
-          <a:fillRef idx="0">
-            <a:schemeClr val="accent1"/>
-          </a:fillRef>
-          <a:effectRef idx="0">
-            <a:schemeClr val="accent1"/>
-          </a:effectRef>
-          <a:fontRef idx="minor">
-            <a:schemeClr val="tx1"/>
-          </a:fontRef>
-        </p:style>
-      </p:cxnSp>
-      <p:cxnSp>
-        <p:nvCxnSpPr>
-          <p:cNvPr id="16" name="Straight Arrow Connector 15">
-            <a:extLst>
-              <a:ext uri="{FF2B5EF4-FFF2-40B4-BE49-F238E27FC236}">
-                <a16:creationId xmlns:a16="http://schemas.microsoft.com/office/drawing/2014/main" id="{03A468FF-3493-42C5-87C8-723CA256C6F5}"/>
-              </a:ext>
-            </a:extLst>
-          </p:cNvPr>
-          <p:cNvCxnSpPr>
-            <a:endCxn id="10" idx="0"/>
-          </p:cNvCxnSpPr>
-          <p:nvPr/>
-        </p:nvCxnSpPr>
-        <p:spPr>
-          <a:xfrm>
-            <a:off x="11018188" y="1978295"/>
-            <a:ext cx="0" cy="217555"/>
-          </a:xfrm>
-          <a:prstGeom prst="straightConnector1">
-            <a:avLst/>
-          </a:prstGeom>
-          <a:ln>
-            <a:tailEnd type="triangle"/>
-          </a:ln>
-        </p:spPr>
-        <p:style>
-          <a:lnRef idx="1">
-            <a:schemeClr val="accent1"/>
-          </a:lnRef>
-          <a:fillRef idx="0">
-            <a:schemeClr val="accent1"/>
-          </a:fillRef>
-          <a:effectRef idx="0">
-            <a:schemeClr val="accent1"/>
-          </a:effectRef>
-          <a:fontRef idx="minor">
-            <a:schemeClr val="tx1"/>
-          </a:fontRef>
-        </p:style>
-      </p:cxnSp>
-      <p:sp>
-        <p:nvSpPr>
-          <p:cNvPr id="17" name="TextBox 16">
-            <a:extLst>
-              <a:ext uri="{FF2B5EF4-FFF2-40B4-BE49-F238E27FC236}">
-                <a16:creationId xmlns:a16="http://schemas.microsoft.com/office/drawing/2014/main" id="{3597A037-8D24-4DA6-A542-DF737CA154B1}"/>
-              </a:ext>
-            </a:extLst>
-          </p:cNvPr>
-          <p:cNvSpPr txBox="1"/>
-          <p:nvPr/>
-        </p:nvSpPr>
-        <p:spPr>
-          <a:xfrm>
-            <a:off x="9830702" y="863601"/>
-            <a:ext cx="276837" cy="369332"/>
-          </a:xfrm>
-          <a:prstGeom prst="rect">
-            <a:avLst/>
-          </a:prstGeom>
-          <a:noFill/>
-        </p:spPr>
-        <p:txBody>
-          <a:bodyPr wrap="square" rtlCol="0">
-            <a:spAutoFit/>
-          </a:bodyPr>
-          <a:lstStyle/>
-          <a:p>
-            <a:r>
-              <a:rPr lang="en-US" dirty="0"/>
-              <a:t>P</a:t>
-            </a:r>
-          </a:p>
-        </p:txBody>
-      </p:sp>
-      <p:sp>
-        <p:nvSpPr>
-          <p:cNvPr id="18" name="TextBox 17">
-            <a:extLst>
-              <a:ext uri="{FF2B5EF4-FFF2-40B4-BE49-F238E27FC236}">
-                <a16:creationId xmlns:a16="http://schemas.microsoft.com/office/drawing/2014/main" id="{3ABB8184-E912-4FD2-B3AE-54D3FF6E9E20}"/>
-              </a:ext>
-            </a:extLst>
-          </p:cNvPr>
-          <p:cNvSpPr txBox="1"/>
-          <p:nvPr/>
-        </p:nvSpPr>
-        <p:spPr>
-          <a:xfrm>
-            <a:off x="11438083" y="1608963"/>
-            <a:ext cx="276837" cy="369332"/>
-          </a:xfrm>
-          <a:prstGeom prst="rect">
-            <a:avLst/>
-          </a:prstGeom>
-          <a:noFill/>
-        </p:spPr>
-        <p:txBody>
-          <a:bodyPr wrap="square" rtlCol="0">
-            <a:spAutoFit/>
-          </a:bodyPr>
-          <a:lstStyle/>
-          <a:p>
-            <a:r>
-              <a:rPr lang="en-US" dirty="0"/>
-              <a:t>N</a:t>
-            </a:r>
-          </a:p>
-        </p:txBody>
-      </p:sp>
-      <p:sp>
-        <p:nvSpPr>
-          <p:cNvPr id="19" name="TextBox 18">
-            <a:extLst>
-              <a:ext uri="{FF2B5EF4-FFF2-40B4-BE49-F238E27FC236}">
-                <a16:creationId xmlns:a16="http://schemas.microsoft.com/office/drawing/2014/main" id="{B7047270-82E9-405A-8E6E-D15965A302A2}"/>
-              </a:ext>
-            </a:extLst>
-          </p:cNvPr>
-          <p:cNvSpPr txBox="1"/>
-          <p:nvPr/>
-        </p:nvSpPr>
-        <p:spPr>
-          <a:xfrm>
-            <a:off x="8152464" y="1608963"/>
-            <a:ext cx="276837" cy="369332"/>
-          </a:xfrm>
-          <a:prstGeom prst="rect">
-            <a:avLst/>
-          </a:prstGeom>
-          <a:noFill/>
-        </p:spPr>
-        <p:txBody>
-          <a:bodyPr wrap="square" rtlCol="0">
-            <a:spAutoFit/>
-          </a:bodyPr>
-          <a:lstStyle/>
-          <a:p>
-            <a:r>
-              <a:rPr lang="en-US" dirty="0"/>
-              <a:t>N</a:t>
-            </a:r>
-          </a:p>
-        </p:txBody>
-      </p:sp>
-      <p:sp>
-        <p:nvSpPr>
-          <p:cNvPr id="20" name="TextBox 19">
-            <a:extLst>
-              <a:ext uri="{FF2B5EF4-FFF2-40B4-BE49-F238E27FC236}">
-                <a16:creationId xmlns:a16="http://schemas.microsoft.com/office/drawing/2014/main" id="{1279AAA6-B791-4B62-A43F-67C9881D0E9B}"/>
-              </a:ext>
-            </a:extLst>
-          </p:cNvPr>
-          <p:cNvSpPr txBox="1"/>
-          <p:nvPr/>
-        </p:nvSpPr>
-        <p:spPr>
-          <a:xfrm>
-            <a:off x="9776173" y="2195850"/>
-            <a:ext cx="276837" cy="369332"/>
-          </a:xfrm>
-          <a:prstGeom prst="rect">
-            <a:avLst/>
-          </a:prstGeom>
-          <a:noFill/>
-        </p:spPr>
-        <p:txBody>
-          <a:bodyPr wrap="square" rtlCol="0">
-            <a:spAutoFit/>
-          </a:bodyPr>
-          <a:lstStyle/>
-          <a:p>
-            <a:r>
-              <a:rPr lang="en-US" dirty="0"/>
-              <a:t>N</a:t>
-            </a:r>
-          </a:p>
-        </p:txBody>
-      </p:sp>
-      <p:sp>
-        <p:nvSpPr>
-          <p:cNvPr id="21" name="TextBox 20">
-            <a:extLst>
-              <a:ext uri="{FF2B5EF4-FFF2-40B4-BE49-F238E27FC236}">
-                <a16:creationId xmlns:a16="http://schemas.microsoft.com/office/drawing/2014/main" id="{BAABC4FA-04B5-4E71-908F-F17D07792DB1}"/>
-              </a:ext>
-            </a:extLst>
-          </p:cNvPr>
-          <p:cNvSpPr txBox="1"/>
-          <p:nvPr/>
-        </p:nvSpPr>
-        <p:spPr>
-          <a:xfrm>
-            <a:off x="8781635" y="2594499"/>
-            <a:ext cx="276837" cy="369332"/>
-          </a:xfrm>
-          <a:prstGeom prst="rect">
-            <a:avLst/>
-          </a:prstGeom>
-          <a:noFill/>
-        </p:spPr>
-        <p:txBody>
-          <a:bodyPr wrap="square" rtlCol="0">
-            <a:spAutoFit/>
-          </a:bodyPr>
-          <a:lstStyle/>
-          <a:p>
-            <a:r>
-              <a:rPr lang="en-US" dirty="0"/>
-              <a:t>P</a:t>
-            </a:r>
-          </a:p>
-        </p:txBody>
-      </p:sp>
-      <p:sp>
-        <p:nvSpPr>
-          <p:cNvPr id="22" name="TextBox 21">
-            <a:extLst>
-              <a:ext uri="{FF2B5EF4-FFF2-40B4-BE49-F238E27FC236}">
-                <a16:creationId xmlns:a16="http://schemas.microsoft.com/office/drawing/2014/main" id="{25A10AEB-2536-496F-80F5-1BEF9E7AAE7B}"/>
-              </a:ext>
-            </a:extLst>
-          </p:cNvPr>
-          <p:cNvSpPr txBox="1"/>
-          <p:nvPr/>
-        </p:nvSpPr>
-        <p:spPr>
-          <a:xfrm>
-            <a:off x="10879769" y="2594499"/>
-            <a:ext cx="276837" cy="369332"/>
-          </a:xfrm>
-          <a:prstGeom prst="rect">
-            <a:avLst/>
-          </a:prstGeom>
-          <a:noFill/>
-        </p:spPr>
-        <p:txBody>
-          <a:bodyPr wrap="square" rtlCol="0">
-            <a:spAutoFit/>
-          </a:bodyPr>
-          <a:lstStyle/>
-          <a:p>
-            <a:r>
-              <a:rPr lang="en-US" dirty="0"/>
-              <a:t>P</a:t>
-            </a:r>
-          </a:p>
-        </p:txBody>
-      </p:sp>
-    </p:spTree>
-    <p:extLst>
-      <p:ext uri="{BB962C8B-B14F-4D97-AF65-F5344CB8AC3E}">
-        <p14:creationId xmlns:p14="http://schemas.microsoft.com/office/powerpoint/2010/main" val="3336171491"/>
-      </p:ext>
-    </p:extLst>
-  </p:cSld>
-  <p:clrMapOvr>
-    <a:masterClrMapping/>
-  </p:clrMapOvr>
-</p:sld>
-</file>
-
 <file path=ppt/slides/slide3.xml><?xml version="1.0" encoding="utf-8"?>
 <p:sld xmlns:a="http://schemas.openxmlformats.org/drawingml/2006/main" xmlns:r="http://schemas.openxmlformats.org/officeDocument/2006/relationships" xmlns:p="http://schemas.openxmlformats.org/presentationml/2006/main">
   <p:cSld>
@@ -25838,7 +23272,7 @@
                 <a:latin typeface="Century Gothic"/>
                 <a:sym typeface="Century Gothic"/>
               </a:rPr>
-              <a:t>Nick Rau – Debugging + user-friendly testing </a:t>
+              <a:t>Nick Rau – Debugging + syntax</a:t>
             </a:r>
           </a:p>
           <a:p>
@@ -25875,7 +23309,7 @@
                 <a:latin typeface="Century Gothic"/>
                 <a:sym typeface="Century Gothic"/>
               </a:rPr>
-              <a:t>Zeshawn Manzoor – Documentation, syntax</a:t>
+              <a:t>Zeshawn Manzoor – Documentation, user friendly testing</a:t>
             </a:r>
           </a:p>
           <a:p>
@@ -27137,7 +24571,7 @@
           </a:bodyPr>
           <a:lstStyle/>
           <a:p>
-            <a:pPr marL="342900" lvl="0" indent="-342900" algn="l" rtl="0">
+            <a:pPr marL="0" lvl="0" indent="0" algn="l" rtl="0">
               <a:spcBef>
                 <a:spcPts val="0"/>
               </a:spcBef>
@@ -27145,12 +24579,11 @@
                 <a:spcPts val="0"/>
               </a:spcAft>
               <a:buSzPts val="1600"/>
-              <a:buFont typeface="Wingdings" panose="05000000000000000000" pitchFamily="2" charset="2"/>
-              <a:buChar char="Ø"/>
+              <a:buNone/>
             </a:pPr>
             <a:r>
               <a:rPr lang="en-US" sz="4000" dirty="0"/>
-              <a:t>WARNING: EXPLICIT CONTENT</a:t>
+              <a:t>Disclaimer: Explicit Content </a:t>
             </a:r>
             <a:endParaRPr sz="4000" dirty="0"/>
           </a:p>
